--- a/화면 설계서/1. 수주대상 품목 등록 페이지.pptx
+++ b/화면 설계서/1. 수주대상 품목 등록 페이지.pptx
@@ -6,6 +6,7 @@
   </p:sldMasterIdLst>
   <p:sldIdLst>
     <p:sldId id="256" r:id="rId2"/>
+    <p:sldId id="257" r:id="rId3"/>
   </p:sldIdLst>
   <p:sldSz cx="12192000" cy="6858000"/>
   <p:notesSz cx="6858000" cy="9144000"/>
@@ -259,7 +260,7 @@
           <a:p>
             <a:fld id="{DAD0E3CB-4C1F-417D-9AFD-1B779428DFD7}" type="datetimeFigureOut">
               <a:rPr lang="ko-KR" altLang="en-US" smtClean="0"/>
-              <a:t>2025-10-02</a:t>
+              <a:t>2025-10-10</a:t>
             </a:fld>
             <a:endParaRPr lang="ko-KR" altLang="en-US"/>
           </a:p>
@@ -457,7 +458,7 @@
           <a:p>
             <a:fld id="{DAD0E3CB-4C1F-417D-9AFD-1B779428DFD7}" type="datetimeFigureOut">
               <a:rPr lang="ko-KR" altLang="en-US" smtClean="0"/>
-              <a:t>2025-10-02</a:t>
+              <a:t>2025-10-10</a:t>
             </a:fld>
             <a:endParaRPr lang="ko-KR" altLang="en-US"/>
           </a:p>
@@ -665,7 +666,7 @@
           <a:p>
             <a:fld id="{DAD0E3CB-4C1F-417D-9AFD-1B779428DFD7}" type="datetimeFigureOut">
               <a:rPr lang="ko-KR" altLang="en-US" smtClean="0"/>
-              <a:t>2025-10-02</a:t>
+              <a:t>2025-10-10</a:t>
             </a:fld>
             <a:endParaRPr lang="ko-KR" altLang="en-US"/>
           </a:p>
@@ -863,7 +864,7 @@
           <a:p>
             <a:fld id="{DAD0E3CB-4C1F-417D-9AFD-1B779428DFD7}" type="datetimeFigureOut">
               <a:rPr lang="ko-KR" altLang="en-US" smtClean="0"/>
-              <a:t>2025-10-02</a:t>
+              <a:t>2025-10-10</a:t>
             </a:fld>
             <a:endParaRPr lang="ko-KR" altLang="en-US"/>
           </a:p>
@@ -1138,7 +1139,7 @@
           <a:p>
             <a:fld id="{DAD0E3CB-4C1F-417D-9AFD-1B779428DFD7}" type="datetimeFigureOut">
               <a:rPr lang="ko-KR" altLang="en-US" smtClean="0"/>
-              <a:t>2025-10-02</a:t>
+              <a:t>2025-10-10</a:t>
             </a:fld>
             <a:endParaRPr lang="ko-KR" altLang="en-US"/>
           </a:p>
@@ -1403,7 +1404,7 @@
           <a:p>
             <a:fld id="{DAD0E3CB-4C1F-417D-9AFD-1B779428DFD7}" type="datetimeFigureOut">
               <a:rPr lang="ko-KR" altLang="en-US" smtClean="0"/>
-              <a:t>2025-10-02</a:t>
+              <a:t>2025-10-10</a:t>
             </a:fld>
             <a:endParaRPr lang="ko-KR" altLang="en-US"/>
           </a:p>
@@ -1815,7 +1816,7 @@
           <a:p>
             <a:fld id="{DAD0E3CB-4C1F-417D-9AFD-1B779428DFD7}" type="datetimeFigureOut">
               <a:rPr lang="ko-KR" altLang="en-US" smtClean="0"/>
-              <a:t>2025-10-02</a:t>
+              <a:t>2025-10-10</a:t>
             </a:fld>
             <a:endParaRPr lang="ko-KR" altLang="en-US"/>
           </a:p>
@@ -1956,7 +1957,7 @@
           <a:p>
             <a:fld id="{DAD0E3CB-4C1F-417D-9AFD-1B779428DFD7}" type="datetimeFigureOut">
               <a:rPr lang="ko-KR" altLang="en-US" smtClean="0"/>
-              <a:t>2025-10-02</a:t>
+              <a:t>2025-10-10</a:t>
             </a:fld>
             <a:endParaRPr lang="ko-KR" altLang="en-US"/>
           </a:p>
@@ -2069,7 +2070,7 @@
           <a:p>
             <a:fld id="{DAD0E3CB-4C1F-417D-9AFD-1B779428DFD7}" type="datetimeFigureOut">
               <a:rPr lang="ko-KR" altLang="en-US" smtClean="0"/>
-              <a:t>2025-10-02</a:t>
+              <a:t>2025-10-10</a:t>
             </a:fld>
             <a:endParaRPr lang="ko-KR" altLang="en-US"/>
           </a:p>
@@ -2380,7 +2381,7 @@
           <a:p>
             <a:fld id="{DAD0E3CB-4C1F-417D-9AFD-1B779428DFD7}" type="datetimeFigureOut">
               <a:rPr lang="ko-KR" altLang="en-US" smtClean="0"/>
-              <a:t>2025-10-02</a:t>
+              <a:t>2025-10-10</a:t>
             </a:fld>
             <a:endParaRPr lang="ko-KR" altLang="en-US"/>
           </a:p>
@@ -2668,7 +2669,7 @@
           <a:p>
             <a:fld id="{DAD0E3CB-4C1F-417D-9AFD-1B779428DFD7}" type="datetimeFigureOut">
               <a:rPr lang="ko-KR" altLang="en-US" smtClean="0"/>
-              <a:t>2025-10-02</a:t>
+              <a:t>2025-10-10</a:t>
             </a:fld>
             <a:endParaRPr lang="ko-KR" altLang="en-US"/>
           </a:p>
@@ -2909,7 +2910,7 @@
           <a:p>
             <a:fld id="{DAD0E3CB-4C1F-417D-9AFD-1B779428DFD7}" type="datetimeFigureOut">
               <a:rPr lang="ko-KR" altLang="en-US" smtClean="0"/>
-              <a:t>2025-10-02</a:t>
+              <a:t>2025-10-10</a:t>
             </a:fld>
             <a:endParaRPr lang="ko-KR" altLang="en-US"/>
           </a:p>
@@ -3764,7 +3765,7 @@
         </p:nvSpPr>
         <p:spPr>
           <a:xfrm>
-            <a:off x="1540584" y="3413125"/>
+            <a:off x="1540584" y="3674418"/>
             <a:ext cx="1619803" cy="1478280"/>
           </a:xfrm>
           <a:prstGeom prst="roundRect">
@@ -4010,7 +4011,7 @@
         </p:nvSpPr>
         <p:spPr>
           <a:xfrm>
-            <a:off x="3794428" y="3420722"/>
+            <a:off x="3794428" y="3682015"/>
             <a:ext cx="1619803" cy="1478280"/>
           </a:xfrm>
           <a:prstGeom prst="roundRect">
@@ -4077,7 +4078,7 @@
         </p:nvSpPr>
         <p:spPr>
           <a:xfrm>
-            <a:off x="6187240" y="3413125"/>
+            <a:off x="6187240" y="3674418"/>
             <a:ext cx="1619803" cy="1478280"/>
           </a:xfrm>
           <a:prstGeom prst="roundRect">
@@ -4144,7 +4145,7 @@
         </p:nvSpPr>
         <p:spPr>
           <a:xfrm>
-            <a:off x="8580052" y="3420722"/>
+            <a:off x="8580052" y="3682015"/>
             <a:ext cx="1619803" cy="1478280"/>
           </a:xfrm>
           <a:prstGeom prst="roundRect">
@@ -4225,7 +4226,7 @@
         </p:blipFill>
         <p:spPr>
           <a:xfrm>
-            <a:off x="4378790" y="4159862"/>
+            <a:off x="4378790" y="4421155"/>
             <a:ext cx="445394" cy="375385"/>
           </a:xfrm>
           <a:prstGeom prst="rect">
@@ -4261,7 +4262,7 @@
         </p:blipFill>
         <p:spPr>
           <a:xfrm>
-            <a:off x="6774444" y="4163711"/>
+            <a:off x="6774444" y="4425004"/>
             <a:ext cx="445394" cy="375385"/>
           </a:xfrm>
           <a:prstGeom prst="rect">
@@ -4297,7 +4298,7 @@
         </p:blipFill>
         <p:spPr>
           <a:xfrm>
-            <a:off x="2127788" y="4159862"/>
+            <a:off x="2127788" y="4421155"/>
             <a:ext cx="445394" cy="375385"/>
           </a:xfrm>
           <a:prstGeom prst="rect">
@@ -4333,7 +4334,7 @@
         </p:blipFill>
         <p:spPr>
           <a:xfrm>
-            <a:off x="9167256" y="4152265"/>
+            <a:off x="9167256" y="4413558"/>
             <a:ext cx="445394" cy="375385"/>
           </a:xfrm>
           <a:prstGeom prst="rect">
@@ -4800,10 +4801,3532 @@
           </a:p>
         </p:txBody>
       </p:sp>
+      <p:sp>
+        <p:nvSpPr>
+          <p:cNvPr id="2" name="순서도: 병합 1">
+            <a:extLst>
+              <a:ext uri="{FF2B5EF4-FFF2-40B4-BE49-F238E27FC236}">
+                <a16:creationId xmlns:a16="http://schemas.microsoft.com/office/drawing/2014/main" id="{B5E47810-A7BA-638F-CC30-38C89BD6AC77}"/>
+              </a:ext>
+            </a:extLst>
+          </p:cNvPr>
+          <p:cNvSpPr/>
+          <p:nvPr/>
+        </p:nvSpPr>
+        <p:spPr>
+          <a:xfrm>
+            <a:off x="2552811" y="1441052"/>
+            <a:ext cx="112195" cy="103405"/>
+          </a:xfrm>
+          <a:prstGeom prst="flowChartMerge">
+            <a:avLst/>
+          </a:prstGeom>
+        </p:spPr>
+        <p:style>
+          <a:lnRef idx="2">
+            <a:schemeClr val="accent1">
+              <a:shade val="15000"/>
+            </a:schemeClr>
+          </a:lnRef>
+          <a:fillRef idx="1">
+            <a:schemeClr val="accent1"/>
+          </a:fillRef>
+          <a:effectRef idx="0">
+            <a:schemeClr val="accent1"/>
+          </a:effectRef>
+          <a:fontRef idx="minor">
+            <a:schemeClr val="lt1"/>
+          </a:fontRef>
+        </p:style>
+        <p:txBody>
+          <a:bodyPr rtlCol="0" anchor="ctr"/>
+          <a:lstStyle/>
+          <a:p>
+            <a:pPr algn="ctr"/>
+            <a:endParaRPr lang="ko-KR" altLang="en-US"/>
+          </a:p>
+        </p:txBody>
+      </p:sp>
+      <p:sp>
+        <p:nvSpPr>
+          <p:cNvPr id="4" name="순서도: 병합 3">
+            <a:extLst>
+              <a:ext uri="{FF2B5EF4-FFF2-40B4-BE49-F238E27FC236}">
+                <a16:creationId xmlns:a16="http://schemas.microsoft.com/office/drawing/2014/main" id="{529C4929-ADD9-DC3C-3ECB-D860206FA168}"/>
+              </a:ext>
+            </a:extLst>
+          </p:cNvPr>
+          <p:cNvSpPr/>
+          <p:nvPr/>
+        </p:nvSpPr>
+        <p:spPr>
+          <a:xfrm>
+            <a:off x="6394837" y="2046369"/>
+            <a:ext cx="112195" cy="103405"/>
+          </a:xfrm>
+          <a:prstGeom prst="flowChartMerge">
+            <a:avLst/>
+          </a:prstGeom>
+        </p:spPr>
+        <p:style>
+          <a:lnRef idx="2">
+            <a:schemeClr val="accent1">
+              <a:shade val="15000"/>
+            </a:schemeClr>
+          </a:lnRef>
+          <a:fillRef idx="1">
+            <a:schemeClr val="accent1"/>
+          </a:fillRef>
+          <a:effectRef idx="0">
+            <a:schemeClr val="accent1"/>
+          </a:effectRef>
+          <a:fontRef idx="minor">
+            <a:schemeClr val="lt1"/>
+          </a:fontRef>
+        </p:style>
+        <p:txBody>
+          <a:bodyPr rtlCol="0" anchor="ctr"/>
+          <a:lstStyle/>
+          <a:p>
+            <a:pPr algn="ctr"/>
+            <a:endParaRPr lang="ko-KR" altLang="en-US"/>
+          </a:p>
+        </p:txBody>
+      </p:sp>
+      <p:sp>
+        <p:nvSpPr>
+          <p:cNvPr id="5" name="직사각형 4">
+            <a:extLst>
+              <a:ext uri="{FF2B5EF4-FFF2-40B4-BE49-F238E27FC236}">
+                <a16:creationId xmlns:a16="http://schemas.microsoft.com/office/drawing/2014/main" id="{B0B0981F-056B-9BEC-48D7-414883072DAD}"/>
+              </a:ext>
+            </a:extLst>
+          </p:cNvPr>
+          <p:cNvSpPr/>
+          <p:nvPr/>
+        </p:nvSpPr>
+        <p:spPr>
+          <a:xfrm>
+            <a:off x="5444426" y="2285264"/>
+            <a:ext cx="1164611" cy="245327"/>
+          </a:xfrm>
+          <a:prstGeom prst="rect">
+            <a:avLst/>
+          </a:prstGeom>
+        </p:spPr>
+        <p:style>
+          <a:lnRef idx="2">
+            <a:schemeClr val="dk1"/>
+          </a:lnRef>
+          <a:fillRef idx="1">
+            <a:schemeClr val="lt1"/>
+          </a:fillRef>
+          <a:effectRef idx="0">
+            <a:schemeClr val="dk1"/>
+          </a:effectRef>
+          <a:fontRef idx="minor">
+            <a:schemeClr val="dk1"/>
+          </a:fontRef>
+        </p:style>
+        <p:txBody>
+          <a:bodyPr rtlCol="0" anchor="ctr"/>
+          <a:lstStyle/>
+          <a:p>
+            <a:pPr algn="ctr"/>
+            <a:r>
+              <a:rPr lang="ko-KR" altLang="en-US" sz="1000"/>
+              <a:t>방산</a:t>
+            </a:r>
+          </a:p>
+        </p:txBody>
+      </p:sp>
+      <p:sp>
+        <p:nvSpPr>
+          <p:cNvPr id="12" name="직사각형 11">
+            <a:extLst>
+              <a:ext uri="{FF2B5EF4-FFF2-40B4-BE49-F238E27FC236}">
+                <a16:creationId xmlns:a16="http://schemas.microsoft.com/office/drawing/2014/main" id="{76E0F611-AFC6-61F9-0761-80C477CB95EB}"/>
+              </a:ext>
+            </a:extLst>
+          </p:cNvPr>
+          <p:cNvSpPr/>
+          <p:nvPr/>
+        </p:nvSpPr>
+        <p:spPr>
+          <a:xfrm>
+            <a:off x="5444425" y="2515806"/>
+            <a:ext cx="1164611" cy="245327"/>
+          </a:xfrm>
+          <a:prstGeom prst="rect">
+            <a:avLst/>
+          </a:prstGeom>
+        </p:spPr>
+        <p:style>
+          <a:lnRef idx="2">
+            <a:schemeClr val="dk1"/>
+          </a:lnRef>
+          <a:fillRef idx="1">
+            <a:schemeClr val="lt1"/>
+          </a:fillRef>
+          <a:effectRef idx="0">
+            <a:schemeClr val="dk1"/>
+          </a:effectRef>
+          <a:fontRef idx="minor">
+            <a:schemeClr val="dk1"/>
+          </a:fontRef>
+        </p:style>
+        <p:txBody>
+          <a:bodyPr rtlCol="0" anchor="ctr"/>
+          <a:lstStyle/>
+          <a:p>
+            <a:pPr algn="ctr"/>
+            <a:r>
+              <a:rPr lang="ko-KR" altLang="en-US" sz="1000"/>
+              <a:t>일반</a:t>
+            </a:r>
+          </a:p>
+        </p:txBody>
+      </p:sp>
+      <p:sp>
+        <p:nvSpPr>
+          <p:cNvPr id="22" name="직사각형 21">
+            <a:extLst>
+              <a:ext uri="{FF2B5EF4-FFF2-40B4-BE49-F238E27FC236}">
+                <a16:creationId xmlns:a16="http://schemas.microsoft.com/office/drawing/2014/main" id="{49764445-FA97-4FBA-FD7B-893DFF5497D2}"/>
+              </a:ext>
+            </a:extLst>
+          </p:cNvPr>
+          <p:cNvSpPr/>
+          <p:nvPr/>
+        </p:nvSpPr>
+        <p:spPr>
+          <a:xfrm>
+            <a:off x="5444424" y="2733677"/>
+            <a:ext cx="1164611" cy="245327"/>
+          </a:xfrm>
+          <a:prstGeom prst="rect">
+            <a:avLst/>
+          </a:prstGeom>
+        </p:spPr>
+        <p:style>
+          <a:lnRef idx="2">
+            <a:schemeClr val="dk1"/>
+          </a:lnRef>
+          <a:fillRef idx="1">
+            <a:schemeClr val="lt1"/>
+          </a:fillRef>
+          <a:effectRef idx="0">
+            <a:schemeClr val="dk1"/>
+          </a:effectRef>
+          <a:fontRef idx="minor">
+            <a:schemeClr val="dk1"/>
+          </a:fontRef>
+        </p:style>
+        <p:txBody>
+          <a:bodyPr rtlCol="0" anchor="ctr"/>
+          <a:lstStyle/>
+          <a:p>
+            <a:pPr algn="ctr"/>
+            <a:r>
+              <a:rPr lang="ko-KR" altLang="en-US" sz="1000"/>
+              <a:t>자동차</a:t>
+            </a:r>
+          </a:p>
+        </p:txBody>
+      </p:sp>
+      <p:sp>
+        <p:nvSpPr>
+          <p:cNvPr id="28" name="직사각형 27">
+            <a:extLst>
+              <a:ext uri="{FF2B5EF4-FFF2-40B4-BE49-F238E27FC236}">
+                <a16:creationId xmlns:a16="http://schemas.microsoft.com/office/drawing/2014/main" id="{C83C521E-61C5-6FFC-590C-61DAA018FF40}"/>
+              </a:ext>
+            </a:extLst>
+          </p:cNvPr>
+          <p:cNvSpPr/>
+          <p:nvPr/>
+        </p:nvSpPr>
+        <p:spPr>
+          <a:xfrm>
+            <a:off x="5444424" y="2938256"/>
+            <a:ext cx="1164611" cy="245327"/>
+          </a:xfrm>
+          <a:prstGeom prst="rect">
+            <a:avLst/>
+          </a:prstGeom>
+        </p:spPr>
+        <p:style>
+          <a:lnRef idx="2">
+            <a:schemeClr val="dk1"/>
+          </a:lnRef>
+          <a:fillRef idx="1">
+            <a:schemeClr val="lt1"/>
+          </a:fillRef>
+          <a:effectRef idx="0">
+            <a:schemeClr val="dk1"/>
+          </a:effectRef>
+          <a:fontRef idx="minor">
+            <a:schemeClr val="dk1"/>
+          </a:fontRef>
+        </p:style>
+        <p:txBody>
+          <a:bodyPr rtlCol="0" anchor="ctr"/>
+          <a:lstStyle/>
+          <a:p>
+            <a:pPr algn="ctr"/>
+            <a:r>
+              <a:rPr lang="ko-KR" altLang="en-US" sz="1000"/>
+              <a:t>조선</a:t>
+            </a:r>
+          </a:p>
+        </p:txBody>
+      </p:sp>
+      <p:sp>
+        <p:nvSpPr>
+          <p:cNvPr id="29" name="순서도: 연결자 28">
+            <a:extLst>
+              <a:ext uri="{FF2B5EF4-FFF2-40B4-BE49-F238E27FC236}">
+                <a16:creationId xmlns:a16="http://schemas.microsoft.com/office/drawing/2014/main" id="{A917CD17-4861-C183-C5B1-A8DB9E102F5D}"/>
+              </a:ext>
+            </a:extLst>
+          </p:cNvPr>
+          <p:cNvSpPr/>
+          <p:nvPr/>
+        </p:nvSpPr>
+        <p:spPr>
+          <a:xfrm>
+            <a:off x="1344081" y="1112376"/>
+            <a:ext cx="205584" cy="216674"/>
+          </a:xfrm>
+          <a:prstGeom prst="flowChartConnector">
+            <a:avLst/>
+          </a:prstGeom>
+          <a:solidFill>
+            <a:srgbClr val="FFFF00"/>
+          </a:solidFill>
+          <a:ln>
+            <a:solidFill>
+              <a:schemeClr val="tx1"/>
+            </a:solidFill>
+          </a:ln>
+        </p:spPr>
+        <p:style>
+          <a:lnRef idx="1">
+            <a:schemeClr val="accent4"/>
+          </a:lnRef>
+          <a:fillRef idx="2">
+            <a:schemeClr val="accent4"/>
+          </a:fillRef>
+          <a:effectRef idx="1">
+            <a:schemeClr val="accent4"/>
+          </a:effectRef>
+          <a:fontRef idx="minor">
+            <a:schemeClr val="dk1"/>
+          </a:fontRef>
+        </p:style>
+        <p:txBody>
+          <a:bodyPr rtlCol="0" anchor="ctr"/>
+          <a:lstStyle/>
+          <a:p>
+            <a:pPr algn="ctr"/>
+            <a:r>
+              <a:rPr lang="en-US" altLang="ko-KR" sz="1300"/>
+              <a:t>1</a:t>
+            </a:r>
+            <a:endParaRPr lang="ko-KR" altLang="en-US" sz="1300"/>
+          </a:p>
+        </p:txBody>
+      </p:sp>
+      <p:sp>
+        <p:nvSpPr>
+          <p:cNvPr id="34" name="순서도: 연결자 33">
+            <a:extLst>
+              <a:ext uri="{FF2B5EF4-FFF2-40B4-BE49-F238E27FC236}">
+                <a16:creationId xmlns:a16="http://schemas.microsoft.com/office/drawing/2014/main" id="{3A57EDC2-C25C-1C2F-08DB-991C062B1339}"/>
+              </a:ext>
+            </a:extLst>
+          </p:cNvPr>
+          <p:cNvSpPr/>
+          <p:nvPr/>
+        </p:nvSpPr>
+        <p:spPr>
+          <a:xfrm>
+            <a:off x="3379396" y="1107203"/>
+            <a:ext cx="205584" cy="216674"/>
+          </a:xfrm>
+          <a:prstGeom prst="flowChartConnector">
+            <a:avLst/>
+          </a:prstGeom>
+          <a:solidFill>
+            <a:srgbClr val="FFFF00"/>
+          </a:solidFill>
+          <a:ln>
+            <a:solidFill>
+              <a:schemeClr val="tx1"/>
+            </a:solidFill>
+          </a:ln>
+        </p:spPr>
+        <p:style>
+          <a:lnRef idx="1">
+            <a:schemeClr val="accent4"/>
+          </a:lnRef>
+          <a:fillRef idx="2">
+            <a:schemeClr val="accent4"/>
+          </a:fillRef>
+          <a:effectRef idx="1">
+            <a:schemeClr val="accent4"/>
+          </a:effectRef>
+          <a:fontRef idx="minor">
+            <a:schemeClr val="dk1"/>
+          </a:fontRef>
+        </p:style>
+        <p:txBody>
+          <a:bodyPr rtlCol="0" anchor="ctr"/>
+          <a:lstStyle/>
+          <a:p>
+            <a:pPr algn="ctr"/>
+            <a:r>
+              <a:rPr lang="en-US" altLang="ko-KR" sz="1300"/>
+              <a:t>2</a:t>
+            </a:r>
+            <a:endParaRPr lang="ko-KR" altLang="en-US" sz="1300"/>
+          </a:p>
+        </p:txBody>
+      </p:sp>
+      <p:sp>
+        <p:nvSpPr>
+          <p:cNvPr id="36" name="순서도: 연결자 35">
+            <a:extLst>
+              <a:ext uri="{FF2B5EF4-FFF2-40B4-BE49-F238E27FC236}">
+                <a16:creationId xmlns:a16="http://schemas.microsoft.com/office/drawing/2014/main" id="{3C5159D1-EF86-85C5-3FEA-2318DD1D0CC4}"/>
+              </a:ext>
+            </a:extLst>
+          </p:cNvPr>
+          <p:cNvSpPr/>
+          <p:nvPr/>
+        </p:nvSpPr>
+        <p:spPr>
+          <a:xfrm>
+            <a:off x="5415741" y="1110771"/>
+            <a:ext cx="205584" cy="216674"/>
+          </a:xfrm>
+          <a:prstGeom prst="flowChartConnector">
+            <a:avLst/>
+          </a:prstGeom>
+          <a:solidFill>
+            <a:srgbClr val="FFFF00"/>
+          </a:solidFill>
+          <a:ln>
+            <a:solidFill>
+              <a:schemeClr val="tx1"/>
+            </a:solidFill>
+          </a:ln>
+        </p:spPr>
+        <p:style>
+          <a:lnRef idx="1">
+            <a:schemeClr val="accent4"/>
+          </a:lnRef>
+          <a:fillRef idx="2">
+            <a:schemeClr val="accent4"/>
+          </a:fillRef>
+          <a:effectRef idx="1">
+            <a:schemeClr val="accent4"/>
+          </a:effectRef>
+          <a:fontRef idx="minor">
+            <a:schemeClr val="dk1"/>
+          </a:fontRef>
+        </p:style>
+        <p:txBody>
+          <a:bodyPr rtlCol="0" anchor="ctr"/>
+          <a:lstStyle/>
+          <a:p>
+            <a:pPr algn="ctr"/>
+            <a:r>
+              <a:rPr lang="en-US" altLang="ko-KR" sz="1300"/>
+              <a:t>3</a:t>
+            </a:r>
+            <a:endParaRPr lang="ko-KR" altLang="en-US" sz="1300"/>
+          </a:p>
+        </p:txBody>
+      </p:sp>
+      <p:sp>
+        <p:nvSpPr>
+          <p:cNvPr id="37" name="순서도: 연결자 36">
+            <a:extLst>
+              <a:ext uri="{FF2B5EF4-FFF2-40B4-BE49-F238E27FC236}">
+                <a16:creationId xmlns:a16="http://schemas.microsoft.com/office/drawing/2014/main" id="{CE6E22FD-A178-4195-46FF-5C3DD370146E}"/>
+              </a:ext>
+            </a:extLst>
+          </p:cNvPr>
+          <p:cNvSpPr/>
+          <p:nvPr/>
+        </p:nvSpPr>
+        <p:spPr>
+          <a:xfrm>
+            <a:off x="7721369" y="1110771"/>
+            <a:ext cx="205584" cy="216674"/>
+          </a:xfrm>
+          <a:prstGeom prst="flowChartConnector">
+            <a:avLst/>
+          </a:prstGeom>
+          <a:solidFill>
+            <a:srgbClr val="FFFF00"/>
+          </a:solidFill>
+          <a:ln>
+            <a:solidFill>
+              <a:schemeClr val="tx1"/>
+            </a:solidFill>
+          </a:ln>
+        </p:spPr>
+        <p:style>
+          <a:lnRef idx="1">
+            <a:schemeClr val="accent4"/>
+          </a:lnRef>
+          <a:fillRef idx="2">
+            <a:schemeClr val="accent4"/>
+          </a:fillRef>
+          <a:effectRef idx="1">
+            <a:schemeClr val="accent4"/>
+          </a:effectRef>
+          <a:fontRef idx="minor">
+            <a:schemeClr val="dk1"/>
+          </a:fontRef>
+        </p:style>
+        <p:txBody>
+          <a:bodyPr rtlCol="0" anchor="ctr"/>
+          <a:lstStyle/>
+          <a:p>
+            <a:pPr algn="ctr"/>
+            <a:r>
+              <a:rPr lang="en-US" altLang="ko-KR" sz="1300"/>
+              <a:t>4</a:t>
+            </a:r>
+            <a:endParaRPr lang="ko-KR" altLang="en-US" sz="1300"/>
+          </a:p>
+        </p:txBody>
+      </p:sp>
+      <p:sp>
+        <p:nvSpPr>
+          <p:cNvPr id="41" name="순서도: 연결자 40">
+            <a:extLst>
+              <a:ext uri="{FF2B5EF4-FFF2-40B4-BE49-F238E27FC236}">
+                <a16:creationId xmlns:a16="http://schemas.microsoft.com/office/drawing/2014/main" id="{1CAA099E-2A04-5199-363C-9EBC4F80412A}"/>
+              </a:ext>
+            </a:extLst>
+          </p:cNvPr>
+          <p:cNvSpPr/>
+          <p:nvPr/>
+        </p:nvSpPr>
+        <p:spPr>
+          <a:xfrm>
+            <a:off x="9689247" y="1120573"/>
+            <a:ext cx="205584" cy="216674"/>
+          </a:xfrm>
+          <a:prstGeom prst="flowChartConnector">
+            <a:avLst/>
+          </a:prstGeom>
+          <a:solidFill>
+            <a:srgbClr val="FFFF00"/>
+          </a:solidFill>
+          <a:ln>
+            <a:solidFill>
+              <a:schemeClr val="tx1"/>
+            </a:solidFill>
+          </a:ln>
+        </p:spPr>
+        <p:style>
+          <a:lnRef idx="1">
+            <a:schemeClr val="accent4"/>
+          </a:lnRef>
+          <a:fillRef idx="2">
+            <a:schemeClr val="accent4"/>
+          </a:fillRef>
+          <a:effectRef idx="1">
+            <a:schemeClr val="accent4"/>
+          </a:effectRef>
+          <a:fontRef idx="minor">
+            <a:schemeClr val="dk1"/>
+          </a:fontRef>
+        </p:style>
+        <p:txBody>
+          <a:bodyPr rtlCol="0" anchor="ctr"/>
+          <a:lstStyle/>
+          <a:p>
+            <a:pPr algn="ctr"/>
+            <a:r>
+              <a:rPr lang="en-US" altLang="ko-KR" sz="1300"/>
+              <a:t>5</a:t>
+            </a:r>
+            <a:endParaRPr lang="ko-KR" altLang="en-US" sz="1300"/>
+          </a:p>
+        </p:txBody>
+      </p:sp>
+      <p:sp>
+        <p:nvSpPr>
+          <p:cNvPr id="42" name="순서도: 연결자 41">
+            <a:extLst>
+              <a:ext uri="{FF2B5EF4-FFF2-40B4-BE49-F238E27FC236}">
+                <a16:creationId xmlns:a16="http://schemas.microsoft.com/office/drawing/2014/main" id="{1F792832-693A-E7EE-8616-96C6FD86D2EE}"/>
+              </a:ext>
+            </a:extLst>
+          </p:cNvPr>
+          <p:cNvSpPr/>
+          <p:nvPr/>
+        </p:nvSpPr>
+        <p:spPr>
+          <a:xfrm>
+            <a:off x="1367717" y="1727957"/>
+            <a:ext cx="205584" cy="216674"/>
+          </a:xfrm>
+          <a:prstGeom prst="flowChartConnector">
+            <a:avLst/>
+          </a:prstGeom>
+          <a:solidFill>
+            <a:srgbClr val="FFFF00"/>
+          </a:solidFill>
+          <a:ln>
+            <a:solidFill>
+              <a:schemeClr val="tx1"/>
+            </a:solidFill>
+          </a:ln>
+        </p:spPr>
+        <p:style>
+          <a:lnRef idx="1">
+            <a:schemeClr val="accent4"/>
+          </a:lnRef>
+          <a:fillRef idx="2">
+            <a:schemeClr val="accent4"/>
+          </a:fillRef>
+          <a:effectRef idx="1">
+            <a:schemeClr val="accent4"/>
+          </a:effectRef>
+          <a:fontRef idx="minor">
+            <a:schemeClr val="dk1"/>
+          </a:fontRef>
+        </p:style>
+        <p:txBody>
+          <a:bodyPr rtlCol="0" anchor="ctr"/>
+          <a:lstStyle/>
+          <a:p>
+            <a:pPr algn="ctr"/>
+            <a:r>
+              <a:rPr lang="en-US" altLang="ko-KR" sz="1300"/>
+              <a:t>6</a:t>
+            </a:r>
+            <a:endParaRPr lang="ko-KR" altLang="en-US" sz="1300"/>
+          </a:p>
+        </p:txBody>
+      </p:sp>
+      <p:sp>
+        <p:nvSpPr>
+          <p:cNvPr id="43" name="순서도: 연결자 42">
+            <a:extLst>
+              <a:ext uri="{FF2B5EF4-FFF2-40B4-BE49-F238E27FC236}">
+                <a16:creationId xmlns:a16="http://schemas.microsoft.com/office/drawing/2014/main" id="{F9986A8F-20F2-3E5B-D2EA-428C6746821E}"/>
+              </a:ext>
+            </a:extLst>
+          </p:cNvPr>
+          <p:cNvSpPr/>
+          <p:nvPr/>
+        </p:nvSpPr>
+        <p:spPr>
+          <a:xfrm>
+            <a:off x="3425140" y="1733495"/>
+            <a:ext cx="205584" cy="216674"/>
+          </a:xfrm>
+          <a:prstGeom prst="flowChartConnector">
+            <a:avLst/>
+          </a:prstGeom>
+          <a:solidFill>
+            <a:srgbClr val="FFFF00"/>
+          </a:solidFill>
+          <a:ln>
+            <a:solidFill>
+              <a:schemeClr val="tx1"/>
+            </a:solidFill>
+          </a:ln>
+        </p:spPr>
+        <p:style>
+          <a:lnRef idx="1">
+            <a:schemeClr val="accent4"/>
+          </a:lnRef>
+          <a:fillRef idx="2">
+            <a:schemeClr val="accent4"/>
+          </a:fillRef>
+          <a:effectRef idx="1">
+            <a:schemeClr val="accent4"/>
+          </a:effectRef>
+          <a:fontRef idx="minor">
+            <a:schemeClr val="dk1"/>
+          </a:fontRef>
+        </p:style>
+        <p:txBody>
+          <a:bodyPr rtlCol="0" anchor="ctr"/>
+          <a:lstStyle/>
+          <a:p>
+            <a:pPr algn="ctr"/>
+            <a:r>
+              <a:rPr lang="en-US" altLang="ko-KR" sz="1300"/>
+              <a:t>7</a:t>
+            </a:r>
+            <a:endParaRPr lang="ko-KR" altLang="en-US" sz="1300"/>
+          </a:p>
+        </p:txBody>
+      </p:sp>
+      <p:sp>
+        <p:nvSpPr>
+          <p:cNvPr id="44" name="순서도: 연결자 43">
+            <a:extLst>
+              <a:ext uri="{FF2B5EF4-FFF2-40B4-BE49-F238E27FC236}">
+                <a16:creationId xmlns:a16="http://schemas.microsoft.com/office/drawing/2014/main" id="{2F0A6854-D5A5-113F-29B8-A709263A5F74}"/>
+              </a:ext>
+            </a:extLst>
+          </p:cNvPr>
+          <p:cNvSpPr/>
+          <p:nvPr/>
+        </p:nvSpPr>
+        <p:spPr>
+          <a:xfrm>
+            <a:off x="5415741" y="1725272"/>
+            <a:ext cx="205584" cy="216674"/>
+          </a:xfrm>
+          <a:prstGeom prst="flowChartConnector">
+            <a:avLst/>
+          </a:prstGeom>
+          <a:solidFill>
+            <a:srgbClr val="FFFF00"/>
+          </a:solidFill>
+          <a:ln>
+            <a:solidFill>
+              <a:schemeClr val="tx1"/>
+            </a:solidFill>
+          </a:ln>
+        </p:spPr>
+        <p:style>
+          <a:lnRef idx="1">
+            <a:schemeClr val="accent4"/>
+          </a:lnRef>
+          <a:fillRef idx="2">
+            <a:schemeClr val="accent4"/>
+          </a:fillRef>
+          <a:effectRef idx="1">
+            <a:schemeClr val="accent4"/>
+          </a:effectRef>
+          <a:fontRef idx="minor">
+            <a:schemeClr val="dk1"/>
+          </a:fontRef>
+        </p:style>
+        <p:txBody>
+          <a:bodyPr rtlCol="0" anchor="ctr"/>
+          <a:lstStyle/>
+          <a:p>
+            <a:pPr algn="ctr"/>
+            <a:r>
+              <a:rPr lang="en-US" altLang="ko-KR" sz="1300"/>
+              <a:t>8</a:t>
+            </a:r>
+            <a:endParaRPr lang="ko-KR" altLang="en-US" sz="1300"/>
+          </a:p>
+        </p:txBody>
+      </p:sp>
+      <p:sp>
+        <p:nvSpPr>
+          <p:cNvPr id="45" name="순서도: 연결자 44">
+            <a:extLst>
+              <a:ext uri="{FF2B5EF4-FFF2-40B4-BE49-F238E27FC236}">
+                <a16:creationId xmlns:a16="http://schemas.microsoft.com/office/drawing/2014/main" id="{1F69F779-0373-8249-792B-2636D5C9E040}"/>
+              </a:ext>
+            </a:extLst>
+          </p:cNvPr>
+          <p:cNvSpPr/>
+          <p:nvPr/>
+        </p:nvSpPr>
+        <p:spPr>
+          <a:xfrm>
+            <a:off x="7694228" y="1740131"/>
+            <a:ext cx="205584" cy="216674"/>
+          </a:xfrm>
+          <a:prstGeom prst="flowChartConnector">
+            <a:avLst/>
+          </a:prstGeom>
+          <a:solidFill>
+            <a:srgbClr val="FFFF00"/>
+          </a:solidFill>
+          <a:ln>
+            <a:solidFill>
+              <a:schemeClr val="tx1"/>
+            </a:solidFill>
+          </a:ln>
+        </p:spPr>
+        <p:style>
+          <a:lnRef idx="1">
+            <a:schemeClr val="accent4"/>
+          </a:lnRef>
+          <a:fillRef idx="2">
+            <a:schemeClr val="accent4"/>
+          </a:fillRef>
+          <a:effectRef idx="1">
+            <a:schemeClr val="accent4"/>
+          </a:effectRef>
+          <a:fontRef idx="minor">
+            <a:schemeClr val="dk1"/>
+          </a:fontRef>
+        </p:style>
+        <p:txBody>
+          <a:bodyPr rtlCol="0" anchor="ctr"/>
+          <a:lstStyle/>
+          <a:p>
+            <a:pPr algn="ctr"/>
+            <a:r>
+              <a:rPr lang="en-US" altLang="ko-KR" sz="1300"/>
+              <a:t>9</a:t>
+            </a:r>
+            <a:endParaRPr lang="ko-KR" altLang="en-US" sz="1300"/>
+          </a:p>
+        </p:txBody>
+      </p:sp>
+      <p:sp>
+        <p:nvSpPr>
+          <p:cNvPr id="46" name="순서도: 연결자 45">
+            <a:extLst>
+              <a:ext uri="{FF2B5EF4-FFF2-40B4-BE49-F238E27FC236}">
+                <a16:creationId xmlns:a16="http://schemas.microsoft.com/office/drawing/2014/main" id="{7F04CB71-569A-0F4D-13A3-39BA009EDAAD}"/>
+              </a:ext>
+            </a:extLst>
+          </p:cNvPr>
+          <p:cNvSpPr/>
+          <p:nvPr/>
+        </p:nvSpPr>
+        <p:spPr>
+          <a:xfrm>
+            <a:off x="1573301" y="3464475"/>
+            <a:ext cx="233197" cy="245418"/>
+          </a:xfrm>
+          <a:prstGeom prst="flowChartConnector">
+            <a:avLst/>
+          </a:prstGeom>
+          <a:solidFill>
+            <a:srgbClr val="FFFF00"/>
+          </a:solidFill>
+          <a:ln>
+            <a:solidFill>
+              <a:schemeClr val="tx1"/>
+            </a:solidFill>
+          </a:ln>
+        </p:spPr>
+        <p:style>
+          <a:lnRef idx="1">
+            <a:schemeClr val="accent4"/>
+          </a:lnRef>
+          <a:fillRef idx="2">
+            <a:schemeClr val="accent4"/>
+          </a:fillRef>
+          <a:effectRef idx="1">
+            <a:schemeClr val="accent4"/>
+          </a:effectRef>
+          <a:fontRef idx="minor">
+            <a:schemeClr val="dk1"/>
+          </a:fontRef>
+        </p:style>
+        <p:txBody>
+          <a:bodyPr rtlCol="0" anchor="ctr"/>
+          <a:lstStyle/>
+          <a:p>
+            <a:pPr algn="ctr"/>
+            <a:endParaRPr lang="ko-KR" altLang="en-US" sz="700"/>
+          </a:p>
+        </p:txBody>
+      </p:sp>
+      <p:sp>
+        <p:nvSpPr>
+          <p:cNvPr id="47" name="순서도: 연결자 46">
+            <a:extLst>
+              <a:ext uri="{FF2B5EF4-FFF2-40B4-BE49-F238E27FC236}">
+                <a16:creationId xmlns:a16="http://schemas.microsoft.com/office/drawing/2014/main" id="{5C0496FD-3C91-119C-A761-5292A26A5A10}"/>
+              </a:ext>
+            </a:extLst>
+          </p:cNvPr>
+          <p:cNvSpPr/>
+          <p:nvPr/>
+        </p:nvSpPr>
+        <p:spPr>
+          <a:xfrm>
+            <a:off x="8935978" y="5358237"/>
+            <a:ext cx="231278" cy="228685"/>
+          </a:xfrm>
+          <a:prstGeom prst="flowChartConnector">
+            <a:avLst/>
+          </a:prstGeom>
+          <a:solidFill>
+            <a:srgbClr val="FFFF00"/>
+          </a:solidFill>
+          <a:ln>
+            <a:solidFill>
+              <a:schemeClr val="tx1"/>
+            </a:solidFill>
+          </a:ln>
+        </p:spPr>
+        <p:style>
+          <a:lnRef idx="1">
+            <a:schemeClr val="accent4"/>
+          </a:lnRef>
+          <a:fillRef idx="2">
+            <a:schemeClr val="accent4"/>
+          </a:fillRef>
+          <a:effectRef idx="1">
+            <a:schemeClr val="accent4"/>
+          </a:effectRef>
+          <a:fontRef idx="minor">
+            <a:schemeClr val="dk1"/>
+          </a:fontRef>
+        </p:style>
+        <p:txBody>
+          <a:bodyPr rtlCol="0" anchor="ctr"/>
+          <a:lstStyle/>
+          <a:p>
+            <a:pPr algn="ctr"/>
+            <a:endParaRPr lang="ko-KR" altLang="en-US" sz="1300"/>
+          </a:p>
+        </p:txBody>
+      </p:sp>
+      <p:sp>
+        <p:nvSpPr>
+          <p:cNvPr id="48" name="TextBox 47">
+            <a:extLst>
+              <a:ext uri="{FF2B5EF4-FFF2-40B4-BE49-F238E27FC236}">
+                <a16:creationId xmlns:a16="http://schemas.microsoft.com/office/drawing/2014/main" id="{4F602098-3D78-0D15-9DF6-0C7C34FE73C6}"/>
+              </a:ext>
+            </a:extLst>
+          </p:cNvPr>
+          <p:cNvSpPr txBox="1"/>
+          <p:nvPr/>
+        </p:nvSpPr>
+        <p:spPr>
+          <a:xfrm>
+            <a:off x="1549665" y="3466571"/>
+            <a:ext cx="590271" cy="215444"/>
+          </a:xfrm>
+          <a:prstGeom prst="rect">
+            <a:avLst/>
+          </a:prstGeom>
+          <a:noFill/>
+        </p:spPr>
+        <p:txBody>
+          <a:bodyPr wrap="square" rtlCol="0">
+            <a:spAutoFit/>
+          </a:bodyPr>
+          <a:lstStyle/>
+          <a:p>
+            <a:r>
+              <a:rPr lang="en-US" altLang="ko-KR" sz="800"/>
+              <a:t>10</a:t>
+            </a:r>
+            <a:endParaRPr lang="ko-KR" altLang="en-US" sz="800"/>
+          </a:p>
+        </p:txBody>
+      </p:sp>
+      <p:sp>
+        <p:nvSpPr>
+          <p:cNvPr id="49" name="TextBox 48">
+            <a:extLst>
+              <a:ext uri="{FF2B5EF4-FFF2-40B4-BE49-F238E27FC236}">
+                <a16:creationId xmlns:a16="http://schemas.microsoft.com/office/drawing/2014/main" id="{F306C78B-A812-47BD-1936-A4076AAB1011}"/>
+              </a:ext>
+            </a:extLst>
+          </p:cNvPr>
+          <p:cNvSpPr txBox="1"/>
+          <p:nvPr/>
+        </p:nvSpPr>
+        <p:spPr>
+          <a:xfrm>
+            <a:off x="8899641" y="5350016"/>
+            <a:ext cx="663497" cy="215444"/>
+          </a:xfrm>
+          <a:prstGeom prst="rect">
+            <a:avLst/>
+          </a:prstGeom>
+          <a:noFill/>
+        </p:spPr>
+        <p:txBody>
+          <a:bodyPr wrap="square" rtlCol="0">
+            <a:spAutoFit/>
+          </a:bodyPr>
+          <a:lstStyle/>
+          <a:p>
+            <a:r>
+              <a:rPr lang="en-US" altLang="ko-KR" sz="800"/>
+              <a:t>11</a:t>
+            </a:r>
+            <a:endParaRPr lang="ko-KR" altLang="en-US" sz="800"/>
+          </a:p>
+        </p:txBody>
+      </p:sp>
+      <p:sp>
+        <p:nvSpPr>
+          <p:cNvPr id="50" name="순서도: 병합 49">
+            <a:extLst>
+              <a:ext uri="{FF2B5EF4-FFF2-40B4-BE49-F238E27FC236}">
+                <a16:creationId xmlns:a16="http://schemas.microsoft.com/office/drawing/2014/main" id="{46BA5687-9F0D-036D-F194-D8A4628E6013}"/>
+              </a:ext>
+            </a:extLst>
+          </p:cNvPr>
+          <p:cNvSpPr/>
+          <p:nvPr/>
+        </p:nvSpPr>
+        <p:spPr>
+          <a:xfrm>
+            <a:off x="10696133" y="2046368"/>
+            <a:ext cx="112195" cy="103405"/>
+          </a:xfrm>
+          <a:prstGeom prst="flowChartMerge">
+            <a:avLst/>
+          </a:prstGeom>
+        </p:spPr>
+        <p:style>
+          <a:lnRef idx="2">
+            <a:schemeClr val="accent1">
+              <a:shade val="15000"/>
+            </a:schemeClr>
+          </a:lnRef>
+          <a:fillRef idx="1">
+            <a:schemeClr val="accent1"/>
+          </a:fillRef>
+          <a:effectRef idx="0">
+            <a:schemeClr val="accent1"/>
+          </a:effectRef>
+          <a:fontRef idx="minor">
+            <a:schemeClr val="lt1"/>
+          </a:fontRef>
+        </p:style>
+        <p:txBody>
+          <a:bodyPr rtlCol="0" anchor="ctr"/>
+          <a:lstStyle/>
+          <a:p>
+            <a:pPr algn="ctr"/>
+            <a:endParaRPr lang="ko-KR" altLang="en-US"/>
+          </a:p>
+        </p:txBody>
+      </p:sp>
     </p:spTree>
     <p:extLst>
       <p:ext uri="{BB962C8B-B14F-4D97-AF65-F5344CB8AC3E}">
         <p14:creationId xmlns:p14="http://schemas.microsoft.com/office/powerpoint/2010/main" val="1492750377"/>
+      </p:ext>
+    </p:extLst>
+  </p:cSld>
+  <p:clrMapOvr>
+    <a:masterClrMapping/>
+  </p:clrMapOvr>
+</p:sld>
+</file>
+
+<file path=ppt/slides/slide2.xml><?xml version="1.0" encoding="utf-8"?>
+<p:sld xmlns:a="http://schemas.openxmlformats.org/drawingml/2006/main" xmlns:r="http://schemas.openxmlformats.org/officeDocument/2006/relationships" xmlns:p="http://schemas.openxmlformats.org/presentationml/2006/main">
+  <p:cSld>
+    <p:spTree>
+      <p:nvGrpSpPr>
+        <p:cNvPr id="1" name="">
+          <a:extLst>
+            <a:ext uri="{FF2B5EF4-FFF2-40B4-BE49-F238E27FC236}">
+              <a16:creationId xmlns:a16="http://schemas.microsoft.com/office/drawing/2014/main" id="{47718FFF-8BE8-D31C-10BB-B75C761D01BA}"/>
+            </a:ext>
+          </a:extLst>
+        </p:cNvPr>
+        <p:cNvGrpSpPr/>
+        <p:nvPr/>
+      </p:nvGrpSpPr>
+      <p:grpSpPr>
+        <a:xfrm>
+          <a:off x="0" y="0"/>
+          <a:ext cx="0" cy="0"/>
+          <a:chOff x="0" y="0"/>
+          <a:chExt cx="0" cy="0"/>
+        </a:xfrm>
+      </p:grpSpPr>
+      <p:sp>
+        <p:nvSpPr>
+          <p:cNvPr id="6" name="사각형: 둥근 모서리 5">
+            <a:extLst>
+              <a:ext uri="{FF2B5EF4-FFF2-40B4-BE49-F238E27FC236}">
+                <a16:creationId xmlns:a16="http://schemas.microsoft.com/office/drawing/2014/main" id="{CF8D77C3-5367-C7F9-2DE6-11BD192E05D1}"/>
+              </a:ext>
+            </a:extLst>
+          </p:cNvPr>
+          <p:cNvSpPr/>
+          <p:nvPr/>
+        </p:nvSpPr>
+        <p:spPr>
+          <a:xfrm>
+            <a:off x="1403308" y="1296229"/>
+            <a:ext cx="1324588" cy="375385"/>
+          </a:xfrm>
+          <a:prstGeom prst="roundRect">
+            <a:avLst/>
+          </a:prstGeom>
+        </p:spPr>
+        <p:style>
+          <a:lnRef idx="2">
+            <a:schemeClr val="dk1"/>
+          </a:lnRef>
+          <a:fillRef idx="1">
+            <a:schemeClr val="lt1"/>
+          </a:fillRef>
+          <a:effectRef idx="0">
+            <a:schemeClr val="dk1"/>
+          </a:effectRef>
+          <a:fontRef idx="minor">
+            <a:schemeClr val="dk1"/>
+          </a:fontRef>
+        </p:style>
+        <p:txBody>
+          <a:bodyPr rtlCol="0" anchor="ctr"/>
+          <a:lstStyle/>
+          <a:p>
+            <a:pPr algn="ctr"/>
+            <a:r>
+              <a:rPr lang="ko-KR" altLang="en-US">
+                <a:solidFill>
+                  <a:schemeClr val="bg2">
+                    <a:lumMod val="75000"/>
+                  </a:schemeClr>
+                </a:solidFill>
+              </a:rPr>
+              <a:t>거래처명</a:t>
+            </a:r>
+          </a:p>
+        </p:txBody>
+      </p:sp>
+      <p:sp>
+        <p:nvSpPr>
+          <p:cNvPr id="7" name="사각형: 둥근 모서리 6">
+            <a:extLst>
+              <a:ext uri="{FF2B5EF4-FFF2-40B4-BE49-F238E27FC236}">
+                <a16:creationId xmlns:a16="http://schemas.microsoft.com/office/drawing/2014/main" id="{11F88332-3B54-3179-54A1-CB4FEACD3F53}"/>
+              </a:ext>
+            </a:extLst>
+          </p:cNvPr>
+          <p:cNvSpPr/>
+          <p:nvPr/>
+        </p:nvSpPr>
+        <p:spPr>
+          <a:xfrm>
+            <a:off x="3437748" y="1301854"/>
+            <a:ext cx="1091242" cy="375385"/>
+          </a:xfrm>
+          <a:prstGeom prst="roundRect">
+            <a:avLst/>
+          </a:prstGeom>
+        </p:spPr>
+        <p:style>
+          <a:lnRef idx="2">
+            <a:schemeClr val="dk1"/>
+          </a:lnRef>
+          <a:fillRef idx="1">
+            <a:schemeClr val="lt1"/>
+          </a:fillRef>
+          <a:effectRef idx="0">
+            <a:schemeClr val="dk1"/>
+          </a:effectRef>
+          <a:fontRef idx="minor">
+            <a:schemeClr val="dk1"/>
+          </a:fontRef>
+        </p:style>
+        <p:txBody>
+          <a:bodyPr rtlCol="0" anchor="ctr"/>
+          <a:lstStyle/>
+          <a:p>
+            <a:pPr algn="ctr"/>
+            <a:r>
+              <a:rPr lang="ko-KR" altLang="en-US">
+                <a:solidFill>
+                  <a:schemeClr val="bg2">
+                    <a:lumMod val="75000"/>
+                  </a:schemeClr>
+                </a:solidFill>
+              </a:rPr>
+              <a:t>품목명</a:t>
+            </a:r>
+          </a:p>
+        </p:txBody>
+      </p:sp>
+      <p:sp>
+        <p:nvSpPr>
+          <p:cNvPr id="8" name="사각형: 둥근 모서리 7">
+            <a:extLst>
+              <a:ext uri="{FF2B5EF4-FFF2-40B4-BE49-F238E27FC236}">
+                <a16:creationId xmlns:a16="http://schemas.microsoft.com/office/drawing/2014/main" id="{73191B77-B492-35F8-4D42-A51F7EA103B4}"/>
+              </a:ext>
+            </a:extLst>
+          </p:cNvPr>
+          <p:cNvSpPr/>
+          <p:nvPr/>
+        </p:nvSpPr>
+        <p:spPr>
+          <a:xfrm>
+            <a:off x="5444426" y="1307669"/>
+            <a:ext cx="1164611" cy="375385"/>
+          </a:xfrm>
+          <a:prstGeom prst="roundRect">
+            <a:avLst/>
+          </a:prstGeom>
+        </p:spPr>
+        <p:style>
+          <a:lnRef idx="2">
+            <a:schemeClr val="dk1"/>
+          </a:lnRef>
+          <a:fillRef idx="1">
+            <a:schemeClr val="lt1"/>
+          </a:fillRef>
+          <a:effectRef idx="0">
+            <a:schemeClr val="dk1"/>
+          </a:effectRef>
+          <a:fontRef idx="minor">
+            <a:schemeClr val="dk1"/>
+          </a:fontRef>
+        </p:style>
+        <p:txBody>
+          <a:bodyPr rtlCol="0" anchor="ctr"/>
+          <a:lstStyle/>
+          <a:p>
+            <a:pPr algn="ctr"/>
+            <a:r>
+              <a:rPr lang="ko-KR" altLang="en-US">
+                <a:solidFill>
+                  <a:schemeClr val="bg2">
+                    <a:lumMod val="75000"/>
+                  </a:schemeClr>
+                </a:solidFill>
+              </a:rPr>
+              <a:t>품목번호</a:t>
+            </a:r>
+          </a:p>
+        </p:txBody>
+      </p:sp>
+      <p:sp>
+        <p:nvSpPr>
+          <p:cNvPr id="9" name="사각형: 둥근 모서리 8">
+            <a:extLst>
+              <a:ext uri="{FF2B5EF4-FFF2-40B4-BE49-F238E27FC236}">
+                <a16:creationId xmlns:a16="http://schemas.microsoft.com/office/drawing/2014/main" id="{F63EB4B3-0CA7-D693-4519-03DE8817A2D5}"/>
+              </a:ext>
+            </a:extLst>
+          </p:cNvPr>
+          <p:cNvSpPr/>
+          <p:nvPr/>
+        </p:nvSpPr>
+        <p:spPr>
+          <a:xfrm>
+            <a:off x="9703150" y="1327784"/>
+            <a:ext cx="1229410" cy="375385"/>
+          </a:xfrm>
+          <a:prstGeom prst="roundRect">
+            <a:avLst/>
+          </a:prstGeom>
+        </p:spPr>
+        <p:style>
+          <a:lnRef idx="2">
+            <a:schemeClr val="dk1"/>
+          </a:lnRef>
+          <a:fillRef idx="1">
+            <a:schemeClr val="lt1"/>
+          </a:fillRef>
+          <a:effectRef idx="0">
+            <a:schemeClr val="dk1"/>
+          </a:effectRef>
+          <a:fontRef idx="minor">
+            <a:schemeClr val="dk1"/>
+          </a:fontRef>
+        </p:style>
+        <p:txBody>
+          <a:bodyPr rtlCol="0" anchor="ctr"/>
+          <a:lstStyle/>
+          <a:p>
+            <a:pPr algn="ctr"/>
+            <a:r>
+              <a:rPr lang="ko-KR" altLang="en-US">
+                <a:solidFill>
+                  <a:schemeClr val="bg2">
+                    <a:lumMod val="75000"/>
+                  </a:schemeClr>
+                </a:solidFill>
+              </a:rPr>
+              <a:t>색상</a:t>
+            </a:r>
+          </a:p>
+        </p:txBody>
+      </p:sp>
+      <p:sp>
+        <p:nvSpPr>
+          <p:cNvPr id="10" name="사각형: 둥근 모서리 9">
+            <a:extLst>
+              <a:ext uri="{FF2B5EF4-FFF2-40B4-BE49-F238E27FC236}">
+                <a16:creationId xmlns:a16="http://schemas.microsoft.com/office/drawing/2014/main" id="{E8360DA0-825D-DE3C-1900-42F9E0C76DEA}"/>
+              </a:ext>
+            </a:extLst>
+          </p:cNvPr>
+          <p:cNvSpPr/>
+          <p:nvPr/>
+        </p:nvSpPr>
+        <p:spPr>
+          <a:xfrm>
+            <a:off x="5444426" y="1910879"/>
+            <a:ext cx="1164611" cy="375385"/>
+          </a:xfrm>
+          <a:prstGeom prst="roundRect">
+            <a:avLst/>
+          </a:prstGeom>
+        </p:spPr>
+        <p:style>
+          <a:lnRef idx="2">
+            <a:schemeClr val="dk1"/>
+          </a:lnRef>
+          <a:fillRef idx="1">
+            <a:schemeClr val="lt1"/>
+          </a:fillRef>
+          <a:effectRef idx="0">
+            <a:schemeClr val="dk1"/>
+          </a:effectRef>
+          <a:fontRef idx="minor">
+            <a:schemeClr val="dk1"/>
+          </a:fontRef>
+        </p:style>
+        <p:txBody>
+          <a:bodyPr rtlCol="0" anchor="ctr"/>
+          <a:lstStyle/>
+          <a:p>
+            <a:pPr algn="ctr"/>
+            <a:r>
+              <a:rPr lang="ko-KR" altLang="en-US">
+                <a:solidFill>
+                  <a:schemeClr val="bg2">
+                    <a:lumMod val="75000"/>
+                  </a:schemeClr>
+                </a:solidFill>
+              </a:rPr>
+              <a:t>분류</a:t>
+            </a:r>
+          </a:p>
+        </p:txBody>
+      </p:sp>
+      <p:sp>
+        <p:nvSpPr>
+          <p:cNvPr id="11" name="사각형: 둥근 모서리 10">
+            <a:extLst>
+              <a:ext uri="{FF2B5EF4-FFF2-40B4-BE49-F238E27FC236}">
+                <a16:creationId xmlns:a16="http://schemas.microsoft.com/office/drawing/2014/main" id="{ED8899FC-1967-200B-EB43-E6263C24BEC7}"/>
+              </a:ext>
+            </a:extLst>
+          </p:cNvPr>
+          <p:cNvSpPr/>
+          <p:nvPr/>
+        </p:nvSpPr>
+        <p:spPr>
+          <a:xfrm>
+            <a:off x="7721369" y="1314083"/>
+            <a:ext cx="1229410" cy="375385"/>
+          </a:xfrm>
+          <a:prstGeom prst="roundRect">
+            <a:avLst/>
+          </a:prstGeom>
+        </p:spPr>
+        <p:style>
+          <a:lnRef idx="2">
+            <a:schemeClr val="dk1"/>
+          </a:lnRef>
+          <a:fillRef idx="1">
+            <a:schemeClr val="lt1"/>
+          </a:fillRef>
+          <a:effectRef idx="0">
+            <a:schemeClr val="dk1"/>
+          </a:effectRef>
+          <a:fontRef idx="minor">
+            <a:schemeClr val="dk1"/>
+          </a:fontRef>
+        </p:style>
+        <p:txBody>
+          <a:bodyPr rtlCol="0" anchor="ctr"/>
+          <a:lstStyle/>
+          <a:p>
+            <a:pPr algn="ctr"/>
+            <a:r>
+              <a:rPr lang="ko-KR" altLang="en-US">
+                <a:solidFill>
+                  <a:schemeClr val="bg2">
+                    <a:lumMod val="75000"/>
+                  </a:schemeClr>
+                </a:solidFill>
+              </a:rPr>
+              <a:t>품목 단가</a:t>
+            </a:r>
+          </a:p>
+        </p:txBody>
+      </p:sp>
+      <p:sp>
+        <p:nvSpPr>
+          <p:cNvPr id="13" name="사각형: 둥근 모서리 12">
+            <a:extLst>
+              <a:ext uri="{FF2B5EF4-FFF2-40B4-BE49-F238E27FC236}">
+                <a16:creationId xmlns:a16="http://schemas.microsoft.com/office/drawing/2014/main" id="{7EFF2B73-B942-3091-952C-4985C72A7506}"/>
+              </a:ext>
+            </a:extLst>
+          </p:cNvPr>
+          <p:cNvSpPr/>
+          <p:nvPr/>
+        </p:nvSpPr>
+        <p:spPr>
+          <a:xfrm>
+            <a:off x="1403308" y="1920373"/>
+            <a:ext cx="1324588" cy="375385"/>
+          </a:xfrm>
+          <a:prstGeom prst="roundRect">
+            <a:avLst/>
+          </a:prstGeom>
+        </p:spPr>
+        <p:style>
+          <a:lnRef idx="2">
+            <a:schemeClr val="dk1"/>
+          </a:lnRef>
+          <a:fillRef idx="1">
+            <a:schemeClr val="lt1"/>
+          </a:fillRef>
+          <a:effectRef idx="0">
+            <a:schemeClr val="dk1"/>
+          </a:effectRef>
+          <a:fontRef idx="minor">
+            <a:schemeClr val="dk1"/>
+          </a:fontRef>
+        </p:style>
+        <p:txBody>
+          <a:bodyPr rtlCol="0" anchor="ctr"/>
+          <a:lstStyle/>
+          <a:p>
+            <a:pPr algn="ctr"/>
+            <a:r>
+              <a:rPr lang="ko-KR" altLang="en-US">
+                <a:solidFill>
+                  <a:schemeClr val="bg2">
+                    <a:lumMod val="75000"/>
+                  </a:schemeClr>
+                </a:solidFill>
+              </a:rPr>
+              <a:t>도장 방식</a:t>
+            </a:r>
+          </a:p>
+        </p:txBody>
+      </p:sp>
+      <p:sp>
+        <p:nvSpPr>
+          <p:cNvPr id="14" name="사각형: 둥근 모서리 13">
+            <a:extLst>
+              <a:ext uri="{FF2B5EF4-FFF2-40B4-BE49-F238E27FC236}">
+                <a16:creationId xmlns:a16="http://schemas.microsoft.com/office/drawing/2014/main" id="{4D68F925-5F38-605B-556D-CC7B336C6BCC}"/>
+              </a:ext>
+            </a:extLst>
+          </p:cNvPr>
+          <p:cNvSpPr/>
+          <p:nvPr/>
+        </p:nvSpPr>
+        <p:spPr>
+          <a:xfrm>
+            <a:off x="3438312" y="1910380"/>
+            <a:ext cx="1090678" cy="375385"/>
+          </a:xfrm>
+          <a:prstGeom prst="roundRect">
+            <a:avLst/>
+          </a:prstGeom>
+        </p:spPr>
+        <p:style>
+          <a:lnRef idx="2">
+            <a:schemeClr val="dk1"/>
+          </a:lnRef>
+          <a:fillRef idx="1">
+            <a:schemeClr val="lt1"/>
+          </a:fillRef>
+          <a:effectRef idx="0">
+            <a:schemeClr val="dk1"/>
+          </a:effectRef>
+          <a:fontRef idx="minor">
+            <a:schemeClr val="dk1"/>
+          </a:fontRef>
+        </p:style>
+        <p:txBody>
+          <a:bodyPr rtlCol="0" anchor="ctr"/>
+          <a:lstStyle/>
+          <a:p>
+            <a:pPr algn="ctr"/>
+            <a:r>
+              <a:rPr lang="ko-KR" altLang="en-US">
+                <a:solidFill>
+                  <a:schemeClr val="bg2">
+                    <a:lumMod val="75000"/>
+                  </a:schemeClr>
+                </a:solidFill>
+              </a:rPr>
+              <a:t>비고</a:t>
+            </a:r>
+          </a:p>
+        </p:txBody>
+      </p:sp>
+      <p:sp>
+        <p:nvSpPr>
+          <p:cNvPr id="15" name="사각형: 둥근 모서리 14">
+            <a:extLst>
+              <a:ext uri="{FF2B5EF4-FFF2-40B4-BE49-F238E27FC236}">
+                <a16:creationId xmlns:a16="http://schemas.microsoft.com/office/drawing/2014/main" id="{495CE8AF-1E9F-3D45-1368-190F09167FB7}"/>
+              </a:ext>
+            </a:extLst>
+          </p:cNvPr>
+          <p:cNvSpPr/>
+          <p:nvPr/>
+        </p:nvSpPr>
+        <p:spPr>
+          <a:xfrm>
+            <a:off x="1540584" y="3674418"/>
+            <a:ext cx="1619803" cy="1478280"/>
+          </a:xfrm>
+          <a:prstGeom prst="roundRect">
+            <a:avLst/>
+          </a:prstGeom>
+        </p:spPr>
+        <p:style>
+          <a:lnRef idx="2">
+            <a:schemeClr val="dk1"/>
+          </a:lnRef>
+          <a:fillRef idx="1">
+            <a:schemeClr val="lt1"/>
+          </a:fillRef>
+          <a:effectRef idx="0">
+            <a:schemeClr val="dk1"/>
+          </a:effectRef>
+          <a:fontRef idx="minor">
+            <a:schemeClr val="dk1"/>
+          </a:fontRef>
+        </p:style>
+        <p:txBody>
+          <a:bodyPr rtlCol="0" anchor="ctr"/>
+          <a:lstStyle/>
+          <a:p>
+            <a:pPr algn="ctr"/>
+            <a:r>
+              <a:rPr lang="ko-KR" altLang="en-US">
+                <a:solidFill>
+                  <a:schemeClr val="bg2">
+                    <a:lumMod val="75000"/>
+                  </a:schemeClr>
+                </a:solidFill>
+              </a:rPr>
+              <a:t>이미지</a:t>
+            </a:r>
+            <a:endParaRPr lang="en-US" altLang="ko-KR">
+              <a:solidFill>
+                <a:schemeClr val="bg2">
+                  <a:lumMod val="75000"/>
+                </a:schemeClr>
+              </a:solidFill>
+            </a:endParaRPr>
+          </a:p>
+          <a:p>
+            <a:pPr algn="ctr"/>
+            <a:r>
+              <a:rPr lang="ko-KR" altLang="en-US"/>
+              <a:t> </a:t>
+            </a:r>
+          </a:p>
+        </p:txBody>
+      </p:sp>
+      <p:sp>
+        <p:nvSpPr>
+          <p:cNvPr id="16" name="사각형: 둥근 모서리 15">
+            <a:extLst>
+              <a:ext uri="{FF2B5EF4-FFF2-40B4-BE49-F238E27FC236}">
+                <a16:creationId xmlns:a16="http://schemas.microsoft.com/office/drawing/2014/main" id="{664A57EA-FFAC-3407-A77D-A342B3FDF3AD}"/>
+              </a:ext>
+            </a:extLst>
+          </p:cNvPr>
+          <p:cNvSpPr/>
+          <p:nvPr/>
+        </p:nvSpPr>
+        <p:spPr>
+          <a:xfrm>
+            <a:off x="8899641" y="5565460"/>
+            <a:ext cx="1300214" cy="596762"/>
+          </a:xfrm>
+          <a:prstGeom prst="roundRect">
+            <a:avLst/>
+          </a:prstGeom>
+          <a:solidFill>
+            <a:schemeClr val="accent1"/>
+          </a:solidFill>
+          <a:ln>
+            <a:noFill/>
+          </a:ln>
+        </p:spPr>
+        <p:style>
+          <a:lnRef idx="0">
+            <a:scrgbClr r="0" g="0" b="0"/>
+          </a:lnRef>
+          <a:fillRef idx="0">
+            <a:scrgbClr r="0" g="0" b="0"/>
+          </a:fillRef>
+          <a:effectRef idx="0">
+            <a:scrgbClr r="0" g="0" b="0"/>
+          </a:effectRef>
+          <a:fontRef idx="minor">
+            <a:schemeClr val="lt1"/>
+          </a:fontRef>
+        </p:style>
+        <p:txBody>
+          <a:bodyPr rtlCol="0" anchor="ctr"/>
+          <a:lstStyle/>
+          <a:p>
+            <a:pPr algn="ctr"/>
+            <a:r>
+              <a:rPr lang="ko-KR" altLang="en-US"/>
+              <a:t>등록</a:t>
+            </a:r>
+          </a:p>
+        </p:txBody>
+      </p:sp>
+      <p:sp>
+        <p:nvSpPr>
+          <p:cNvPr id="17" name="TextBox 16">
+            <a:extLst>
+              <a:ext uri="{FF2B5EF4-FFF2-40B4-BE49-F238E27FC236}">
+                <a16:creationId xmlns:a16="http://schemas.microsoft.com/office/drawing/2014/main" id="{03844F2D-1BB7-56DC-7487-D01F379842D3}"/>
+              </a:ext>
+            </a:extLst>
+          </p:cNvPr>
+          <p:cNvSpPr txBox="1"/>
+          <p:nvPr/>
+        </p:nvSpPr>
+        <p:spPr>
+          <a:xfrm>
+            <a:off x="1276434" y="397021"/>
+            <a:ext cx="6949440" cy="523220"/>
+          </a:xfrm>
+          <a:prstGeom prst="rect">
+            <a:avLst/>
+          </a:prstGeom>
+          <a:noFill/>
+        </p:spPr>
+        <p:txBody>
+          <a:bodyPr wrap="square" rtlCol="0">
+            <a:spAutoFit/>
+          </a:bodyPr>
+          <a:lstStyle/>
+          <a:p>
+            <a:r>
+              <a:rPr lang="ko-KR" altLang="en-US" sz="2800"/>
+              <a:t>수주 대상 품목 등록 페이지</a:t>
+            </a:r>
+          </a:p>
+        </p:txBody>
+      </p:sp>
+      <p:cxnSp>
+        <p:nvCxnSpPr>
+          <p:cNvPr id="19" name="직선 연결선 18">
+            <a:extLst>
+              <a:ext uri="{FF2B5EF4-FFF2-40B4-BE49-F238E27FC236}">
+                <a16:creationId xmlns:a16="http://schemas.microsoft.com/office/drawing/2014/main" id="{43E455BC-0874-FF43-C641-6E374F183F21}"/>
+              </a:ext>
+            </a:extLst>
+          </p:cNvPr>
+          <p:cNvCxnSpPr>
+            <a:cxnSpLocks/>
+          </p:cNvCxnSpPr>
+          <p:nvPr/>
+        </p:nvCxnSpPr>
+        <p:spPr>
+          <a:xfrm>
+            <a:off x="501198" y="1037475"/>
+            <a:ext cx="10781503" cy="0"/>
+          </a:xfrm>
+          <a:prstGeom prst="line">
+            <a:avLst/>
+          </a:prstGeom>
+        </p:spPr>
+        <p:style>
+          <a:lnRef idx="3">
+            <a:schemeClr val="dk1"/>
+          </a:lnRef>
+          <a:fillRef idx="0">
+            <a:schemeClr val="dk1"/>
+          </a:fillRef>
+          <a:effectRef idx="2">
+            <a:schemeClr val="dk1"/>
+          </a:effectRef>
+          <a:fontRef idx="minor">
+            <a:schemeClr val="tx1"/>
+          </a:fontRef>
+        </p:style>
+      </p:cxnSp>
+      <p:sp>
+        <p:nvSpPr>
+          <p:cNvPr id="3" name="사각형: 둥근 모서리 2">
+            <a:extLst>
+              <a:ext uri="{FF2B5EF4-FFF2-40B4-BE49-F238E27FC236}">
+                <a16:creationId xmlns:a16="http://schemas.microsoft.com/office/drawing/2014/main" id="{20D55BEF-2053-D1C9-46E2-5855FC9B7FDD}"/>
+              </a:ext>
+            </a:extLst>
+          </p:cNvPr>
+          <p:cNvSpPr/>
+          <p:nvPr/>
+        </p:nvSpPr>
+        <p:spPr>
+          <a:xfrm>
+            <a:off x="7721369" y="1910380"/>
+            <a:ext cx="3216997" cy="375385"/>
+          </a:xfrm>
+          <a:prstGeom prst="roundRect">
+            <a:avLst/>
+          </a:prstGeom>
+        </p:spPr>
+        <p:style>
+          <a:lnRef idx="2">
+            <a:schemeClr val="dk1"/>
+          </a:lnRef>
+          <a:fillRef idx="1">
+            <a:schemeClr val="lt1"/>
+          </a:fillRef>
+          <a:effectRef idx="0">
+            <a:schemeClr val="dk1"/>
+          </a:effectRef>
+          <a:fontRef idx="minor">
+            <a:schemeClr val="dk1"/>
+          </a:fontRef>
+        </p:style>
+        <p:txBody>
+          <a:bodyPr rtlCol="0" anchor="ctr"/>
+          <a:lstStyle/>
+          <a:p>
+            <a:pPr algn="ctr"/>
+            <a:r>
+              <a:rPr lang="ko-KR" altLang="en-US">
+                <a:solidFill>
+                  <a:schemeClr val="bg2">
+                    <a:lumMod val="75000"/>
+                  </a:schemeClr>
+                </a:solidFill>
+              </a:rPr>
+              <a:t>라우팅 정보</a:t>
+            </a:r>
+          </a:p>
+        </p:txBody>
+      </p:sp>
+      <p:sp>
+        <p:nvSpPr>
+          <p:cNvPr id="18" name="사각형: 둥근 모서리 17">
+            <a:extLst>
+              <a:ext uri="{FF2B5EF4-FFF2-40B4-BE49-F238E27FC236}">
+                <a16:creationId xmlns:a16="http://schemas.microsoft.com/office/drawing/2014/main" id="{FC166C89-8A58-BFDF-529E-4650916FFE6C}"/>
+              </a:ext>
+            </a:extLst>
+          </p:cNvPr>
+          <p:cNvSpPr/>
+          <p:nvPr/>
+        </p:nvSpPr>
+        <p:spPr>
+          <a:xfrm>
+            <a:off x="3794428" y="3682015"/>
+            <a:ext cx="1619803" cy="1478280"/>
+          </a:xfrm>
+          <a:prstGeom prst="roundRect">
+            <a:avLst/>
+          </a:prstGeom>
+        </p:spPr>
+        <p:style>
+          <a:lnRef idx="2">
+            <a:schemeClr val="dk1"/>
+          </a:lnRef>
+          <a:fillRef idx="1">
+            <a:schemeClr val="lt1"/>
+          </a:fillRef>
+          <a:effectRef idx="0">
+            <a:schemeClr val="dk1"/>
+          </a:effectRef>
+          <a:fontRef idx="minor">
+            <a:schemeClr val="dk1"/>
+          </a:fontRef>
+        </p:style>
+        <p:txBody>
+          <a:bodyPr rtlCol="0" anchor="ctr"/>
+          <a:lstStyle/>
+          <a:p>
+            <a:pPr algn="ctr"/>
+            <a:r>
+              <a:rPr lang="ko-KR" altLang="en-US">
+                <a:solidFill>
+                  <a:schemeClr val="bg2">
+                    <a:lumMod val="75000"/>
+                  </a:schemeClr>
+                </a:solidFill>
+              </a:rPr>
+              <a:t>이미지</a:t>
+            </a:r>
+            <a:endParaRPr lang="en-US" altLang="ko-KR">
+              <a:solidFill>
+                <a:schemeClr val="bg2">
+                  <a:lumMod val="75000"/>
+                </a:schemeClr>
+              </a:solidFill>
+            </a:endParaRPr>
+          </a:p>
+          <a:p>
+            <a:pPr algn="ctr"/>
+            <a:r>
+              <a:rPr lang="ko-KR" altLang="en-US"/>
+              <a:t> </a:t>
+            </a:r>
+          </a:p>
+        </p:txBody>
+      </p:sp>
+      <p:sp>
+        <p:nvSpPr>
+          <p:cNvPr id="20" name="사각형: 둥근 모서리 19">
+            <a:extLst>
+              <a:ext uri="{FF2B5EF4-FFF2-40B4-BE49-F238E27FC236}">
+                <a16:creationId xmlns:a16="http://schemas.microsoft.com/office/drawing/2014/main" id="{2972BC10-BA66-E83A-586B-B38E708C645A}"/>
+              </a:ext>
+            </a:extLst>
+          </p:cNvPr>
+          <p:cNvSpPr/>
+          <p:nvPr/>
+        </p:nvSpPr>
+        <p:spPr>
+          <a:xfrm>
+            <a:off x="6187240" y="3674418"/>
+            <a:ext cx="1619803" cy="1478280"/>
+          </a:xfrm>
+          <a:prstGeom prst="roundRect">
+            <a:avLst/>
+          </a:prstGeom>
+        </p:spPr>
+        <p:style>
+          <a:lnRef idx="2">
+            <a:schemeClr val="dk1"/>
+          </a:lnRef>
+          <a:fillRef idx="1">
+            <a:schemeClr val="lt1"/>
+          </a:fillRef>
+          <a:effectRef idx="0">
+            <a:schemeClr val="dk1"/>
+          </a:effectRef>
+          <a:fontRef idx="minor">
+            <a:schemeClr val="dk1"/>
+          </a:fontRef>
+        </p:style>
+        <p:txBody>
+          <a:bodyPr rtlCol="0" anchor="ctr"/>
+          <a:lstStyle/>
+          <a:p>
+            <a:pPr algn="ctr"/>
+            <a:r>
+              <a:rPr lang="ko-KR" altLang="en-US">
+                <a:solidFill>
+                  <a:schemeClr val="bg2">
+                    <a:lumMod val="75000"/>
+                  </a:schemeClr>
+                </a:solidFill>
+              </a:rPr>
+              <a:t>이미지</a:t>
+            </a:r>
+            <a:endParaRPr lang="en-US" altLang="ko-KR">
+              <a:solidFill>
+                <a:schemeClr val="bg2">
+                  <a:lumMod val="75000"/>
+                </a:schemeClr>
+              </a:solidFill>
+            </a:endParaRPr>
+          </a:p>
+          <a:p>
+            <a:pPr algn="ctr"/>
+            <a:r>
+              <a:rPr lang="ko-KR" altLang="en-US"/>
+              <a:t> </a:t>
+            </a:r>
+          </a:p>
+        </p:txBody>
+      </p:sp>
+      <p:sp>
+        <p:nvSpPr>
+          <p:cNvPr id="21" name="사각형: 둥근 모서리 20">
+            <a:extLst>
+              <a:ext uri="{FF2B5EF4-FFF2-40B4-BE49-F238E27FC236}">
+                <a16:creationId xmlns:a16="http://schemas.microsoft.com/office/drawing/2014/main" id="{80B0C5C4-BF36-E15D-37F0-629669694B46}"/>
+              </a:ext>
+            </a:extLst>
+          </p:cNvPr>
+          <p:cNvSpPr/>
+          <p:nvPr/>
+        </p:nvSpPr>
+        <p:spPr>
+          <a:xfrm>
+            <a:off x="8580052" y="3682015"/>
+            <a:ext cx="1619803" cy="1478280"/>
+          </a:xfrm>
+          <a:prstGeom prst="roundRect">
+            <a:avLst/>
+          </a:prstGeom>
+        </p:spPr>
+        <p:style>
+          <a:lnRef idx="2">
+            <a:schemeClr val="dk1"/>
+          </a:lnRef>
+          <a:fillRef idx="1">
+            <a:schemeClr val="lt1"/>
+          </a:fillRef>
+          <a:effectRef idx="0">
+            <a:schemeClr val="dk1"/>
+          </a:effectRef>
+          <a:fontRef idx="minor">
+            <a:schemeClr val="dk1"/>
+          </a:fontRef>
+        </p:style>
+        <p:txBody>
+          <a:bodyPr rtlCol="0" anchor="ctr"/>
+          <a:lstStyle/>
+          <a:p>
+            <a:pPr algn="ctr"/>
+            <a:r>
+              <a:rPr lang="ko-KR" altLang="en-US">
+                <a:solidFill>
+                  <a:schemeClr val="bg2">
+                    <a:lumMod val="75000"/>
+                  </a:schemeClr>
+                </a:solidFill>
+              </a:rPr>
+              <a:t>이미지</a:t>
+            </a:r>
+            <a:endParaRPr lang="en-US" altLang="ko-KR">
+              <a:solidFill>
+                <a:schemeClr val="bg2">
+                  <a:lumMod val="75000"/>
+                </a:schemeClr>
+              </a:solidFill>
+            </a:endParaRPr>
+          </a:p>
+          <a:p>
+            <a:pPr algn="ctr"/>
+            <a:r>
+              <a:rPr lang="ko-KR" altLang="en-US"/>
+              <a:t> </a:t>
+            </a:r>
+          </a:p>
+        </p:txBody>
+      </p:sp>
+      <p:pic>
+        <p:nvPicPr>
+          <p:cNvPr id="23" name="그래픽 22" descr="이미지">
+            <a:extLst>
+              <a:ext uri="{FF2B5EF4-FFF2-40B4-BE49-F238E27FC236}">
+                <a16:creationId xmlns:a16="http://schemas.microsoft.com/office/drawing/2014/main" id="{E29B740E-6EF0-7BDD-E133-08949EBC77C1}"/>
+              </a:ext>
+            </a:extLst>
+          </p:cNvPr>
+          <p:cNvPicPr>
+            <a:picLocks noChangeAspect="1"/>
+          </p:cNvPicPr>
+          <p:nvPr/>
+        </p:nvPicPr>
+        <p:blipFill>
+          <a:blip r:embed="rId2">
+            <a:extLst>
+              <a:ext uri="{96DAC541-7B7A-43D3-8B79-37D633B846F1}">
+                <asvg:svgBlip xmlns:asvg="http://schemas.microsoft.com/office/drawing/2016/SVG/main" r:embed="rId3"/>
+              </a:ext>
+            </a:extLst>
+          </a:blip>
+          <a:stretch>
+            <a:fillRect/>
+          </a:stretch>
+        </p:blipFill>
+        <p:spPr>
+          <a:xfrm>
+            <a:off x="4378790" y="4421155"/>
+            <a:ext cx="445394" cy="375385"/>
+          </a:xfrm>
+          <a:prstGeom prst="rect">
+            <a:avLst/>
+          </a:prstGeom>
+        </p:spPr>
+      </p:pic>
+      <p:pic>
+        <p:nvPicPr>
+          <p:cNvPr id="24" name="그래픽 23" descr="이미지">
+            <a:extLst>
+              <a:ext uri="{FF2B5EF4-FFF2-40B4-BE49-F238E27FC236}">
+                <a16:creationId xmlns:a16="http://schemas.microsoft.com/office/drawing/2014/main" id="{A03FEE89-43A8-9E60-ADFE-C874FBDDBC0C}"/>
+              </a:ext>
+            </a:extLst>
+          </p:cNvPr>
+          <p:cNvPicPr>
+            <a:picLocks noChangeAspect="1"/>
+          </p:cNvPicPr>
+          <p:nvPr/>
+        </p:nvPicPr>
+        <p:blipFill>
+          <a:blip r:embed="rId2">
+            <a:extLst>
+              <a:ext uri="{96DAC541-7B7A-43D3-8B79-37D633B846F1}">
+                <asvg:svgBlip xmlns:asvg="http://schemas.microsoft.com/office/drawing/2016/SVG/main" r:embed="rId3"/>
+              </a:ext>
+            </a:extLst>
+          </a:blip>
+          <a:stretch>
+            <a:fillRect/>
+          </a:stretch>
+        </p:blipFill>
+        <p:spPr>
+          <a:xfrm>
+            <a:off x="6774444" y="4425004"/>
+            <a:ext cx="445394" cy="375385"/>
+          </a:xfrm>
+          <a:prstGeom prst="rect">
+            <a:avLst/>
+          </a:prstGeom>
+        </p:spPr>
+      </p:pic>
+      <p:pic>
+        <p:nvPicPr>
+          <p:cNvPr id="25" name="그래픽 24" descr="이미지">
+            <a:extLst>
+              <a:ext uri="{FF2B5EF4-FFF2-40B4-BE49-F238E27FC236}">
+                <a16:creationId xmlns:a16="http://schemas.microsoft.com/office/drawing/2014/main" id="{A75F6D64-85E7-96AC-76CC-0F2F4D5FC7D2}"/>
+              </a:ext>
+            </a:extLst>
+          </p:cNvPr>
+          <p:cNvPicPr>
+            <a:picLocks noChangeAspect="1"/>
+          </p:cNvPicPr>
+          <p:nvPr/>
+        </p:nvPicPr>
+        <p:blipFill>
+          <a:blip r:embed="rId2">
+            <a:extLst>
+              <a:ext uri="{96DAC541-7B7A-43D3-8B79-37D633B846F1}">
+                <asvg:svgBlip xmlns:asvg="http://schemas.microsoft.com/office/drawing/2016/SVG/main" r:embed="rId3"/>
+              </a:ext>
+            </a:extLst>
+          </a:blip>
+          <a:stretch>
+            <a:fillRect/>
+          </a:stretch>
+        </p:blipFill>
+        <p:spPr>
+          <a:xfrm>
+            <a:off x="2127788" y="4421155"/>
+            <a:ext cx="445394" cy="375385"/>
+          </a:xfrm>
+          <a:prstGeom prst="rect">
+            <a:avLst/>
+          </a:prstGeom>
+        </p:spPr>
+      </p:pic>
+      <p:pic>
+        <p:nvPicPr>
+          <p:cNvPr id="26" name="그래픽 25" descr="이미지">
+            <a:extLst>
+              <a:ext uri="{FF2B5EF4-FFF2-40B4-BE49-F238E27FC236}">
+                <a16:creationId xmlns:a16="http://schemas.microsoft.com/office/drawing/2014/main" id="{C1707512-657D-14C4-89F5-D7958A5AC221}"/>
+              </a:ext>
+            </a:extLst>
+          </p:cNvPr>
+          <p:cNvPicPr>
+            <a:picLocks noChangeAspect="1"/>
+          </p:cNvPicPr>
+          <p:nvPr/>
+        </p:nvPicPr>
+        <p:blipFill>
+          <a:blip r:embed="rId2">
+            <a:extLst>
+              <a:ext uri="{96DAC541-7B7A-43D3-8B79-37D633B846F1}">
+                <asvg:svgBlip xmlns:asvg="http://schemas.microsoft.com/office/drawing/2016/SVG/main" r:embed="rId3"/>
+              </a:ext>
+            </a:extLst>
+          </a:blip>
+          <a:stretch>
+            <a:fillRect/>
+          </a:stretch>
+        </p:blipFill>
+        <p:spPr>
+          <a:xfrm>
+            <a:off x="9167256" y="4413558"/>
+            <a:ext cx="445394" cy="375385"/>
+          </a:xfrm>
+          <a:prstGeom prst="rect">
+            <a:avLst/>
+          </a:prstGeom>
+        </p:spPr>
+      </p:pic>
+      <p:sp>
+        <p:nvSpPr>
+          <p:cNvPr id="27" name="사각형: 둥근 모서리 26">
+            <a:extLst>
+              <a:ext uri="{FF2B5EF4-FFF2-40B4-BE49-F238E27FC236}">
+                <a16:creationId xmlns:a16="http://schemas.microsoft.com/office/drawing/2014/main" id="{830976BF-4F5D-D374-CDF4-ED929BD33B4B}"/>
+              </a:ext>
+            </a:extLst>
+          </p:cNvPr>
+          <p:cNvSpPr/>
+          <p:nvPr/>
+        </p:nvSpPr>
+        <p:spPr>
+          <a:xfrm>
+            <a:off x="530345" y="1286235"/>
+            <a:ext cx="1022957" cy="375385"/>
+          </a:xfrm>
+          <a:prstGeom prst="roundRect">
+            <a:avLst/>
+          </a:prstGeom>
+          <a:noFill/>
+          <a:ln>
+            <a:noFill/>
+          </a:ln>
+        </p:spPr>
+        <p:style>
+          <a:lnRef idx="0">
+            <a:scrgbClr r="0" g="0" b="0"/>
+          </a:lnRef>
+          <a:fillRef idx="0">
+            <a:scrgbClr r="0" g="0" b="0"/>
+          </a:fillRef>
+          <a:effectRef idx="0">
+            <a:scrgbClr r="0" g="0" b="0"/>
+          </a:effectRef>
+          <a:fontRef idx="minor">
+            <a:schemeClr val="dk1"/>
+          </a:fontRef>
+        </p:style>
+        <p:txBody>
+          <a:bodyPr rtlCol="0" anchor="ctr"/>
+          <a:lstStyle/>
+          <a:p>
+            <a:pPr algn="ctr"/>
+            <a:r>
+              <a:rPr lang="ko-KR" altLang="en-US" sz="1200"/>
+              <a:t>거래처명</a:t>
+            </a:r>
+          </a:p>
+        </p:txBody>
+      </p:sp>
+      <p:sp>
+        <p:nvSpPr>
+          <p:cNvPr id="30" name="사각형: 둥근 모서리 29">
+            <a:extLst>
+              <a:ext uri="{FF2B5EF4-FFF2-40B4-BE49-F238E27FC236}">
+                <a16:creationId xmlns:a16="http://schemas.microsoft.com/office/drawing/2014/main" id="{217C9D7A-A149-7DC5-4022-6A66B8772DBC}"/>
+              </a:ext>
+            </a:extLst>
+          </p:cNvPr>
+          <p:cNvSpPr/>
+          <p:nvPr/>
+        </p:nvSpPr>
+        <p:spPr>
+          <a:xfrm>
+            <a:off x="2648908" y="1312637"/>
+            <a:ext cx="1022957" cy="375385"/>
+          </a:xfrm>
+          <a:prstGeom prst="roundRect">
+            <a:avLst/>
+          </a:prstGeom>
+          <a:noFill/>
+          <a:ln>
+            <a:noFill/>
+          </a:ln>
+        </p:spPr>
+        <p:style>
+          <a:lnRef idx="0">
+            <a:scrgbClr r="0" g="0" b="0"/>
+          </a:lnRef>
+          <a:fillRef idx="0">
+            <a:scrgbClr r="0" g="0" b="0"/>
+          </a:fillRef>
+          <a:effectRef idx="0">
+            <a:scrgbClr r="0" g="0" b="0"/>
+          </a:effectRef>
+          <a:fontRef idx="minor">
+            <a:schemeClr val="dk1"/>
+          </a:fontRef>
+        </p:style>
+        <p:txBody>
+          <a:bodyPr rtlCol="0" anchor="ctr"/>
+          <a:lstStyle/>
+          <a:p>
+            <a:pPr algn="ctr"/>
+            <a:r>
+              <a:rPr lang="ko-KR" altLang="en-US" sz="1200"/>
+              <a:t>품목명</a:t>
+            </a:r>
+          </a:p>
+        </p:txBody>
+      </p:sp>
+      <p:sp>
+        <p:nvSpPr>
+          <p:cNvPr id="31" name="사각형: 둥근 모서리 30">
+            <a:extLst>
+              <a:ext uri="{FF2B5EF4-FFF2-40B4-BE49-F238E27FC236}">
+                <a16:creationId xmlns:a16="http://schemas.microsoft.com/office/drawing/2014/main" id="{5D07C600-C2F4-154E-6E7B-180F1AC0D57B}"/>
+              </a:ext>
+            </a:extLst>
+          </p:cNvPr>
+          <p:cNvSpPr/>
+          <p:nvPr/>
+        </p:nvSpPr>
+        <p:spPr>
+          <a:xfrm>
+            <a:off x="4578368" y="1307669"/>
+            <a:ext cx="1022957" cy="375385"/>
+          </a:xfrm>
+          <a:prstGeom prst="roundRect">
+            <a:avLst/>
+          </a:prstGeom>
+          <a:noFill/>
+          <a:ln>
+            <a:noFill/>
+          </a:ln>
+        </p:spPr>
+        <p:style>
+          <a:lnRef idx="0">
+            <a:scrgbClr r="0" g="0" b="0"/>
+          </a:lnRef>
+          <a:fillRef idx="0">
+            <a:scrgbClr r="0" g="0" b="0"/>
+          </a:fillRef>
+          <a:effectRef idx="0">
+            <a:scrgbClr r="0" g="0" b="0"/>
+          </a:effectRef>
+          <a:fontRef idx="minor">
+            <a:schemeClr val="dk1"/>
+          </a:fontRef>
+        </p:style>
+        <p:txBody>
+          <a:bodyPr rtlCol="0" anchor="ctr"/>
+          <a:lstStyle/>
+          <a:p>
+            <a:pPr algn="ctr"/>
+            <a:r>
+              <a:rPr lang="ko-KR" altLang="en-US" sz="1200"/>
+              <a:t>품목번호</a:t>
+            </a:r>
+          </a:p>
+        </p:txBody>
+      </p:sp>
+      <p:sp>
+        <p:nvSpPr>
+          <p:cNvPr id="32" name="사각형: 둥근 모서리 31">
+            <a:extLst>
+              <a:ext uri="{FF2B5EF4-FFF2-40B4-BE49-F238E27FC236}">
+                <a16:creationId xmlns:a16="http://schemas.microsoft.com/office/drawing/2014/main" id="{C25C50B2-6974-A0D6-1038-503A7A999AF7}"/>
+              </a:ext>
+            </a:extLst>
+          </p:cNvPr>
+          <p:cNvSpPr/>
+          <p:nvPr/>
+        </p:nvSpPr>
+        <p:spPr>
+          <a:xfrm>
+            <a:off x="6649036" y="1314083"/>
+            <a:ext cx="1022957" cy="375385"/>
+          </a:xfrm>
+          <a:prstGeom prst="roundRect">
+            <a:avLst/>
+          </a:prstGeom>
+          <a:noFill/>
+          <a:ln>
+            <a:noFill/>
+          </a:ln>
+        </p:spPr>
+        <p:style>
+          <a:lnRef idx="0">
+            <a:scrgbClr r="0" g="0" b="0"/>
+          </a:lnRef>
+          <a:fillRef idx="0">
+            <a:scrgbClr r="0" g="0" b="0"/>
+          </a:fillRef>
+          <a:effectRef idx="0">
+            <a:scrgbClr r="0" g="0" b="0"/>
+          </a:effectRef>
+          <a:fontRef idx="minor">
+            <a:schemeClr val="dk1"/>
+          </a:fontRef>
+        </p:style>
+        <p:txBody>
+          <a:bodyPr rtlCol="0" anchor="ctr"/>
+          <a:lstStyle/>
+          <a:p>
+            <a:pPr algn="ctr"/>
+            <a:r>
+              <a:rPr lang="ko-KR" altLang="en-US" sz="1200"/>
+              <a:t>품목 단가</a:t>
+            </a:r>
+          </a:p>
+        </p:txBody>
+      </p:sp>
+      <p:sp>
+        <p:nvSpPr>
+          <p:cNvPr id="33" name="사각형: 둥근 모서리 32">
+            <a:extLst>
+              <a:ext uri="{FF2B5EF4-FFF2-40B4-BE49-F238E27FC236}">
+                <a16:creationId xmlns:a16="http://schemas.microsoft.com/office/drawing/2014/main" id="{98890F53-382C-677E-912E-EE8AE9BC7375}"/>
+              </a:ext>
+            </a:extLst>
+          </p:cNvPr>
+          <p:cNvSpPr/>
+          <p:nvPr/>
+        </p:nvSpPr>
+        <p:spPr>
+          <a:xfrm>
+            <a:off x="9055921" y="1327784"/>
+            <a:ext cx="794599" cy="375385"/>
+          </a:xfrm>
+          <a:prstGeom prst="roundRect">
+            <a:avLst/>
+          </a:prstGeom>
+          <a:noFill/>
+          <a:ln>
+            <a:noFill/>
+          </a:ln>
+        </p:spPr>
+        <p:style>
+          <a:lnRef idx="0">
+            <a:scrgbClr r="0" g="0" b="0"/>
+          </a:lnRef>
+          <a:fillRef idx="0">
+            <a:scrgbClr r="0" g="0" b="0"/>
+          </a:fillRef>
+          <a:effectRef idx="0">
+            <a:scrgbClr r="0" g="0" b="0"/>
+          </a:effectRef>
+          <a:fontRef idx="minor">
+            <a:schemeClr val="dk1"/>
+          </a:fontRef>
+        </p:style>
+        <p:txBody>
+          <a:bodyPr rtlCol="0" anchor="ctr"/>
+          <a:lstStyle/>
+          <a:p>
+            <a:pPr algn="ctr"/>
+            <a:r>
+              <a:rPr lang="ko-KR" altLang="en-US" sz="1200"/>
+              <a:t>색상</a:t>
+            </a:r>
+          </a:p>
+        </p:txBody>
+      </p:sp>
+      <p:sp>
+        <p:nvSpPr>
+          <p:cNvPr id="35" name="사각형: 둥근 모서리 34">
+            <a:extLst>
+              <a:ext uri="{FF2B5EF4-FFF2-40B4-BE49-F238E27FC236}">
+                <a16:creationId xmlns:a16="http://schemas.microsoft.com/office/drawing/2014/main" id="{95F8040A-586A-8D88-BED8-A226C1E4AE59}"/>
+              </a:ext>
+            </a:extLst>
+          </p:cNvPr>
+          <p:cNvSpPr/>
+          <p:nvPr/>
+        </p:nvSpPr>
+        <p:spPr>
+          <a:xfrm>
+            <a:off x="530344" y="1888329"/>
+            <a:ext cx="1022957" cy="375385"/>
+          </a:xfrm>
+          <a:prstGeom prst="roundRect">
+            <a:avLst/>
+          </a:prstGeom>
+          <a:noFill/>
+          <a:ln>
+            <a:noFill/>
+          </a:ln>
+        </p:spPr>
+        <p:style>
+          <a:lnRef idx="0">
+            <a:scrgbClr r="0" g="0" b="0"/>
+          </a:lnRef>
+          <a:fillRef idx="0">
+            <a:scrgbClr r="0" g="0" b="0"/>
+          </a:fillRef>
+          <a:effectRef idx="0">
+            <a:scrgbClr r="0" g="0" b="0"/>
+          </a:effectRef>
+          <a:fontRef idx="minor">
+            <a:schemeClr val="dk1"/>
+          </a:fontRef>
+        </p:style>
+        <p:txBody>
+          <a:bodyPr rtlCol="0" anchor="ctr"/>
+          <a:lstStyle/>
+          <a:p>
+            <a:pPr algn="ctr"/>
+            <a:r>
+              <a:rPr lang="ko-KR" altLang="en-US" sz="1200"/>
+              <a:t>도장 방식</a:t>
+            </a:r>
+          </a:p>
+        </p:txBody>
+      </p:sp>
+      <p:sp>
+        <p:nvSpPr>
+          <p:cNvPr id="38" name="사각형: 둥근 모서리 37">
+            <a:extLst>
+              <a:ext uri="{FF2B5EF4-FFF2-40B4-BE49-F238E27FC236}">
+                <a16:creationId xmlns:a16="http://schemas.microsoft.com/office/drawing/2014/main" id="{1C812390-81EA-6890-F53A-74F2428E6749}"/>
+              </a:ext>
+            </a:extLst>
+          </p:cNvPr>
+          <p:cNvSpPr/>
+          <p:nvPr/>
+        </p:nvSpPr>
+        <p:spPr>
+          <a:xfrm>
+            <a:off x="2609007" y="1880115"/>
+            <a:ext cx="1022957" cy="375385"/>
+          </a:xfrm>
+          <a:prstGeom prst="roundRect">
+            <a:avLst/>
+          </a:prstGeom>
+          <a:noFill/>
+          <a:ln>
+            <a:noFill/>
+          </a:ln>
+        </p:spPr>
+        <p:style>
+          <a:lnRef idx="0">
+            <a:scrgbClr r="0" g="0" b="0"/>
+          </a:lnRef>
+          <a:fillRef idx="0">
+            <a:scrgbClr r="0" g="0" b="0"/>
+          </a:fillRef>
+          <a:effectRef idx="0">
+            <a:scrgbClr r="0" g="0" b="0"/>
+          </a:effectRef>
+          <a:fontRef idx="minor">
+            <a:schemeClr val="dk1"/>
+          </a:fontRef>
+        </p:style>
+        <p:txBody>
+          <a:bodyPr rtlCol="0" anchor="ctr"/>
+          <a:lstStyle/>
+          <a:p>
+            <a:pPr algn="ctr"/>
+            <a:r>
+              <a:rPr lang="ko-KR" altLang="en-US" sz="1200"/>
+              <a:t>비고</a:t>
+            </a:r>
+          </a:p>
+        </p:txBody>
+      </p:sp>
+      <p:sp>
+        <p:nvSpPr>
+          <p:cNvPr id="39" name="사각형: 둥근 모서리 38">
+            <a:extLst>
+              <a:ext uri="{FF2B5EF4-FFF2-40B4-BE49-F238E27FC236}">
+                <a16:creationId xmlns:a16="http://schemas.microsoft.com/office/drawing/2014/main" id="{DC393C04-116D-0619-FFA3-126E3EF97FD4}"/>
+              </a:ext>
+            </a:extLst>
+          </p:cNvPr>
+          <p:cNvSpPr/>
+          <p:nvPr/>
+        </p:nvSpPr>
+        <p:spPr>
+          <a:xfrm>
+            <a:off x="4578367" y="1888329"/>
+            <a:ext cx="1022957" cy="375385"/>
+          </a:xfrm>
+          <a:prstGeom prst="roundRect">
+            <a:avLst/>
+          </a:prstGeom>
+          <a:noFill/>
+          <a:ln>
+            <a:noFill/>
+          </a:ln>
+        </p:spPr>
+        <p:style>
+          <a:lnRef idx="0">
+            <a:scrgbClr r="0" g="0" b="0"/>
+          </a:lnRef>
+          <a:fillRef idx="0">
+            <a:scrgbClr r="0" g="0" b="0"/>
+          </a:fillRef>
+          <a:effectRef idx="0">
+            <a:scrgbClr r="0" g="0" b="0"/>
+          </a:effectRef>
+          <a:fontRef idx="minor">
+            <a:schemeClr val="dk1"/>
+          </a:fontRef>
+        </p:style>
+        <p:txBody>
+          <a:bodyPr rtlCol="0" anchor="ctr"/>
+          <a:lstStyle/>
+          <a:p>
+            <a:pPr algn="ctr"/>
+            <a:r>
+              <a:rPr lang="ko-KR" altLang="en-US" sz="1200"/>
+              <a:t>분류</a:t>
+            </a:r>
+          </a:p>
+        </p:txBody>
+      </p:sp>
+      <p:sp>
+        <p:nvSpPr>
+          <p:cNvPr id="40" name="사각형: 둥근 모서리 39">
+            <a:extLst>
+              <a:ext uri="{FF2B5EF4-FFF2-40B4-BE49-F238E27FC236}">
+                <a16:creationId xmlns:a16="http://schemas.microsoft.com/office/drawing/2014/main" id="{0EBCD7AA-EB8C-2B45-81B1-DCAED89A7BE5}"/>
+              </a:ext>
+            </a:extLst>
+          </p:cNvPr>
+          <p:cNvSpPr/>
+          <p:nvPr/>
+        </p:nvSpPr>
+        <p:spPr>
+          <a:xfrm>
+            <a:off x="6649036" y="1924171"/>
+            <a:ext cx="1164611" cy="375385"/>
+          </a:xfrm>
+          <a:prstGeom prst="roundRect">
+            <a:avLst/>
+          </a:prstGeom>
+          <a:noFill/>
+          <a:ln>
+            <a:noFill/>
+          </a:ln>
+        </p:spPr>
+        <p:style>
+          <a:lnRef idx="0">
+            <a:scrgbClr r="0" g="0" b="0"/>
+          </a:lnRef>
+          <a:fillRef idx="0">
+            <a:scrgbClr r="0" g="0" b="0"/>
+          </a:fillRef>
+          <a:effectRef idx="0">
+            <a:scrgbClr r="0" g="0" b="0"/>
+          </a:effectRef>
+          <a:fontRef idx="minor">
+            <a:schemeClr val="dk1"/>
+          </a:fontRef>
+        </p:style>
+        <p:txBody>
+          <a:bodyPr rtlCol="0" anchor="ctr"/>
+          <a:lstStyle/>
+          <a:p>
+            <a:pPr algn="ctr"/>
+            <a:r>
+              <a:rPr lang="ko-KR" altLang="en-US" sz="1200"/>
+              <a:t>라우팅 정보</a:t>
+            </a:r>
+          </a:p>
+        </p:txBody>
+      </p:sp>
+      <p:sp>
+        <p:nvSpPr>
+          <p:cNvPr id="2" name="순서도: 병합 1">
+            <a:extLst>
+              <a:ext uri="{FF2B5EF4-FFF2-40B4-BE49-F238E27FC236}">
+                <a16:creationId xmlns:a16="http://schemas.microsoft.com/office/drawing/2014/main" id="{28E3B578-2D9F-7E04-4994-8F28CBDBD1CD}"/>
+              </a:ext>
+            </a:extLst>
+          </p:cNvPr>
+          <p:cNvSpPr/>
+          <p:nvPr/>
+        </p:nvSpPr>
+        <p:spPr>
+          <a:xfrm>
+            <a:off x="2552811" y="1441052"/>
+            <a:ext cx="112195" cy="103405"/>
+          </a:xfrm>
+          <a:prstGeom prst="flowChartMerge">
+            <a:avLst/>
+          </a:prstGeom>
+        </p:spPr>
+        <p:style>
+          <a:lnRef idx="2">
+            <a:schemeClr val="accent1">
+              <a:shade val="15000"/>
+            </a:schemeClr>
+          </a:lnRef>
+          <a:fillRef idx="1">
+            <a:schemeClr val="accent1"/>
+          </a:fillRef>
+          <a:effectRef idx="0">
+            <a:schemeClr val="accent1"/>
+          </a:effectRef>
+          <a:fontRef idx="minor">
+            <a:schemeClr val="lt1"/>
+          </a:fontRef>
+        </p:style>
+        <p:txBody>
+          <a:bodyPr rtlCol="0" anchor="ctr"/>
+          <a:lstStyle/>
+          <a:p>
+            <a:pPr algn="ctr"/>
+            <a:endParaRPr lang="ko-KR" altLang="en-US"/>
+          </a:p>
+        </p:txBody>
+      </p:sp>
+      <p:sp>
+        <p:nvSpPr>
+          <p:cNvPr id="4" name="순서도: 병합 3">
+            <a:extLst>
+              <a:ext uri="{FF2B5EF4-FFF2-40B4-BE49-F238E27FC236}">
+                <a16:creationId xmlns:a16="http://schemas.microsoft.com/office/drawing/2014/main" id="{DB550B24-676C-3DFF-88CE-9680535B71CC}"/>
+              </a:ext>
+            </a:extLst>
+          </p:cNvPr>
+          <p:cNvSpPr/>
+          <p:nvPr/>
+        </p:nvSpPr>
+        <p:spPr>
+          <a:xfrm>
+            <a:off x="6394837" y="2046369"/>
+            <a:ext cx="112195" cy="103405"/>
+          </a:xfrm>
+          <a:prstGeom prst="flowChartMerge">
+            <a:avLst/>
+          </a:prstGeom>
+        </p:spPr>
+        <p:style>
+          <a:lnRef idx="2">
+            <a:schemeClr val="accent1">
+              <a:shade val="15000"/>
+            </a:schemeClr>
+          </a:lnRef>
+          <a:fillRef idx="1">
+            <a:schemeClr val="accent1"/>
+          </a:fillRef>
+          <a:effectRef idx="0">
+            <a:schemeClr val="accent1"/>
+          </a:effectRef>
+          <a:fontRef idx="minor">
+            <a:schemeClr val="lt1"/>
+          </a:fontRef>
+        </p:style>
+        <p:txBody>
+          <a:bodyPr rtlCol="0" anchor="ctr"/>
+          <a:lstStyle/>
+          <a:p>
+            <a:pPr algn="ctr"/>
+            <a:endParaRPr lang="ko-KR" altLang="en-US"/>
+          </a:p>
+        </p:txBody>
+      </p:sp>
+      <p:sp>
+        <p:nvSpPr>
+          <p:cNvPr id="5" name="직사각형 4">
+            <a:extLst>
+              <a:ext uri="{FF2B5EF4-FFF2-40B4-BE49-F238E27FC236}">
+                <a16:creationId xmlns:a16="http://schemas.microsoft.com/office/drawing/2014/main" id="{EF846B58-FC0E-B45B-8C45-E344A2A5A7F8}"/>
+              </a:ext>
+            </a:extLst>
+          </p:cNvPr>
+          <p:cNvSpPr/>
+          <p:nvPr/>
+        </p:nvSpPr>
+        <p:spPr>
+          <a:xfrm>
+            <a:off x="5444426" y="2285264"/>
+            <a:ext cx="1164611" cy="245327"/>
+          </a:xfrm>
+          <a:prstGeom prst="rect">
+            <a:avLst/>
+          </a:prstGeom>
+        </p:spPr>
+        <p:style>
+          <a:lnRef idx="2">
+            <a:schemeClr val="dk1"/>
+          </a:lnRef>
+          <a:fillRef idx="1">
+            <a:schemeClr val="lt1"/>
+          </a:fillRef>
+          <a:effectRef idx="0">
+            <a:schemeClr val="dk1"/>
+          </a:effectRef>
+          <a:fontRef idx="minor">
+            <a:schemeClr val="dk1"/>
+          </a:fontRef>
+        </p:style>
+        <p:txBody>
+          <a:bodyPr rtlCol="0" anchor="ctr"/>
+          <a:lstStyle/>
+          <a:p>
+            <a:pPr algn="ctr"/>
+            <a:r>
+              <a:rPr lang="ko-KR" altLang="en-US" sz="1000"/>
+              <a:t>방산</a:t>
+            </a:r>
+          </a:p>
+        </p:txBody>
+      </p:sp>
+      <p:sp>
+        <p:nvSpPr>
+          <p:cNvPr id="12" name="직사각형 11">
+            <a:extLst>
+              <a:ext uri="{FF2B5EF4-FFF2-40B4-BE49-F238E27FC236}">
+                <a16:creationId xmlns:a16="http://schemas.microsoft.com/office/drawing/2014/main" id="{B36C1D6E-4B58-B683-7811-180C40276CCB}"/>
+              </a:ext>
+            </a:extLst>
+          </p:cNvPr>
+          <p:cNvSpPr/>
+          <p:nvPr/>
+        </p:nvSpPr>
+        <p:spPr>
+          <a:xfrm>
+            <a:off x="5444425" y="2515806"/>
+            <a:ext cx="1164611" cy="245327"/>
+          </a:xfrm>
+          <a:prstGeom prst="rect">
+            <a:avLst/>
+          </a:prstGeom>
+        </p:spPr>
+        <p:style>
+          <a:lnRef idx="2">
+            <a:schemeClr val="dk1"/>
+          </a:lnRef>
+          <a:fillRef idx="1">
+            <a:schemeClr val="lt1"/>
+          </a:fillRef>
+          <a:effectRef idx="0">
+            <a:schemeClr val="dk1"/>
+          </a:effectRef>
+          <a:fontRef idx="minor">
+            <a:schemeClr val="dk1"/>
+          </a:fontRef>
+        </p:style>
+        <p:txBody>
+          <a:bodyPr rtlCol="0" anchor="ctr"/>
+          <a:lstStyle/>
+          <a:p>
+            <a:pPr algn="ctr"/>
+            <a:r>
+              <a:rPr lang="ko-KR" altLang="en-US" sz="1000"/>
+              <a:t>일반</a:t>
+            </a:r>
+          </a:p>
+        </p:txBody>
+      </p:sp>
+      <p:sp>
+        <p:nvSpPr>
+          <p:cNvPr id="22" name="직사각형 21">
+            <a:extLst>
+              <a:ext uri="{FF2B5EF4-FFF2-40B4-BE49-F238E27FC236}">
+                <a16:creationId xmlns:a16="http://schemas.microsoft.com/office/drawing/2014/main" id="{B6996152-0D2B-552D-E46C-3B3B2CE12F23}"/>
+              </a:ext>
+            </a:extLst>
+          </p:cNvPr>
+          <p:cNvSpPr/>
+          <p:nvPr/>
+        </p:nvSpPr>
+        <p:spPr>
+          <a:xfrm>
+            <a:off x="5444424" y="2733677"/>
+            <a:ext cx="1164611" cy="245327"/>
+          </a:xfrm>
+          <a:prstGeom prst="rect">
+            <a:avLst/>
+          </a:prstGeom>
+        </p:spPr>
+        <p:style>
+          <a:lnRef idx="2">
+            <a:schemeClr val="dk1"/>
+          </a:lnRef>
+          <a:fillRef idx="1">
+            <a:schemeClr val="lt1"/>
+          </a:fillRef>
+          <a:effectRef idx="0">
+            <a:schemeClr val="dk1"/>
+          </a:effectRef>
+          <a:fontRef idx="minor">
+            <a:schemeClr val="dk1"/>
+          </a:fontRef>
+        </p:style>
+        <p:txBody>
+          <a:bodyPr rtlCol="0" anchor="ctr"/>
+          <a:lstStyle/>
+          <a:p>
+            <a:pPr algn="ctr"/>
+            <a:r>
+              <a:rPr lang="ko-KR" altLang="en-US" sz="1000"/>
+              <a:t>자동차</a:t>
+            </a:r>
+          </a:p>
+        </p:txBody>
+      </p:sp>
+      <p:sp>
+        <p:nvSpPr>
+          <p:cNvPr id="28" name="직사각형 27">
+            <a:extLst>
+              <a:ext uri="{FF2B5EF4-FFF2-40B4-BE49-F238E27FC236}">
+                <a16:creationId xmlns:a16="http://schemas.microsoft.com/office/drawing/2014/main" id="{50352F66-7D1F-0974-6152-34B3C627EB8D}"/>
+              </a:ext>
+            </a:extLst>
+          </p:cNvPr>
+          <p:cNvSpPr/>
+          <p:nvPr/>
+        </p:nvSpPr>
+        <p:spPr>
+          <a:xfrm>
+            <a:off x="5444424" y="2938256"/>
+            <a:ext cx="1164611" cy="245327"/>
+          </a:xfrm>
+          <a:prstGeom prst="rect">
+            <a:avLst/>
+          </a:prstGeom>
+        </p:spPr>
+        <p:style>
+          <a:lnRef idx="2">
+            <a:schemeClr val="dk1"/>
+          </a:lnRef>
+          <a:fillRef idx="1">
+            <a:schemeClr val="lt1"/>
+          </a:fillRef>
+          <a:effectRef idx="0">
+            <a:schemeClr val="dk1"/>
+          </a:effectRef>
+          <a:fontRef idx="minor">
+            <a:schemeClr val="dk1"/>
+          </a:fontRef>
+        </p:style>
+        <p:txBody>
+          <a:bodyPr rtlCol="0" anchor="ctr"/>
+          <a:lstStyle/>
+          <a:p>
+            <a:pPr algn="ctr"/>
+            <a:r>
+              <a:rPr lang="ko-KR" altLang="en-US" sz="1000"/>
+              <a:t>조선</a:t>
+            </a:r>
+          </a:p>
+        </p:txBody>
+      </p:sp>
+      <p:sp>
+        <p:nvSpPr>
+          <p:cNvPr id="29" name="순서도: 연결자 28">
+            <a:extLst>
+              <a:ext uri="{FF2B5EF4-FFF2-40B4-BE49-F238E27FC236}">
+                <a16:creationId xmlns:a16="http://schemas.microsoft.com/office/drawing/2014/main" id="{13C38607-0AFF-EA08-DC65-9A7ADBEE12F2}"/>
+              </a:ext>
+            </a:extLst>
+          </p:cNvPr>
+          <p:cNvSpPr/>
+          <p:nvPr/>
+        </p:nvSpPr>
+        <p:spPr>
+          <a:xfrm>
+            <a:off x="1344081" y="1112376"/>
+            <a:ext cx="205584" cy="216674"/>
+          </a:xfrm>
+          <a:prstGeom prst="flowChartConnector">
+            <a:avLst/>
+          </a:prstGeom>
+          <a:solidFill>
+            <a:srgbClr val="FFFF00"/>
+          </a:solidFill>
+          <a:ln>
+            <a:solidFill>
+              <a:schemeClr val="tx1"/>
+            </a:solidFill>
+          </a:ln>
+        </p:spPr>
+        <p:style>
+          <a:lnRef idx="1">
+            <a:schemeClr val="accent4"/>
+          </a:lnRef>
+          <a:fillRef idx="2">
+            <a:schemeClr val="accent4"/>
+          </a:fillRef>
+          <a:effectRef idx="1">
+            <a:schemeClr val="accent4"/>
+          </a:effectRef>
+          <a:fontRef idx="minor">
+            <a:schemeClr val="dk1"/>
+          </a:fontRef>
+        </p:style>
+        <p:txBody>
+          <a:bodyPr rtlCol="0" anchor="ctr"/>
+          <a:lstStyle/>
+          <a:p>
+            <a:pPr algn="ctr"/>
+            <a:r>
+              <a:rPr lang="en-US" altLang="ko-KR" sz="1300"/>
+              <a:t>1</a:t>
+            </a:r>
+            <a:endParaRPr lang="ko-KR" altLang="en-US" sz="1300"/>
+          </a:p>
+        </p:txBody>
+      </p:sp>
+      <p:sp>
+        <p:nvSpPr>
+          <p:cNvPr id="34" name="순서도: 연결자 33">
+            <a:extLst>
+              <a:ext uri="{FF2B5EF4-FFF2-40B4-BE49-F238E27FC236}">
+                <a16:creationId xmlns:a16="http://schemas.microsoft.com/office/drawing/2014/main" id="{CB4C95A2-EF11-EE9D-E797-C39272E7806A}"/>
+              </a:ext>
+            </a:extLst>
+          </p:cNvPr>
+          <p:cNvSpPr/>
+          <p:nvPr/>
+        </p:nvSpPr>
+        <p:spPr>
+          <a:xfrm>
+            <a:off x="3379396" y="1107203"/>
+            <a:ext cx="205584" cy="216674"/>
+          </a:xfrm>
+          <a:prstGeom prst="flowChartConnector">
+            <a:avLst/>
+          </a:prstGeom>
+          <a:solidFill>
+            <a:srgbClr val="FFFF00"/>
+          </a:solidFill>
+          <a:ln>
+            <a:solidFill>
+              <a:schemeClr val="tx1"/>
+            </a:solidFill>
+          </a:ln>
+        </p:spPr>
+        <p:style>
+          <a:lnRef idx="1">
+            <a:schemeClr val="accent4"/>
+          </a:lnRef>
+          <a:fillRef idx="2">
+            <a:schemeClr val="accent4"/>
+          </a:fillRef>
+          <a:effectRef idx="1">
+            <a:schemeClr val="accent4"/>
+          </a:effectRef>
+          <a:fontRef idx="minor">
+            <a:schemeClr val="dk1"/>
+          </a:fontRef>
+        </p:style>
+        <p:txBody>
+          <a:bodyPr rtlCol="0" anchor="ctr"/>
+          <a:lstStyle/>
+          <a:p>
+            <a:pPr algn="ctr"/>
+            <a:r>
+              <a:rPr lang="en-US" altLang="ko-KR" sz="1300"/>
+              <a:t>2</a:t>
+            </a:r>
+            <a:endParaRPr lang="ko-KR" altLang="en-US" sz="1300"/>
+          </a:p>
+        </p:txBody>
+      </p:sp>
+      <p:sp>
+        <p:nvSpPr>
+          <p:cNvPr id="36" name="순서도: 연결자 35">
+            <a:extLst>
+              <a:ext uri="{FF2B5EF4-FFF2-40B4-BE49-F238E27FC236}">
+                <a16:creationId xmlns:a16="http://schemas.microsoft.com/office/drawing/2014/main" id="{BEC7B169-1E4A-25AE-6E1A-C850C59D4867}"/>
+              </a:ext>
+            </a:extLst>
+          </p:cNvPr>
+          <p:cNvSpPr/>
+          <p:nvPr/>
+        </p:nvSpPr>
+        <p:spPr>
+          <a:xfrm>
+            <a:off x="5415741" y="1110771"/>
+            <a:ext cx="205584" cy="216674"/>
+          </a:xfrm>
+          <a:prstGeom prst="flowChartConnector">
+            <a:avLst/>
+          </a:prstGeom>
+          <a:solidFill>
+            <a:srgbClr val="FFFF00"/>
+          </a:solidFill>
+          <a:ln>
+            <a:solidFill>
+              <a:schemeClr val="tx1"/>
+            </a:solidFill>
+          </a:ln>
+        </p:spPr>
+        <p:style>
+          <a:lnRef idx="1">
+            <a:schemeClr val="accent4"/>
+          </a:lnRef>
+          <a:fillRef idx="2">
+            <a:schemeClr val="accent4"/>
+          </a:fillRef>
+          <a:effectRef idx="1">
+            <a:schemeClr val="accent4"/>
+          </a:effectRef>
+          <a:fontRef idx="minor">
+            <a:schemeClr val="dk1"/>
+          </a:fontRef>
+        </p:style>
+        <p:txBody>
+          <a:bodyPr rtlCol="0" anchor="ctr"/>
+          <a:lstStyle/>
+          <a:p>
+            <a:pPr algn="ctr"/>
+            <a:r>
+              <a:rPr lang="en-US" altLang="ko-KR" sz="1300"/>
+              <a:t>3</a:t>
+            </a:r>
+            <a:endParaRPr lang="ko-KR" altLang="en-US" sz="1300"/>
+          </a:p>
+        </p:txBody>
+      </p:sp>
+      <p:sp>
+        <p:nvSpPr>
+          <p:cNvPr id="37" name="순서도: 연결자 36">
+            <a:extLst>
+              <a:ext uri="{FF2B5EF4-FFF2-40B4-BE49-F238E27FC236}">
+                <a16:creationId xmlns:a16="http://schemas.microsoft.com/office/drawing/2014/main" id="{1C5F699F-B637-73D5-BC79-56B849ED68AD}"/>
+              </a:ext>
+            </a:extLst>
+          </p:cNvPr>
+          <p:cNvSpPr/>
+          <p:nvPr/>
+        </p:nvSpPr>
+        <p:spPr>
+          <a:xfrm>
+            <a:off x="7721369" y="1110771"/>
+            <a:ext cx="205584" cy="216674"/>
+          </a:xfrm>
+          <a:prstGeom prst="flowChartConnector">
+            <a:avLst/>
+          </a:prstGeom>
+          <a:solidFill>
+            <a:srgbClr val="FFFF00"/>
+          </a:solidFill>
+          <a:ln>
+            <a:solidFill>
+              <a:schemeClr val="tx1"/>
+            </a:solidFill>
+          </a:ln>
+        </p:spPr>
+        <p:style>
+          <a:lnRef idx="1">
+            <a:schemeClr val="accent4"/>
+          </a:lnRef>
+          <a:fillRef idx="2">
+            <a:schemeClr val="accent4"/>
+          </a:fillRef>
+          <a:effectRef idx="1">
+            <a:schemeClr val="accent4"/>
+          </a:effectRef>
+          <a:fontRef idx="minor">
+            <a:schemeClr val="dk1"/>
+          </a:fontRef>
+        </p:style>
+        <p:txBody>
+          <a:bodyPr rtlCol="0" anchor="ctr"/>
+          <a:lstStyle/>
+          <a:p>
+            <a:pPr algn="ctr"/>
+            <a:r>
+              <a:rPr lang="en-US" altLang="ko-KR" sz="1300"/>
+              <a:t>4</a:t>
+            </a:r>
+            <a:endParaRPr lang="ko-KR" altLang="en-US" sz="1300"/>
+          </a:p>
+        </p:txBody>
+      </p:sp>
+      <p:sp>
+        <p:nvSpPr>
+          <p:cNvPr id="41" name="순서도: 연결자 40">
+            <a:extLst>
+              <a:ext uri="{FF2B5EF4-FFF2-40B4-BE49-F238E27FC236}">
+                <a16:creationId xmlns:a16="http://schemas.microsoft.com/office/drawing/2014/main" id="{841DF061-B2EF-D56C-45D8-E5DD1F27ACB6}"/>
+              </a:ext>
+            </a:extLst>
+          </p:cNvPr>
+          <p:cNvSpPr/>
+          <p:nvPr/>
+        </p:nvSpPr>
+        <p:spPr>
+          <a:xfrm>
+            <a:off x="9689247" y="1120573"/>
+            <a:ext cx="205584" cy="216674"/>
+          </a:xfrm>
+          <a:prstGeom prst="flowChartConnector">
+            <a:avLst/>
+          </a:prstGeom>
+          <a:solidFill>
+            <a:srgbClr val="FFFF00"/>
+          </a:solidFill>
+          <a:ln>
+            <a:solidFill>
+              <a:schemeClr val="tx1"/>
+            </a:solidFill>
+          </a:ln>
+        </p:spPr>
+        <p:style>
+          <a:lnRef idx="1">
+            <a:schemeClr val="accent4"/>
+          </a:lnRef>
+          <a:fillRef idx="2">
+            <a:schemeClr val="accent4"/>
+          </a:fillRef>
+          <a:effectRef idx="1">
+            <a:schemeClr val="accent4"/>
+          </a:effectRef>
+          <a:fontRef idx="minor">
+            <a:schemeClr val="dk1"/>
+          </a:fontRef>
+        </p:style>
+        <p:txBody>
+          <a:bodyPr rtlCol="0" anchor="ctr"/>
+          <a:lstStyle/>
+          <a:p>
+            <a:pPr algn="ctr"/>
+            <a:r>
+              <a:rPr lang="en-US" altLang="ko-KR" sz="1300"/>
+              <a:t>5</a:t>
+            </a:r>
+            <a:endParaRPr lang="ko-KR" altLang="en-US" sz="1300"/>
+          </a:p>
+        </p:txBody>
+      </p:sp>
+      <p:sp>
+        <p:nvSpPr>
+          <p:cNvPr id="42" name="순서도: 연결자 41">
+            <a:extLst>
+              <a:ext uri="{FF2B5EF4-FFF2-40B4-BE49-F238E27FC236}">
+                <a16:creationId xmlns:a16="http://schemas.microsoft.com/office/drawing/2014/main" id="{B786BDB5-5D02-93CE-315C-02C46690C3F2}"/>
+              </a:ext>
+            </a:extLst>
+          </p:cNvPr>
+          <p:cNvSpPr/>
+          <p:nvPr/>
+        </p:nvSpPr>
+        <p:spPr>
+          <a:xfrm>
+            <a:off x="1367717" y="1727957"/>
+            <a:ext cx="205584" cy="216674"/>
+          </a:xfrm>
+          <a:prstGeom prst="flowChartConnector">
+            <a:avLst/>
+          </a:prstGeom>
+          <a:solidFill>
+            <a:srgbClr val="FFFF00"/>
+          </a:solidFill>
+          <a:ln>
+            <a:solidFill>
+              <a:schemeClr val="tx1"/>
+            </a:solidFill>
+          </a:ln>
+        </p:spPr>
+        <p:style>
+          <a:lnRef idx="1">
+            <a:schemeClr val="accent4"/>
+          </a:lnRef>
+          <a:fillRef idx="2">
+            <a:schemeClr val="accent4"/>
+          </a:fillRef>
+          <a:effectRef idx="1">
+            <a:schemeClr val="accent4"/>
+          </a:effectRef>
+          <a:fontRef idx="minor">
+            <a:schemeClr val="dk1"/>
+          </a:fontRef>
+        </p:style>
+        <p:txBody>
+          <a:bodyPr rtlCol="0" anchor="ctr"/>
+          <a:lstStyle/>
+          <a:p>
+            <a:pPr algn="ctr"/>
+            <a:r>
+              <a:rPr lang="en-US" altLang="ko-KR" sz="1300"/>
+              <a:t>6</a:t>
+            </a:r>
+            <a:endParaRPr lang="ko-KR" altLang="en-US" sz="1300"/>
+          </a:p>
+        </p:txBody>
+      </p:sp>
+      <p:sp>
+        <p:nvSpPr>
+          <p:cNvPr id="43" name="순서도: 연결자 42">
+            <a:extLst>
+              <a:ext uri="{FF2B5EF4-FFF2-40B4-BE49-F238E27FC236}">
+                <a16:creationId xmlns:a16="http://schemas.microsoft.com/office/drawing/2014/main" id="{96C7519E-B794-00FD-270F-C8FEBCA42931}"/>
+              </a:ext>
+            </a:extLst>
+          </p:cNvPr>
+          <p:cNvSpPr/>
+          <p:nvPr/>
+        </p:nvSpPr>
+        <p:spPr>
+          <a:xfrm>
+            <a:off x="3425140" y="1733495"/>
+            <a:ext cx="205584" cy="216674"/>
+          </a:xfrm>
+          <a:prstGeom prst="flowChartConnector">
+            <a:avLst/>
+          </a:prstGeom>
+          <a:solidFill>
+            <a:srgbClr val="FFFF00"/>
+          </a:solidFill>
+          <a:ln>
+            <a:solidFill>
+              <a:schemeClr val="tx1"/>
+            </a:solidFill>
+          </a:ln>
+        </p:spPr>
+        <p:style>
+          <a:lnRef idx="1">
+            <a:schemeClr val="accent4"/>
+          </a:lnRef>
+          <a:fillRef idx="2">
+            <a:schemeClr val="accent4"/>
+          </a:fillRef>
+          <a:effectRef idx="1">
+            <a:schemeClr val="accent4"/>
+          </a:effectRef>
+          <a:fontRef idx="minor">
+            <a:schemeClr val="dk1"/>
+          </a:fontRef>
+        </p:style>
+        <p:txBody>
+          <a:bodyPr rtlCol="0" anchor="ctr"/>
+          <a:lstStyle/>
+          <a:p>
+            <a:pPr algn="ctr"/>
+            <a:r>
+              <a:rPr lang="en-US" altLang="ko-KR" sz="1300"/>
+              <a:t>7</a:t>
+            </a:r>
+            <a:endParaRPr lang="ko-KR" altLang="en-US" sz="1300"/>
+          </a:p>
+        </p:txBody>
+      </p:sp>
+      <p:sp>
+        <p:nvSpPr>
+          <p:cNvPr id="44" name="순서도: 연결자 43">
+            <a:extLst>
+              <a:ext uri="{FF2B5EF4-FFF2-40B4-BE49-F238E27FC236}">
+                <a16:creationId xmlns:a16="http://schemas.microsoft.com/office/drawing/2014/main" id="{F27005CF-AA0F-43C4-8BA9-9AEE75E66B92}"/>
+              </a:ext>
+            </a:extLst>
+          </p:cNvPr>
+          <p:cNvSpPr/>
+          <p:nvPr/>
+        </p:nvSpPr>
+        <p:spPr>
+          <a:xfrm>
+            <a:off x="5415741" y="1725272"/>
+            <a:ext cx="205584" cy="216674"/>
+          </a:xfrm>
+          <a:prstGeom prst="flowChartConnector">
+            <a:avLst/>
+          </a:prstGeom>
+          <a:solidFill>
+            <a:srgbClr val="FFFF00"/>
+          </a:solidFill>
+          <a:ln>
+            <a:solidFill>
+              <a:schemeClr val="tx1"/>
+            </a:solidFill>
+          </a:ln>
+        </p:spPr>
+        <p:style>
+          <a:lnRef idx="1">
+            <a:schemeClr val="accent4"/>
+          </a:lnRef>
+          <a:fillRef idx="2">
+            <a:schemeClr val="accent4"/>
+          </a:fillRef>
+          <a:effectRef idx="1">
+            <a:schemeClr val="accent4"/>
+          </a:effectRef>
+          <a:fontRef idx="minor">
+            <a:schemeClr val="dk1"/>
+          </a:fontRef>
+        </p:style>
+        <p:txBody>
+          <a:bodyPr rtlCol="0" anchor="ctr"/>
+          <a:lstStyle/>
+          <a:p>
+            <a:pPr algn="ctr"/>
+            <a:r>
+              <a:rPr lang="en-US" altLang="ko-KR" sz="1300"/>
+              <a:t>8</a:t>
+            </a:r>
+            <a:endParaRPr lang="ko-KR" altLang="en-US" sz="1300"/>
+          </a:p>
+        </p:txBody>
+      </p:sp>
+      <p:sp>
+        <p:nvSpPr>
+          <p:cNvPr id="45" name="순서도: 연결자 44">
+            <a:extLst>
+              <a:ext uri="{FF2B5EF4-FFF2-40B4-BE49-F238E27FC236}">
+                <a16:creationId xmlns:a16="http://schemas.microsoft.com/office/drawing/2014/main" id="{4FFDADBD-307D-B1AD-BFCA-786650E37A44}"/>
+              </a:ext>
+            </a:extLst>
+          </p:cNvPr>
+          <p:cNvSpPr/>
+          <p:nvPr/>
+        </p:nvSpPr>
+        <p:spPr>
+          <a:xfrm>
+            <a:off x="7694228" y="1740131"/>
+            <a:ext cx="205584" cy="216674"/>
+          </a:xfrm>
+          <a:prstGeom prst="flowChartConnector">
+            <a:avLst/>
+          </a:prstGeom>
+          <a:solidFill>
+            <a:srgbClr val="FFFF00"/>
+          </a:solidFill>
+          <a:ln>
+            <a:solidFill>
+              <a:schemeClr val="tx1"/>
+            </a:solidFill>
+          </a:ln>
+        </p:spPr>
+        <p:style>
+          <a:lnRef idx="1">
+            <a:schemeClr val="accent4"/>
+          </a:lnRef>
+          <a:fillRef idx="2">
+            <a:schemeClr val="accent4"/>
+          </a:fillRef>
+          <a:effectRef idx="1">
+            <a:schemeClr val="accent4"/>
+          </a:effectRef>
+          <a:fontRef idx="minor">
+            <a:schemeClr val="dk1"/>
+          </a:fontRef>
+        </p:style>
+        <p:txBody>
+          <a:bodyPr rtlCol="0" anchor="ctr"/>
+          <a:lstStyle/>
+          <a:p>
+            <a:pPr algn="ctr"/>
+            <a:r>
+              <a:rPr lang="en-US" altLang="ko-KR" sz="1300"/>
+              <a:t>9</a:t>
+            </a:r>
+            <a:endParaRPr lang="ko-KR" altLang="en-US" sz="1300"/>
+          </a:p>
+        </p:txBody>
+      </p:sp>
+      <p:sp>
+        <p:nvSpPr>
+          <p:cNvPr id="46" name="순서도: 연결자 45">
+            <a:extLst>
+              <a:ext uri="{FF2B5EF4-FFF2-40B4-BE49-F238E27FC236}">
+                <a16:creationId xmlns:a16="http://schemas.microsoft.com/office/drawing/2014/main" id="{3DA83FE1-9DE3-8576-AEFD-FBA7FABE10D6}"/>
+              </a:ext>
+            </a:extLst>
+          </p:cNvPr>
+          <p:cNvSpPr/>
+          <p:nvPr/>
+        </p:nvSpPr>
+        <p:spPr>
+          <a:xfrm>
+            <a:off x="1573301" y="3464475"/>
+            <a:ext cx="233197" cy="245418"/>
+          </a:xfrm>
+          <a:prstGeom prst="flowChartConnector">
+            <a:avLst/>
+          </a:prstGeom>
+          <a:solidFill>
+            <a:srgbClr val="FFFF00"/>
+          </a:solidFill>
+          <a:ln>
+            <a:solidFill>
+              <a:schemeClr val="tx1"/>
+            </a:solidFill>
+          </a:ln>
+        </p:spPr>
+        <p:style>
+          <a:lnRef idx="1">
+            <a:schemeClr val="accent4"/>
+          </a:lnRef>
+          <a:fillRef idx="2">
+            <a:schemeClr val="accent4"/>
+          </a:fillRef>
+          <a:effectRef idx="1">
+            <a:schemeClr val="accent4"/>
+          </a:effectRef>
+          <a:fontRef idx="minor">
+            <a:schemeClr val="dk1"/>
+          </a:fontRef>
+        </p:style>
+        <p:txBody>
+          <a:bodyPr rtlCol="0" anchor="ctr"/>
+          <a:lstStyle/>
+          <a:p>
+            <a:pPr algn="ctr"/>
+            <a:endParaRPr lang="ko-KR" altLang="en-US" sz="700"/>
+          </a:p>
+        </p:txBody>
+      </p:sp>
+      <p:sp>
+        <p:nvSpPr>
+          <p:cNvPr id="47" name="순서도: 연결자 46">
+            <a:extLst>
+              <a:ext uri="{FF2B5EF4-FFF2-40B4-BE49-F238E27FC236}">
+                <a16:creationId xmlns:a16="http://schemas.microsoft.com/office/drawing/2014/main" id="{A7FBD6D0-B1A9-E871-9A89-2D5D9884DFBE}"/>
+              </a:ext>
+            </a:extLst>
+          </p:cNvPr>
+          <p:cNvSpPr/>
+          <p:nvPr/>
+        </p:nvSpPr>
+        <p:spPr>
+          <a:xfrm>
+            <a:off x="8935978" y="5358237"/>
+            <a:ext cx="231278" cy="228685"/>
+          </a:xfrm>
+          <a:prstGeom prst="flowChartConnector">
+            <a:avLst/>
+          </a:prstGeom>
+          <a:solidFill>
+            <a:srgbClr val="FFFF00"/>
+          </a:solidFill>
+          <a:ln>
+            <a:solidFill>
+              <a:schemeClr val="tx1"/>
+            </a:solidFill>
+          </a:ln>
+        </p:spPr>
+        <p:style>
+          <a:lnRef idx="1">
+            <a:schemeClr val="accent4"/>
+          </a:lnRef>
+          <a:fillRef idx="2">
+            <a:schemeClr val="accent4"/>
+          </a:fillRef>
+          <a:effectRef idx="1">
+            <a:schemeClr val="accent4"/>
+          </a:effectRef>
+          <a:fontRef idx="minor">
+            <a:schemeClr val="dk1"/>
+          </a:fontRef>
+        </p:style>
+        <p:txBody>
+          <a:bodyPr rtlCol="0" anchor="ctr"/>
+          <a:lstStyle/>
+          <a:p>
+            <a:pPr algn="ctr"/>
+            <a:endParaRPr lang="ko-KR" altLang="en-US" sz="1300"/>
+          </a:p>
+        </p:txBody>
+      </p:sp>
+      <p:sp>
+        <p:nvSpPr>
+          <p:cNvPr id="48" name="TextBox 47">
+            <a:extLst>
+              <a:ext uri="{FF2B5EF4-FFF2-40B4-BE49-F238E27FC236}">
+                <a16:creationId xmlns:a16="http://schemas.microsoft.com/office/drawing/2014/main" id="{BF45A510-C279-029A-66C5-5776329201D6}"/>
+              </a:ext>
+            </a:extLst>
+          </p:cNvPr>
+          <p:cNvSpPr txBox="1"/>
+          <p:nvPr/>
+        </p:nvSpPr>
+        <p:spPr>
+          <a:xfrm>
+            <a:off x="1549665" y="3466571"/>
+            <a:ext cx="590271" cy="215444"/>
+          </a:xfrm>
+          <a:prstGeom prst="rect">
+            <a:avLst/>
+          </a:prstGeom>
+          <a:noFill/>
+        </p:spPr>
+        <p:txBody>
+          <a:bodyPr wrap="square" rtlCol="0">
+            <a:spAutoFit/>
+          </a:bodyPr>
+          <a:lstStyle/>
+          <a:p>
+            <a:r>
+              <a:rPr lang="en-US" altLang="ko-KR" sz="800"/>
+              <a:t>10</a:t>
+            </a:r>
+            <a:endParaRPr lang="ko-KR" altLang="en-US" sz="800"/>
+          </a:p>
+        </p:txBody>
+      </p:sp>
+      <p:sp>
+        <p:nvSpPr>
+          <p:cNvPr id="49" name="TextBox 48">
+            <a:extLst>
+              <a:ext uri="{FF2B5EF4-FFF2-40B4-BE49-F238E27FC236}">
+                <a16:creationId xmlns:a16="http://schemas.microsoft.com/office/drawing/2014/main" id="{4E9F82F9-118F-ABFE-BBE9-0A0629B0DE61}"/>
+              </a:ext>
+            </a:extLst>
+          </p:cNvPr>
+          <p:cNvSpPr txBox="1"/>
+          <p:nvPr/>
+        </p:nvSpPr>
+        <p:spPr>
+          <a:xfrm>
+            <a:off x="8899641" y="5350016"/>
+            <a:ext cx="663497" cy="215444"/>
+          </a:xfrm>
+          <a:prstGeom prst="rect">
+            <a:avLst/>
+          </a:prstGeom>
+          <a:noFill/>
+        </p:spPr>
+        <p:txBody>
+          <a:bodyPr wrap="square" rtlCol="0">
+            <a:spAutoFit/>
+          </a:bodyPr>
+          <a:lstStyle/>
+          <a:p>
+            <a:r>
+              <a:rPr lang="en-US" altLang="ko-KR" sz="800"/>
+              <a:t>11</a:t>
+            </a:r>
+            <a:endParaRPr lang="ko-KR" altLang="en-US" sz="800"/>
+          </a:p>
+        </p:txBody>
+      </p:sp>
+      <p:sp>
+        <p:nvSpPr>
+          <p:cNvPr id="50" name="순서도: 병합 49">
+            <a:extLst>
+              <a:ext uri="{FF2B5EF4-FFF2-40B4-BE49-F238E27FC236}">
+                <a16:creationId xmlns:a16="http://schemas.microsoft.com/office/drawing/2014/main" id="{13BF97A7-8972-7197-B950-1F9A2A6E3E17}"/>
+              </a:ext>
+            </a:extLst>
+          </p:cNvPr>
+          <p:cNvSpPr/>
+          <p:nvPr/>
+        </p:nvSpPr>
+        <p:spPr>
+          <a:xfrm>
+            <a:off x="10696133" y="2046368"/>
+            <a:ext cx="112195" cy="103405"/>
+          </a:xfrm>
+          <a:prstGeom prst="flowChartMerge">
+            <a:avLst/>
+          </a:prstGeom>
+        </p:spPr>
+        <p:style>
+          <a:lnRef idx="2">
+            <a:schemeClr val="accent1">
+              <a:shade val="15000"/>
+            </a:schemeClr>
+          </a:lnRef>
+          <a:fillRef idx="1">
+            <a:schemeClr val="accent1"/>
+          </a:fillRef>
+          <a:effectRef idx="0">
+            <a:schemeClr val="accent1"/>
+          </a:effectRef>
+          <a:fontRef idx="minor">
+            <a:schemeClr val="lt1"/>
+          </a:fontRef>
+        </p:style>
+        <p:txBody>
+          <a:bodyPr rtlCol="0" anchor="ctr"/>
+          <a:lstStyle/>
+          <a:p>
+            <a:pPr algn="ctr"/>
+            <a:endParaRPr lang="ko-KR" altLang="en-US"/>
+          </a:p>
+        </p:txBody>
+      </p:sp>
+    </p:spTree>
+    <p:extLst>
+      <p:ext uri="{BB962C8B-B14F-4D97-AF65-F5344CB8AC3E}">
+        <p14:creationId xmlns:p14="http://schemas.microsoft.com/office/powerpoint/2010/main" val="3456542584"/>
       </p:ext>
     </p:extLst>
   </p:cSld>

--- a/화면 설계서/1. 수주대상 품목 등록 페이지.pptx
+++ b/화면 설계서/1. 수주대상 품목 등록 페이지.pptx
@@ -3329,6 +3329,49 @@
       </p:grpSpPr>
       <p:sp>
         <p:nvSpPr>
+          <p:cNvPr id="135" name="사각형: 둥근 모서리 134">
+            <a:extLst>
+              <a:ext uri="{FF2B5EF4-FFF2-40B4-BE49-F238E27FC236}">
+                <a16:creationId xmlns:a16="http://schemas.microsoft.com/office/drawing/2014/main" id="{642D5B09-FE67-5EE2-B8C8-D9859B729CD9}"/>
+              </a:ext>
+            </a:extLst>
+          </p:cNvPr>
+          <p:cNvSpPr/>
+          <p:nvPr/>
+        </p:nvSpPr>
+        <p:spPr>
+          <a:xfrm>
+            <a:off x="1521742" y="4417437"/>
+            <a:ext cx="9134434" cy="791716"/>
+          </a:xfrm>
+          <a:prstGeom prst="roundRect">
+            <a:avLst/>
+          </a:prstGeom>
+        </p:spPr>
+        <p:style>
+          <a:lnRef idx="2">
+            <a:schemeClr val="dk1"/>
+          </a:lnRef>
+          <a:fillRef idx="1">
+            <a:schemeClr val="lt1"/>
+          </a:fillRef>
+          <a:effectRef idx="0">
+            <a:schemeClr val="dk1"/>
+          </a:effectRef>
+          <a:fontRef idx="minor">
+            <a:schemeClr val="dk1"/>
+          </a:fontRef>
+        </p:style>
+        <p:txBody>
+          <a:bodyPr rtlCol="0" anchor="ctr"/>
+          <a:lstStyle/>
+          <a:p>
+            <a:endParaRPr lang="ko-KR" altLang="en-US"/>
+          </a:p>
+        </p:txBody>
+      </p:sp>
+      <p:sp>
+        <p:nvSpPr>
           <p:cNvPr id="6" name="사각형: 둥근 모서리 5">
             <a:extLst>
               <a:ext uri="{FF2B5EF4-FFF2-40B4-BE49-F238E27FC236}">
@@ -3341,8 +3384,8 @@
         </p:nvSpPr>
         <p:spPr>
           <a:xfrm>
-            <a:off x="1403308" y="1296229"/>
-            <a:ext cx="1324588" cy="375385"/>
+            <a:off x="1530597" y="819113"/>
+            <a:ext cx="1404495" cy="375385"/>
           </a:xfrm>
           <a:prstGeom prst="roundRect">
             <a:avLst/>
@@ -3394,8 +3437,8 @@
         </p:nvSpPr>
         <p:spPr>
           <a:xfrm>
-            <a:off x="3437748" y="1301854"/>
-            <a:ext cx="1091242" cy="375385"/>
+            <a:off x="4057195" y="828086"/>
+            <a:ext cx="1256895" cy="375385"/>
           </a:xfrm>
           <a:prstGeom prst="roundRect">
             <a:avLst/>
@@ -3447,7 +3490,7 @@
         </p:nvSpPr>
         <p:spPr>
           <a:xfrm>
-            <a:off x="5444426" y="1307669"/>
+            <a:off x="6654234" y="796522"/>
             <a:ext cx="1164611" cy="375385"/>
           </a:xfrm>
           <a:prstGeom prst="roundRect">
@@ -3500,8 +3543,8 @@
         </p:nvSpPr>
         <p:spPr>
           <a:xfrm>
-            <a:off x="9703150" y="1327784"/>
-            <a:ext cx="1229410" cy="375385"/>
+            <a:off x="1547353" y="1380174"/>
+            <a:ext cx="1393285" cy="375385"/>
           </a:xfrm>
           <a:prstGeom prst="roundRect">
             <a:avLst/>
@@ -3553,7 +3596,7 @@
         </p:nvSpPr>
         <p:spPr>
           <a:xfrm>
-            <a:off x="5444426" y="1910879"/>
+            <a:off x="9511513" y="1413283"/>
             <a:ext cx="1164611" cy="375385"/>
           </a:xfrm>
           <a:prstGeom prst="roundRect">
@@ -3606,7 +3649,7 @@
         </p:nvSpPr>
         <p:spPr>
           <a:xfrm>
-            <a:off x="7721369" y="1314083"/>
+            <a:off x="9500099" y="799274"/>
             <a:ext cx="1229410" cy="375385"/>
           </a:xfrm>
           <a:prstGeom prst="roundRect">
@@ -3659,8 +3702,8 @@
         </p:nvSpPr>
         <p:spPr>
           <a:xfrm>
-            <a:off x="1403308" y="1920373"/>
-            <a:ext cx="1324588" cy="375385"/>
+            <a:off x="4039662" y="1367505"/>
+            <a:ext cx="1256895" cy="375385"/>
           </a:xfrm>
           <a:prstGeom prst="roundRect">
             <a:avLst/>
@@ -3712,8 +3755,8 @@
         </p:nvSpPr>
         <p:spPr>
           <a:xfrm>
-            <a:off x="3438312" y="1910380"/>
-            <a:ext cx="1090678" cy="375385"/>
+            <a:off x="6657817" y="1355228"/>
+            <a:ext cx="1151439" cy="375385"/>
           </a:xfrm>
           <a:prstGeom prst="roundRect">
             <a:avLst/>
@@ -3765,8 +3808,8 @@
         </p:nvSpPr>
         <p:spPr>
           <a:xfrm>
-            <a:off x="1540584" y="3674418"/>
-            <a:ext cx="1619803" cy="1478280"/>
+            <a:off x="1513303" y="5393861"/>
+            <a:ext cx="9106195" cy="813043"/>
           </a:xfrm>
           <a:prstGeom prst="roundRect">
             <a:avLst/>
@@ -3799,7 +3842,7 @@
                   </a:schemeClr>
                 </a:solidFill>
               </a:rPr>
-              <a:t>이미지</a:t>
+              <a:t>이미지 선택</a:t>
             </a:r>
             <a:endParaRPr lang="en-US" altLang="ko-KR">
               <a:solidFill>
@@ -3832,8 +3875,8 @@
         </p:nvSpPr>
         <p:spPr>
           <a:xfrm>
-            <a:off x="8899641" y="5565460"/>
-            <a:ext cx="1300214" cy="596762"/>
+            <a:off x="9111345" y="6375622"/>
+            <a:ext cx="1300214" cy="283089"/>
           </a:xfrm>
           <a:prstGeom prst="roundRect">
             <a:avLst/>
@@ -3885,7 +3928,7 @@
         </p:nvSpPr>
         <p:spPr>
           <a:xfrm>
-            <a:off x="1276434" y="397021"/>
+            <a:off x="1122337" y="64521"/>
             <a:ext cx="6949440" cy="523220"/>
           </a:xfrm>
           <a:prstGeom prst="rect">
@@ -3922,7 +3965,7 @@
         </p:nvCxnSpPr>
         <p:spPr>
           <a:xfrm>
-            <a:off x="501198" y="1037475"/>
+            <a:off x="514748" y="547230"/>
             <a:ext cx="10781503" cy="0"/>
           </a:xfrm>
           <a:prstGeom prst="line">
@@ -3958,8 +4001,8 @@
         </p:nvSpPr>
         <p:spPr>
           <a:xfrm>
-            <a:off x="7721369" y="1910380"/>
-            <a:ext cx="3216997" cy="375385"/>
+            <a:off x="1483444" y="2790885"/>
+            <a:ext cx="9134434" cy="1180778"/>
           </a:xfrm>
           <a:prstGeom prst="roundRect">
             <a:avLst/>
@@ -3983,227 +4026,16 @@
           <a:bodyPr rtlCol="0" anchor="ctr"/>
           <a:lstStyle/>
           <a:p>
-            <a:pPr algn="ctr"/>
-            <a:r>
-              <a:rPr lang="ko-KR" altLang="en-US">
-                <a:solidFill>
-                  <a:schemeClr val="bg2">
-                    <a:lumMod val="75000"/>
-                  </a:schemeClr>
-                </a:solidFill>
-              </a:rPr>
-              <a:t>라우팅 정보</a:t>
-            </a:r>
-          </a:p>
-        </p:txBody>
-      </p:sp>
-      <p:sp>
-        <p:nvSpPr>
-          <p:cNvPr id="18" name="사각형: 둥근 모서리 17">
-            <a:extLst>
-              <a:ext uri="{FF2B5EF4-FFF2-40B4-BE49-F238E27FC236}">
-                <a16:creationId xmlns:a16="http://schemas.microsoft.com/office/drawing/2014/main" id="{7DA9F475-6983-D107-9339-E2E09ABC11D7}"/>
-              </a:ext>
-            </a:extLst>
-          </p:cNvPr>
-          <p:cNvSpPr/>
-          <p:nvPr/>
-        </p:nvSpPr>
-        <p:spPr>
-          <a:xfrm>
-            <a:off x="3794428" y="3682015"/>
-            <a:ext cx="1619803" cy="1478280"/>
-          </a:xfrm>
-          <a:prstGeom prst="roundRect">
-            <a:avLst/>
-          </a:prstGeom>
-        </p:spPr>
-        <p:style>
-          <a:lnRef idx="2">
-            <a:schemeClr val="dk1"/>
-          </a:lnRef>
-          <a:fillRef idx="1">
-            <a:schemeClr val="lt1"/>
-          </a:fillRef>
-          <a:effectRef idx="0">
-            <a:schemeClr val="dk1"/>
-          </a:effectRef>
-          <a:fontRef idx="minor">
-            <a:schemeClr val="dk1"/>
-          </a:fontRef>
-        </p:style>
-        <p:txBody>
-          <a:bodyPr rtlCol="0" anchor="ctr"/>
-          <a:lstStyle/>
-          <a:p>
-            <a:pPr algn="ctr"/>
-            <a:r>
-              <a:rPr lang="ko-KR" altLang="en-US">
-                <a:solidFill>
-                  <a:schemeClr val="bg2">
-                    <a:lumMod val="75000"/>
-                  </a:schemeClr>
-                </a:solidFill>
-              </a:rPr>
-              <a:t>이미지</a:t>
-            </a:r>
-            <a:endParaRPr lang="en-US" altLang="ko-KR">
-              <a:solidFill>
-                <a:schemeClr val="bg2">
-                  <a:lumMod val="75000"/>
-                </a:schemeClr>
-              </a:solidFill>
-            </a:endParaRPr>
-          </a:p>
-          <a:p>
-            <a:pPr algn="ctr"/>
-            <a:r>
-              <a:rPr lang="ko-KR" altLang="en-US"/>
-              <a:t> </a:t>
-            </a:r>
-          </a:p>
-        </p:txBody>
-      </p:sp>
-      <p:sp>
-        <p:nvSpPr>
-          <p:cNvPr id="20" name="사각형: 둥근 모서리 19">
-            <a:extLst>
-              <a:ext uri="{FF2B5EF4-FFF2-40B4-BE49-F238E27FC236}">
-                <a16:creationId xmlns:a16="http://schemas.microsoft.com/office/drawing/2014/main" id="{1071FF7B-46A1-55F5-F146-9527E911219D}"/>
-              </a:ext>
-            </a:extLst>
-          </p:cNvPr>
-          <p:cNvSpPr/>
-          <p:nvPr/>
-        </p:nvSpPr>
-        <p:spPr>
-          <a:xfrm>
-            <a:off x="6187240" y="3674418"/>
-            <a:ext cx="1619803" cy="1478280"/>
-          </a:xfrm>
-          <a:prstGeom prst="roundRect">
-            <a:avLst/>
-          </a:prstGeom>
-        </p:spPr>
-        <p:style>
-          <a:lnRef idx="2">
-            <a:schemeClr val="dk1"/>
-          </a:lnRef>
-          <a:fillRef idx="1">
-            <a:schemeClr val="lt1"/>
-          </a:fillRef>
-          <a:effectRef idx="0">
-            <a:schemeClr val="dk1"/>
-          </a:effectRef>
-          <a:fontRef idx="minor">
-            <a:schemeClr val="dk1"/>
-          </a:fontRef>
-        </p:style>
-        <p:txBody>
-          <a:bodyPr rtlCol="0" anchor="ctr"/>
-          <a:lstStyle/>
-          <a:p>
-            <a:pPr algn="ctr"/>
-            <a:r>
-              <a:rPr lang="ko-KR" altLang="en-US">
-                <a:solidFill>
-                  <a:schemeClr val="bg2">
-                    <a:lumMod val="75000"/>
-                  </a:schemeClr>
-                </a:solidFill>
-              </a:rPr>
-              <a:t>이미지</a:t>
-            </a:r>
-            <a:endParaRPr lang="en-US" altLang="ko-KR">
-              <a:solidFill>
-                <a:schemeClr val="bg2">
-                  <a:lumMod val="75000"/>
-                </a:schemeClr>
-              </a:solidFill>
-            </a:endParaRPr>
-          </a:p>
-          <a:p>
-            <a:pPr algn="ctr"/>
-            <a:r>
-              <a:rPr lang="ko-KR" altLang="en-US"/>
-              <a:t> </a:t>
-            </a:r>
-          </a:p>
-        </p:txBody>
-      </p:sp>
-      <p:sp>
-        <p:nvSpPr>
-          <p:cNvPr id="21" name="사각형: 둥근 모서리 20">
-            <a:extLst>
-              <a:ext uri="{FF2B5EF4-FFF2-40B4-BE49-F238E27FC236}">
-                <a16:creationId xmlns:a16="http://schemas.microsoft.com/office/drawing/2014/main" id="{C208476F-CC3E-D032-1449-4AA3C749AF3D}"/>
-              </a:ext>
-            </a:extLst>
-          </p:cNvPr>
-          <p:cNvSpPr/>
-          <p:nvPr/>
-        </p:nvSpPr>
-        <p:spPr>
-          <a:xfrm>
-            <a:off x="8580052" y="3682015"/>
-            <a:ext cx="1619803" cy="1478280"/>
-          </a:xfrm>
-          <a:prstGeom prst="roundRect">
-            <a:avLst/>
-          </a:prstGeom>
-        </p:spPr>
-        <p:style>
-          <a:lnRef idx="2">
-            <a:schemeClr val="dk1"/>
-          </a:lnRef>
-          <a:fillRef idx="1">
-            <a:schemeClr val="lt1"/>
-          </a:fillRef>
-          <a:effectRef idx="0">
-            <a:schemeClr val="dk1"/>
-          </a:effectRef>
-          <a:fontRef idx="minor">
-            <a:schemeClr val="dk1"/>
-          </a:fontRef>
-        </p:style>
-        <p:txBody>
-          <a:bodyPr rtlCol="0" anchor="ctr"/>
-          <a:lstStyle/>
-          <a:p>
-            <a:pPr algn="ctr"/>
-            <a:r>
-              <a:rPr lang="ko-KR" altLang="en-US">
-                <a:solidFill>
-                  <a:schemeClr val="bg2">
-                    <a:lumMod val="75000"/>
-                  </a:schemeClr>
-                </a:solidFill>
-              </a:rPr>
-              <a:t>이미지</a:t>
-            </a:r>
-            <a:endParaRPr lang="en-US" altLang="ko-KR">
-              <a:solidFill>
-                <a:schemeClr val="bg2">
-                  <a:lumMod val="75000"/>
-                </a:schemeClr>
-              </a:solidFill>
-            </a:endParaRPr>
-          </a:p>
-          <a:p>
-            <a:pPr algn="ctr"/>
-            <a:r>
-              <a:rPr lang="ko-KR" altLang="en-US"/>
-              <a:t> </a:t>
-            </a:r>
+            <a:endParaRPr lang="ko-KR" altLang="en-US"/>
           </a:p>
         </p:txBody>
       </p:sp>
       <p:pic>
         <p:nvPicPr>
-          <p:cNvPr id="23" name="그래픽 22" descr="이미지">
-            <a:extLst>
-              <a:ext uri="{FF2B5EF4-FFF2-40B4-BE49-F238E27FC236}">
-                <a16:creationId xmlns:a16="http://schemas.microsoft.com/office/drawing/2014/main" id="{D3B11B8B-43A8-3E8A-5DA9-A5571AA56C70}"/>
+          <p:cNvPr id="25" name="그래픽 24" descr="이미지">
+            <a:extLst>
+              <a:ext uri="{FF2B5EF4-FFF2-40B4-BE49-F238E27FC236}">
+                <a16:creationId xmlns:a16="http://schemas.microsoft.com/office/drawing/2014/main" id="{A69916DF-8305-DC42-353E-73BCF6DC0C27}"/>
               </a:ext>
             </a:extLst>
           </p:cNvPr>
@@ -4226,122 +4058,14 @@
         </p:blipFill>
         <p:spPr>
           <a:xfrm>
-            <a:off x="4378790" y="4421155"/>
-            <a:ext cx="445394" cy="375385"/>
+            <a:off x="5905500" y="5841239"/>
+            <a:ext cx="445394" cy="349675"/>
           </a:xfrm>
           <a:prstGeom prst="rect">
             <a:avLst/>
           </a:prstGeom>
         </p:spPr>
       </p:pic>
-      <p:pic>
-        <p:nvPicPr>
-          <p:cNvPr id="24" name="그래픽 23" descr="이미지">
-            <a:extLst>
-              <a:ext uri="{FF2B5EF4-FFF2-40B4-BE49-F238E27FC236}">
-                <a16:creationId xmlns:a16="http://schemas.microsoft.com/office/drawing/2014/main" id="{66154024-7685-F384-6263-22C208C4BB2D}"/>
-              </a:ext>
-            </a:extLst>
-          </p:cNvPr>
-          <p:cNvPicPr>
-            <a:picLocks noChangeAspect="1"/>
-          </p:cNvPicPr>
-          <p:nvPr/>
-        </p:nvPicPr>
-        <p:blipFill>
-          <a:blip r:embed="rId2">
-            <a:extLst>
-              <a:ext uri="{96DAC541-7B7A-43D3-8B79-37D633B846F1}">
-                <asvg:svgBlip xmlns:asvg="http://schemas.microsoft.com/office/drawing/2016/SVG/main" r:embed="rId3"/>
-              </a:ext>
-            </a:extLst>
-          </a:blip>
-          <a:stretch>
-            <a:fillRect/>
-          </a:stretch>
-        </p:blipFill>
-        <p:spPr>
-          <a:xfrm>
-            <a:off x="6774444" y="4425004"/>
-            <a:ext cx="445394" cy="375385"/>
-          </a:xfrm>
-          <a:prstGeom prst="rect">
-            <a:avLst/>
-          </a:prstGeom>
-        </p:spPr>
-      </p:pic>
-      <p:pic>
-        <p:nvPicPr>
-          <p:cNvPr id="25" name="그래픽 24" descr="이미지">
-            <a:extLst>
-              <a:ext uri="{FF2B5EF4-FFF2-40B4-BE49-F238E27FC236}">
-                <a16:creationId xmlns:a16="http://schemas.microsoft.com/office/drawing/2014/main" id="{A69916DF-8305-DC42-353E-73BCF6DC0C27}"/>
-              </a:ext>
-            </a:extLst>
-          </p:cNvPr>
-          <p:cNvPicPr>
-            <a:picLocks noChangeAspect="1"/>
-          </p:cNvPicPr>
-          <p:nvPr/>
-        </p:nvPicPr>
-        <p:blipFill>
-          <a:blip r:embed="rId2">
-            <a:extLst>
-              <a:ext uri="{96DAC541-7B7A-43D3-8B79-37D633B846F1}">
-                <asvg:svgBlip xmlns:asvg="http://schemas.microsoft.com/office/drawing/2016/SVG/main" r:embed="rId3"/>
-              </a:ext>
-            </a:extLst>
-          </a:blip>
-          <a:stretch>
-            <a:fillRect/>
-          </a:stretch>
-        </p:blipFill>
-        <p:spPr>
-          <a:xfrm>
-            <a:off x="2127788" y="4421155"/>
-            <a:ext cx="445394" cy="375385"/>
-          </a:xfrm>
-          <a:prstGeom prst="rect">
-            <a:avLst/>
-          </a:prstGeom>
-        </p:spPr>
-      </p:pic>
-      <p:pic>
-        <p:nvPicPr>
-          <p:cNvPr id="26" name="그래픽 25" descr="이미지">
-            <a:extLst>
-              <a:ext uri="{FF2B5EF4-FFF2-40B4-BE49-F238E27FC236}">
-                <a16:creationId xmlns:a16="http://schemas.microsoft.com/office/drawing/2014/main" id="{1D9FDACC-96B3-925B-C96A-E7162D88147B}"/>
-              </a:ext>
-            </a:extLst>
-          </p:cNvPr>
-          <p:cNvPicPr>
-            <a:picLocks noChangeAspect="1"/>
-          </p:cNvPicPr>
-          <p:nvPr/>
-        </p:nvPicPr>
-        <p:blipFill>
-          <a:blip r:embed="rId2">
-            <a:extLst>
-              <a:ext uri="{96DAC541-7B7A-43D3-8B79-37D633B846F1}">
-                <asvg:svgBlip xmlns:asvg="http://schemas.microsoft.com/office/drawing/2016/SVG/main" r:embed="rId3"/>
-              </a:ext>
-            </a:extLst>
-          </a:blip>
-          <a:stretch>
-            <a:fillRect/>
-          </a:stretch>
-        </p:blipFill>
-        <p:spPr>
-          <a:xfrm>
-            <a:off x="9167256" y="4413558"/>
-            <a:ext cx="445394" cy="375385"/>
-          </a:xfrm>
-          <a:prstGeom prst="rect">
-            <a:avLst/>
-          </a:prstGeom>
-        </p:spPr>
-      </p:pic>
       <p:sp>
         <p:nvSpPr>
           <p:cNvPr id="27" name="사각형: 둥근 모서리 26">
@@ -4356,7 +4080,7 @@
         </p:nvSpPr>
         <p:spPr>
           <a:xfrm>
-            <a:off x="530345" y="1286235"/>
+            <a:off x="543895" y="795990"/>
             <a:ext cx="1022957" cy="375385"/>
           </a:xfrm>
           <a:prstGeom prst="roundRect">
@@ -4407,7 +4131,7 @@
         </p:nvSpPr>
         <p:spPr>
           <a:xfrm>
-            <a:off x="2648908" y="1312637"/>
+            <a:off x="2959176" y="805984"/>
             <a:ext cx="1022957" cy="375385"/>
           </a:xfrm>
           <a:prstGeom prst="roundRect">
@@ -4458,7 +4182,7 @@
         </p:nvSpPr>
         <p:spPr>
           <a:xfrm>
-            <a:off x="4578368" y="1307669"/>
+            <a:off x="5544572" y="792860"/>
             <a:ext cx="1022957" cy="375385"/>
           </a:xfrm>
           <a:prstGeom prst="roundRect">
@@ -4509,7 +4233,7 @@
         </p:nvSpPr>
         <p:spPr>
           <a:xfrm>
-            <a:off x="6649036" y="1314083"/>
+            <a:off x="8266866" y="826464"/>
             <a:ext cx="1022957" cy="375385"/>
           </a:xfrm>
           <a:prstGeom prst="roundRect">
@@ -4560,8 +4284,8 @@
         </p:nvSpPr>
         <p:spPr>
           <a:xfrm>
-            <a:off x="9055921" y="1327784"/>
-            <a:ext cx="794599" cy="375385"/>
+            <a:off x="580756" y="1335731"/>
+            <a:ext cx="694218" cy="375385"/>
           </a:xfrm>
           <a:prstGeom prst="roundRect">
             <a:avLst/>
@@ -4611,8 +4335,8 @@
         </p:nvSpPr>
         <p:spPr>
           <a:xfrm>
-            <a:off x="530344" y="1888329"/>
-            <a:ext cx="1022957" cy="375385"/>
+            <a:off x="3047393" y="1329238"/>
+            <a:ext cx="979097" cy="375385"/>
           </a:xfrm>
           <a:prstGeom prst="roundRect">
             <a:avLst/>
@@ -4662,8 +4386,8 @@
         </p:nvSpPr>
         <p:spPr>
           <a:xfrm>
-            <a:off x="2609007" y="1880115"/>
-            <a:ext cx="1022957" cy="375385"/>
+            <a:off x="5502180" y="1343704"/>
+            <a:ext cx="786252" cy="375385"/>
           </a:xfrm>
           <a:prstGeom prst="roundRect">
             <a:avLst/>
@@ -4713,8 +4437,8 @@
         </p:nvSpPr>
         <p:spPr>
           <a:xfrm>
-            <a:off x="4578367" y="1888329"/>
-            <a:ext cx="1022957" cy="375385"/>
+            <a:off x="8216513" y="1298957"/>
+            <a:ext cx="779196" cy="375385"/>
           </a:xfrm>
           <a:prstGeom prst="roundRect">
             <a:avLst/>
@@ -4764,7 +4488,7 @@
         </p:nvSpPr>
         <p:spPr>
           <a:xfrm>
-            <a:off x="6649036" y="1924171"/>
+            <a:off x="1483144" y="2454890"/>
             <a:ext cx="1164611" cy="375385"/>
           </a:xfrm>
           <a:prstGeom prst="roundRect">
@@ -4815,7 +4539,7 @@
         </p:nvSpPr>
         <p:spPr>
           <a:xfrm>
-            <a:off x="2552811" y="1441052"/>
+            <a:off x="2760007" y="963936"/>
             <a:ext cx="112195" cy="103405"/>
           </a:xfrm>
           <a:prstGeom prst="flowChartMerge">
@@ -4861,7 +4585,7 @@
         </p:nvSpPr>
         <p:spPr>
           <a:xfrm>
-            <a:off x="6394837" y="2046369"/>
+            <a:off x="10461924" y="1548773"/>
             <a:ext cx="112195" cy="103405"/>
           </a:xfrm>
           <a:prstGeom prst="flowChartMerge">
@@ -4907,7 +4631,7 @@
         </p:nvSpPr>
         <p:spPr>
           <a:xfrm>
-            <a:off x="5444426" y="2285264"/>
+            <a:off x="9511513" y="1787668"/>
             <a:ext cx="1164611" cy="245327"/>
           </a:xfrm>
           <a:prstGeom prst="rect">
@@ -4954,7 +4678,7 @@
         </p:nvSpPr>
         <p:spPr>
           <a:xfrm>
-            <a:off x="5444425" y="2515806"/>
+            <a:off x="9511512" y="2018210"/>
             <a:ext cx="1164611" cy="245327"/>
           </a:xfrm>
           <a:prstGeom prst="rect">
@@ -5001,7 +4725,7 @@
         </p:nvSpPr>
         <p:spPr>
           <a:xfrm>
-            <a:off x="5444424" y="2733677"/>
+            <a:off x="9511511" y="2236081"/>
             <a:ext cx="1164611" cy="245327"/>
           </a:xfrm>
           <a:prstGeom prst="rect">
@@ -5048,7 +4772,7 @@
         </p:nvSpPr>
         <p:spPr>
           <a:xfrm>
-            <a:off x="5444424" y="2938256"/>
+            <a:off x="9511511" y="2440660"/>
             <a:ext cx="1164611" cy="245327"/>
           </a:xfrm>
           <a:prstGeom prst="rect">
@@ -5095,7 +4819,7 @@
         </p:nvSpPr>
         <p:spPr>
           <a:xfrm>
-            <a:off x="1344081" y="1112376"/>
+            <a:off x="1551277" y="635260"/>
             <a:ext cx="205584" cy="216674"/>
           </a:xfrm>
           <a:prstGeom prst="flowChartConnector">
@@ -5151,7 +4875,7 @@
         </p:nvSpPr>
         <p:spPr>
           <a:xfrm>
-            <a:off x="3379396" y="1107203"/>
+            <a:off x="3998844" y="633435"/>
             <a:ext cx="205584" cy="216674"/>
           </a:xfrm>
           <a:prstGeom prst="flowChartConnector">
@@ -5207,7 +4931,7 @@
         </p:nvSpPr>
         <p:spPr>
           <a:xfrm>
-            <a:off x="5415741" y="1110771"/>
+            <a:off x="6625549" y="599624"/>
             <a:ext cx="205584" cy="216674"/>
           </a:xfrm>
           <a:prstGeom prst="flowChartConnector">
@@ -5263,7 +4987,7 @@
         </p:nvSpPr>
         <p:spPr>
           <a:xfrm>
-            <a:off x="7721369" y="1110771"/>
+            <a:off x="9500099" y="595962"/>
             <a:ext cx="205584" cy="216674"/>
           </a:xfrm>
           <a:prstGeom prst="flowChartConnector">
@@ -5319,7 +5043,7 @@
         </p:nvSpPr>
         <p:spPr>
           <a:xfrm>
-            <a:off x="9689247" y="1120573"/>
+            <a:off x="1589420" y="1205219"/>
             <a:ext cx="205584" cy="216674"/>
           </a:xfrm>
           <a:prstGeom prst="flowChartConnector">
@@ -5375,7 +5099,7 @@
         </p:nvSpPr>
         <p:spPr>
           <a:xfrm>
-            <a:off x="1367717" y="1727957"/>
+            <a:off x="4003141" y="1220901"/>
             <a:ext cx="205584" cy="216674"/>
           </a:xfrm>
           <a:prstGeom prst="flowChartConnector">
@@ -5431,7 +5155,7 @@
         </p:nvSpPr>
         <p:spPr>
           <a:xfrm>
-            <a:off x="3425140" y="1733495"/>
+            <a:off x="6690334" y="1207079"/>
             <a:ext cx="205584" cy="216674"/>
           </a:xfrm>
           <a:prstGeom prst="flowChartConnector">
@@ -5487,7 +5211,7 @@
         </p:nvSpPr>
         <p:spPr>
           <a:xfrm>
-            <a:off x="5415741" y="1725272"/>
+            <a:off x="9482828" y="1227676"/>
             <a:ext cx="205584" cy="216674"/>
           </a:xfrm>
           <a:prstGeom prst="flowChartConnector">
@@ -5543,7 +5267,7 @@
         </p:nvSpPr>
         <p:spPr>
           <a:xfrm>
-            <a:off x="7694228" y="1740131"/>
+            <a:off x="1414182" y="2660517"/>
             <a:ext cx="205584" cy="216674"/>
           </a:xfrm>
           <a:prstGeom prst="flowChartConnector">
@@ -5599,8 +5323,8 @@
         </p:nvSpPr>
         <p:spPr>
           <a:xfrm>
-            <a:off x="1573301" y="3464475"/>
-            <a:ext cx="233197" cy="245418"/>
+            <a:off x="1405144" y="4373306"/>
+            <a:ext cx="233197" cy="182300"/>
           </a:xfrm>
           <a:prstGeom prst="flowChartConnector">
             <a:avLst/>
@@ -5651,7 +5375,7 @@
         </p:nvSpPr>
         <p:spPr>
           <a:xfrm>
-            <a:off x="8935978" y="5358237"/>
+            <a:off x="1391713" y="5304369"/>
             <a:ext cx="231278" cy="228685"/>
           </a:xfrm>
           <a:prstGeom prst="flowChartConnector">
@@ -5703,8 +5427,8 @@
         </p:nvSpPr>
         <p:spPr>
           <a:xfrm>
-            <a:off x="1549665" y="3466571"/>
-            <a:ext cx="590271" cy="215444"/>
+            <a:off x="1362817" y="4370949"/>
+            <a:ext cx="421298" cy="215444"/>
           </a:xfrm>
           <a:prstGeom prst="rect">
             <a:avLst/>
@@ -5739,7 +5463,7 @@
         </p:nvSpPr>
         <p:spPr>
           <a:xfrm>
-            <a:off x="8899641" y="5350016"/>
+            <a:off x="1355376" y="5296148"/>
             <a:ext cx="663497" cy="215444"/>
           </a:xfrm>
           <a:prstGeom prst="rect">
@@ -5761,12 +5485,1064 @@
           </a:p>
         </p:txBody>
       </p:sp>
-      <p:sp>
-        <p:nvSpPr>
-          <p:cNvPr id="50" name="순서도: 병합 49">
-            <a:extLst>
-              <a:ext uri="{FF2B5EF4-FFF2-40B4-BE49-F238E27FC236}">
-                <a16:creationId xmlns:a16="http://schemas.microsoft.com/office/drawing/2014/main" id="{46BA5687-9F0D-036D-F194-D8A4628E6013}"/>
+      <p:cxnSp>
+        <p:nvCxnSpPr>
+          <p:cNvPr id="53" name="직선 연결선 52">
+            <a:extLst>
+              <a:ext uri="{FF2B5EF4-FFF2-40B4-BE49-F238E27FC236}">
+                <a16:creationId xmlns:a16="http://schemas.microsoft.com/office/drawing/2014/main" id="{BD3FC97B-C802-41ED-68FE-57CB9FA19F48}"/>
+              </a:ext>
+            </a:extLst>
+          </p:cNvPr>
+          <p:cNvCxnSpPr>
+            <a:cxnSpLocks/>
+          </p:cNvCxnSpPr>
+          <p:nvPr/>
+        </p:nvCxnSpPr>
+        <p:spPr>
+          <a:xfrm>
+            <a:off x="1525510" y="3119950"/>
+            <a:ext cx="9086702" cy="0"/>
+          </a:xfrm>
+          <a:prstGeom prst="line">
+            <a:avLst/>
+          </a:prstGeom>
+        </p:spPr>
+        <p:style>
+          <a:lnRef idx="1">
+            <a:schemeClr val="dk1"/>
+          </a:lnRef>
+          <a:fillRef idx="0">
+            <a:schemeClr val="dk1"/>
+          </a:fillRef>
+          <a:effectRef idx="0">
+            <a:schemeClr val="dk1"/>
+          </a:effectRef>
+          <a:fontRef idx="minor">
+            <a:schemeClr val="tx1"/>
+          </a:fontRef>
+        </p:style>
+      </p:cxnSp>
+      <p:cxnSp>
+        <p:nvCxnSpPr>
+          <p:cNvPr id="55" name="직선 연결선 54">
+            <a:extLst>
+              <a:ext uri="{FF2B5EF4-FFF2-40B4-BE49-F238E27FC236}">
+                <a16:creationId xmlns:a16="http://schemas.microsoft.com/office/drawing/2014/main" id="{1C6B2F36-69D5-869A-5626-E4B39BDE3516}"/>
+              </a:ext>
+            </a:extLst>
+          </p:cNvPr>
+          <p:cNvCxnSpPr>
+            <a:cxnSpLocks/>
+          </p:cNvCxnSpPr>
+          <p:nvPr/>
+        </p:nvCxnSpPr>
+        <p:spPr>
+          <a:xfrm>
+            <a:off x="3873946" y="2771029"/>
+            <a:ext cx="0" cy="1200634"/>
+          </a:xfrm>
+          <a:prstGeom prst="line">
+            <a:avLst/>
+          </a:prstGeom>
+        </p:spPr>
+        <p:style>
+          <a:lnRef idx="1">
+            <a:schemeClr val="dk1"/>
+          </a:lnRef>
+          <a:fillRef idx="0">
+            <a:schemeClr val="dk1"/>
+          </a:fillRef>
+          <a:effectRef idx="0">
+            <a:schemeClr val="dk1"/>
+          </a:effectRef>
+          <a:fontRef idx="minor">
+            <a:schemeClr val="tx1"/>
+          </a:fontRef>
+        </p:style>
+      </p:cxnSp>
+      <p:cxnSp>
+        <p:nvCxnSpPr>
+          <p:cNvPr id="58" name="직선 연결선 57">
+            <a:extLst>
+              <a:ext uri="{FF2B5EF4-FFF2-40B4-BE49-F238E27FC236}">
+                <a16:creationId xmlns:a16="http://schemas.microsoft.com/office/drawing/2014/main" id="{B795428A-6624-4943-3019-E1DFDBCCD833}"/>
+              </a:ext>
+            </a:extLst>
+          </p:cNvPr>
+          <p:cNvCxnSpPr>
+            <a:cxnSpLocks/>
+            <a:stCxn id="3" idx="0"/>
+            <a:endCxn id="3" idx="2"/>
+          </p:cNvCxnSpPr>
+          <p:nvPr/>
+        </p:nvCxnSpPr>
+        <p:spPr>
+          <a:xfrm>
+            <a:off x="6050661" y="2790885"/>
+            <a:ext cx="0" cy="1180778"/>
+          </a:xfrm>
+          <a:prstGeom prst="line">
+            <a:avLst/>
+          </a:prstGeom>
+        </p:spPr>
+        <p:style>
+          <a:lnRef idx="1">
+            <a:schemeClr val="dk1"/>
+          </a:lnRef>
+          <a:fillRef idx="0">
+            <a:schemeClr val="dk1"/>
+          </a:fillRef>
+          <a:effectRef idx="0">
+            <a:schemeClr val="dk1"/>
+          </a:effectRef>
+          <a:fontRef idx="minor">
+            <a:schemeClr val="tx1"/>
+          </a:fontRef>
+        </p:style>
+      </p:cxnSp>
+      <p:cxnSp>
+        <p:nvCxnSpPr>
+          <p:cNvPr id="59" name="직선 연결선 58">
+            <a:extLst>
+              <a:ext uri="{FF2B5EF4-FFF2-40B4-BE49-F238E27FC236}">
+                <a16:creationId xmlns:a16="http://schemas.microsoft.com/office/drawing/2014/main" id="{7BE893C3-F63B-17FF-BD31-320AA8F3F7C0}"/>
+              </a:ext>
+            </a:extLst>
+          </p:cNvPr>
+          <p:cNvCxnSpPr>
+            <a:cxnSpLocks/>
+          </p:cNvCxnSpPr>
+          <p:nvPr/>
+        </p:nvCxnSpPr>
+        <p:spPr>
+          <a:xfrm>
+            <a:off x="8450730" y="2799375"/>
+            <a:ext cx="0" cy="1172288"/>
+          </a:xfrm>
+          <a:prstGeom prst="line">
+            <a:avLst/>
+          </a:prstGeom>
+        </p:spPr>
+        <p:style>
+          <a:lnRef idx="1">
+            <a:schemeClr val="dk1"/>
+          </a:lnRef>
+          <a:fillRef idx="0">
+            <a:schemeClr val="dk1"/>
+          </a:fillRef>
+          <a:effectRef idx="0">
+            <a:schemeClr val="dk1"/>
+          </a:effectRef>
+          <a:fontRef idx="minor">
+            <a:schemeClr val="tx1"/>
+          </a:fontRef>
+        </p:style>
+      </p:cxnSp>
+      <p:sp>
+        <p:nvSpPr>
+          <p:cNvPr id="60" name="TextBox 59">
+            <a:extLst>
+              <a:ext uri="{FF2B5EF4-FFF2-40B4-BE49-F238E27FC236}">
+                <a16:creationId xmlns:a16="http://schemas.microsoft.com/office/drawing/2014/main" id="{DF2DCC2C-6986-214F-1C3B-C05193D63DDA}"/>
+              </a:ext>
+            </a:extLst>
+          </p:cNvPr>
+          <p:cNvSpPr txBox="1"/>
+          <p:nvPr/>
+        </p:nvSpPr>
+        <p:spPr>
+          <a:xfrm>
+            <a:off x="2479143" y="2786624"/>
+            <a:ext cx="1435156" cy="369332"/>
+          </a:xfrm>
+          <a:prstGeom prst="rect">
+            <a:avLst/>
+          </a:prstGeom>
+          <a:noFill/>
+        </p:spPr>
+        <p:txBody>
+          <a:bodyPr wrap="square" rtlCol="0">
+            <a:spAutoFit/>
+          </a:bodyPr>
+          <a:lstStyle/>
+          <a:p>
+            <a:r>
+              <a:rPr lang="ko-KR" altLang="en-US"/>
+              <a:t>공정 코드</a:t>
+            </a:r>
+          </a:p>
+        </p:txBody>
+      </p:sp>
+      <p:sp>
+        <p:nvSpPr>
+          <p:cNvPr id="62" name="TextBox 61">
+            <a:extLst>
+              <a:ext uri="{FF2B5EF4-FFF2-40B4-BE49-F238E27FC236}">
+                <a16:creationId xmlns:a16="http://schemas.microsoft.com/office/drawing/2014/main" id="{D22D494C-DDE4-6C22-1D11-FFE7CC11FD92}"/>
+              </a:ext>
+            </a:extLst>
+          </p:cNvPr>
+          <p:cNvSpPr txBox="1"/>
+          <p:nvPr/>
+        </p:nvSpPr>
+        <p:spPr>
+          <a:xfrm>
+            <a:off x="4325536" y="2799375"/>
+            <a:ext cx="1435156" cy="369332"/>
+          </a:xfrm>
+          <a:prstGeom prst="rect">
+            <a:avLst/>
+          </a:prstGeom>
+          <a:noFill/>
+        </p:spPr>
+        <p:txBody>
+          <a:bodyPr wrap="square" rtlCol="0">
+            <a:spAutoFit/>
+          </a:bodyPr>
+          <a:lstStyle/>
+          <a:p>
+            <a:r>
+              <a:rPr lang="ko-KR" altLang="en-US"/>
+              <a:t>공정 명</a:t>
+            </a:r>
+          </a:p>
+        </p:txBody>
+      </p:sp>
+      <p:sp>
+        <p:nvSpPr>
+          <p:cNvPr id="63" name="TextBox 62">
+            <a:extLst>
+              <a:ext uri="{FF2B5EF4-FFF2-40B4-BE49-F238E27FC236}">
+                <a16:creationId xmlns:a16="http://schemas.microsoft.com/office/drawing/2014/main" id="{AAB63541-1CF4-543A-337D-4232A736E0B3}"/>
+              </a:ext>
+            </a:extLst>
+          </p:cNvPr>
+          <p:cNvSpPr txBox="1"/>
+          <p:nvPr/>
+        </p:nvSpPr>
+        <p:spPr>
+          <a:xfrm>
+            <a:off x="6543634" y="2806308"/>
+            <a:ext cx="1435156" cy="369332"/>
+          </a:xfrm>
+          <a:prstGeom prst="rect">
+            <a:avLst/>
+          </a:prstGeom>
+          <a:noFill/>
+        </p:spPr>
+        <p:txBody>
+          <a:bodyPr wrap="square" rtlCol="0">
+            <a:spAutoFit/>
+          </a:bodyPr>
+          <a:lstStyle/>
+          <a:p>
+            <a:r>
+              <a:rPr lang="ko-KR" altLang="en-US"/>
+              <a:t>공정 시간</a:t>
+            </a:r>
+          </a:p>
+        </p:txBody>
+      </p:sp>
+      <p:sp>
+        <p:nvSpPr>
+          <p:cNvPr id="64" name="TextBox 63">
+            <a:extLst>
+              <a:ext uri="{FF2B5EF4-FFF2-40B4-BE49-F238E27FC236}">
+                <a16:creationId xmlns:a16="http://schemas.microsoft.com/office/drawing/2014/main" id="{9A6958CF-D321-78C9-A69E-E197EB85911C}"/>
+              </a:ext>
+            </a:extLst>
+          </p:cNvPr>
+          <p:cNvSpPr txBox="1"/>
+          <p:nvPr/>
+        </p:nvSpPr>
+        <p:spPr>
+          <a:xfrm>
+            <a:off x="9111345" y="2799375"/>
+            <a:ext cx="1435156" cy="369332"/>
+          </a:xfrm>
+          <a:prstGeom prst="rect">
+            <a:avLst/>
+          </a:prstGeom>
+          <a:noFill/>
+        </p:spPr>
+        <p:txBody>
+          <a:bodyPr wrap="square" rtlCol="0">
+            <a:spAutoFit/>
+          </a:bodyPr>
+          <a:lstStyle/>
+          <a:p>
+            <a:r>
+              <a:rPr lang="ko-KR" altLang="en-US"/>
+              <a:t>비고</a:t>
+            </a:r>
+          </a:p>
+        </p:txBody>
+      </p:sp>
+      <p:cxnSp>
+        <p:nvCxnSpPr>
+          <p:cNvPr id="65" name="직선 연결선 64">
+            <a:extLst>
+              <a:ext uri="{FF2B5EF4-FFF2-40B4-BE49-F238E27FC236}">
+                <a16:creationId xmlns:a16="http://schemas.microsoft.com/office/drawing/2014/main" id="{8041565F-E9E5-A5BF-C223-A9C5C2201DFA}"/>
+              </a:ext>
+            </a:extLst>
+          </p:cNvPr>
+          <p:cNvCxnSpPr>
+            <a:cxnSpLocks/>
+            <a:stCxn id="3" idx="1"/>
+            <a:endCxn id="3" idx="3"/>
+          </p:cNvCxnSpPr>
+          <p:nvPr/>
+        </p:nvCxnSpPr>
+        <p:spPr>
+          <a:xfrm>
+            <a:off x="1483444" y="3381274"/>
+            <a:ext cx="9134434" cy="0"/>
+          </a:xfrm>
+          <a:prstGeom prst="line">
+            <a:avLst/>
+          </a:prstGeom>
+        </p:spPr>
+        <p:style>
+          <a:lnRef idx="1">
+            <a:schemeClr val="dk1"/>
+          </a:lnRef>
+          <a:fillRef idx="0">
+            <a:schemeClr val="dk1"/>
+          </a:fillRef>
+          <a:effectRef idx="0">
+            <a:schemeClr val="dk1"/>
+          </a:effectRef>
+          <a:fontRef idx="minor">
+            <a:schemeClr val="tx1"/>
+          </a:fontRef>
+        </p:style>
+      </p:cxnSp>
+      <p:cxnSp>
+        <p:nvCxnSpPr>
+          <p:cNvPr id="66" name="직선 연결선 65">
+            <a:extLst>
+              <a:ext uri="{FF2B5EF4-FFF2-40B4-BE49-F238E27FC236}">
+                <a16:creationId xmlns:a16="http://schemas.microsoft.com/office/drawing/2014/main" id="{917C7E35-C40A-ACE3-5F8F-DB28FD3421AF}"/>
+              </a:ext>
+            </a:extLst>
+          </p:cNvPr>
+          <p:cNvCxnSpPr>
+            <a:cxnSpLocks/>
+          </p:cNvCxnSpPr>
+          <p:nvPr/>
+        </p:nvCxnSpPr>
+        <p:spPr>
+          <a:xfrm>
+            <a:off x="1525510" y="3682395"/>
+            <a:ext cx="9086702" cy="0"/>
+          </a:xfrm>
+          <a:prstGeom prst="line">
+            <a:avLst/>
+          </a:prstGeom>
+        </p:spPr>
+        <p:style>
+          <a:lnRef idx="1">
+            <a:schemeClr val="dk1"/>
+          </a:lnRef>
+          <a:fillRef idx="0">
+            <a:schemeClr val="dk1"/>
+          </a:fillRef>
+          <a:effectRef idx="0">
+            <a:schemeClr val="dk1"/>
+          </a:effectRef>
+          <a:fontRef idx="minor">
+            <a:schemeClr val="tx1"/>
+          </a:fontRef>
+        </p:style>
+      </p:cxnSp>
+      <p:cxnSp>
+        <p:nvCxnSpPr>
+          <p:cNvPr id="77" name="직선 연결선 76">
+            <a:extLst>
+              <a:ext uri="{FF2B5EF4-FFF2-40B4-BE49-F238E27FC236}">
+                <a16:creationId xmlns:a16="http://schemas.microsoft.com/office/drawing/2014/main" id="{7D238BBB-E600-2437-7F95-5014141EDFAD}"/>
+              </a:ext>
+            </a:extLst>
+          </p:cNvPr>
+          <p:cNvCxnSpPr>
+            <a:cxnSpLocks/>
+          </p:cNvCxnSpPr>
+          <p:nvPr/>
+        </p:nvCxnSpPr>
+        <p:spPr>
+          <a:xfrm>
+            <a:off x="2375288" y="2830276"/>
+            <a:ext cx="0" cy="1129503"/>
+          </a:xfrm>
+          <a:prstGeom prst="line">
+            <a:avLst/>
+          </a:prstGeom>
+        </p:spPr>
+        <p:style>
+          <a:lnRef idx="1">
+            <a:schemeClr val="dk1"/>
+          </a:lnRef>
+          <a:fillRef idx="0">
+            <a:schemeClr val="dk1"/>
+          </a:fillRef>
+          <a:effectRef idx="0">
+            <a:schemeClr val="dk1"/>
+          </a:effectRef>
+          <a:fontRef idx="minor">
+            <a:schemeClr val="tx1"/>
+          </a:fontRef>
+        </p:style>
+      </p:cxnSp>
+      <p:sp>
+        <p:nvSpPr>
+          <p:cNvPr id="89" name="TextBox 88">
+            <a:extLst>
+              <a:ext uri="{FF2B5EF4-FFF2-40B4-BE49-F238E27FC236}">
+                <a16:creationId xmlns:a16="http://schemas.microsoft.com/office/drawing/2014/main" id="{29ADDD38-4C2D-1AE5-4174-8DE877D0A886}"/>
+              </a:ext>
+            </a:extLst>
+          </p:cNvPr>
+          <p:cNvSpPr txBox="1"/>
+          <p:nvPr/>
+        </p:nvSpPr>
+        <p:spPr>
+          <a:xfrm>
+            <a:off x="2632230" y="3080509"/>
+            <a:ext cx="1060247" cy="369332"/>
+          </a:xfrm>
+          <a:prstGeom prst="rect">
+            <a:avLst/>
+          </a:prstGeom>
+          <a:noFill/>
+        </p:spPr>
+        <p:txBody>
+          <a:bodyPr wrap="square" rtlCol="0">
+            <a:spAutoFit/>
+          </a:bodyPr>
+          <a:lstStyle/>
+          <a:p>
+            <a:r>
+              <a:rPr lang="en-US" altLang="ko-KR"/>
+              <a:t>PC-10</a:t>
+            </a:r>
+            <a:endParaRPr lang="ko-KR" altLang="en-US"/>
+          </a:p>
+        </p:txBody>
+      </p:sp>
+      <p:sp>
+        <p:nvSpPr>
+          <p:cNvPr id="90" name="TextBox 89">
+            <a:extLst>
+              <a:ext uri="{FF2B5EF4-FFF2-40B4-BE49-F238E27FC236}">
+                <a16:creationId xmlns:a16="http://schemas.microsoft.com/office/drawing/2014/main" id="{6D694667-067A-893E-F448-C68F4ED9531F}"/>
+              </a:ext>
+            </a:extLst>
+          </p:cNvPr>
+          <p:cNvSpPr txBox="1"/>
+          <p:nvPr/>
+        </p:nvSpPr>
+        <p:spPr>
+          <a:xfrm>
+            <a:off x="2630981" y="3335984"/>
+            <a:ext cx="1060247" cy="369332"/>
+          </a:xfrm>
+          <a:prstGeom prst="rect">
+            <a:avLst/>
+          </a:prstGeom>
+          <a:noFill/>
+        </p:spPr>
+        <p:txBody>
+          <a:bodyPr wrap="square" rtlCol="0">
+            <a:spAutoFit/>
+          </a:bodyPr>
+          <a:lstStyle/>
+          <a:p>
+            <a:r>
+              <a:rPr lang="en-US" altLang="ko-KR"/>
+              <a:t>PC-20</a:t>
+            </a:r>
+            <a:endParaRPr lang="ko-KR" altLang="en-US"/>
+          </a:p>
+        </p:txBody>
+      </p:sp>
+      <p:sp>
+        <p:nvSpPr>
+          <p:cNvPr id="91" name="TextBox 90">
+            <a:extLst>
+              <a:ext uri="{FF2B5EF4-FFF2-40B4-BE49-F238E27FC236}">
+                <a16:creationId xmlns:a16="http://schemas.microsoft.com/office/drawing/2014/main" id="{07B8EA24-6594-ECA0-5108-D3B032DE7EF6}"/>
+              </a:ext>
+            </a:extLst>
+          </p:cNvPr>
+          <p:cNvSpPr txBox="1"/>
+          <p:nvPr/>
+        </p:nvSpPr>
+        <p:spPr>
+          <a:xfrm>
+            <a:off x="2623216" y="3625491"/>
+            <a:ext cx="1060247" cy="369332"/>
+          </a:xfrm>
+          <a:prstGeom prst="rect">
+            <a:avLst/>
+          </a:prstGeom>
+          <a:noFill/>
+        </p:spPr>
+        <p:txBody>
+          <a:bodyPr wrap="square" rtlCol="0">
+            <a:spAutoFit/>
+          </a:bodyPr>
+          <a:lstStyle/>
+          <a:p>
+            <a:r>
+              <a:rPr lang="en-US" altLang="ko-KR"/>
+              <a:t>PC-30</a:t>
+            </a:r>
+            <a:endParaRPr lang="ko-KR" altLang="en-US"/>
+          </a:p>
+        </p:txBody>
+      </p:sp>
+      <p:sp>
+        <p:nvSpPr>
+          <p:cNvPr id="92" name="TextBox 91">
+            <a:extLst>
+              <a:ext uri="{FF2B5EF4-FFF2-40B4-BE49-F238E27FC236}">
+                <a16:creationId xmlns:a16="http://schemas.microsoft.com/office/drawing/2014/main" id="{22A04D9F-60E5-CE5C-C7FF-3340512365C5}"/>
+              </a:ext>
+            </a:extLst>
+          </p:cNvPr>
+          <p:cNvSpPr txBox="1"/>
+          <p:nvPr/>
+        </p:nvSpPr>
+        <p:spPr>
+          <a:xfrm>
+            <a:off x="4184950" y="3090325"/>
+            <a:ext cx="1696592" cy="369332"/>
+          </a:xfrm>
+          <a:prstGeom prst="rect">
+            <a:avLst/>
+          </a:prstGeom>
+          <a:noFill/>
+        </p:spPr>
+        <p:txBody>
+          <a:bodyPr wrap="square" rtlCol="0">
+            <a:spAutoFit/>
+          </a:bodyPr>
+          <a:lstStyle/>
+          <a:p>
+            <a:r>
+              <a:rPr lang="ko-KR" altLang="en-US"/>
+              <a:t>입고</a:t>
+            </a:r>
+            <a:r>
+              <a:rPr lang="en-US" altLang="ko-KR"/>
+              <a:t>/</a:t>
+            </a:r>
+            <a:r>
+              <a:rPr lang="ko-KR" altLang="en-US"/>
+              <a:t>수입검사</a:t>
+            </a:r>
+          </a:p>
+        </p:txBody>
+      </p:sp>
+      <p:sp>
+        <p:nvSpPr>
+          <p:cNvPr id="93" name="TextBox 92">
+            <a:extLst>
+              <a:ext uri="{FF2B5EF4-FFF2-40B4-BE49-F238E27FC236}">
+                <a16:creationId xmlns:a16="http://schemas.microsoft.com/office/drawing/2014/main" id="{A76287D8-BFEA-2FB4-DCBB-6533D2DD4CC4}"/>
+              </a:ext>
+            </a:extLst>
+          </p:cNvPr>
+          <p:cNvSpPr txBox="1"/>
+          <p:nvPr/>
+        </p:nvSpPr>
+        <p:spPr>
+          <a:xfrm>
+            <a:off x="4416491" y="3381273"/>
+            <a:ext cx="1060247" cy="369332"/>
+          </a:xfrm>
+          <a:prstGeom prst="rect">
+            <a:avLst/>
+          </a:prstGeom>
+          <a:noFill/>
+        </p:spPr>
+        <p:txBody>
+          <a:bodyPr wrap="square" rtlCol="0">
+            <a:spAutoFit/>
+          </a:bodyPr>
+          <a:lstStyle/>
+          <a:p>
+            <a:r>
+              <a:rPr lang="ko-KR" altLang="en-US"/>
+              <a:t>탈지</a:t>
+            </a:r>
+            <a:r>
+              <a:rPr lang="en-US" altLang="ko-KR"/>
+              <a:t>1</a:t>
+            </a:r>
+            <a:endParaRPr lang="ko-KR" altLang="en-US"/>
+          </a:p>
+        </p:txBody>
+      </p:sp>
+      <p:sp>
+        <p:nvSpPr>
+          <p:cNvPr id="94" name="TextBox 93">
+            <a:extLst>
+              <a:ext uri="{FF2B5EF4-FFF2-40B4-BE49-F238E27FC236}">
+                <a16:creationId xmlns:a16="http://schemas.microsoft.com/office/drawing/2014/main" id="{7470CF00-21E6-BFE8-1624-610A41568122}"/>
+              </a:ext>
+            </a:extLst>
+          </p:cNvPr>
+          <p:cNvSpPr txBox="1"/>
+          <p:nvPr/>
+        </p:nvSpPr>
+        <p:spPr>
+          <a:xfrm>
+            <a:off x="4419324" y="3658426"/>
+            <a:ext cx="1060247" cy="369332"/>
+          </a:xfrm>
+          <a:prstGeom prst="rect">
+            <a:avLst/>
+          </a:prstGeom>
+          <a:noFill/>
+        </p:spPr>
+        <p:txBody>
+          <a:bodyPr wrap="square" rtlCol="0">
+            <a:spAutoFit/>
+          </a:bodyPr>
+          <a:lstStyle/>
+          <a:p>
+            <a:r>
+              <a:rPr lang="ko-KR" altLang="en-US"/>
+              <a:t>탈지</a:t>
+            </a:r>
+            <a:r>
+              <a:rPr lang="en-US" altLang="ko-KR"/>
+              <a:t>2</a:t>
+            </a:r>
+            <a:endParaRPr lang="ko-KR" altLang="en-US"/>
+          </a:p>
+        </p:txBody>
+      </p:sp>
+      <p:sp>
+        <p:nvSpPr>
+          <p:cNvPr id="95" name="TextBox 94">
+            <a:extLst>
+              <a:ext uri="{FF2B5EF4-FFF2-40B4-BE49-F238E27FC236}">
+                <a16:creationId xmlns:a16="http://schemas.microsoft.com/office/drawing/2014/main" id="{C2CD7776-F19A-A21A-CBF1-1806886A78AE}"/>
+              </a:ext>
+            </a:extLst>
+          </p:cNvPr>
+          <p:cNvSpPr txBox="1"/>
+          <p:nvPr/>
+        </p:nvSpPr>
+        <p:spPr>
+          <a:xfrm>
+            <a:off x="6731088" y="3098866"/>
+            <a:ext cx="1060247" cy="369332"/>
+          </a:xfrm>
+          <a:prstGeom prst="rect">
+            <a:avLst/>
+          </a:prstGeom>
+          <a:noFill/>
+        </p:spPr>
+        <p:txBody>
+          <a:bodyPr wrap="square" rtlCol="0">
+            <a:spAutoFit/>
+          </a:bodyPr>
+          <a:lstStyle/>
+          <a:p>
+            <a:r>
+              <a:rPr lang="en-US" altLang="ko-KR"/>
+              <a:t>0.5h</a:t>
+            </a:r>
+            <a:endParaRPr lang="ko-KR" altLang="en-US"/>
+          </a:p>
+        </p:txBody>
+      </p:sp>
+      <p:sp>
+        <p:nvSpPr>
+          <p:cNvPr id="96" name="TextBox 95">
+            <a:extLst>
+              <a:ext uri="{FF2B5EF4-FFF2-40B4-BE49-F238E27FC236}">
+                <a16:creationId xmlns:a16="http://schemas.microsoft.com/office/drawing/2014/main" id="{DDB8D4AD-BC0A-DEE4-6439-A2289A25EFE1}"/>
+              </a:ext>
+            </a:extLst>
+          </p:cNvPr>
+          <p:cNvSpPr txBox="1"/>
+          <p:nvPr/>
+        </p:nvSpPr>
+        <p:spPr>
+          <a:xfrm>
+            <a:off x="6731087" y="3353482"/>
+            <a:ext cx="1060247" cy="646331"/>
+          </a:xfrm>
+          <a:prstGeom prst="rect">
+            <a:avLst/>
+          </a:prstGeom>
+          <a:noFill/>
+        </p:spPr>
+        <p:txBody>
+          <a:bodyPr wrap="square" rtlCol="0">
+            <a:spAutoFit/>
+          </a:bodyPr>
+          <a:lstStyle/>
+          <a:p>
+            <a:r>
+              <a:rPr lang="en-US" altLang="ko-KR"/>
+              <a:t>0.5h</a:t>
+            </a:r>
+            <a:endParaRPr lang="ko-KR" altLang="en-US"/>
+          </a:p>
+          <a:p>
+            <a:endParaRPr lang="ko-KR" altLang="en-US"/>
+          </a:p>
+        </p:txBody>
+      </p:sp>
+      <p:sp>
+        <p:nvSpPr>
+          <p:cNvPr id="97" name="TextBox 96">
+            <a:extLst>
+              <a:ext uri="{FF2B5EF4-FFF2-40B4-BE49-F238E27FC236}">
+                <a16:creationId xmlns:a16="http://schemas.microsoft.com/office/drawing/2014/main" id="{9949F1B5-537A-B4DA-A7BE-40925A5CDD13}"/>
+              </a:ext>
+            </a:extLst>
+          </p:cNvPr>
+          <p:cNvSpPr txBox="1"/>
+          <p:nvPr/>
+        </p:nvSpPr>
+        <p:spPr>
+          <a:xfrm>
+            <a:off x="6727878" y="3641974"/>
+            <a:ext cx="1060247" cy="646331"/>
+          </a:xfrm>
+          <a:prstGeom prst="rect">
+            <a:avLst/>
+          </a:prstGeom>
+          <a:noFill/>
+        </p:spPr>
+        <p:txBody>
+          <a:bodyPr wrap="square" rtlCol="0">
+            <a:spAutoFit/>
+          </a:bodyPr>
+          <a:lstStyle/>
+          <a:p>
+            <a:r>
+              <a:rPr lang="en-US" altLang="ko-KR"/>
+              <a:t>0.5h</a:t>
+            </a:r>
+            <a:endParaRPr lang="ko-KR" altLang="en-US"/>
+          </a:p>
+          <a:p>
+            <a:endParaRPr lang="ko-KR" altLang="en-US"/>
+          </a:p>
+        </p:txBody>
+      </p:sp>
+      <p:sp>
+        <p:nvSpPr>
+          <p:cNvPr id="98" name="TextBox 97">
+            <a:extLst>
+              <a:ext uri="{FF2B5EF4-FFF2-40B4-BE49-F238E27FC236}">
+                <a16:creationId xmlns:a16="http://schemas.microsoft.com/office/drawing/2014/main" id="{D08AABDE-9A9F-9C61-606E-04BA095E056B}"/>
+              </a:ext>
+            </a:extLst>
+          </p:cNvPr>
+          <p:cNvSpPr txBox="1"/>
+          <p:nvPr/>
+        </p:nvSpPr>
+        <p:spPr>
+          <a:xfrm>
+            <a:off x="8384599" y="3073916"/>
+            <a:ext cx="2285704" cy="646331"/>
+          </a:xfrm>
+          <a:prstGeom prst="rect">
+            <a:avLst/>
+          </a:prstGeom>
+          <a:noFill/>
+        </p:spPr>
+        <p:txBody>
+          <a:bodyPr wrap="square" rtlCol="0">
+            <a:spAutoFit/>
+          </a:bodyPr>
+          <a:lstStyle/>
+          <a:p>
+            <a:r>
+              <a:rPr lang="ko-KR" altLang="en-US"/>
+              <a:t>외관 검사</a:t>
+            </a:r>
+            <a:r>
+              <a:rPr lang="en-US" altLang="ko-KR"/>
+              <a:t>, LOT </a:t>
+            </a:r>
+            <a:r>
+              <a:rPr lang="ko-KR" altLang="en-US"/>
+              <a:t>부여</a:t>
+            </a:r>
+          </a:p>
+          <a:p>
+            <a:endParaRPr lang="ko-KR" altLang="en-US"/>
+          </a:p>
+        </p:txBody>
+      </p:sp>
+      <p:sp>
+        <p:nvSpPr>
+          <p:cNvPr id="99" name="TextBox 98">
+            <a:extLst>
+              <a:ext uri="{FF2B5EF4-FFF2-40B4-BE49-F238E27FC236}">
+                <a16:creationId xmlns:a16="http://schemas.microsoft.com/office/drawing/2014/main" id="{132487FA-3675-9E7E-2F4D-8A3F8BC9B66A}"/>
+              </a:ext>
+            </a:extLst>
+          </p:cNvPr>
+          <p:cNvSpPr txBox="1"/>
+          <p:nvPr/>
+        </p:nvSpPr>
+        <p:spPr>
+          <a:xfrm>
+            <a:off x="8912379" y="3364119"/>
+            <a:ext cx="1245355" cy="369332"/>
+          </a:xfrm>
+          <a:prstGeom prst="rect">
+            <a:avLst/>
+          </a:prstGeom>
+          <a:noFill/>
+        </p:spPr>
+        <p:txBody>
+          <a:bodyPr wrap="square" rtlCol="0">
+            <a:spAutoFit/>
+          </a:bodyPr>
+          <a:lstStyle/>
+          <a:p>
+            <a:r>
+              <a:rPr lang="ko-KR" altLang="en-US"/>
+              <a:t>유분 제거</a:t>
+            </a:r>
+          </a:p>
+        </p:txBody>
+      </p:sp>
+      <p:sp>
+        <p:nvSpPr>
+          <p:cNvPr id="100" name="TextBox 99">
+            <a:extLst>
+              <a:ext uri="{FF2B5EF4-FFF2-40B4-BE49-F238E27FC236}">
+                <a16:creationId xmlns:a16="http://schemas.microsoft.com/office/drawing/2014/main" id="{D204629B-6F48-9E69-EFFD-747DB4CC5200}"/>
+              </a:ext>
+            </a:extLst>
+          </p:cNvPr>
+          <p:cNvSpPr txBox="1"/>
+          <p:nvPr/>
+        </p:nvSpPr>
+        <p:spPr>
+          <a:xfrm>
+            <a:off x="8912379" y="3664847"/>
+            <a:ext cx="1180641" cy="369332"/>
+          </a:xfrm>
+          <a:prstGeom prst="rect">
+            <a:avLst/>
+          </a:prstGeom>
+          <a:noFill/>
+        </p:spPr>
+        <p:txBody>
+          <a:bodyPr wrap="square" rtlCol="0">
+            <a:spAutoFit/>
+          </a:bodyPr>
+          <a:lstStyle/>
+          <a:p>
+            <a:r>
+              <a:rPr lang="ko-KR" altLang="en-US"/>
+              <a:t>이물 제거</a:t>
+            </a:r>
+          </a:p>
+        </p:txBody>
+      </p:sp>
+      <p:sp>
+        <p:nvSpPr>
+          <p:cNvPr id="106" name="TextBox 105">
+            <a:extLst>
+              <a:ext uri="{FF2B5EF4-FFF2-40B4-BE49-F238E27FC236}">
+                <a16:creationId xmlns:a16="http://schemas.microsoft.com/office/drawing/2014/main" id="{7CB8AAFD-B8D1-13C2-B36E-D0DB5497BD9A}"/>
+              </a:ext>
+            </a:extLst>
+          </p:cNvPr>
+          <p:cNvSpPr txBox="1"/>
+          <p:nvPr/>
+        </p:nvSpPr>
+        <p:spPr>
+          <a:xfrm>
+            <a:off x="1735016" y="2790884"/>
+            <a:ext cx="6096982" cy="369332"/>
+          </a:xfrm>
+          <a:prstGeom prst="rect">
+            <a:avLst/>
+          </a:prstGeom>
+          <a:noFill/>
+        </p:spPr>
+        <p:txBody>
+          <a:bodyPr wrap="square">
+            <a:spAutoFit/>
+          </a:bodyPr>
+          <a:lstStyle/>
+          <a:p>
+            <a:r>
+              <a:rPr lang="ko-KR" altLang="en-US"/>
+              <a:t>번호</a:t>
+            </a:r>
+          </a:p>
+        </p:txBody>
+      </p:sp>
+      <p:sp>
+        <p:nvSpPr>
+          <p:cNvPr id="107" name="TextBox 106">
+            <a:extLst>
+              <a:ext uri="{FF2B5EF4-FFF2-40B4-BE49-F238E27FC236}">
+                <a16:creationId xmlns:a16="http://schemas.microsoft.com/office/drawing/2014/main" id="{594F61DD-93FF-F184-27F7-699D538BA1CD}"/>
+              </a:ext>
+            </a:extLst>
+          </p:cNvPr>
+          <p:cNvSpPr txBox="1"/>
+          <p:nvPr/>
+        </p:nvSpPr>
+        <p:spPr>
+          <a:xfrm>
+            <a:off x="1905729" y="3090411"/>
+            <a:ext cx="319442" cy="369332"/>
+          </a:xfrm>
+          <a:prstGeom prst="rect">
+            <a:avLst/>
+          </a:prstGeom>
+          <a:noFill/>
+        </p:spPr>
+        <p:txBody>
+          <a:bodyPr wrap="square">
+            <a:spAutoFit/>
+          </a:bodyPr>
+          <a:lstStyle/>
+          <a:p>
+            <a:r>
+              <a:rPr lang="en-US" altLang="ko-KR"/>
+              <a:t>1</a:t>
+            </a:r>
+            <a:endParaRPr lang="ko-KR" altLang="en-US"/>
+          </a:p>
+        </p:txBody>
+      </p:sp>
+      <p:sp>
+        <p:nvSpPr>
+          <p:cNvPr id="110" name="TextBox 109">
+            <a:extLst>
+              <a:ext uri="{FF2B5EF4-FFF2-40B4-BE49-F238E27FC236}">
+                <a16:creationId xmlns:a16="http://schemas.microsoft.com/office/drawing/2014/main" id="{14B5B268-6AB1-C9F8-DA2F-7AA8849A8F5C}"/>
+              </a:ext>
+            </a:extLst>
+          </p:cNvPr>
+          <p:cNvSpPr txBox="1"/>
+          <p:nvPr/>
+        </p:nvSpPr>
+        <p:spPr>
+          <a:xfrm>
+            <a:off x="1908562" y="3349776"/>
+            <a:ext cx="319442" cy="369332"/>
+          </a:xfrm>
+          <a:prstGeom prst="rect">
+            <a:avLst/>
+          </a:prstGeom>
+          <a:noFill/>
+        </p:spPr>
+        <p:txBody>
+          <a:bodyPr wrap="square">
+            <a:spAutoFit/>
+          </a:bodyPr>
+          <a:lstStyle/>
+          <a:p>
+            <a:r>
+              <a:rPr lang="en-US" altLang="ko-KR"/>
+              <a:t>2</a:t>
+            </a:r>
+            <a:endParaRPr lang="ko-KR" altLang="en-US"/>
+          </a:p>
+        </p:txBody>
+      </p:sp>
+      <p:sp>
+        <p:nvSpPr>
+          <p:cNvPr id="111" name="TextBox 110">
+            <a:extLst>
+              <a:ext uri="{FF2B5EF4-FFF2-40B4-BE49-F238E27FC236}">
+                <a16:creationId xmlns:a16="http://schemas.microsoft.com/office/drawing/2014/main" id="{6A2FBB18-3167-4BEE-CC04-7A8F3AEFBF51}"/>
+              </a:ext>
+            </a:extLst>
+          </p:cNvPr>
+          <p:cNvSpPr txBox="1"/>
+          <p:nvPr/>
+        </p:nvSpPr>
+        <p:spPr>
+          <a:xfrm>
+            <a:off x="1896127" y="3631212"/>
+            <a:ext cx="319442" cy="369332"/>
+          </a:xfrm>
+          <a:prstGeom prst="rect">
+            <a:avLst/>
+          </a:prstGeom>
+          <a:noFill/>
+        </p:spPr>
+        <p:txBody>
+          <a:bodyPr wrap="square">
+            <a:spAutoFit/>
+          </a:bodyPr>
+          <a:lstStyle/>
+          <a:p>
+            <a:r>
+              <a:rPr lang="en-US" altLang="ko-KR"/>
+              <a:t>3</a:t>
+            </a:r>
+            <a:endParaRPr lang="ko-KR" altLang="en-US"/>
+          </a:p>
+        </p:txBody>
+      </p:sp>
+      <p:cxnSp>
+        <p:nvCxnSpPr>
+          <p:cNvPr id="115" name="직선 연결선 114">
+            <a:extLst>
+              <a:ext uri="{FF2B5EF4-FFF2-40B4-BE49-F238E27FC236}">
+                <a16:creationId xmlns:a16="http://schemas.microsoft.com/office/drawing/2014/main" id="{62F755C8-8926-15D4-4C72-D646E955C363}"/>
+              </a:ext>
+            </a:extLst>
+          </p:cNvPr>
+          <p:cNvCxnSpPr>
+            <a:cxnSpLocks/>
+          </p:cNvCxnSpPr>
+          <p:nvPr/>
+        </p:nvCxnSpPr>
+        <p:spPr>
+          <a:xfrm>
+            <a:off x="1735016" y="2830276"/>
+            <a:ext cx="0" cy="1129503"/>
+          </a:xfrm>
+          <a:prstGeom prst="line">
+            <a:avLst/>
+          </a:prstGeom>
+        </p:spPr>
+        <p:style>
+          <a:lnRef idx="1">
+            <a:schemeClr val="dk1"/>
+          </a:lnRef>
+          <a:fillRef idx="0">
+            <a:schemeClr val="dk1"/>
+          </a:fillRef>
+          <a:effectRef idx="0">
+            <a:schemeClr val="dk1"/>
+          </a:effectRef>
+          <a:fontRef idx="minor">
+            <a:schemeClr val="tx1"/>
+          </a:fontRef>
+        </p:style>
+      </p:cxnSp>
+      <p:sp>
+        <p:nvSpPr>
+          <p:cNvPr id="121" name="직사각형 120">
+            <a:extLst>
+              <a:ext uri="{FF2B5EF4-FFF2-40B4-BE49-F238E27FC236}">
+                <a16:creationId xmlns:a16="http://schemas.microsoft.com/office/drawing/2014/main" id="{EB79DEBA-39C7-F501-5D4C-737B734DC504}"/>
               </a:ext>
             </a:extLst>
           </p:cNvPr>
@@ -5775,27 +6551,25 @@
         </p:nvSpPr>
         <p:spPr>
           <a:xfrm>
-            <a:off x="10696133" y="2046368"/>
-            <a:ext cx="112195" cy="103405"/>
-          </a:xfrm>
-          <a:prstGeom prst="flowChartMerge">
+            <a:off x="1568401" y="3175640"/>
+            <a:ext cx="120626" cy="127166"/>
+          </a:xfrm>
+          <a:prstGeom prst="rect">
             <a:avLst/>
           </a:prstGeom>
         </p:spPr>
         <p:style>
           <a:lnRef idx="2">
-            <a:schemeClr val="accent1">
-              <a:shade val="15000"/>
-            </a:schemeClr>
+            <a:schemeClr val="dk1"/>
           </a:lnRef>
           <a:fillRef idx="1">
-            <a:schemeClr val="accent1"/>
+            <a:schemeClr val="lt1"/>
           </a:fillRef>
           <a:effectRef idx="0">
-            <a:schemeClr val="accent1"/>
+            <a:schemeClr val="dk1"/>
           </a:effectRef>
           <a:fontRef idx="minor">
-            <a:schemeClr val="lt1"/>
+            <a:schemeClr val="dk1"/>
           </a:fontRef>
         </p:style>
         <p:txBody>
@@ -5807,6 +6581,835 @@
           </a:p>
         </p:txBody>
       </p:sp>
+      <p:sp>
+        <p:nvSpPr>
+          <p:cNvPr id="122" name="직사각형 121">
+            <a:extLst>
+              <a:ext uri="{FF2B5EF4-FFF2-40B4-BE49-F238E27FC236}">
+                <a16:creationId xmlns:a16="http://schemas.microsoft.com/office/drawing/2014/main" id="{357E1ACF-02D6-7F10-E59E-3096090933AF}"/>
+              </a:ext>
+            </a:extLst>
+          </p:cNvPr>
+          <p:cNvSpPr/>
+          <p:nvPr/>
+        </p:nvSpPr>
+        <p:spPr>
+          <a:xfrm>
+            <a:off x="1567175" y="3451625"/>
+            <a:ext cx="120626" cy="127166"/>
+          </a:xfrm>
+          <a:prstGeom prst="rect">
+            <a:avLst/>
+          </a:prstGeom>
+        </p:spPr>
+        <p:style>
+          <a:lnRef idx="2">
+            <a:schemeClr val="dk1"/>
+          </a:lnRef>
+          <a:fillRef idx="1">
+            <a:schemeClr val="lt1"/>
+          </a:fillRef>
+          <a:effectRef idx="0">
+            <a:schemeClr val="dk1"/>
+          </a:effectRef>
+          <a:fontRef idx="minor">
+            <a:schemeClr val="dk1"/>
+          </a:fontRef>
+        </p:style>
+        <p:txBody>
+          <a:bodyPr rtlCol="0" anchor="ctr"/>
+          <a:lstStyle/>
+          <a:p>
+            <a:pPr algn="ctr"/>
+            <a:endParaRPr lang="ko-KR" altLang="en-US"/>
+          </a:p>
+        </p:txBody>
+      </p:sp>
+      <p:sp>
+        <p:nvSpPr>
+          <p:cNvPr id="123" name="직사각형 122">
+            <a:extLst>
+              <a:ext uri="{FF2B5EF4-FFF2-40B4-BE49-F238E27FC236}">
+                <a16:creationId xmlns:a16="http://schemas.microsoft.com/office/drawing/2014/main" id="{2C627687-B9D5-A117-3826-44A58E61B746}"/>
+              </a:ext>
+            </a:extLst>
+          </p:cNvPr>
+          <p:cNvSpPr/>
+          <p:nvPr/>
+        </p:nvSpPr>
+        <p:spPr>
+          <a:xfrm>
+            <a:off x="1566499" y="3739140"/>
+            <a:ext cx="120626" cy="127166"/>
+          </a:xfrm>
+          <a:prstGeom prst="rect">
+            <a:avLst/>
+          </a:prstGeom>
+        </p:spPr>
+        <p:style>
+          <a:lnRef idx="2">
+            <a:schemeClr val="dk1"/>
+          </a:lnRef>
+          <a:fillRef idx="1">
+            <a:schemeClr val="lt1"/>
+          </a:fillRef>
+          <a:effectRef idx="0">
+            <a:schemeClr val="dk1"/>
+          </a:effectRef>
+          <a:fontRef idx="minor">
+            <a:schemeClr val="dk1"/>
+          </a:fontRef>
+        </p:style>
+        <p:txBody>
+          <a:bodyPr rtlCol="0" anchor="ctr"/>
+          <a:lstStyle/>
+          <a:p>
+            <a:pPr algn="ctr"/>
+            <a:endParaRPr lang="ko-KR" altLang="en-US"/>
+          </a:p>
+        </p:txBody>
+      </p:sp>
+      <p:pic>
+        <p:nvPicPr>
+          <p:cNvPr id="102" name="그래픽 101" descr="확인 표시">
+            <a:extLst>
+              <a:ext uri="{FF2B5EF4-FFF2-40B4-BE49-F238E27FC236}">
+                <a16:creationId xmlns:a16="http://schemas.microsoft.com/office/drawing/2014/main" id="{1581D0F1-F8D3-52C6-FC3F-E4C3A81A24D1}"/>
+              </a:ext>
+            </a:extLst>
+          </p:cNvPr>
+          <p:cNvPicPr>
+            <a:picLocks noChangeAspect="1"/>
+          </p:cNvPicPr>
+          <p:nvPr/>
+        </p:nvPicPr>
+        <p:blipFill>
+          <a:blip r:embed="rId4">
+            <a:extLst>
+              <a:ext uri="{96DAC541-7B7A-43D3-8B79-37D633B846F1}">
+                <asvg:svgBlip xmlns:asvg="http://schemas.microsoft.com/office/drawing/2016/SVG/main" r:embed="rId5"/>
+              </a:ext>
+            </a:extLst>
+          </a:blip>
+          <a:stretch>
+            <a:fillRect/>
+          </a:stretch>
+        </p:blipFill>
+        <p:spPr>
+          <a:xfrm>
+            <a:off x="1539656" y="3037818"/>
+            <a:ext cx="219310" cy="296750"/>
+          </a:xfrm>
+          <a:prstGeom prst="rect">
+            <a:avLst/>
+          </a:prstGeom>
+        </p:spPr>
+      </p:pic>
+      <p:sp>
+        <p:nvSpPr>
+          <p:cNvPr id="134" name="사각형: 둥근 모서리 133">
+            <a:extLst>
+              <a:ext uri="{FF2B5EF4-FFF2-40B4-BE49-F238E27FC236}">
+                <a16:creationId xmlns:a16="http://schemas.microsoft.com/office/drawing/2014/main" id="{4860FC2C-C839-571B-8874-FC500A495202}"/>
+              </a:ext>
+            </a:extLst>
+          </p:cNvPr>
+          <p:cNvSpPr/>
+          <p:nvPr/>
+        </p:nvSpPr>
+        <p:spPr>
+          <a:xfrm>
+            <a:off x="1358079" y="4142652"/>
+            <a:ext cx="1336814" cy="375385"/>
+          </a:xfrm>
+          <a:prstGeom prst="roundRect">
+            <a:avLst/>
+          </a:prstGeom>
+          <a:noFill/>
+          <a:ln>
+            <a:noFill/>
+          </a:ln>
+        </p:spPr>
+        <p:style>
+          <a:lnRef idx="0">
+            <a:scrgbClr r="0" g="0" b="0"/>
+          </a:lnRef>
+          <a:fillRef idx="0">
+            <a:scrgbClr r="0" g="0" b="0"/>
+          </a:fillRef>
+          <a:effectRef idx="0">
+            <a:scrgbClr r="0" g="0" b="0"/>
+          </a:effectRef>
+          <a:fontRef idx="minor">
+            <a:schemeClr val="dk1"/>
+          </a:fontRef>
+        </p:style>
+        <p:txBody>
+          <a:bodyPr rtlCol="0" anchor="ctr"/>
+          <a:lstStyle/>
+          <a:p>
+            <a:pPr algn="ctr"/>
+            <a:r>
+              <a:rPr lang="ko-KR" altLang="en-US" sz="1200"/>
+              <a:t>선택 라우팅</a:t>
+            </a:r>
+          </a:p>
+        </p:txBody>
+      </p:sp>
+      <p:cxnSp>
+        <p:nvCxnSpPr>
+          <p:cNvPr id="137" name="직선 연결선 136">
+            <a:extLst>
+              <a:ext uri="{FF2B5EF4-FFF2-40B4-BE49-F238E27FC236}">
+                <a16:creationId xmlns:a16="http://schemas.microsoft.com/office/drawing/2014/main" id="{3CE07BC4-380E-A10A-40BE-375FC40B442C}"/>
+              </a:ext>
+            </a:extLst>
+          </p:cNvPr>
+          <p:cNvCxnSpPr>
+            <a:cxnSpLocks/>
+          </p:cNvCxnSpPr>
+          <p:nvPr/>
+        </p:nvCxnSpPr>
+        <p:spPr>
+          <a:xfrm>
+            <a:off x="3889967" y="4433427"/>
+            <a:ext cx="0" cy="791716"/>
+          </a:xfrm>
+          <a:prstGeom prst="line">
+            <a:avLst/>
+          </a:prstGeom>
+        </p:spPr>
+        <p:style>
+          <a:lnRef idx="1">
+            <a:schemeClr val="dk1"/>
+          </a:lnRef>
+          <a:fillRef idx="0">
+            <a:schemeClr val="dk1"/>
+          </a:fillRef>
+          <a:effectRef idx="0">
+            <a:schemeClr val="dk1"/>
+          </a:effectRef>
+          <a:fontRef idx="minor">
+            <a:schemeClr val="tx1"/>
+          </a:fontRef>
+        </p:style>
+      </p:cxnSp>
+      <p:cxnSp>
+        <p:nvCxnSpPr>
+          <p:cNvPr id="138" name="직선 연결선 137">
+            <a:extLst>
+              <a:ext uri="{FF2B5EF4-FFF2-40B4-BE49-F238E27FC236}">
+                <a16:creationId xmlns:a16="http://schemas.microsoft.com/office/drawing/2014/main" id="{0E57052D-9488-F1DE-075D-6C088FB085AC}"/>
+              </a:ext>
+            </a:extLst>
+          </p:cNvPr>
+          <p:cNvCxnSpPr>
+            <a:cxnSpLocks/>
+            <a:stCxn id="135" idx="0"/>
+            <a:endCxn id="135" idx="2"/>
+          </p:cNvCxnSpPr>
+          <p:nvPr/>
+        </p:nvCxnSpPr>
+        <p:spPr>
+          <a:xfrm>
+            <a:off x="6088959" y="4417437"/>
+            <a:ext cx="0" cy="791716"/>
+          </a:xfrm>
+          <a:prstGeom prst="line">
+            <a:avLst/>
+          </a:prstGeom>
+        </p:spPr>
+        <p:style>
+          <a:lnRef idx="1">
+            <a:schemeClr val="dk1"/>
+          </a:lnRef>
+          <a:fillRef idx="0">
+            <a:schemeClr val="dk1"/>
+          </a:fillRef>
+          <a:effectRef idx="0">
+            <a:schemeClr val="dk1"/>
+          </a:effectRef>
+          <a:fontRef idx="minor">
+            <a:schemeClr val="tx1"/>
+          </a:fontRef>
+        </p:style>
+      </p:cxnSp>
+      <p:sp>
+        <p:nvSpPr>
+          <p:cNvPr id="140" name="TextBox 139">
+            <a:extLst>
+              <a:ext uri="{FF2B5EF4-FFF2-40B4-BE49-F238E27FC236}">
+                <a16:creationId xmlns:a16="http://schemas.microsoft.com/office/drawing/2014/main" id="{8F13D621-7424-FF87-0B4A-D9410CCFF4E7}"/>
+              </a:ext>
+            </a:extLst>
+          </p:cNvPr>
+          <p:cNvSpPr txBox="1"/>
+          <p:nvPr/>
+        </p:nvSpPr>
+        <p:spPr>
+          <a:xfrm>
+            <a:off x="2522690" y="4459953"/>
+            <a:ext cx="1435156" cy="369332"/>
+          </a:xfrm>
+          <a:prstGeom prst="rect">
+            <a:avLst/>
+          </a:prstGeom>
+          <a:noFill/>
+        </p:spPr>
+        <p:txBody>
+          <a:bodyPr wrap="square" rtlCol="0">
+            <a:spAutoFit/>
+          </a:bodyPr>
+          <a:lstStyle/>
+          <a:p>
+            <a:r>
+              <a:rPr lang="ko-KR" altLang="en-US"/>
+              <a:t>공정 코드</a:t>
+            </a:r>
+          </a:p>
+        </p:txBody>
+      </p:sp>
+      <p:sp>
+        <p:nvSpPr>
+          <p:cNvPr id="141" name="TextBox 140">
+            <a:extLst>
+              <a:ext uri="{FF2B5EF4-FFF2-40B4-BE49-F238E27FC236}">
+                <a16:creationId xmlns:a16="http://schemas.microsoft.com/office/drawing/2014/main" id="{8F63D5B8-9390-C0F5-8B67-B58121A2CCDA}"/>
+              </a:ext>
+            </a:extLst>
+          </p:cNvPr>
+          <p:cNvSpPr txBox="1"/>
+          <p:nvPr/>
+        </p:nvSpPr>
+        <p:spPr>
+          <a:xfrm>
+            <a:off x="4325536" y="4433427"/>
+            <a:ext cx="1435156" cy="369332"/>
+          </a:xfrm>
+          <a:prstGeom prst="rect">
+            <a:avLst/>
+          </a:prstGeom>
+          <a:noFill/>
+        </p:spPr>
+        <p:txBody>
+          <a:bodyPr wrap="square" rtlCol="0">
+            <a:spAutoFit/>
+          </a:bodyPr>
+          <a:lstStyle/>
+          <a:p>
+            <a:r>
+              <a:rPr lang="ko-KR" altLang="en-US"/>
+              <a:t>공정 명</a:t>
+            </a:r>
+          </a:p>
+        </p:txBody>
+      </p:sp>
+      <p:sp>
+        <p:nvSpPr>
+          <p:cNvPr id="142" name="TextBox 141">
+            <a:extLst>
+              <a:ext uri="{FF2B5EF4-FFF2-40B4-BE49-F238E27FC236}">
+                <a16:creationId xmlns:a16="http://schemas.microsoft.com/office/drawing/2014/main" id="{8A8E6420-ABD4-8408-B533-51D249825F89}"/>
+              </a:ext>
+            </a:extLst>
+          </p:cNvPr>
+          <p:cNvSpPr txBox="1"/>
+          <p:nvPr/>
+        </p:nvSpPr>
+        <p:spPr>
+          <a:xfrm>
+            <a:off x="6515958" y="4499011"/>
+            <a:ext cx="1435156" cy="369332"/>
+          </a:xfrm>
+          <a:prstGeom prst="rect">
+            <a:avLst/>
+          </a:prstGeom>
+          <a:noFill/>
+        </p:spPr>
+        <p:txBody>
+          <a:bodyPr wrap="square" rtlCol="0">
+            <a:spAutoFit/>
+          </a:bodyPr>
+          <a:lstStyle/>
+          <a:p>
+            <a:r>
+              <a:rPr lang="ko-KR" altLang="en-US"/>
+              <a:t>공정 시간</a:t>
+            </a:r>
+          </a:p>
+        </p:txBody>
+      </p:sp>
+      <p:sp>
+        <p:nvSpPr>
+          <p:cNvPr id="143" name="TextBox 142">
+            <a:extLst>
+              <a:ext uri="{FF2B5EF4-FFF2-40B4-BE49-F238E27FC236}">
+                <a16:creationId xmlns:a16="http://schemas.microsoft.com/office/drawing/2014/main" id="{B2A029E7-B8F6-5A10-7F1E-4B51C9979360}"/>
+              </a:ext>
+            </a:extLst>
+          </p:cNvPr>
+          <p:cNvSpPr txBox="1"/>
+          <p:nvPr/>
+        </p:nvSpPr>
+        <p:spPr>
+          <a:xfrm>
+            <a:off x="9111345" y="4446631"/>
+            <a:ext cx="1435156" cy="369332"/>
+          </a:xfrm>
+          <a:prstGeom prst="rect">
+            <a:avLst/>
+          </a:prstGeom>
+          <a:noFill/>
+        </p:spPr>
+        <p:txBody>
+          <a:bodyPr wrap="square" rtlCol="0">
+            <a:spAutoFit/>
+          </a:bodyPr>
+          <a:lstStyle/>
+          <a:p>
+            <a:r>
+              <a:rPr lang="ko-KR" altLang="en-US"/>
+              <a:t>비고</a:t>
+            </a:r>
+          </a:p>
+        </p:txBody>
+      </p:sp>
+      <p:cxnSp>
+        <p:nvCxnSpPr>
+          <p:cNvPr id="144" name="직선 연결선 143">
+            <a:extLst>
+              <a:ext uri="{FF2B5EF4-FFF2-40B4-BE49-F238E27FC236}">
+                <a16:creationId xmlns:a16="http://schemas.microsoft.com/office/drawing/2014/main" id="{E6AD2D4D-3478-AC75-61E7-BC0E97927861}"/>
+              </a:ext>
+            </a:extLst>
+          </p:cNvPr>
+          <p:cNvCxnSpPr>
+            <a:cxnSpLocks/>
+            <a:stCxn id="135" idx="1"/>
+            <a:endCxn id="135" idx="3"/>
+          </p:cNvCxnSpPr>
+          <p:nvPr/>
+        </p:nvCxnSpPr>
+        <p:spPr>
+          <a:xfrm>
+            <a:off x="1521742" y="4813295"/>
+            <a:ext cx="9134434" cy="0"/>
+          </a:xfrm>
+          <a:prstGeom prst="line">
+            <a:avLst/>
+          </a:prstGeom>
+        </p:spPr>
+        <p:style>
+          <a:lnRef idx="1">
+            <a:schemeClr val="dk1"/>
+          </a:lnRef>
+          <a:fillRef idx="0">
+            <a:schemeClr val="dk1"/>
+          </a:fillRef>
+          <a:effectRef idx="0">
+            <a:schemeClr val="dk1"/>
+          </a:effectRef>
+          <a:fontRef idx="minor">
+            <a:schemeClr val="tx1"/>
+          </a:fontRef>
+        </p:style>
+      </p:cxnSp>
+      <p:cxnSp>
+        <p:nvCxnSpPr>
+          <p:cNvPr id="146" name="직선 연결선 145">
+            <a:extLst>
+              <a:ext uri="{FF2B5EF4-FFF2-40B4-BE49-F238E27FC236}">
+                <a16:creationId xmlns:a16="http://schemas.microsoft.com/office/drawing/2014/main" id="{0A932B1C-9D94-70A0-5859-9141CB0D1EE5}"/>
+              </a:ext>
+            </a:extLst>
+          </p:cNvPr>
+          <p:cNvCxnSpPr>
+            <a:cxnSpLocks/>
+          </p:cNvCxnSpPr>
+          <p:nvPr/>
+        </p:nvCxnSpPr>
+        <p:spPr>
+          <a:xfrm>
+            <a:off x="2391309" y="4433427"/>
+            <a:ext cx="0" cy="791716"/>
+          </a:xfrm>
+          <a:prstGeom prst="line">
+            <a:avLst/>
+          </a:prstGeom>
+        </p:spPr>
+        <p:style>
+          <a:lnRef idx="1">
+            <a:schemeClr val="dk1"/>
+          </a:lnRef>
+          <a:fillRef idx="0">
+            <a:schemeClr val="dk1"/>
+          </a:fillRef>
+          <a:effectRef idx="0">
+            <a:schemeClr val="dk1"/>
+          </a:effectRef>
+          <a:fontRef idx="minor">
+            <a:schemeClr val="tx1"/>
+          </a:fontRef>
+        </p:style>
+      </p:cxnSp>
+      <p:sp>
+        <p:nvSpPr>
+          <p:cNvPr id="147" name="TextBox 146">
+            <a:extLst>
+              <a:ext uri="{FF2B5EF4-FFF2-40B4-BE49-F238E27FC236}">
+                <a16:creationId xmlns:a16="http://schemas.microsoft.com/office/drawing/2014/main" id="{A176961D-2AA5-4007-0C3E-072A074305E4}"/>
+              </a:ext>
+            </a:extLst>
+          </p:cNvPr>
+          <p:cNvSpPr txBox="1"/>
+          <p:nvPr/>
+        </p:nvSpPr>
+        <p:spPr>
+          <a:xfrm>
+            <a:off x="2694893" y="4830701"/>
+            <a:ext cx="1060247" cy="369332"/>
+          </a:xfrm>
+          <a:prstGeom prst="rect">
+            <a:avLst/>
+          </a:prstGeom>
+          <a:noFill/>
+        </p:spPr>
+        <p:txBody>
+          <a:bodyPr wrap="square" rtlCol="0">
+            <a:spAutoFit/>
+          </a:bodyPr>
+          <a:lstStyle/>
+          <a:p>
+            <a:r>
+              <a:rPr lang="en-US" altLang="ko-KR"/>
+              <a:t>PC-10</a:t>
+            </a:r>
+            <a:endParaRPr lang="ko-KR" altLang="en-US"/>
+          </a:p>
+        </p:txBody>
+      </p:sp>
+      <p:sp>
+        <p:nvSpPr>
+          <p:cNvPr id="150" name="TextBox 149">
+            <a:extLst>
+              <a:ext uri="{FF2B5EF4-FFF2-40B4-BE49-F238E27FC236}">
+                <a16:creationId xmlns:a16="http://schemas.microsoft.com/office/drawing/2014/main" id="{7D77153E-0BD3-EACC-50B5-D13A668A4A89}"/>
+              </a:ext>
+            </a:extLst>
+          </p:cNvPr>
+          <p:cNvSpPr txBox="1"/>
+          <p:nvPr/>
+        </p:nvSpPr>
+        <p:spPr>
+          <a:xfrm>
+            <a:off x="4184950" y="4829285"/>
+            <a:ext cx="1696592" cy="369332"/>
+          </a:xfrm>
+          <a:prstGeom prst="rect">
+            <a:avLst/>
+          </a:prstGeom>
+          <a:noFill/>
+        </p:spPr>
+        <p:txBody>
+          <a:bodyPr wrap="square" rtlCol="0">
+            <a:spAutoFit/>
+          </a:bodyPr>
+          <a:lstStyle/>
+          <a:p>
+            <a:r>
+              <a:rPr lang="ko-KR" altLang="en-US"/>
+              <a:t>입고</a:t>
+            </a:r>
+            <a:r>
+              <a:rPr lang="en-US" altLang="ko-KR"/>
+              <a:t>/</a:t>
+            </a:r>
+            <a:r>
+              <a:rPr lang="ko-KR" altLang="en-US"/>
+              <a:t>수입검사</a:t>
+            </a:r>
+          </a:p>
+        </p:txBody>
+      </p:sp>
+      <p:sp>
+        <p:nvSpPr>
+          <p:cNvPr id="153" name="TextBox 152">
+            <a:extLst>
+              <a:ext uri="{FF2B5EF4-FFF2-40B4-BE49-F238E27FC236}">
+                <a16:creationId xmlns:a16="http://schemas.microsoft.com/office/drawing/2014/main" id="{BDC33C00-7860-8D4F-24D0-0BDC98384E14}"/>
+              </a:ext>
+            </a:extLst>
+          </p:cNvPr>
+          <p:cNvSpPr txBox="1"/>
+          <p:nvPr/>
+        </p:nvSpPr>
+        <p:spPr>
+          <a:xfrm>
+            <a:off x="6771751" y="4847816"/>
+            <a:ext cx="1060247" cy="369332"/>
+          </a:xfrm>
+          <a:prstGeom prst="rect">
+            <a:avLst/>
+          </a:prstGeom>
+          <a:noFill/>
+        </p:spPr>
+        <p:txBody>
+          <a:bodyPr wrap="square" rtlCol="0">
+            <a:spAutoFit/>
+          </a:bodyPr>
+          <a:lstStyle/>
+          <a:p>
+            <a:r>
+              <a:rPr lang="en-US" altLang="ko-KR"/>
+              <a:t>0.5h</a:t>
+            </a:r>
+            <a:endParaRPr lang="ko-KR" altLang="en-US"/>
+          </a:p>
+        </p:txBody>
+      </p:sp>
+      <p:sp>
+        <p:nvSpPr>
+          <p:cNvPr id="155" name="TextBox 154">
+            <a:extLst>
+              <a:ext uri="{FF2B5EF4-FFF2-40B4-BE49-F238E27FC236}">
+                <a16:creationId xmlns:a16="http://schemas.microsoft.com/office/drawing/2014/main" id="{00F27B31-4006-91E6-0613-48942D0A09DF}"/>
+              </a:ext>
+            </a:extLst>
+          </p:cNvPr>
+          <p:cNvSpPr txBox="1"/>
+          <p:nvPr/>
+        </p:nvSpPr>
+        <p:spPr>
+          <a:xfrm>
+            <a:off x="8442768" y="4837607"/>
+            <a:ext cx="2285704" cy="646331"/>
+          </a:xfrm>
+          <a:prstGeom prst="rect">
+            <a:avLst/>
+          </a:prstGeom>
+          <a:noFill/>
+        </p:spPr>
+        <p:txBody>
+          <a:bodyPr wrap="square" rtlCol="0">
+            <a:spAutoFit/>
+          </a:bodyPr>
+          <a:lstStyle/>
+          <a:p>
+            <a:r>
+              <a:rPr lang="ko-KR" altLang="en-US"/>
+              <a:t>외관 검사</a:t>
+            </a:r>
+            <a:r>
+              <a:rPr lang="en-US" altLang="ko-KR"/>
+              <a:t>, LOT </a:t>
+            </a:r>
+            <a:r>
+              <a:rPr lang="ko-KR" altLang="en-US"/>
+              <a:t>부여</a:t>
+            </a:r>
+          </a:p>
+          <a:p>
+            <a:endParaRPr lang="ko-KR" altLang="en-US"/>
+          </a:p>
+        </p:txBody>
+      </p:sp>
+      <p:sp>
+        <p:nvSpPr>
+          <p:cNvPr id="158" name="TextBox 157">
+            <a:extLst>
+              <a:ext uri="{FF2B5EF4-FFF2-40B4-BE49-F238E27FC236}">
+                <a16:creationId xmlns:a16="http://schemas.microsoft.com/office/drawing/2014/main" id="{3BCC0A02-3451-23DD-2411-4468B42024E9}"/>
+              </a:ext>
+            </a:extLst>
+          </p:cNvPr>
+          <p:cNvSpPr txBox="1"/>
+          <p:nvPr/>
+        </p:nvSpPr>
+        <p:spPr>
+          <a:xfrm>
+            <a:off x="1683424" y="4472949"/>
+            <a:ext cx="646821" cy="369332"/>
+          </a:xfrm>
+          <a:prstGeom prst="rect">
+            <a:avLst/>
+          </a:prstGeom>
+          <a:noFill/>
+        </p:spPr>
+        <p:txBody>
+          <a:bodyPr wrap="square">
+            <a:spAutoFit/>
+          </a:bodyPr>
+          <a:lstStyle/>
+          <a:p>
+            <a:r>
+              <a:rPr lang="ko-KR" altLang="en-US"/>
+              <a:t>순서</a:t>
+            </a:r>
+          </a:p>
+        </p:txBody>
+      </p:sp>
+      <p:sp>
+        <p:nvSpPr>
+          <p:cNvPr id="159" name="TextBox 158">
+            <a:extLst>
+              <a:ext uri="{FF2B5EF4-FFF2-40B4-BE49-F238E27FC236}">
+                <a16:creationId xmlns:a16="http://schemas.microsoft.com/office/drawing/2014/main" id="{81DDDC10-6E86-F6F3-2A90-60C43214B3C5}"/>
+              </a:ext>
+            </a:extLst>
+          </p:cNvPr>
+          <p:cNvSpPr txBox="1"/>
+          <p:nvPr/>
+        </p:nvSpPr>
+        <p:spPr>
+          <a:xfrm>
+            <a:off x="1866765" y="4822545"/>
+            <a:ext cx="319442" cy="369332"/>
+          </a:xfrm>
+          <a:prstGeom prst="rect">
+            <a:avLst/>
+          </a:prstGeom>
+          <a:noFill/>
+        </p:spPr>
+        <p:txBody>
+          <a:bodyPr wrap="square">
+            <a:spAutoFit/>
+          </a:bodyPr>
+          <a:lstStyle/>
+          <a:p>
+            <a:r>
+              <a:rPr lang="en-US" altLang="ko-KR"/>
+              <a:t>1</a:t>
+            </a:r>
+            <a:endParaRPr lang="ko-KR" altLang="en-US"/>
+          </a:p>
+        </p:txBody>
+      </p:sp>
+      <p:sp>
+        <p:nvSpPr>
+          <p:cNvPr id="185" name="순서도: 연결자 184">
+            <a:extLst>
+              <a:ext uri="{FF2B5EF4-FFF2-40B4-BE49-F238E27FC236}">
+                <a16:creationId xmlns:a16="http://schemas.microsoft.com/office/drawing/2014/main" id="{C8CAC5C4-BD19-E37F-CE00-A3631636B8D6}"/>
+              </a:ext>
+            </a:extLst>
+          </p:cNvPr>
+          <p:cNvSpPr/>
+          <p:nvPr/>
+        </p:nvSpPr>
+        <p:spPr>
+          <a:xfrm>
+            <a:off x="8914854" y="6297097"/>
+            <a:ext cx="231278" cy="228685"/>
+          </a:xfrm>
+          <a:prstGeom prst="flowChartConnector">
+            <a:avLst/>
+          </a:prstGeom>
+          <a:solidFill>
+            <a:srgbClr val="FFFF00"/>
+          </a:solidFill>
+          <a:ln>
+            <a:solidFill>
+              <a:schemeClr val="tx1"/>
+            </a:solidFill>
+          </a:ln>
+        </p:spPr>
+        <p:style>
+          <a:lnRef idx="1">
+            <a:schemeClr val="accent4"/>
+          </a:lnRef>
+          <a:fillRef idx="2">
+            <a:schemeClr val="accent4"/>
+          </a:fillRef>
+          <a:effectRef idx="1">
+            <a:schemeClr val="accent4"/>
+          </a:effectRef>
+          <a:fontRef idx="minor">
+            <a:schemeClr val="dk1"/>
+          </a:fontRef>
+        </p:style>
+        <p:txBody>
+          <a:bodyPr rtlCol="0" anchor="ctr"/>
+          <a:lstStyle/>
+          <a:p>
+            <a:pPr algn="ctr"/>
+            <a:endParaRPr lang="ko-KR" altLang="en-US" sz="1300"/>
+          </a:p>
+        </p:txBody>
+      </p:sp>
+      <p:sp>
+        <p:nvSpPr>
+          <p:cNvPr id="186" name="TextBox 185">
+            <a:extLst>
+              <a:ext uri="{FF2B5EF4-FFF2-40B4-BE49-F238E27FC236}">
+                <a16:creationId xmlns:a16="http://schemas.microsoft.com/office/drawing/2014/main" id="{69E3FCD7-3A08-CC17-9DF6-C7CB0F138732}"/>
+              </a:ext>
+            </a:extLst>
+          </p:cNvPr>
+          <p:cNvSpPr txBox="1"/>
+          <p:nvPr/>
+        </p:nvSpPr>
+        <p:spPr>
+          <a:xfrm>
+            <a:off x="8871559" y="6283890"/>
+            <a:ext cx="663497" cy="215444"/>
+          </a:xfrm>
+          <a:prstGeom prst="rect">
+            <a:avLst/>
+          </a:prstGeom>
+          <a:noFill/>
+        </p:spPr>
+        <p:txBody>
+          <a:bodyPr wrap="square" rtlCol="0">
+            <a:spAutoFit/>
+          </a:bodyPr>
+          <a:lstStyle/>
+          <a:p>
+            <a:r>
+              <a:rPr lang="en-US" altLang="ko-KR" sz="800"/>
+              <a:t>11</a:t>
+            </a:r>
+            <a:endParaRPr lang="ko-KR" altLang="en-US" sz="800"/>
+          </a:p>
+        </p:txBody>
+      </p:sp>
+      <p:cxnSp>
+        <p:nvCxnSpPr>
+          <p:cNvPr id="191" name="직선 연결선 190">
+            <a:extLst>
+              <a:ext uri="{FF2B5EF4-FFF2-40B4-BE49-F238E27FC236}">
+                <a16:creationId xmlns:a16="http://schemas.microsoft.com/office/drawing/2014/main" id="{15D4FAF3-B06F-1120-DF2C-D3B966A97676}"/>
+              </a:ext>
+            </a:extLst>
+          </p:cNvPr>
+          <p:cNvCxnSpPr>
+            <a:cxnSpLocks/>
+          </p:cNvCxnSpPr>
+          <p:nvPr/>
+        </p:nvCxnSpPr>
+        <p:spPr>
+          <a:xfrm>
+            <a:off x="8450730" y="4417437"/>
+            <a:ext cx="0" cy="791716"/>
+          </a:xfrm>
+          <a:prstGeom prst="line">
+            <a:avLst/>
+          </a:prstGeom>
+        </p:spPr>
+        <p:style>
+          <a:lnRef idx="1">
+            <a:schemeClr val="dk1"/>
+          </a:lnRef>
+          <a:fillRef idx="0">
+            <a:schemeClr val="dk1"/>
+          </a:fillRef>
+          <a:effectRef idx="0">
+            <a:schemeClr val="dk1"/>
+          </a:effectRef>
+          <a:fontRef idx="minor">
+            <a:schemeClr val="tx1"/>
+          </a:fontRef>
+        </p:style>
+      </p:cxnSp>
     </p:spTree>
     <p:extLst>
       <p:ext uri="{BB962C8B-B14F-4D97-AF65-F5344CB8AC3E}">

--- a/화면 설계서/1. 수주대상 품목 등록 페이지.pptx
+++ b/화면 설계서/1. 수주대상 품목 등록 페이지.pptx
@@ -6,7 +6,8 @@
   </p:sldMasterIdLst>
   <p:sldIdLst>
     <p:sldId id="256" r:id="rId2"/>
-    <p:sldId id="257" r:id="rId3"/>
+    <p:sldId id="258" r:id="rId3"/>
+    <p:sldId id="257" r:id="rId4"/>
   </p:sldIdLst>
   <p:sldSz cx="12192000" cy="6858000"/>
   <p:notesSz cx="6858000" cy="9144000"/>
@@ -3438,7 +3439,7 @@
         <p:spPr>
           <a:xfrm>
             <a:off x="4057195" y="828086"/>
-            <a:ext cx="1256895" cy="375385"/>
+            <a:ext cx="1312544" cy="375385"/>
           </a:xfrm>
           <a:prstGeom prst="roundRect">
             <a:avLst/>
@@ -3703,7 +3704,7 @@
         <p:spPr>
           <a:xfrm>
             <a:off x="4039662" y="1367505"/>
-            <a:ext cx="1256895" cy="375385"/>
+            <a:ext cx="1330077" cy="375385"/>
           </a:xfrm>
           <a:prstGeom prst="roundRect">
             <a:avLst/>
@@ -7366,7 +7367,7 @@
           <a:p>
             <a:r>
               <a:rPr lang="en-US" altLang="ko-KR" sz="800"/>
-              <a:t>11</a:t>
+              <a:t>12</a:t>
             </a:r>
             <a:endParaRPr lang="ko-KR" altLang="en-US" sz="800"/>
           </a:p>
@@ -7410,6 +7411,52 @@
           </a:fontRef>
         </p:style>
       </p:cxnSp>
+      <p:sp>
+        <p:nvSpPr>
+          <p:cNvPr id="18" name="순서도: 병합 17">
+            <a:extLst>
+              <a:ext uri="{FF2B5EF4-FFF2-40B4-BE49-F238E27FC236}">
+                <a16:creationId xmlns:a16="http://schemas.microsoft.com/office/drawing/2014/main" id="{FC963BF9-A470-DCC7-2536-9D936F187EF0}"/>
+              </a:ext>
+            </a:extLst>
+          </p:cNvPr>
+          <p:cNvSpPr/>
+          <p:nvPr/>
+        </p:nvSpPr>
+        <p:spPr>
+          <a:xfrm>
+            <a:off x="5202373" y="1497070"/>
+            <a:ext cx="112195" cy="103405"/>
+          </a:xfrm>
+          <a:prstGeom prst="flowChartMerge">
+            <a:avLst/>
+          </a:prstGeom>
+        </p:spPr>
+        <p:style>
+          <a:lnRef idx="2">
+            <a:schemeClr val="accent1">
+              <a:shade val="15000"/>
+            </a:schemeClr>
+          </a:lnRef>
+          <a:fillRef idx="1">
+            <a:schemeClr val="accent1"/>
+          </a:fillRef>
+          <a:effectRef idx="0">
+            <a:schemeClr val="accent1"/>
+          </a:effectRef>
+          <a:fontRef idx="minor">
+            <a:schemeClr val="lt1"/>
+          </a:fontRef>
+        </p:style>
+        <p:txBody>
+          <a:bodyPr rtlCol="0" anchor="ctr"/>
+          <a:lstStyle/>
+          <a:p>
+            <a:pPr algn="ctr"/>
+            <a:endParaRPr lang="ko-KR" altLang="en-US"/>
+          </a:p>
+        </p:txBody>
+      </p:sp>
     </p:spTree>
     <p:extLst>
       <p:ext uri="{BB962C8B-B14F-4D97-AF65-F5344CB8AC3E}">
@@ -7424,6 +7471,4125 @@
 </file>
 
 <file path=ppt/slides/slide2.xml><?xml version="1.0" encoding="utf-8"?>
+<p:sld xmlns:a="http://schemas.openxmlformats.org/drawingml/2006/main" xmlns:r="http://schemas.openxmlformats.org/officeDocument/2006/relationships" xmlns:p="http://schemas.openxmlformats.org/presentationml/2006/main">
+  <p:cSld>
+    <p:spTree>
+      <p:nvGrpSpPr>
+        <p:cNvPr id="1" name="">
+          <a:extLst>
+            <a:ext uri="{FF2B5EF4-FFF2-40B4-BE49-F238E27FC236}">
+              <a16:creationId xmlns:a16="http://schemas.microsoft.com/office/drawing/2014/main" id="{B063B89D-F39D-9416-0058-7D674C9EC94D}"/>
+            </a:ext>
+          </a:extLst>
+        </p:cNvPr>
+        <p:cNvGrpSpPr/>
+        <p:nvPr/>
+      </p:nvGrpSpPr>
+      <p:grpSpPr>
+        <a:xfrm>
+          <a:off x="0" y="0"/>
+          <a:ext cx="0" cy="0"/>
+          <a:chOff x="0" y="0"/>
+          <a:chExt cx="0" cy="0"/>
+        </a:xfrm>
+      </p:grpSpPr>
+      <p:sp>
+        <p:nvSpPr>
+          <p:cNvPr id="135" name="사각형: 둥근 모서리 134">
+            <a:extLst>
+              <a:ext uri="{FF2B5EF4-FFF2-40B4-BE49-F238E27FC236}">
+                <a16:creationId xmlns:a16="http://schemas.microsoft.com/office/drawing/2014/main" id="{E6E86CCB-11AD-F79C-CD21-49A66239C2C3}"/>
+              </a:ext>
+            </a:extLst>
+          </p:cNvPr>
+          <p:cNvSpPr/>
+          <p:nvPr/>
+        </p:nvSpPr>
+        <p:spPr>
+          <a:xfrm>
+            <a:off x="1521742" y="4417437"/>
+            <a:ext cx="9134434" cy="791716"/>
+          </a:xfrm>
+          <a:prstGeom prst="roundRect">
+            <a:avLst/>
+          </a:prstGeom>
+        </p:spPr>
+        <p:style>
+          <a:lnRef idx="2">
+            <a:schemeClr val="dk1"/>
+          </a:lnRef>
+          <a:fillRef idx="1">
+            <a:schemeClr val="lt1"/>
+          </a:fillRef>
+          <a:effectRef idx="0">
+            <a:schemeClr val="dk1"/>
+          </a:effectRef>
+          <a:fontRef idx="minor">
+            <a:schemeClr val="dk1"/>
+          </a:fontRef>
+        </p:style>
+        <p:txBody>
+          <a:bodyPr rtlCol="0" anchor="ctr"/>
+          <a:lstStyle/>
+          <a:p>
+            <a:endParaRPr lang="ko-KR" altLang="en-US"/>
+          </a:p>
+        </p:txBody>
+      </p:sp>
+      <p:sp>
+        <p:nvSpPr>
+          <p:cNvPr id="6" name="사각형: 둥근 모서리 5">
+            <a:extLst>
+              <a:ext uri="{FF2B5EF4-FFF2-40B4-BE49-F238E27FC236}">
+                <a16:creationId xmlns:a16="http://schemas.microsoft.com/office/drawing/2014/main" id="{7B11AD47-5B94-2F7A-1268-007E15CC79E5}"/>
+              </a:ext>
+            </a:extLst>
+          </p:cNvPr>
+          <p:cNvSpPr/>
+          <p:nvPr/>
+        </p:nvSpPr>
+        <p:spPr>
+          <a:xfrm>
+            <a:off x="1530597" y="819113"/>
+            <a:ext cx="1404495" cy="375385"/>
+          </a:xfrm>
+          <a:prstGeom prst="roundRect">
+            <a:avLst/>
+          </a:prstGeom>
+        </p:spPr>
+        <p:style>
+          <a:lnRef idx="2">
+            <a:schemeClr val="dk1"/>
+          </a:lnRef>
+          <a:fillRef idx="1">
+            <a:schemeClr val="lt1"/>
+          </a:fillRef>
+          <a:effectRef idx="0">
+            <a:schemeClr val="dk1"/>
+          </a:effectRef>
+          <a:fontRef idx="minor">
+            <a:schemeClr val="dk1"/>
+          </a:fontRef>
+        </p:style>
+        <p:txBody>
+          <a:bodyPr rtlCol="0" anchor="ctr"/>
+          <a:lstStyle/>
+          <a:p>
+            <a:pPr algn="ctr"/>
+            <a:r>
+              <a:rPr lang="ko-KR" altLang="en-US">
+                <a:solidFill>
+                  <a:schemeClr val="bg2">
+                    <a:lumMod val="75000"/>
+                  </a:schemeClr>
+                </a:solidFill>
+              </a:rPr>
+              <a:t>거래처명</a:t>
+            </a:r>
+          </a:p>
+        </p:txBody>
+      </p:sp>
+      <p:sp>
+        <p:nvSpPr>
+          <p:cNvPr id="7" name="사각형: 둥근 모서리 6">
+            <a:extLst>
+              <a:ext uri="{FF2B5EF4-FFF2-40B4-BE49-F238E27FC236}">
+                <a16:creationId xmlns:a16="http://schemas.microsoft.com/office/drawing/2014/main" id="{F87506F4-5997-39C4-935E-E001DB40427C}"/>
+              </a:ext>
+            </a:extLst>
+          </p:cNvPr>
+          <p:cNvSpPr/>
+          <p:nvPr/>
+        </p:nvSpPr>
+        <p:spPr>
+          <a:xfrm>
+            <a:off x="4057195" y="828086"/>
+            <a:ext cx="1256895" cy="375385"/>
+          </a:xfrm>
+          <a:prstGeom prst="roundRect">
+            <a:avLst/>
+          </a:prstGeom>
+        </p:spPr>
+        <p:style>
+          <a:lnRef idx="2">
+            <a:schemeClr val="dk1"/>
+          </a:lnRef>
+          <a:fillRef idx="1">
+            <a:schemeClr val="lt1"/>
+          </a:fillRef>
+          <a:effectRef idx="0">
+            <a:schemeClr val="dk1"/>
+          </a:effectRef>
+          <a:fontRef idx="minor">
+            <a:schemeClr val="dk1"/>
+          </a:fontRef>
+        </p:style>
+        <p:txBody>
+          <a:bodyPr rtlCol="0" anchor="ctr"/>
+          <a:lstStyle/>
+          <a:p>
+            <a:pPr algn="ctr"/>
+            <a:r>
+              <a:rPr lang="ko-KR" altLang="en-US">
+                <a:solidFill>
+                  <a:schemeClr val="bg2">
+                    <a:lumMod val="75000"/>
+                  </a:schemeClr>
+                </a:solidFill>
+              </a:rPr>
+              <a:t>품목명</a:t>
+            </a:r>
+          </a:p>
+        </p:txBody>
+      </p:sp>
+      <p:sp>
+        <p:nvSpPr>
+          <p:cNvPr id="8" name="사각형: 둥근 모서리 7">
+            <a:extLst>
+              <a:ext uri="{FF2B5EF4-FFF2-40B4-BE49-F238E27FC236}">
+                <a16:creationId xmlns:a16="http://schemas.microsoft.com/office/drawing/2014/main" id="{042B00CB-55D3-816D-42FE-2EE125786ADA}"/>
+              </a:ext>
+            </a:extLst>
+          </p:cNvPr>
+          <p:cNvSpPr/>
+          <p:nvPr/>
+        </p:nvSpPr>
+        <p:spPr>
+          <a:xfrm>
+            <a:off x="6654234" y="796522"/>
+            <a:ext cx="1164611" cy="375385"/>
+          </a:xfrm>
+          <a:prstGeom prst="roundRect">
+            <a:avLst/>
+          </a:prstGeom>
+        </p:spPr>
+        <p:style>
+          <a:lnRef idx="2">
+            <a:schemeClr val="dk1"/>
+          </a:lnRef>
+          <a:fillRef idx="1">
+            <a:schemeClr val="lt1"/>
+          </a:fillRef>
+          <a:effectRef idx="0">
+            <a:schemeClr val="dk1"/>
+          </a:effectRef>
+          <a:fontRef idx="minor">
+            <a:schemeClr val="dk1"/>
+          </a:fontRef>
+        </p:style>
+        <p:txBody>
+          <a:bodyPr rtlCol="0" anchor="ctr"/>
+          <a:lstStyle/>
+          <a:p>
+            <a:pPr algn="ctr"/>
+            <a:r>
+              <a:rPr lang="ko-KR" altLang="en-US">
+                <a:solidFill>
+                  <a:schemeClr val="bg2">
+                    <a:lumMod val="75000"/>
+                  </a:schemeClr>
+                </a:solidFill>
+              </a:rPr>
+              <a:t>품목번호</a:t>
+            </a:r>
+          </a:p>
+        </p:txBody>
+      </p:sp>
+      <p:sp>
+        <p:nvSpPr>
+          <p:cNvPr id="9" name="사각형: 둥근 모서리 8">
+            <a:extLst>
+              <a:ext uri="{FF2B5EF4-FFF2-40B4-BE49-F238E27FC236}">
+                <a16:creationId xmlns:a16="http://schemas.microsoft.com/office/drawing/2014/main" id="{6BC62DBE-4AC2-D67A-7CF1-1BB0212F0FB6}"/>
+              </a:ext>
+            </a:extLst>
+          </p:cNvPr>
+          <p:cNvSpPr/>
+          <p:nvPr/>
+        </p:nvSpPr>
+        <p:spPr>
+          <a:xfrm>
+            <a:off x="1547353" y="1380174"/>
+            <a:ext cx="1393285" cy="375385"/>
+          </a:xfrm>
+          <a:prstGeom prst="roundRect">
+            <a:avLst/>
+          </a:prstGeom>
+        </p:spPr>
+        <p:style>
+          <a:lnRef idx="2">
+            <a:schemeClr val="dk1"/>
+          </a:lnRef>
+          <a:fillRef idx="1">
+            <a:schemeClr val="lt1"/>
+          </a:fillRef>
+          <a:effectRef idx="0">
+            <a:schemeClr val="dk1"/>
+          </a:effectRef>
+          <a:fontRef idx="minor">
+            <a:schemeClr val="dk1"/>
+          </a:fontRef>
+        </p:style>
+        <p:txBody>
+          <a:bodyPr rtlCol="0" anchor="ctr"/>
+          <a:lstStyle/>
+          <a:p>
+            <a:pPr algn="ctr"/>
+            <a:r>
+              <a:rPr lang="ko-KR" altLang="en-US">
+                <a:solidFill>
+                  <a:schemeClr val="bg2">
+                    <a:lumMod val="75000"/>
+                  </a:schemeClr>
+                </a:solidFill>
+              </a:rPr>
+              <a:t>색상</a:t>
+            </a:r>
+          </a:p>
+        </p:txBody>
+      </p:sp>
+      <p:sp>
+        <p:nvSpPr>
+          <p:cNvPr id="10" name="사각형: 둥근 모서리 9">
+            <a:extLst>
+              <a:ext uri="{FF2B5EF4-FFF2-40B4-BE49-F238E27FC236}">
+                <a16:creationId xmlns:a16="http://schemas.microsoft.com/office/drawing/2014/main" id="{9B78D97D-3331-7A5B-02D9-F462B0DD54AE}"/>
+              </a:ext>
+            </a:extLst>
+          </p:cNvPr>
+          <p:cNvSpPr/>
+          <p:nvPr/>
+        </p:nvSpPr>
+        <p:spPr>
+          <a:xfrm>
+            <a:off x="9511513" y="1413283"/>
+            <a:ext cx="1164611" cy="375385"/>
+          </a:xfrm>
+          <a:prstGeom prst="roundRect">
+            <a:avLst/>
+          </a:prstGeom>
+        </p:spPr>
+        <p:style>
+          <a:lnRef idx="2">
+            <a:schemeClr val="dk1"/>
+          </a:lnRef>
+          <a:fillRef idx="1">
+            <a:schemeClr val="lt1"/>
+          </a:fillRef>
+          <a:effectRef idx="0">
+            <a:schemeClr val="dk1"/>
+          </a:effectRef>
+          <a:fontRef idx="minor">
+            <a:schemeClr val="dk1"/>
+          </a:fontRef>
+        </p:style>
+        <p:txBody>
+          <a:bodyPr rtlCol="0" anchor="ctr"/>
+          <a:lstStyle/>
+          <a:p>
+            <a:pPr algn="ctr"/>
+            <a:r>
+              <a:rPr lang="ko-KR" altLang="en-US">
+                <a:solidFill>
+                  <a:schemeClr val="bg2">
+                    <a:lumMod val="75000"/>
+                  </a:schemeClr>
+                </a:solidFill>
+              </a:rPr>
+              <a:t>분류</a:t>
+            </a:r>
+          </a:p>
+        </p:txBody>
+      </p:sp>
+      <p:sp>
+        <p:nvSpPr>
+          <p:cNvPr id="11" name="사각형: 둥근 모서리 10">
+            <a:extLst>
+              <a:ext uri="{FF2B5EF4-FFF2-40B4-BE49-F238E27FC236}">
+                <a16:creationId xmlns:a16="http://schemas.microsoft.com/office/drawing/2014/main" id="{F8FD0C32-DE74-CEA6-EF53-C95E9F94AFAE}"/>
+              </a:ext>
+            </a:extLst>
+          </p:cNvPr>
+          <p:cNvSpPr/>
+          <p:nvPr/>
+        </p:nvSpPr>
+        <p:spPr>
+          <a:xfrm>
+            <a:off x="9500099" y="799274"/>
+            <a:ext cx="1229410" cy="375385"/>
+          </a:xfrm>
+          <a:prstGeom prst="roundRect">
+            <a:avLst/>
+          </a:prstGeom>
+        </p:spPr>
+        <p:style>
+          <a:lnRef idx="2">
+            <a:schemeClr val="dk1"/>
+          </a:lnRef>
+          <a:fillRef idx="1">
+            <a:schemeClr val="lt1"/>
+          </a:fillRef>
+          <a:effectRef idx="0">
+            <a:schemeClr val="dk1"/>
+          </a:effectRef>
+          <a:fontRef idx="minor">
+            <a:schemeClr val="dk1"/>
+          </a:fontRef>
+        </p:style>
+        <p:txBody>
+          <a:bodyPr rtlCol="0" anchor="ctr"/>
+          <a:lstStyle/>
+          <a:p>
+            <a:pPr algn="ctr"/>
+            <a:r>
+              <a:rPr lang="ko-KR" altLang="en-US">
+                <a:solidFill>
+                  <a:schemeClr val="bg2">
+                    <a:lumMod val="75000"/>
+                  </a:schemeClr>
+                </a:solidFill>
+              </a:rPr>
+              <a:t>품목 단가</a:t>
+            </a:r>
+          </a:p>
+        </p:txBody>
+      </p:sp>
+      <p:sp>
+        <p:nvSpPr>
+          <p:cNvPr id="13" name="사각형: 둥근 모서리 12">
+            <a:extLst>
+              <a:ext uri="{FF2B5EF4-FFF2-40B4-BE49-F238E27FC236}">
+                <a16:creationId xmlns:a16="http://schemas.microsoft.com/office/drawing/2014/main" id="{40E43B12-69B3-0F1F-D31A-AC6D05063CAB}"/>
+              </a:ext>
+            </a:extLst>
+          </p:cNvPr>
+          <p:cNvSpPr/>
+          <p:nvPr/>
+        </p:nvSpPr>
+        <p:spPr>
+          <a:xfrm>
+            <a:off x="4039662" y="1367505"/>
+            <a:ext cx="1256895" cy="375385"/>
+          </a:xfrm>
+          <a:prstGeom prst="roundRect">
+            <a:avLst/>
+          </a:prstGeom>
+        </p:spPr>
+        <p:style>
+          <a:lnRef idx="2">
+            <a:schemeClr val="dk1"/>
+          </a:lnRef>
+          <a:fillRef idx="1">
+            <a:schemeClr val="lt1"/>
+          </a:fillRef>
+          <a:effectRef idx="0">
+            <a:schemeClr val="dk1"/>
+          </a:effectRef>
+          <a:fontRef idx="minor">
+            <a:schemeClr val="dk1"/>
+          </a:fontRef>
+        </p:style>
+        <p:txBody>
+          <a:bodyPr rtlCol="0" anchor="ctr"/>
+          <a:lstStyle/>
+          <a:p>
+            <a:pPr algn="ctr"/>
+            <a:r>
+              <a:rPr lang="ko-KR" altLang="en-US">
+                <a:solidFill>
+                  <a:schemeClr val="bg2">
+                    <a:lumMod val="75000"/>
+                  </a:schemeClr>
+                </a:solidFill>
+              </a:rPr>
+              <a:t>도장 방식</a:t>
+            </a:r>
+          </a:p>
+        </p:txBody>
+      </p:sp>
+      <p:sp>
+        <p:nvSpPr>
+          <p:cNvPr id="14" name="사각형: 둥근 모서리 13">
+            <a:extLst>
+              <a:ext uri="{FF2B5EF4-FFF2-40B4-BE49-F238E27FC236}">
+                <a16:creationId xmlns:a16="http://schemas.microsoft.com/office/drawing/2014/main" id="{700A49B1-2D35-D496-DC62-FC779201DC27}"/>
+              </a:ext>
+            </a:extLst>
+          </p:cNvPr>
+          <p:cNvSpPr/>
+          <p:nvPr/>
+        </p:nvSpPr>
+        <p:spPr>
+          <a:xfrm>
+            <a:off x="6657817" y="1355228"/>
+            <a:ext cx="1151439" cy="375385"/>
+          </a:xfrm>
+          <a:prstGeom prst="roundRect">
+            <a:avLst/>
+          </a:prstGeom>
+        </p:spPr>
+        <p:style>
+          <a:lnRef idx="2">
+            <a:schemeClr val="dk1"/>
+          </a:lnRef>
+          <a:fillRef idx="1">
+            <a:schemeClr val="lt1"/>
+          </a:fillRef>
+          <a:effectRef idx="0">
+            <a:schemeClr val="dk1"/>
+          </a:effectRef>
+          <a:fontRef idx="minor">
+            <a:schemeClr val="dk1"/>
+          </a:fontRef>
+        </p:style>
+        <p:txBody>
+          <a:bodyPr rtlCol="0" anchor="ctr"/>
+          <a:lstStyle/>
+          <a:p>
+            <a:pPr algn="ctr"/>
+            <a:r>
+              <a:rPr lang="ko-KR" altLang="en-US">
+                <a:solidFill>
+                  <a:schemeClr val="bg2">
+                    <a:lumMod val="75000"/>
+                  </a:schemeClr>
+                </a:solidFill>
+              </a:rPr>
+              <a:t>비고</a:t>
+            </a:r>
+          </a:p>
+        </p:txBody>
+      </p:sp>
+      <p:sp>
+        <p:nvSpPr>
+          <p:cNvPr id="15" name="사각형: 둥근 모서리 14">
+            <a:extLst>
+              <a:ext uri="{FF2B5EF4-FFF2-40B4-BE49-F238E27FC236}">
+                <a16:creationId xmlns:a16="http://schemas.microsoft.com/office/drawing/2014/main" id="{BCAD7F41-E5A9-C937-0DA0-119D2ECC12EE}"/>
+              </a:ext>
+            </a:extLst>
+          </p:cNvPr>
+          <p:cNvSpPr/>
+          <p:nvPr/>
+        </p:nvSpPr>
+        <p:spPr>
+          <a:xfrm>
+            <a:off x="1513303" y="5393861"/>
+            <a:ext cx="9106195" cy="813043"/>
+          </a:xfrm>
+          <a:prstGeom prst="roundRect">
+            <a:avLst/>
+          </a:prstGeom>
+        </p:spPr>
+        <p:style>
+          <a:lnRef idx="2">
+            <a:schemeClr val="dk1"/>
+          </a:lnRef>
+          <a:fillRef idx="1">
+            <a:schemeClr val="lt1"/>
+          </a:fillRef>
+          <a:effectRef idx="0">
+            <a:schemeClr val="dk1"/>
+          </a:effectRef>
+          <a:fontRef idx="minor">
+            <a:schemeClr val="dk1"/>
+          </a:fontRef>
+        </p:style>
+        <p:txBody>
+          <a:bodyPr rtlCol="0" anchor="ctr"/>
+          <a:lstStyle/>
+          <a:p>
+            <a:pPr algn="ctr"/>
+            <a:r>
+              <a:rPr lang="ko-KR" altLang="en-US">
+                <a:solidFill>
+                  <a:schemeClr val="bg2">
+                    <a:lumMod val="75000"/>
+                  </a:schemeClr>
+                </a:solidFill>
+              </a:rPr>
+              <a:t>이미지 선택</a:t>
+            </a:r>
+            <a:endParaRPr lang="en-US" altLang="ko-KR">
+              <a:solidFill>
+                <a:schemeClr val="bg2">
+                  <a:lumMod val="75000"/>
+                </a:schemeClr>
+              </a:solidFill>
+            </a:endParaRPr>
+          </a:p>
+          <a:p>
+            <a:pPr algn="ctr"/>
+            <a:r>
+              <a:rPr lang="ko-KR" altLang="en-US"/>
+              <a:t> </a:t>
+            </a:r>
+          </a:p>
+        </p:txBody>
+      </p:sp>
+      <p:sp>
+        <p:nvSpPr>
+          <p:cNvPr id="16" name="사각형: 둥근 모서리 15">
+            <a:extLst>
+              <a:ext uri="{FF2B5EF4-FFF2-40B4-BE49-F238E27FC236}">
+                <a16:creationId xmlns:a16="http://schemas.microsoft.com/office/drawing/2014/main" id="{9D31DEED-A660-A0DE-5A5B-4B1ECE7352E8}"/>
+              </a:ext>
+            </a:extLst>
+          </p:cNvPr>
+          <p:cNvSpPr/>
+          <p:nvPr/>
+        </p:nvSpPr>
+        <p:spPr>
+          <a:xfrm>
+            <a:off x="9111345" y="6375622"/>
+            <a:ext cx="1300214" cy="283089"/>
+          </a:xfrm>
+          <a:prstGeom prst="roundRect">
+            <a:avLst/>
+          </a:prstGeom>
+          <a:solidFill>
+            <a:schemeClr val="accent1"/>
+          </a:solidFill>
+          <a:ln>
+            <a:noFill/>
+          </a:ln>
+        </p:spPr>
+        <p:style>
+          <a:lnRef idx="0">
+            <a:scrgbClr r="0" g="0" b="0"/>
+          </a:lnRef>
+          <a:fillRef idx="0">
+            <a:scrgbClr r="0" g="0" b="0"/>
+          </a:fillRef>
+          <a:effectRef idx="0">
+            <a:scrgbClr r="0" g="0" b="0"/>
+          </a:effectRef>
+          <a:fontRef idx="minor">
+            <a:schemeClr val="lt1"/>
+          </a:fontRef>
+        </p:style>
+        <p:txBody>
+          <a:bodyPr rtlCol="0" anchor="ctr"/>
+          <a:lstStyle/>
+          <a:p>
+            <a:pPr algn="ctr"/>
+            <a:r>
+              <a:rPr lang="ko-KR" altLang="en-US"/>
+              <a:t>등록</a:t>
+            </a:r>
+          </a:p>
+        </p:txBody>
+      </p:sp>
+      <p:sp>
+        <p:nvSpPr>
+          <p:cNvPr id="17" name="TextBox 16">
+            <a:extLst>
+              <a:ext uri="{FF2B5EF4-FFF2-40B4-BE49-F238E27FC236}">
+                <a16:creationId xmlns:a16="http://schemas.microsoft.com/office/drawing/2014/main" id="{7BFEE4B1-8489-6160-F8F2-56EE4337C29F}"/>
+              </a:ext>
+            </a:extLst>
+          </p:cNvPr>
+          <p:cNvSpPr txBox="1"/>
+          <p:nvPr/>
+        </p:nvSpPr>
+        <p:spPr>
+          <a:xfrm>
+            <a:off x="1122337" y="64521"/>
+            <a:ext cx="6949440" cy="523220"/>
+          </a:xfrm>
+          <a:prstGeom prst="rect">
+            <a:avLst/>
+          </a:prstGeom>
+          <a:noFill/>
+        </p:spPr>
+        <p:txBody>
+          <a:bodyPr wrap="square" rtlCol="0">
+            <a:spAutoFit/>
+          </a:bodyPr>
+          <a:lstStyle/>
+          <a:p>
+            <a:r>
+              <a:rPr lang="ko-KR" altLang="en-US" sz="2800"/>
+              <a:t>수주 대상 품목 등록 페이지</a:t>
+            </a:r>
+          </a:p>
+        </p:txBody>
+      </p:sp>
+      <p:cxnSp>
+        <p:nvCxnSpPr>
+          <p:cNvPr id="19" name="직선 연결선 18">
+            <a:extLst>
+              <a:ext uri="{FF2B5EF4-FFF2-40B4-BE49-F238E27FC236}">
+                <a16:creationId xmlns:a16="http://schemas.microsoft.com/office/drawing/2014/main" id="{29DE356F-A700-E4A3-9BA2-6A6F402DC228}"/>
+              </a:ext>
+            </a:extLst>
+          </p:cNvPr>
+          <p:cNvCxnSpPr>
+            <a:cxnSpLocks/>
+          </p:cNvCxnSpPr>
+          <p:nvPr/>
+        </p:nvCxnSpPr>
+        <p:spPr>
+          <a:xfrm>
+            <a:off x="514748" y="547230"/>
+            <a:ext cx="10781503" cy="0"/>
+          </a:xfrm>
+          <a:prstGeom prst="line">
+            <a:avLst/>
+          </a:prstGeom>
+        </p:spPr>
+        <p:style>
+          <a:lnRef idx="3">
+            <a:schemeClr val="dk1"/>
+          </a:lnRef>
+          <a:fillRef idx="0">
+            <a:schemeClr val="dk1"/>
+          </a:fillRef>
+          <a:effectRef idx="2">
+            <a:schemeClr val="dk1"/>
+          </a:effectRef>
+          <a:fontRef idx="minor">
+            <a:schemeClr val="tx1"/>
+          </a:fontRef>
+        </p:style>
+      </p:cxnSp>
+      <p:sp>
+        <p:nvSpPr>
+          <p:cNvPr id="3" name="사각형: 둥근 모서리 2">
+            <a:extLst>
+              <a:ext uri="{FF2B5EF4-FFF2-40B4-BE49-F238E27FC236}">
+                <a16:creationId xmlns:a16="http://schemas.microsoft.com/office/drawing/2014/main" id="{8823CC3E-573F-ABED-229A-ACDE6236407B}"/>
+              </a:ext>
+            </a:extLst>
+          </p:cNvPr>
+          <p:cNvSpPr/>
+          <p:nvPr/>
+        </p:nvSpPr>
+        <p:spPr>
+          <a:xfrm>
+            <a:off x="1483444" y="2790885"/>
+            <a:ext cx="9134434" cy="1180778"/>
+          </a:xfrm>
+          <a:prstGeom prst="roundRect">
+            <a:avLst/>
+          </a:prstGeom>
+        </p:spPr>
+        <p:style>
+          <a:lnRef idx="2">
+            <a:schemeClr val="dk1"/>
+          </a:lnRef>
+          <a:fillRef idx="1">
+            <a:schemeClr val="lt1"/>
+          </a:fillRef>
+          <a:effectRef idx="0">
+            <a:schemeClr val="dk1"/>
+          </a:effectRef>
+          <a:fontRef idx="minor">
+            <a:schemeClr val="dk1"/>
+          </a:fontRef>
+        </p:style>
+        <p:txBody>
+          <a:bodyPr rtlCol="0" anchor="ctr"/>
+          <a:lstStyle/>
+          <a:p>
+            <a:endParaRPr lang="ko-KR" altLang="en-US"/>
+          </a:p>
+        </p:txBody>
+      </p:sp>
+      <p:pic>
+        <p:nvPicPr>
+          <p:cNvPr id="25" name="그래픽 24" descr="이미지">
+            <a:extLst>
+              <a:ext uri="{FF2B5EF4-FFF2-40B4-BE49-F238E27FC236}">
+                <a16:creationId xmlns:a16="http://schemas.microsoft.com/office/drawing/2014/main" id="{3BD33470-117D-EB54-6716-69FAE989BE2B}"/>
+              </a:ext>
+            </a:extLst>
+          </p:cNvPr>
+          <p:cNvPicPr>
+            <a:picLocks noChangeAspect="1"/>
+          </p:cNvPicPr>
+          <p:nvPr/>
+        </p:nvPicPr>
+        <p:blipFill>
+          <a:blip r:embed="rId2">
+            <a:extLst>
+              <a:ext uri="{96DAC541-7B7A-43D3-8B79-37D633B846F1}">
+                <asvg:svgBlip xmlns:asvg="http://schemas.microsoft.com/office/drawing/2016/SVG/main" r:embed="rId3"/>
+              </a:ext>
+            </a:extLst>
+          </a:blip>
+          <a:stretch>
+            <a:fillRect/>
+          </a:stretch>
+        </p:blipFill>
+        <p:spPr>
+          <a:xfrm>
+            <a:off x="5905500" y="5841239"/>
+            <a:ext cx="445394" cy="349675"/>
+          </a:xfrm>
+          <a:prstGeom prst="rect">
+            <a:avLst/>
+          </a:prstGeom>
+        </p:spPr>
+      </p:pic>
+      <p:sp>
+        <p:nvSpPr>
+          <p:cNvPr id="27" name="사각형: 둥근 모서리 26">
+            <a:extLst>
+              <a:ext uri="{FF2B5EF4-FFF2-40B4-BE49-F238E27FC236}">
+                <a16:creationId xmlns:a16="http://schemas.microsoft.com/office/drawing/2014/main" id="{620F5E94-D64A-CCB6-FC70-C8AED9C2C9FC}"/>
+              </a:ext>
+            </a:extLst>
+          </p:cNvPr>
+          <p:cNvSpPr/>
+          <p:nvPr/>
+        </p:nvSpPr>
+        <p:spPr>
+          <a:xfrm>
+            <a:off x="543895" y="795990"/>
+            <a:ext cx="1022957" cy="375385"/>
+          </a:xfrm>
+          <a:prstGeom prst="roundRect">
+            <a:avLst/>
+          </a:prstGeom>
+          <a:noFill/>
+          <a:ln>
+            <a:noFill/>
+          </a:ln>
+        </p:spPr>
+        <p:style>
+          <a:lnRef idx="0">
+            <a:scrgbClr r="0" g="0" b="0"/>
+          </a:lnRef>
+          <a:fillRef idx="0">
+            <a:scrgbClr r="0" g="0" b="0"/>
+          </a:fillRef>
+          <a:effectRef idx="0">
+            <a:scrgbClr r="0" g="0" b="0"/>
+          </a:effectRef>
+          <a:fontRef idx="minor">
+            <a:schemeClr val="dk1"/>
+          </a:fontRef>
+        </p:style>
+        <p:txBody>
+          <a:bodyPr rtlCol="0" anchor="ctr"/>
+          <a:lstStyle/>
+          <a:p>
+            <a:pPr algn="ctr"/>
+            <a:r>
+              <a:rPr lang="ko-KR" altLang="en-US" sz="1200"/>
+              <a:t>거래처명</a:t>
+            </a:r>
+          </a:p>
+        </p:txBody>
+      </p:sp>
+      <p:sp>
+        <p:nvSpPr>
+          <p:cNvPr id="30" name="사각형: 둥근 모서리 29">
+            <a:extLst>
+              <a:ext uri="{FF2B5EF4-FFF2-40B4-BE49-F238E27FC236}">
+                <a16:creationId xmlns:a16="http://schemas.microsoft.com/office/drawing/2014/main" id="{B591A024-EB82-7D12-23CA-FA3A062C6092}"/>
+              </a:ext>
+            </a:extLst>
+          </p:cNvPr>
+          <p:cNvSpPr/>
+          <p:nvPr/>
+        </p:nvSpPr>
+        <p:spPr>
+          <a:xfrm>
+            <a:off x="2959176" y="805984"/>
+            <a:ext cx="1022957" cy="375385"/>
+          </a:xfrm>
+          <a:prstGeom prst="roundRect">
+            <a:avLst/>
+          </a:prstGeom>
+          <a:noFill/>
+          <a:ln>
+            <a:noFill/>
+          </a:ln>
+        </p:spPr>
+        <p:style>
+          <a:lnRef idx="0">
+            <a:scrgbClr r="0" g="0" b="0"/>
+          </a:lnRef>
+          <a:fillRef idx="0">
+            <a:scrgbClr r="0" g="0" b="0"/>
+          </a:fillRef>
+          <a:effectRef idx="0">
+            <a:scrgbClr r="0" g="0" b="0"/>
+          </a:effectRef>
+          <a:fontRef idx="minor">
+            <a:schemeClr val="dk1"/>
+          </a:fontRef>
+        </p:style>
+        <p:txBody>
+          <a:bodyPr rtlCol="0" anchor="ctr"/>
+          <a:lstStyle/>
+          <a:p>
+            <a:pPr algn="ctr"/>
+            <a:r>
+              <a:rPr lang="ko-KR" altLang="en-US" sz="1200"/>
+              <a:t>품목명</a:t>
+            </a:r>
+          </a:p>
+        </p:txBody>
+      </p:sp>
+      <p:sp>
+        <p:nvSpPr>
+          <p:cNvPr id="31" name="사각형: 둥근 모서리 30">
+            <a:extLst>
+              <a:ext uri="{FF2B5EF4-FFF2-40B4-BE49-F238E27FC236}">
+                <a16:creationId xmlns:a16="http://schemas.microsoft.com/office/drawing/2014/main" id="{36D59F7E-597F-42B8-103D-B3F5436683BC}"/>
+              </a:ext>
+            </a:extLst>
+          </p:cNvPr>
+          <p:cNvSpPr/>
+          <p:nvPr/>
+        </p:nvSpPr>
+        <p:spPr>
+          <a:xfrm>
+            <a:off x="5544572" y="792860"/>
+            <a:ext cx="1022957" cy="375385"/>
+          </a:xfrm>
+          <a:prstGeom prst="roundRect">
+            <a:avLst/>
+          </a:prstGeom>
+          <a:noFill/>
+          <a:ln>
+            <a:noFill/>
+          </a:ln>
+        </p:spPr>
+        <p:style>
+          <a:lnRef idx="0">
+            <a:scrgbClr r="0" g="0" b="0"/>
+          </a:lnRef>
+          <a:fillRef idx="0">
+            <a:scrgbClr r="0" g="0" b="0"/>
+          </a:fillRef>
+          <a:effectRef idx="0">
+            <a:scrgbClr r="0" g="0" b="0"/>
+          </a:effectRef>
+          <a:fontRef idx="minor">
+            <a:schemeClr val="dk1"/>
+          </a:fontRef>
+        </p:style>
+        <p:txBody>
+          <a:bodyPr rtlCol="0" anchor="ctr"/>
+          <a:lstStyle/>
+          <a:p>
+            <a:pPr algn="ctr"/>
+            <a:r>
+              <a:rPr lang="ko-KR" altLang="en-US" sz="1200"/>
+              <a:t>품목번호</a:t>
+            </a:r>
+          </a:p>
+        </p:txBody>
+      </p:sp>
+      <p:sp>
+        <p:nvSpPr>
+          <p:cNvPr id="32" name="사각형: 둥근 모서리 31">
+            <a:extLst>
+              <a:ext uri="{FF2B5EF4-FFF2-40B4-BE49-F238E27FC236}">
+                <a16:creationId xmlns:a16="http://schemas.microsoft.com/office/drawing/2014/main" id="{D2EDBBFB-3EEC-B3C2-5DE3-F543AA20822A}"/>
+              </a:ext>
+            </a:extLst>
+          </p:cNvPr>
+          <p:cNvSpPr/>
+          <p:nvPr/>
+        </p:nvSpPr>
+        <p:spPr>
+          <a:xfrm>
+            <a:off x="8266866" y="826464"/>
+            <a:ext cx="1022957" cy="375385"/>
+          </a:xfrm>
+          <a:prstGeom prst="roundRect">
+            <a:avLst/>
+          </a:prstGeom>
+          <a:noFill/>
+          <a:ln>
+            <a:noFill/>
+          </a:ln>
+        </p:spPr>
+        <p:style>
+          <a:lnRef idx="0">
+            <a:scrgbClr r="0" g="0" b="0"/>
+          </a:lnRef>
+          <a:fillRef idx="0">
+            <a:scrgbClr r="0" g="0" b="0"/>
+          </a:fillRef>
+          <a:effectRef idx="0">
+            <a:scrgbClr r="0" g="0" b="0"/>
+          </a:effectRef>
+          <a:fontRef idx="minor">
+            <a:schemeClr val="dk1"/>
+          </a:fontRef>
+        </p:style>
+        <p:txBody>
+          <a:bodyPr rtlCol="0" anchor="ctr"/>
+          <a:lstStyle/>
+          <a:p>
+            <a:pPr algn="ctr"/>
+            <a:r>
+              <a:rPr lang="ko-KR" altLang="en-US" sz="1200"/>
+              <a:t>품목 단가</a:t>
+            </a:r>
+          </a:p>
+        </p:txBody>
+      </p:sp>
+      <p:sp>
+        <p:nvSpPr>
+          <p:cNvPr id="33" name="사각형: 둥근 모서리 32">
+            <a:extLst>
+              <a:ext uri="{FF2B5EF4-FFF2-40B4-BE49-F238E27FC236}">
+                <a16:creationId xmlns:a16="http://schemas.microsoft.com/office/drawing/2014/main" id="{92727C13-6B32-E072-6009-8372144990D0}"/>
+              </a:ext>
+            </a:extLst>
+          </p:cNvPr>
+          <p:cNvSpPr/>
+          <p:nvPr/>
+        </p:nvSpPr>
+        <p:spPr>
+          <a:xfrm>
+            <a:off x="580756" y="1335731"/>
+            <a:ext cx="694218" cy="375385"/>
+          </a:xfrm>
+          <a:prstGeom prst="roundRect">
+            <a:avLst/>
+          </a:prstGeom>
+          <a:noFill/>
+          <a:ln>
+            <a:noFill/>
+          </a:ln>
+        </p:spPr>
+        <p:style>
+          <a:lnRef idx="0">
+            <a:scrgbClr r="0" g="0" b="0"/>
+          </a:lnRef>
+          <a:fillRef idx="0">
+            <a:scrgbClr r="0" g="0" b="0"/>
+          </a:fillRef>
+          <a:effectRef idx="0">
+            <a:scrgbClr r="0" g="0" b="0"/>
+          </a:effectRef>
+          <a:fontRef idx="minor">
+            <a:schemeClr val="dk1"/>
+          </a:fontRef>
+        </p:style>
+        <p:txBody>
+          <a:bodyPr rtlCol="0" anchor="ctr"/>
+          <a:lstStyle/>
+          <a:p>
+            <a:pPr algn="ctr"/>
+            <a:r>
+              <a:rPr lang="ko-KR" altLang="en-US" sz="1200"/>
+              <a:t>색상</a:t>
+            </a:r>
+          </a:p>
+        </p:txBody>
+      </p:sp>
+      <p:sp>
+        <p:nvSpPr>
+          <p:cNvPr id="35" name="사각형: 둥근 모서리 34">
+            <a:extLst>
+              <a:ext uri="{FF2B5EF4-FFF2-40B4-BE49-F238E27FC236}">
+                <a16:creationId xmlns:a16="http://schemas.microsoft.com/office/drawing/2014/main" id="{235C29EF-5951-ACC3-B530-C2342ED5EA11}"/>
+              </a:ext>
+            </a:extLst>
+          </p:cNvPr>
+          <p:cNvSpPr/>
+          <p:nvPr/>
+        </p:nvSpPr>
+        <p:spPr>
+          <a:xfrm>
+            <a:off x="3047393" y="1329238"/>
+            <a:ext cx="979097" cy="375385"/>
+          </a:xfrm>
+          <a:prstGeom prst="roundRect">
+            <a:avLst/>
+          </a:prstGeom>
+          <a:noFill/>
+          <a:ln>
+            <a:noFill/>
+          </a:ln>
+        </p:spPr>
+        <p:style>
+          <a:lnRef idx="0">
+            <a:scrgbClr r="0" g="0" b="0"/>
+          </a:lnRef>
+          <a:fillRef idx="0">
+            <a:scrgbClr r="0" g="0" b="0"/>
+          </a:fillRef>
+          <a:effectRef idx="0">
+            <a:scrgbClr r="0" g="0" b="0"/>
+          </a:effectRef>
+          <a:fontRef idx="minor">
+            <a:schemeClr val="dk1"/>
+          </a:fontRef>
+        </p:style>
+        <p:txBody>
+          <a:bodyPr rtlCol="0" anchor="ctr"/>
+          <a:lstStyle/>
+          <a:p>
+            <a:pPr algn="ctr"/>
+            <a:r>
+              <a:rPr lang="ko-KR" altLang="en-US" sz="1200"/>
+              <a:t>도장 방식</a:t>
+            </a:r>
+          </a:p>
+        </p:txBody>
+      </p:sp>
+      <p:sp>
+        <p:nvSpPr>
+          <p:cNvPr id="38" name="사각형: 둥근 모서리 37">
+            <a:extLst>
+              <a:ext uri="{FF2B5EF4-FFF2-40B4-BE49-F238E27FC236}">
+                <a16:creationId xmlns:a16="http://schemas.microsoft.com/office/drawing/2014/main" id="{3F8CFE73-CF14-90C9-4610-B2035A6CDE34}"/>
+              </a:ext>
+            </a:extLst>
+          </p:cNvPr>
+          <p:cNvSpPr/>
+          <p:nvPr/>
+        </p:nvSpPr>
+        <p:spPr>
+          <a:xfrm>
+            <a:off x="5502180" y="1343704"/>
+            <a:ext cx="786252" cy="375385"/>
+          </a:xfrm>
+          <a:prstGeom prst="roundRect">
+            <a:avLst/>
+          </a:prstGeom>
+          <a:noFill/>
+          <a:ln>
+            <a:noFill/>
+          </a:ln>
+        </p:spPr>
+        <p:style>
+          <a:lnRef idx="0">
+            <a:scrgbClr r="0" g="0" b="0"/>
+          </a:lnRef>
+          <a:fillRef idx="0">
+            <a:scrgbClr r="0" g="0" b="0"/>
+          </a:fillRef>
+          <a:effectRef idx="0">
+            <a:scrgbClr r="0" g="0" b="0"/>
+          </a:effectRef>
+          <a:fontRef idx="minor">
+            <a:schemeClr val="dk1"/>
+          </a:fontRef>
+        </p:style>
+        <p:txBody>
+          <a:bodyPr rtlCol="0" anchor="ctr"/>
+          <a:lstStyle/>
+          <a:p>
+            <a:pPr algn="ctr"/>
+            <a:r>
+              <a:rPr lang="ko-KR" altLang="en-US" sz="1200"/>
+              <a:t>비고</a:t>
+            </a:r>
+          </a:p>
+        </p:txBody>
+      </p:sp>
+      <p:sp>
+        <p:nvSpPr>
+          <p:cNvPr id="39" name="사각형: 둥근 모서리 38">
+            <a:extLst>
+              <a:ext uri="{FF2B5EF4-FFF2-40B4-BE49-F238E27FC236}">
+                <a16:creationId xmlns:a16="http://schemas.microsoft.com/office/drawing/2014/main" id="{1264122C-1615-76F7-4943-DD0BB5F6FC26}"/>
+              </a:ext>
+            </a:extLst>
+          </p:cNvPr>
+          <p:cNvSpPr/>
+          <p:nvPr/>
+        </p:nvSpPr>
+        <p:spPr>
+          <a:xfrm>
+            <a:off x="8216513" y="1298957"/>
+            <a:ext cx="779196" cy="375385"/>
+          </a:xfrm>
+          <a:prstGeom prst="roundRect">
+            <a:avLst/>
+          </a:prstGeom>
+          <a:noFill/>
+          <a:ln>
+            <a:noFill/>
+          </a:ln>
+        </p:spPr>
+        <p:style>
+          <a:lnRef idx="0">
+            <a:scrgbClr r="0" g="0" b="0"/>
+          </a:lnRef>
+          <a:fillRef idx="0">
+            <a:scrgbClr r="0" g="0" b="0"/>
+          </a:fillRef>
+          <a:effectRef idx="0">
+            <a:scrgbClr r="0" g="0" b="0"/>
+          </a:effectRef>
+          <a:fontRef idx="minor">
+            <a:schemeClr val="dk1"/>
+          </a:fontRef>
+        </p:style>
+        <p:txBody>
+          <a:bodyPr rtlCol="0" anchor="ctr"/>
+          <a:lstStyle/>
+          <a:p>
+            <a:pPr algn="ctr"/>
+            <a:r>
+              <a:rPr lang="ko-KR" altLang="en-US" sz="1200"/>
+              <a:t>분류</a:t>
+            </a:r>
+          </a:p>
+        </p:txBody>
+      </p:sp>
+      <p:sp>
+        <p:nvSpPr>
+          <p:cNvPr id="40" name="사각형: 둥근 모서리 39">
+            <a:extLst>
+              <a:ext uri="{FF2B5EF4-FFF2-40B4-BE49-F238E27FC236}">
+                <a16:creationId xmlns:a16="http://schemas.microsoft.com/office/drawing/2014/main" id="{6D89CC99-D79E-A994-C712-19F0666CD755}"/>
+              </a:ext>
+            </a:extLst>
+          </p:cNvPr>
+          <p:cNvSpPr/>
+          <p:nvPr/>
+        </p:nvSpPr>
+        <p:spPr>
+          <a:xfrm>
+            <a:off x="1483144" y="2454890"/>
+            <a:ext cx="1164611" cy="375385"/>
+          </a:xfrm>
+          <a:prstGeom prst="roundRect">
+            <a:avLst/>
+          </a:prstGeom>
+          <a:noFill/>
+          <a:ln>
+            <a:noFill/>
+          </a:ln>
+        </p:spPr>
+        <p:style>
+          <a:lnRef idx="0">
+            <a:scrgbClr r="0" g="0" b="0"/>
+          </a:lnRef>
+          <a:fillRef idx="0">
+            <a:scrgbClr r="0" g="0" b="0"/>
+          </a:fillRef>
+          <a:effectRef idx="0">
+            <a:scrgbClr r="0" g="0" b="0"/>
+          </a:effectRef>
+          <a:fontRef idx="minor">
+            <a:schemeClr val="dk1"/>
+          </a:fontRef>
+        </p:style>
+        <p:txBody>
+          <a:bodyPr rtlCol="0" anchor="ctr"/>
+          <a:lstStyle/>
+          <a:p>
+            <a:pPr algn="ctr"/>
+            <a:r>
+              <a:rPr lang="ko-KR" altLang="en-US" sz="1200"/>
+              <a:t>라우팅 정보</a:t>
+            </a:r>
+          </a:p>
+        </p:txBody>
+      </p:sp>
+      <p:sp>
+        <p:nvSpPr>
+          <p:cNvPr id="2" name="순서도: 병합 1">
+            <a:extLst>
+              <a:ext uri="{FF2B5EF4-FFF2-40B4-BE49-F238E27FC236}">
+                <a16:creationId xmlns:a16="http://schemas.microsoft.com/office/drawing/2014/main" id="{3DB8E6AB-55BD-5F21-2029-1A3AC65AF85F}"/>
+              </a:ext>
+            </a:extLst>
+          </p:cNvPr>
+          <p:cNvSpPr/>
+          <p:nvPr/>
+        </p:nvSpPr>
+        <p:spPr>
+          <a:xfrm>
+            <a:off x="2760007" y="963936"/>
+            <a:ext cx="112195" cy="103405"/>
+          </a:xfrm>
+          <a:prstGeom prst="flowChartMerge">
+            <a:avLst/>
+          </a:prstGeom>
+        </p:spPr>
+        <p:style>
+          <a:lnRef idx="2">
+            <a:schemeClr val="accent1">
+              <a:shade val="15000"/>
+            </a:schemeClr>
+          </a:lnRef>
+          <a:fillRef idx="1">
+            <a:schemeClr val="accent1"/>
+          </a:fillRef>
+          <a:effectRef idx="0">
+            <a:schemeClr val="accent1"/>
+          </a:effectRef>
+          <a:fontRef idx="minor">
+            <a:schemeClr val="lt1"/>
+          </a:fontRef>
+        </p:style>
+        <p:txBody>
+          <a:bodyPr rtlCol="0" anchor="ctr"/>
+          <a:lstStyle/>
+          <a:p>
+            <a:pPr algn="ctr"/>
+            <a:endParaRPr lang="ko-KR" altLang="en-US"/>
+          </a:p>
+        </p:txBody>
+      </p:sp>
+      <p:sp>
+        <p:nvSpPr>
+          <p:cNvPr id="4" name="순서도: 병합 3">
+            <a:extLst>
+              <a:ext uri="{FF2B5EF4-FFF2-40B4-BE49-F238E27FC236}">
+                <a16:creationId xmlns:a16="http://schemas.microsoft.com/office/drawing/2014/main" id="{5C43DCC0-985B-E000-2900-E448E79F903D}"/>
+              </a:ext>
+            </a:extLst>
+          </p:cNvPr>
+          <p:cNvSpPr/>
+          <p:nvPr/>
+        </p:nvSpPr>
+        <p:spPr>
+          <a:xfrm>
+            <a:off x="10461924" y="1548773"/>
+            <a:ext cx="112195" cy="103405"/>
+          </a:xfrm>
+          <a:prstGeom prst="flowChartMerge">
+            <a:avLst/>
+          </a:prstGeom>
+        </p:spPr>
+        <p:style>
+          <a:lnRef idx="2">
+            <a:schemeClr val="accent1">
+              <a:shade val="15000"/>
+            </a:schemeClr>
+          </a:lnRef>
+          <a:fillRef idx="1">
+            <a:schemeClr val="accent1"/>
+          </a:fillRef>
+          <a:effectRef idx="0">
+            <a:schemeClr val="accent1"/>
+          </a:effectRef>
+          <a:fontRef idx="minor">
+            <a:schemeClr val="lt1"/>
+          </a:fontRef>
+        </p:style>
+        <p:txBody>
+          <a:bodyPr rtlCol="0" anchor="ctr"/>
+          <a:lstStyle/>
+          <a:p>
+            <a:pPr algn="ctr"/>
+            <a:endParaRPr lang="ko-KR" altLang="en-US"/>
+          </a:p>
+        </p:txBody>
+      </p:sp>
+      <p:sp>
+        <p:nvSpPr>
+          <p:cNvPr id="5" name="직사각형 4">
+            <a:extLst>
+              <a:ext uri="{FF2B5EF4-FFF2-40B4-BE49-F238E27FC236}">
+                <a16:creationId xmlns:a16="http://schemas.microsoft.com/office/drawing/2014/main" id="{81496E42-8A4A-F8FD-EEA1-87A872011E3E}"/>
+              </a:ext>
+            </a:extLst>
+          </p:cNvPr>
+          <p:cNvSpPr/>
+          <p:nvPr/>
+        </p:nvSpPr>
+        <p:spPr>
+          <a:xfrm>
+            <a:off x="9511513" y="1787668"/>
+            <a:ext cx="1164611" cy="245327"/>
+          </a:xfrm>
+          <a:prstGeom prst="rect">
+            <a:avLst/>
+          </a:prstGeom>
+        </p:spPr>
+        <p:style>
+          <a:lnRef idx="2">
+            <a:schemeClr val="dk1"/>
+          </a:lnRef>
+          <a:fillRef idx="1">
+            <a:schemeClr val="lt1"/>
+          </a:fillRef>
+          <a:effectRef idx="0">
+            <a:schemeClr val="dk1"/>
+          </a:effectRef>
+          <a:fontRef idx="minor">
+            <a:schemeClr val="dk1"/>
+          </a:fontRef>
+        </p:style>
+        <p:txBody>
+          <a:bodyPr rtlCol="0" anchor="ctr"/>
+          <a:lstStyle/>
+          <a:p>
+            <a:pPr algn="ctr"/>
+            <a:r>
+              <a:rPr lang="ko-KR" altLang="en-US" sz="1000"/>
+              <a:t>방산</a:t>
+            </a:r>
+          </a:p>
+        </p:txBody>
+      </p:sp>
+      <p:sp>
+        <p:nvSpPr>
+          <p:cNvPr id="12" name="직사각형 11">
+            <a:extLst>
+              <a:ext uri="{FF2B5EF4-FFF2-40B4-BE49-F238E27FC236}">
+                <a16:creationId xmlns:a16="http://schemas.microsoft.com/office/drawing/2014/main" id="{48648D9D-648E-2A52-EC1B-8E21AE69DBEA}"/>
+              </a:ext>
+            </a:extLst>
+          </p:cNvPr>
+          <p:cNvSpPr/>
+          <p:nvPr/>
+        </p:nvSpPr>
+        <p:spPr>
+          <a:xfrm>
+            <a:off x="9511512" y="2018210"/>
+            <a:ext cx="1164611" cy="245327"/>
+          </a:xfrm>
+          <a:prstGeom prst="rect">
+            <a:avLst/>
+          </a:prstGeom>
+        </p:spPr>
+        <p:style>
+          <a:lnRef idx="2">
+            <a:schemeClr val="dk1"/>
+          </a:lnRef>
+          <a:fillRef idx="1">
+            <a:schemeClr val="lt1"/>
+          </a:fillRef>
+          <a:effectRef idx="0">
+            <a:schemeClr val="dk1"/>
+          </a:effectRef>
+          <a:fontRef idx="minor">
+            <a:schemeClr val="dk1"/>
+          </a:fontRef>
+        </p:style>
+        <p:txBody>
+          <a:bodyPr rtlCol="0" anchor="ctr"/>
+          <a:lstStyle/>
+          <a:p>
+            <a:pPr algn="ctr"/>
+            <a:r>
+              <a:rPr lang="ko-KR" altLang="en-US" sz="1000"/>
+              <a:t>일반</a:t>
+            </a:r>
+          </a:p>
+        </p:txBody>
+      </p:sp>
+      <p:sp>
+        <p:nvSpPr>
+          <p:cNvPr id="22" name="직사각형 21">
+            <a:extLst>
+              <a:ext uri="{FF2B5EF4-FFF2-40B4-BE49-F238E27FC236}">
+                <a16:creationId xmlns:a16="http://schemas.microsoft.com/office/drawing/2014/main" id="{7BC8B273-1FE9-E69C-0DA7-6A4B45294EDC}"/>
+              </a:ext>
+            </a:extLst>
+          </p:cNvPr>
+          <p:cNvSpPr/>
+          <p:nvPr/>
+        </p:nvSpPr>
+        <p:spPr>
+          <a:xfrm>
+            <a:off x="9511511" y="2236081"/>
+            <a:ext cx="1164611" cy="245327"/>
+          </a:xfrm>
+          <a:prstGeom prst="rect">
+            <a:avLst/>
+          </a:prstGeom>
+        </p:spPr>
+        <p:style>
+          <a:lnRef idx="2">
+            <a:schemeClr val="dk1"/>
+          </a:lnRef>
+          <a:fillRef idx="1">
+            <a:schemeClr val="lt1"/>
+          </a:fillRef>
+          <a:effectRef idx="0">
+            <a:schemeClr val="dk1"/>
+          </a:effectRef>
+          <a:fontRef idx="minor">
+            <a:schemeClr val="dk1"/>
+          </a:fontRef>
+        </p:style>
+        <p:txBody>
+          <a:bodyPr rtlCol="0" anchor="ctr"/>
+          <a:lstStyle/>
+          <a:p>
+            <a:pPr algn="ctr"/>
+            <a:r>
+              <a:rPr lang="ko-KR" altLang="en-US" sz="1000"/>
+              <a:t>자동차</a:t>
+            </a:r>
+          </a:p>
+        </p:txBody>
+      </p:sp>
+      <p:sp>
+        <p:nvSpPr>
+          <p:cNvPr id="28" name="직사각형 27">
+            <a:extLst>
+              <a:ext uri="{FF2B5EF4-FFF2-40B4-BE49-F238E27FC236}">
+                <a16:creationId xmlns:a16="http://schemas.microsoft.com/office/drawing/2014/main" id="{2E3BC7DC-9CD8-D8AE-AE89-C5E802CCFD5B}"/>
+              </a:ext>
+            </a:extLst>
+          </p:cNvPr>
+          <p:cNvSpPr/>
+          <p:nvPr/>
+        </p:nvSpPr>
+        <p:spPr>
+          <a:xfrm>
+            <a:off x="9511511" y="2440660"/>
+            <a:ext cx="1164611" cy="245327"/>
+          </a:xfrm>
+          <a:prstGeom prst="rect">
+            <a:avLst/>
+          </a:prstGeom>
+        </p:spPr>
+        <p:style>
+          <a:lnRef idx="2">
+            <a:schemeClr val="dk1"/>
+          </a:lnRef>
+          <a:fillRef idx="1">
+            <a:schemeClr val="lt1"/>
+          </a:fillRef>
+          <a:effectRef idx="0">
+            <a:schemeClr val="dk1"/>
+          </a:effectRef>
+          <a:fontRef idx="minor">
+            <a:schemeClr val="dk1"/>
+          </a:fontRef>
+        </p:style>
+        <p:txBody>
+          <a:bodyPr rtlCol="0" anchor="ctr"/>
+          <a:lstStyle/>
+          <a:p>
+            <a:pPr algn="ctr"/>
+            <a:r>
+              <a:rPr lang="ko-KR" altLang="en-US" sz="1000"/>
+              <a:t>조선</a:t>
+            </a:r>
+          </a:p>
+        </p:txBody>
+      </p:sp>
+      <p:sp>
+        <p:nvSpPr>
+          <p:cNvPr id="29" name="순서도: 연결자 28">
+            <a:extLst>
+              <a:ext uri="{FF2B5EF4-FFF2-40B4-BE49-F238E27FC236}">
+                <a16:creationId xmlns:a16="http://schemas.microsoft.com/office/drawing/2014/main" id="{B4DFE559-610B-A708-C6B8-AFFD30F33568}"/>
+              </a:ext>
+            </a:extLst>
+          </p:cNvPr>
+          <p:cNvSpPr/>
+          <p:nvPr/>
+        </p:nvSpPr>
+        <p:spPr>
+          <a:xfrm>
+            <a:off x="1551277" y="635260"/>
+            <a:ext cx="205584" cy="216674"/>
+          </a:xfrm>
+          <a:prstGeom prst="flowChartConnector">
+            <a:avLst/>
+          </a:prstGeom>
+          <a:solidFill>
+            <a:srgbClr val="FFFF00"/>
+          </a:solidFill>
+          <a:ln>
+            <a:solidFill>
+              <a:schemeClr val="tx1"/>
+            </a:solidFill>
+          </a:ln>
+        </p:spPr>
+        <p:style>
+          <a:lnRef idx="1">
+            <a:schemeClr val="accent4"/>
+          </a:lnRef>
+          <a:fillRef idx="2">
+            <a:schemeClr val="accent4"/>
+          </a:fillRef>
+          <a:effectRef idx="1">
+            <a:schemeClr val="accent4"/>
+          </a:effectRef>
+          <a:fontRef idx="minor">
+            <a:schemeClr val="dk1"/>
+          </a:fontRef>
+        </p:style>
+        <p:txBody>
+          <a:bodyPr rtlCol="0" anchor="ctr"/>
+          <a:lstStyle/>
+          <a:p>
+            <a:pPr algn="ctr"/>
+            <a:r>
+              <a:rPr lang="en-US" altLang="ko-KR" sz="1300"/>
+              <a:t>1</a:t>
+            </a:r>
+            <a:endParaRPr lang="ko-KR" altLang="en-US" sz="1300"/>
+          </a:p>
+        </p:txBody>
+      </p:sp>
+      <p:sp>
+        <p:nvSpPr>
+          <p:cNvPr id="34" name="순서도: 연결자 33">
+            <a:extLst>
+              <a:ext uri="{FF2B5EF4-FFF2-40B4-BE49-F238E27FC236}">
+                <a16:creationId xmlns:a16="http://schemas.microsoft.com/office/drawing/2014/main" id="{F8C4F54E-39E3-F87A-F97E-539BB6DDF8AC}"/>
+              </a:ext>
+            </a:extLst>
+          </p:cNvPr>
+          <p:cNvSpPr/>
+          <p:nvPr/>
+        </p:nvSpPr>
+        <p:spPr>
+          <a:xfrm>
+            <a:off x="3998844" y="633435"/>
+            <a:ext cx="205584" cy="216674"/>
+          </a:xfrm>
+          <a:prstGeom prst="flowChartConnector">
+            <a:avLst/>
+          </a:prstGeom>
+          <a:solidFill>
+            <a:srgbClr val="FFFF00"/>
+          </a:solidFill>
+          <a:ln>
+            <a:solidFill>
+              <a:schemeClr val="tx1"/>
+            </a:solidFill>
+          </a:ln>
+        </p:spPr>
+        <p:style>
+          <a:lnRef idx="1">
+            <a:schemeClr val="accent4"/>
+          </a:lnRef>
+          <a:fillRef idx="2">
+            <a:schemeClr val="accent4"/>
+          </a:fillRef>
+          <a:effectRef idx="1">
+            <a:schemeClr val="accent4"/>
+          </a:effectRef>
+          <a:fontRef idx="minor">
+            <a:schemeClr val="dk1"/>
+          </a:fontRef>
+        </p:style>
+        <p:txBody>
+          <a:bodyPr rtlCol="0" anchor="ctr"/>
+          <a:lstStyle/>
+          <a:p>
+            <a:pPr algn="ctr"/>
+            <a:r>
+              <a:rPr lang="en-US" altLang="ko-KR" sz="1300"/>
+              <a:t>2</a:t>
+            </a:r>
+            <a:endParaRPr lang="ko-KR" altLang="en-US" sz="1300"/>
+          </a:p>
+        </p:txBody>
+      </p:sp>
+      <p:sp>
+        <p:nvSpPr>
+          <p:cNvPr id="36" name="순서도: 연결자 35">
+            <a:extLst>
+              <a:ext uri="{FF2B5EF4-FFF2-40B4-BE49-F238E27FC236}">
+                <a16:creationId xmlns:a16="http://schemas.microsoft.com/office/drawing/2014/main" id="{8FA0A879-AE11-010F-BBFC-FEE83DF7E8C7}"/>
+              </a:ext>
+            </a:extLst>
+          </p:cNvPr>
+          <p:cNvSpPr/>
+          <p:nvPr/>
+        </p:nvSpPr>
+        <p:spPr>
+          <a:xfrm>
+            <a:off x="6625549" y="599624"/>
+            <a:ext cx="205584" cy="216674"/>
+          </a:xfrm>
+          <a:prstGeom prst="flowChartConnector">
+            <a:avLst/>
+          </a:prstGeom>
+          <a:solidFill>
+            <a:srgbClr val="FFFF00"/>
+          </a:solidFill>
+          <a:ln>
+            <a:solidFill>
+              <a:schemeClr val="tx1"/>
+            </a:solidFill>
+          </a:ln>
+        </p:spPr>
+        <p:style>
+          <a:lnRef idx="1">
+            <a:schemeClr val="accent4"/>
+          </a:lnRef>
+          <a:fillRef idx="2">
+            <a:schemeClr val="accent4"/>
+          </a:fillRef>
+          <a:effectRef idx="1">
+            <a:schemeClr val="accent4"/>
+          </a:effectRef>
+          <a:fontRef idx="minor">
+            <a:schemeClr val="dk1"/>
+          </a:fontRef>
+        </p:style>
+        <p:txBody>
+          <a:bodyPr rtlCol="0" anchor="ctr"/>
+          <a:lstStyle/>
+          <a:p>
+            <a:pPr algn="ctr"/>
+            <a:r>
+              <a:rPr lang="en-US" altLang="ko-KR" sz="1300"/>
+              <a:t>3</a:t>
+            </a:r>
+            <a:endParaRPr lang="ko-KR" altLang="en-US" sz="1300"/>
+          </a:p>
+        </p:txBody>
+      </p:sp>
+      <p:sp>
+        <p:nvSpPr>
+          <p:cNvPr id="37" name="순서도: 연결자 36">
+            <a:extLst>
+              <a:ext uri="{FF2B5EF4-FFF2-40B4-BE49-F238E27FC236}">
+                <a16:creationId xmlns:a16="http://schemas.microsoft.com/office/drawing/2014/main" id="{19C4F823-4E8C-1906-B777-4CF521703EC8}"/>
+              </a:ext>
+            </a:extLst>
+          </p:cNvPr>
+          <p:cNvSpPr/>
+          <p:nvPr/>
+        </p:nvSpPr>
+        <p:spPr>
+          <a:xfrm>
+            <a:off x="9500099" y="595962"/>
+            <a:ext cx="205584" cy="216674"/>
+          </a:xfrm>
+          <a:prstGeom prst="flowChartConnector">
+            <a:avLst/>
+          </a:prstGeom>
+          <a:solidFill>
+            <a:srgbClr val="FFFF00"/>
+          </a:solidFill>
+          <a:ln>
+            <a:solidFill>
+              <a:schemeClr val="tx1"/>
+            </a:solidFill>
+          </a:ln>
+        </p:spPr>
+        <p:style>
+          <a:lnRef idx="1">
+            <a:schemeClr val="accent4"/>
+          </a:lnRef>
+          <a:fillRef idx="2">
+            <a:schemeClr val="accent4"/>
+          </a:fillRef>
+          <a:effectRef idx="1">
+            <a:schemeClr val="accent4"/>
+          </a:effectRef>
+          <a:fontRef idx="minor">
+            <a:schemeClr val="dk1"/>
+          </a:fontRef>
+        </p:style>
+        <p:txBody>
+          <a:bodyPr rtlCol="0" anchor="ctr"/>
+          <a:lstStyle/>
+          <a:p>
+            <a:pPr algn="ctr"/>
+            <a:r>
+              <a:rPr lang="en-US" altLang="ko-KR" sz="1300"/>
+              <a:t>4</a:t>
+            </a:r>
+            <a:endParaRPr lang="ko-KR" altLang="en-US" sz="1300"/>
+          </a:p>
+        </p:txBody>
+      </p:sp>
+      <p:sp>
+        <p:nvSpPr>
+          <p:cNvPr id="41" name="순서도: 연결자 40">
+            <a:extLst>
+              <a:ext uri="{FF2B5EF4-FFF2-40B4-BE49-F238E27FC236}">
+                <a16:creationId xmlns:a16="http://schemas.microsoft.com/office/drawing/2014/main" id="{F65B794B-DE09-928C-614C-6F8D872430DD}"/>
+              </a:ext>
+            </a:extLst>
+          </p:cNvPr>
+          <p:cNvSpPr/>
+          <p:nvPr/>
+        </p:nvSpPr>
+        <p:spPr>
+          <a:xfrm>
+            <a:off x="1589420" y="1205219"/>
+            <a:ext cx="205584" cy="216674"/>
+          </a:xfrm>
+          <a:prstGeom prst="flowChartConnector">
+            <a:avLst/>
+          </a:prstGeom>
+          <a:solidFill>
+            <a:srgbClr val="FFFF00"/>
+          </a:solidFill>
+          <a:ln>
+            <a:solidFill>
+              <a:schemeClr val="tx1"/>
+            </a:solidFill>
+          </a:ln>
+        </p:spPr>
+        <p:style>
+          <a:lnRef idx="1">
+            <a:schemeClr val="accent4"/>
+          </a:lnRef>
+          <a:fillRef idx="2">
+            <a:schemeClr val="accent4"/>
+          </a:fillRef>
+          <a:effectRef idx="1">
+            <a:schemeClr val="accent4"/>
+          </a:effectRef>
+          <a:fontRef idx="minor">
+            <a:schemeClr val="dk1"/>
+          </a:fontRef>
+        </p:style>
+        <p:txBody>
+          <a:bodyPr rtlCol="0" anchor="ctr"/>
+          <a:lstStyle/>
+          <a:p>
+            <a:pPr algn="ctr"/>
+            <a:r>
+              <a:rPr lang="en-US" altLang="ko-KR" sz="1300"/>
+              <a:t>5</a:t>
+            </a:r>
+            <a:endParaRPr lang="ko-KR" altLang="en-US" sz="1300"/>
+          </a:p>
+        </p:txBody>
+      </p:sp>
+      <p:sp>
+        <p:nvSpPr>
+          <p:cNvPr id="42" name="순서도: 연결자 41">
+            <a:extLst>
+              <a:ext uri="{FF2B5EF4-FFF2-40B4-BE49-F238E27FC236}">
+                <a16:creationId xmlns:a16="http://schemas.microsoft.com/office/drawing/2014/main" id="{62BC05A1-AF9C-9933-A26F-F8846E7C91C0}"/>
+              </a:ext>
+            </a:extLst>
+          </p:cNvPr>
+          <p:cNvSpPr/>
+          <p:nvPr/>
+        </p:nvSpPr>
+        <p:spPr>
+          <a:xfrm>
+            <a:off x="4003141" y="1220901"/>
+            <a:ext cx="205584" cy="216674"/>
+          </a:xfrm>
+          <a:prstGeom prst="flowChartConnector">
+            <a:avLst/>
+          </a:prstGeom>
+          <a:solidFill>
+            <a:srgbClr val="FFFF00"/>
+          </a:solidFill>
+          <a:ln>
+            <a:solidFill>
+              <a:schemeClr val="tx1"/>
+            </a:solidFill>
+          </a:ln>
+        </p:spPr>
+        <p:style>
+          <a:lnRef idx="1">
+            <a:schemeClr val="accent4"/>
+          </a:lnRef>
+          <a:fillRef idx="2">
+            <a:schemeClr val="accent4"/>
+          </a:fillRef>
+          <a:effectRef idx="1">
+            <a:schemeClr val="accent4"/>
+          </a:effectRef>
+          <a:fontRef idx="minor">
+            <a:schemeClr val="dk1"/>
+          </a:fontRef>
+        </p:style>
+        <p:txBody>
+          <a:bodyPr rtlCol="0" anchor="ctr"/>
+          <a:lstStyle/>
+          <a:p>
+            <a:pPr algn="ctr"/>
+            <a:r>
+              <a:rPr lang="en-US" altLang="ko-KR" sz="1300"/>
+              <a:t>6</a:t>
+            </a:r>
+            <a:endParaRPr lang="ko-KR" altLang="en-US" sz="1300"/>
+          </a:p>
+        </p:txBody>
+      </p:sp>
+      <p:sp>
+        <p:nvSpPr>
+          <p:cNvPr id="43" name="순서도: 연결자 42">
+            <a:extLst>
+              <a:ext uri="{FF2B5EF4-FFF2-40B4-BE49-F238E27FC236}">
+                <a16:creationId xmlns:a16="http://schemas.microsoft.com/office/drawing/2014/main" id="{FF1319AC-0693-9AF1-7DE7-7ABB1ED467B5}"/>
+              </a:ext>
+            </a:extLst>
+          </p:cNvPr>
+          <p:cNvSpPr/>
+          <p:nvPr/>
+        </p:nvSpPr>
+        <p:spPr>
+          <a:xfrm>
+            <a:off x="6690334" y="1207079"/>
+            <a:ext cx="205584" cy="216674"/>
+          </a:xfrm>
+          <a:prstGeom prst="flowChartConnector">
+            <a:avLst/>
+          </a:prstGeom>
+          <a:solidFill>
+            <a:srgbClr val="FFFF00"/>
+          </a:solidFill>
+          <a:ln>
+            <a:solidFill>
+              <a:schemeClr val="tx1"/>
+            </a:solidFill>
+          </a:ln>
+        </p:spPr>
+        <p:style>
+          <a:lnRef idx="1">
+            <a:schemeClr val="accent4"/>
+          </a:lnRef>
+          <a:fillRef idx="2">
+            <a:schemeClr val="accent4"/>
+          </a:fillRef>
+          <a:effectRef idx="1">
+            <a:schemeClr val="accent4"/>
+          </a:effectRef>
+          <a:fontRef idx="minor">
+            <a:schemeClr val="dk1"/>
+          </a:fontRef>
+        </p:style>
+        <p:txBody>
+          <a:bodyPr rtlCol="0" anchor="ctr"/>
+          <a:lstStyle/>
+          <a:p>
+            <a:pPr algn="ctr"/>
+            <a:r>
+              <a:rPr lang="en-US" altLang="ko-KR" sz="1300"/>
+              <a:t>7</a:t>
+            </a:r>
+            <a:endParaRPr lang="ko-KR" altLang="en-US" sz="1300"/>
+          </a:p>
+        </p:txBody>
+      </p:sp>
+      <p:sp>
+        <p:nvSpPr>
+          <p:cNvPr id="44" name="순서도: 연결자 43">
+            <a:extLst>
+              <a:ext uri="{FF2B5EF4-FFF2-40B4-BE49-F238E27FC236}">
+                <a16:creationId xmlns:a16="http://schemas.microsoft.com/office/drawing/2014/main" id="{12FC2C69-4C7E-4039-38C9-0D9B94A9275C}"/>
+              </a:ext>
+            </a:extLst>
+          </p:cNvPr>
+          <p:cNvSpPr/>
+          <p:nvPr/>
+        </p:nvSpPr>
+        <p:spPr>
+          <a:xfrm>
+            <a:off x="9482828" y="1227676"/>
+            <a:ext cx="205584" cy="216674"/>
+          </a:xfrm>
+          <a:prstGeom prst="flowChartConnector">
+            <a:avLst/>
+          </a:prstGeom>
+          <a:solidFill>
+            <a:srgbClr val="FFFF00"/>
+          </a:solidFill>
+          <a:ln>
+            <a:solidFill>
+              <a:schemeClr val="tx1"/>
+            </a:solidFill>
+          </a:ln>
+        </p:spPr>
+        <p:style>
+          <a:lnRef idx="1">
+            <a:schemeClr val="accent4"/>
+          </a:lnRef>
+          <a:fillRef idx="2">
+            <a:schemeClr val="accent4"/>
+          </a:fillRef>
+          <a:effectRef idx="1">
+            <a:schemeClr val="accent4"/>
+          </a:effectRef>
+          <a:fontRef idx="minor">
+            <a:schemeClr val="dk1"/>
+          </a:fontRef>
+        </p:style>
+        <p:txBody>
+          <a:bodyPr rtlCol="0" anchor="ctr"/>
+          <a:lstStyle/>
+          <a:p>
+            <a:pPr algn="ctr"/>
+            <a:r>
+              <a:rPr lang="en-US" altLang="ko-KR" sz="1300"/>
+              <a:t>8</a:t>
+            </a:r>
+            <a:endParaRPr lang="ko-KR" altLang="en-US" sz="1300"/>
+          </a:p>
+        </p:txBody>
+      </p:sp>
+      <p:sp>
+        <p:nvSpPr>
+          <p:cNvPr id="45" name="순서도: 연결자 44">
+            <a:extLst>
+              <a:ext uri="{FF2B5EF4-FFF2-40B4-BE49-F238E27FC236}">
+                <a16:creationId xmlns:a16="http://schemas.microsoft.com/office/drawing/2014/main" id="{BD1B3D83-A048-0E09-011E-796CA99C6124}"/>
+              </a:ext>
+            </a:extLst>
+          </p:cNvPr>
+          <p:cNvSpPr/>
+          <p:nvPr/>
+        </p:nvSpPr>
+        <p:spPr>
+          <a:xfrm>
+            <a:off x="1414182" y="2660517"/>
+            <a:ext cx="205584" cy="216674"/>
+          </a:xfrm>
+          <a:prstGeom prst="flowChartConnector">
+            <a:avLst/>
+          </a:prstGeom>
+          <a:solidFill>
+            <a:srgbClr val="FFFF00"/>
+          </a:solidFill>
+          <a:ln>
+            <a:solidFill>
+              <a:schemeClr val="tx1"/>
+            </a:solidFill>
+          </a:ln>
+        </p:spPr>
+        <p:style>
+          <a:lnRef idx="1">
+            <a:schemeClr val="accent4"/>
+          </a:lnRef>
+          <a:fillRef idx="2">
+            <a:schemeClr val="accent4"/>
+          </a:fillRef>
+          <a:effectRef idx="1">
+            <a:schemeClr val="accent4"/>
+          </a:effectRef>
+          <a:fontRef idx="minor">
+            <a:schemeClr val="dk1"/>
+          </a:fontRef>
+        </p:style>
+        <p:txBody>
+          <a:bodyPr rtlCol="0" anchor="ctr"/>
+          <a:lstStyle/>
+          <a:p>
+            <a:pPr algn="ctr"/>
+            <a:r>
+              <a:rPr lang="en-US" altLang="ko-KR" sz="1300"/>
+              <a:t>9</a:t>
+            </a:r>
+            <a:endParaRPr lang="ko-KR" altLang="en-US" sz="1300"/>
+          </a:p>
+        </p:txBody>
+      </p:sp>
+      <p:sp>
+        <p:nvSpPr>
+          <p:cNvPr id="46" name="순서도: 연결자 45">
+            <a:extLst>
+              <a:ext uri="{FF2B5EF4-FFF2-40B4-BE49-F238E27FC236}">
+                <a16:creationId xmlns:a16="http://schemas.microsoft.com/office/drawing/2014/main" id="{B7C29252-C4C9-C2D4-BA4D-68FC17672979}"/>
+              </a:ext>
+            </a:extLst>
+          </p:cNvPr>
+          <p:cNvSpPr/>
+          <p:nvPr/>
+        </p:nvSpPr>
+        <p:spPr>
+          <a:xfrm>
+            <a:off x="1405144" y="4373306"/>
+            <a:ext cx="233197" cy="182300"/>
+          </a:xfrm>
+          <a:prstGeom prst="flowChartConnector">
+            <a:avLst/>
+          </a:prstGeom>
+          <a:solidFill>
+            <a:srgbClr val="FFFF00"/>
+          </a:solidFill>
+          <a:ln>
+            <a:solidFill>
+              <a:schemeClr val="tx1"/>
+            </a:solidFill>
+          </a:ln>
+        </p:spPr>
+        <p:style>
+          <a:lnRef idx="1">
+            <a:schemeClr val="accent4"/>
+          </a:lnRef>
+          <a:fillRef idx="2">
+            <a:schemeClr val="accent4"/>
+          </a:fillRef>
+          <a:effectRef idx="1">
+            <a:schemeClr val="accent4"/>
+          </a:effectRef>
+          <a:fontRef idx="minor">
+            <a:schemeClr val="dk1"/>
+          </a:fontRef>
+        </p:style>
+        <p:txBody>
+          <a:bodyPr rtlCol="0" anchor="ctr"/>
+          <a:lstStyle/>
+          <a:p>
+            <a:pPr algn="ctr"/>
+            <a:endParaRPr lang="ko-KR" altLang="en-US" sz="700"/>
+          </a:p>
+        </p:txBody>
+      </p:sp>
+      <p:sp>
+        <p:nvSpPr>
+          <p:cNvPr id="47" name="순서도: 연결자 46">
+            <a:extLst>
+              <a:ext uri="{FF2B5EF4-FFF2-40B4-BE49-F238E27FC236}">
+                <a16:creationId xmlns:a16="http://schemas.microsoft.com/office/drawing/2014/main" id="{1467E177-2FF3-1A49-0EE1-5D9D16E23DC4}"/>
+              </a:ext>
+            </a:extLst>
+          </p:cNvPr>
+          <p:cNvSpPr/>
+          <p:nvPr/>
+        </p:nvSpPr>
+        <p:spPr>
+          <a:xfrm>
+            <a:off x="1391713" y="5304369"/>
+            <a:ext cx="231278" cy="228685"/>
+          </a:xfrm>
+          <a:prstGeom prst="flowChartConnector">
+            <a:avLst/>
+          </a:prstGeom>
+          <a:solidFill>
+            <a:srgbClr val="FFFF00"/>
+          </a:solidFill>
+          <a:ln>
+            <a:solidFill>
+              <a:schemeClr val="tx1"/>
+            </a:solidFill>
+          </a:ln>
+        </p:spPr>
+        <p:style>
+          <a:lnRef idx="1">
+            <a:schemeClr val="accent4"/>
+          </a:lnRef>
+          <a:fillRef idx="2">
+            <a:schemeClr val="accent4"/>
+          </a:fillRef>
+          <a:effectRef idx="1">
+            <a:schemeClr val="accent4"/>
+          </a:effectRef>
+          <a:fontRef idx="minor">
+            <a:schemeClr val="dk1"/>
+          </a:fontRef>
+        </p:style>
+        <p:txBody>
+          <a:bodyPr rtlCol="0" anchor="ctr"/>
+          <a:lstStyle/>
+          <a:p>
+            <a:pPr algn="ctr"/>
+            <a:endParaRPr lang="ko-KR" altLang="en-US" sz="1300"/>
+          </a:p>
+        </p:txBody>
+      </p:sp>
+      <p:sp>
+        <p:nvSpPr>
+          <p:cNvPr id="48" name="TextBox 47">
+            <a:extLst>
+              <a:ext uri="{FF2B5EF4-FFF2-40B4-BE49-F238E27FC236}">
+                <a16:creationId xmlns:a16="http://schemas.microsoft.com/office/drawing/2014/main" id="{80327AFB-B463-4690-3CBB-56656A5753B0}"/>
+              </a:ext>
+            </a:extLst>
+          </p:cNvPr>
+          <p:cNvSpPr txBox="1"/>
+          <p:nvPr/>
+        </p:nvSpPr>
+        <p:spPr>
+          <a:xfrm>
+            <a:off x="1362817" y="4370949"/>
+            <a:ext cx="421298" cy="215444"/>
+          </a:xfrm>
+          <a:prstGeom prst="rect">
+            <a:avLst/>
+          </a:prstGeom>
+          <a:noFill/>
+        </p:spPr>
+        <p:txBody>
+          <a:bodyPr wrap="square" rtlCol="0">
+            <a:spAutoFit/>
+          </a:bodyPr>
+          <a:lstStyle/>
+          <a:p>
+            <a:r>
+              <a:rPr lang="en-US" altLang="ko-KR" sz="800"/>
+              <a:t>10</a:t>
+            </a:r>
+            <a:endParaRPr lang="ko-KR" altLang="en-US" sz="800"/>
+          </a:p>
+        </p:txBody>
+      </p:sp>
+      <p:sp>
+        <p:nvSpPr>
+          <p:cNvPr id="49" name="TextBox 48">
+            <a:extLst>
+              <a:ext uri="{FF2B5EF4-FFF2-40B4-BE49-F238E27FC236}">
+                <a16:creationId xmlns:a16="http://schemas.microsoft.com/office/drawing/2014/main" id="{368DF331-D849-4112-FD16-03F593C9E6F2}"/>
+              </a:ext>
+            </a:extLst>
+          </p:cNvPr>
+          <p:cNvSpPr txBox="1"/>
+          <p:nvPr/>
+        </p:nvSpPr>
+        <p:spPr>
+          <a:xfrm>
+            <a:off x="1355376" y="5296148"/>
+            <a:ext cx="663497" cy="215444"/>
+          </a:xfrm>
+          <a:prstGeom prst="rect">
+            <a:avLst/>
+          </a:prstGeom>
+          <a:noFill/>
+        </p:spPr>
+        <p:txBody>
+          <a:bodyPr wrap="square" rtlCol="0">
+            <a:spAutoFit/>
+          </a:bodyPr>
+          <a:lstStyle/>
+          <a:p>
+            <a:r>
+              <a:rPr lang="en-US" altLang="ko-KR" sz="800"/>
+              <a:t>11</a:t>
+            </a:r>
+            <a:endParaRPr lang="ko-KR" altLang="en-US" sz="800"/>
+          </a:p>
+        </p:txBody>
+      </p:sp>
+      <p:cxnSp>
+        <p:nvCxnSpPr>
+          <p:cNvPr id="53" name="직선 연결선 52">
+            <a:extLst>
+              <a:ext uri="{FF2B5EF4-FFF2-40B4-BE49-F238E27FC236}">
+                <a16:creationId xmlns:a16="http://schemas.microsoft.com/office/drawing/2014/main" id="{19645911-8CA6-DA77-437D-DA3CD13C2403}"/>
+              </a:ext>
+            </a:extLst>
+          </p:cNvPr>
+          <p:cNvCxnSpPr>
+            <a:cxnSpLocks/>
+          </p:cNvCxnSpPr>
+          <p:nvPr/>
+        </p:nvCxnSpPr>
+        <p:spPr>
+          <a:xfrm>
+            <a:off x="1525510" y="3119950"/>
+            <a:ext cx="9086702" cy="0"/>
+          </a:xfrm>
+          <a:prstGeom prst="line">
+            <a:avLst/>
+          </a:prstGeom>
+        </p:spPr>
+        <p:style>
+          <a:lnRef idx="1">
+            <a:schemeClr val="dk1"/>
+          </a:lnRef>
+          <a:fillRef idx="0">
+            <a:schemeClr val="dk1"/>
+          </a:fillRef>
+          <a:effectRef idx="0">
+            <a:schemeClr val="dk1"/>
+          </a:effectRef>
+          <a:fontRef idx="minor">
+            <a:schemeClr val="tx1"/>
+          </a:fontRef>
+        </p:style>
+      </p:cxnSp>
+      <p:cxnSp>
+        <p:nvCxnSpPr>
+          <p:cNvPr id="55" name="직선 연결선 54">
+            <a:extLst>
+              <a:ext uri="{FF2B5EF4-FFF2-40B4-BE49-F238E27FC236}">
+                <a16:creationId xmlns:a16="http://schemas.microsoft.com/office/drawing/2014/main" id="{07B55DA3-0B05-AE52-B310-EC421EE31D20}"/>
+              </a:ext>
+            </a:extLst>
+          </p:cNvPr>
+          <p:cNvCxnSpPr>
+            <a:cxnSpLocks/>
+          </p:cNvCxnSpPr>
+          <p:nvPr/>
+        </p:nvCxnSpPr>
+        <p:spPr>
+          <a:xfrm>
+            <a:off x="3873946" y="2771029"/>
+            <a:ext cx="0" cy="1200634"/>
+          </a:xfrm>
+          <a:prstGeom prst="line">
+            <a:avLst/>
+          </a:prstGeom>
+        </p:spPr>
+        <p:style>
+          <a:lnRef idx="1">
+            <a:schemeClr val="dk1"/>
+          </a:lnRef>
+          <a:fillRef idx="0">
+            <a:schemeClr val="dk1"/>
+          </a:fillRef>
+          <a:effectRef idx="0">
+            <a:schemeClr val="dk1"/>
+          </a:effectRef>
+          <a:fontRef idx="minor">
+            <a:schemeClr val="tx1"/>
+          </a:fontRef>
+        </p:style>
+      </p:cxnSp>
+      <p:cxnSp>
+        <p:nvCxnSpPr>
+          <p:cNvPr id="58" name="직선 연결선 57">
+            <a:extLst>
+              <a:ext uri="{FF2B5EF4-FFF2-40B4-BE49-F238E27FC236}">
+                <a16:creationId xmlns:a16="http://schemas.microsoft.com/office/drawing/2014/main" id="{784CA2DE-57BD-E8CA-4C97-DFA4D6EAD195}"/>
+              </a:ext>
+            </a:extLst>
+          </p:cNvPr>
+          <p:cNvCxnSpPr>
+            <a:cxnSpLocks/>
+            <a:stCxn id="3" idx="0"/>
+            <a:endCxn id="3" idx="2"/>
+          </p:cNvCxnSpPr>
+          <p:nvPr/>
+        </p:nvCxnSpPr>
+        <p:spPr>
+          <a:xfrm>
+            <a:off x="6050661" y="2790885"/>
+            <a:ext cx="0" cy="1180778"/>
+          </a:xfrm>
+          <a:prstGeom prst="line">
+            <a:avLst/>
+          </a:prstGeom>
+        </p:spPr>
+        <p:style>
+          <a:lnRef idx="1">
+            <a:schemeClr val="dk1"/>
+          </a:lnRef>
+          <a:fillRef idx="0">
+            <a:schemeClr val="dk1"/>
+          </a:fillRef>
+          <a:effectRef idx="0">
+            <a:schemeClr val="dk1"/>
+          </a:effectRef>
+          <a:fontRef idx="minor">
+            <a:schemeClr val="tx1"/>
+          </a:fontRef>
+        </p:style>
+      </p:cxnSp>
+      <p:cxnSp>
+        <p:nvCxnSpPr>
+          <p:cNvPr id="59" name="직선 연결선 58">
+            <a:extLst>
+              <a:ext uri="{FF2B5EF4-FFF2-40B4-BE49-F238E27FC236}">
+                <a16:creationId xmlns:a16="http://schemas.microsoft.com/office/drawing/2014/main" id="{96F20378-AC8B-0487-ED03-502BD6DE9CF5}"/>
+              </a:ext>
+            </a:extLst>
+          </p:cNvPr>
+          <p:cNvCxnSpPr>
+            <a:cxnSpLocks/>
+          </p:cNvCxnSpPr>
+          <p:nvPr/>
+        </p:nvCxnSpPr>
+        <p:spPr>
+          <a:xfrm>
+            <a:off x="8450730" y="2799375"/>
+            <a:ext cx="0" cy="1172288"/>
+          </a:xfrm>
+          <a:prstGeom prst="line">
+            <a:avLst/>
+          </a:prstGeom>
+        </p:spPr>
+        <p:style>
+          <a:lnRef idx="1">
+            <a:schemeClr val="dk1"/>
+          </a:lnRef>
+          <a:fillRef idx="0">
+            <a:schemeClr val="dk1"/>
+          </a:fillRef>
+          <a:effectRef idx="0">
+            <a:schemeClr val="dk1"/>
+          </a:effectRef>
+          <a:fontRef idx="minor">
+            <a:schemeClr val="tx1"/>
+          </a:fontRef>
+        </p:style>
+      </p:cxnSp>
+      <p:sp>
+        <p:nvSpPr>
+          <p:cNvPr id="60" name="TextBox 59">
+            <a:extLst>
+              <a:ext uri="{FF2B5EF4-FFF2-40B4-BE49-F238E27FC236}">
+                <a16:creationId xmlns:a16="http://schemas.microsoft.com/office/drawing/2014/main" id="{C3296F34-E97D-C876-CB0B-A03F499E3001}"/>
+              </a:ext>
+            </a:extLst>
+          </p:cNvPr>
+          <p:cNvSpPr txBox="1"/>
+          <p:nvPr/>
+        </p:nvSpPr>
+        <p:spPr>
+          <a:xfrm>
+            <a:off x="2479143" y="2786624"/>
+            <a:ext cx="1435156" cy="369332"/>
+          </a:xfrm>
+          <a:prstGeom prst="rect">
+            <a:avLst/>
+          </a:prstGeom>
+          <a:noFill/>
+        </p:spPr>
+        <p:txBody>
+          <a:bodyPr wrap="square" rtlCol="0">
+            <a:spAutoFit/>
+          </a:bodyPr>
+          <a:lstStyle/>
+          <a:p>
+            <a:r>
+              <a:rPr lang="ko-KR" altLang="en-US"/>
+              <a:t>공정 코드</a:t>
+            </a:r>
+          </a:p>
+        </p:txBody>
+      </p:sp>
+      <p:sp>
+        <p:nvSpPr>
+          <p:cNvPr id="62" name="TextBox 61">
+            <a:extLst>
+              <a:ext uri="{FF2B5EF4-FFF2-40B4-BE49-F238E27FC236}">
+                <a16:creationId xmlns:a16="http://schemas.microsoft.com/office/drawing/2014/main" id="{8B15386C-33BC-4059-F67C-10F841438B1E}"/>
+              </a:ext>
+            </a:extLst>
+          </p:cNvPr>
+          <p:cNvSpPr txBox="1"/>
+          <p:nvPr/>
+        </p:nvSpPr>
+        <p:spPr>
+          <a:xfrm>
+            <a:off x="4325536" y="2799375"/>
+            <a:ext cx="1435156" cy="369332"/>
+          </a:xfrm>
+          <a:prstGeom prst="rect">
+            <a:avLst/>
+          </a:prstGeom>
+          <a:noFill/>
+        </p:spPr>
+        <p:txBody>
+          <a:bodyPr wrap="square" rtlCol="0">
+            <a:spAutoFit/>
+          </a:bodyPr>
+          <a:lstStyle/>
+          <a:p>
+            <a:r>
+              <a:rPr lang="ko-KR" altLang="en-US"/>
+              <a:t>공정 명</a:t>
+            </a:r>
+          </a:p>
+        </p:txBody>
+      </p:sp>
+      <p:sp>
+        <p:nvSpPr>
+          <p:cNvPr id="63" name="TextBox 62">
+            <a:extLst>
+              <a:ext uri="{FF2B5EF4-FFF2-40B4-BE49-F238E27FC236}">
+                <a16:creationId xmlns:a16="http://schemas.microsoft.com/office/drawing/2014/main" id="{6760424B-591B-9E36-AE97-660F3160CCF1}"/>
+              </a:ext>
+            </a:extLst>
+          </p:cNvPr>
+          <p:cNvSpPr txBox="1"/>
+          <p:nvPr/>
+        </p:nvSpPr>
+        <p:spPr>
+          <a:xfrm>
+            <a:off x="6543634" y="2806308"/>
+            <a:ext cx="1435156" cy="369332"/>
+          </a:xfrm>
+          <a:prstGeom prst="rect">
+            <a:avLst/>
+          </a:prstGeom>
+          <a:noFill/>
+        </p:spPr>
+        <p:txBody>
+          <a:bodyPr wrap="square" rtlCol="0">
+            <a:spAutoFit/>
+          </a:bodyPr>
+          <a:lstStyle/>
+          <a:p>
+            <a:r>
+              <a:rPr lang="ko-KR" altLang="en-US"/>
+              <a:t>공정 시간</a:t>
+            </a:r>
+          </a:p>
+        </p:txBody>
+      </p:sp>
+      <p:sp>
+        <p:nvSpPr>
+          <p:cNvPr id="64" name="TextBox 63">
+            <a:extLst>
+              <a:ext uri="{FF2B5EF4-FFF2-40B4-BE49-F238E27FC236}">
+                <a16:creationId xmlns:a16="http://schemas.microsoft.com/office/drawing/2014/main" id="{042B6320-C020-D300-3754-6FD8AC8791C0}"/>
+              </a:ext>
+            </a:extLst>
+          </p:cNvPr>
+          <p:cNvSpPr txBox="1"/>
+          <p:nvPr/>
+        </p:nvSpPr>
+        <p:spPr>
+          <a:xfrm>
+            <a:off x="9111345" y="2799375"/>
+            <a:ext cx="1435156" cy="369332"/>
+          </a:xfrm>
+          <a:prstGeom prst="rect">
+            <a:avLst/>
+          </a:prstGeom>
+          <a:noFill/>
+        </p:spPr>
+        <p:txBody>
+          <a:bodyPr wrap="square" rtlCol="0">
+            <a:spAutoFit/>
+          </a:bodyPr>
+          <a:lstStyle/>
+          <a:p>
+            <a:r>
+              <a:rPr lang="ko-KR" altLang="en-US"/>
+              <a:t>비고</a:t>
+            </a:r>
+          </a:p>
+        </p:txBody>
+      </p:sp>
+      <p:cxnSp>
+        <p:nvCxnSpPr>
+          <p:cNvPr id="65" name="직선 연결선 64">
+            <a:extLst>
+              <a:ext uri="{FF2B5EF4-FFF2-40B4-BE49-F238E27FC236}">
+                <a16:creationId xmlns:a16="http://schemas.microsoft.com/office/drawing/2014/main" id="{AF35C2C7-766E-047C-0383-D9B2986154AC}"/>
+              </a:ext>
+            </a:extLst>
+          </p:cNvPr>
+          <p:cNvCxnSpPr>
+            <a:cxnSpLocks/>
+            <a:stCxn id="3" idx="1"/>
+            <a:endCxn id="3" idx="3"/>
+          </p:cNvCxnSpPr>
+          <p:nvPr/>
+        </p:nvCxnSpPr>
+        <p:spPr>
+          <a:xfrm>
+            <a:off x="1483444" y="3381274"/>
+            <a:ext cx="9134434" cy="0"/>
+          </a:xfrm>
+          <a:prstGeom prst="line">
+            <a:avLst/>
+          </a:prstGeom>
+        </p:spPr>
+        <p:style>
+          <a:lnRef idx="1">
+            <a:schemeClr val="dk1"/>
+          </a:lnRef>
+          <a:fillRef idx="0">
+            <a:schemeClr val="dk1"/>
+          </a:fillRef>
+          <a:effectRef idx="0">
+            <a:schemeClr val="dk1"/>
+          </a:effectRef>
+          <a:fontRef idx="minor">
+            <a:schemeClr val="tx1"/>
+          </a:fontRef>
+        </p:style>
+      </p:cxnSp>
+      <p:cxnSp>
+        <p:nvCxnSpPr>
+          <p:cNvPr id="66" name="직선 연결선 65">
+            <a:extLst>
+              <a:ext uri="{FF2B5EF4-FFF2-40B4-BE49-F238E27FC236}">
+                <a16:creationId xmlns:a16="http://schemas.microsoft.com/office/drawing/2014/main" id="{472880E9-52F6-CA47-73BE-E8D46E83EBE9}"/>
+              </a:ext>
+            </a:extLst>
+          </p:cNvPr>
+          <p:cNvCxnSpPr>
+            <a:cxnSpLocks/>
+          </p:cNvCxnSpPr>
+          <p:nvPr/>
+        </p:nvCxnSpPr>
+        <p:spPr>
+          <a:xfrm>
+            <a:off x="1525510" y="3682395"/>
+            <a:ext cx="9086702" cy="0"/>
+          </a:xfrm>
+          <a:prstGeom prst="line">
+            <a:avLst/>
+          </a:prstGeom>
+        </p:spPr>
+        <p:style>
+          <a:lnRef idx="1">
+            <a:schemeClr val="dk1"/>
+          </a:lnRef>
+          <a:fillRef idx="0">
+            <a:schemeClr val="dk1"/>
+          </a:fillRef>
+          <a:effectRef idx="0">
+            <a:schemeClr val="dk1"/>
+          </a:effectRef>
+          <a:fontRef idx="minor">
+            <a:schemeClr val="tx1"/>
+          </a:fontRef>
+        </p:style>
+      </p:cxnSp>
+      <p:cxnSp>
+        <p:nvCxnSpPr>
+          <p:cNvPr id="77" name="직선 연결선 76">
+            <a:extLst>
+              <a:ext uri="{FF2B5EF4-FFF2-40B4-BE49-F238E27FC236}">
+                <a16:creationId xmlns:a16="http://schemas.microsoft.com/office/drawing/2014/main" id="{CA4344DB-5144-39E0-005D-8222F1016601}"/>
+              </a:ext>
+            </a:extLst>
+          </p:cNvPr>
+          <p:cNvCxnSpPr>
+            <a:cxnSpLocks/>
+          </p:cNvCxnSpPr>
+          <p:nvPr/>
+        </p:nvCxnSpPr>
+        <p:spPr>
+          <a:xfrm>
+            <a:off x="2375288" y="2830276"/>
+            <a:ext cx="0" cy="1129503"/>
+          </a:xfrm>
+          <a:prstGeom prst="line">
+            <a:avLst/>
+          </a:prstGeom>
+        </p:spPr>
+        <p:style>
+          <a:lnRef idx="1">
+            <a:schemeClr val="dk1"/>
+          </a:lnRef>
+          <a:fillRef idx="0">
+            <a:schemeClr val="dk1"/>
+          </a:fillRef>
+          <a:effectRef idx="0">
+            <a:schemeClr val="dk1"/>
+          </a:effectRef>
+          <a:fontRef idx="minor">
+            <a:schemeClr val="tx1"/>
+          </a:fontRef>
+        </p:style>
+      </p:cxnSp>
+      <p:sp>
+        <p:nvSpPr>
+          <p:cNvPr id="89" name="TextBox 88">
+            <a:extLst>
+              <a:ext uri="{FF2B5EF4-FFF2-40B4-BE49-F238E27FC236}">
+                <a16:creationId xmlns:a16="http://schemas.microsoft.com/office/drawing/2014/main" id="{FFAF5E9E-5C4C-D5C6-EAF3-27CFDBA99A55}"/>
+              </a:ext>
+            </a:extLst>
+          </p:cNvPr>
+          <p:cNvSpPr txBox="1"/>
+          <p:nvPr/>
+        </p:nvSpPr>
+        <p:spPr>
+          <a:xfrm>
+            <a:off x="2632230" y="3080509"/>
+            <a:ext cx="1060247" cy="369332"/>
+          </a:xfrm>
+          <a:prstGeom prst="rect">
+            <a:avLst/>
+          </a:prstGeom>
+          <a:noFill/>
+        </p:spPr>
+        <p:txBody>
+          <a:bodyPr wrap="square" rtlCol="0">
+            <a:spAutoFit/>
+          </a:bodyPr>
+          <a:lstStyle/>
+          <a:p>
+            <a:r>
+              <a:rPr lang="en-US" altLang="ko-KR"/>
+              <a:t>PC-10</a:t>
+            </a:r>
+            <a:endParaRPr lang="ko-KR" altLang="en-US"/>
+          </a:p>
+        </p:txBody>
+      </p:sp>
+      <p:sp>
+        <p:nvSpPr>
+          <p:cNvPr id="90" name="TextBox 89">
+            <a:extLst>
+              <a:ext uri="{FF2B5EF4-FFF2-40B4-BE49-F238E27FC236}">
+                <a16:creationId xmlns:a16="http://schemas.microsoft.com/office/drawing/2014/main" id="{17914CEB-FBAD-E86F-556C-2CC8F495539B}"/>
+              </a:ext>
+            </a:extLst>
+          </p:cNvPr>
+          <p:cNvSpPr txBox="1"/>
+          <p:nvPr/>
+        </p:nvSpPr>
+        <p:spPr>
+          <a:xfrm>
+            <a:off x="2630981" y="3335984"/>
+            <a:ext cx="1060247" cy="369332"/>
+          </a:xfrm>
+          <a:prstGeom prst="rect">
+            <a:avLst/>
+          </a:prstGeom>
+          <a:noFill/>
+        </p:spPr>
+        <p:txBody>
+          <a:bodyPr wrap="square" rtlCol="0">
+            <a:spAutoFit/>
+          </a:bodyPr>
+          <a:lstStyle/>
+          <a:p>
+            <a:r>
+              <a:rPr lang="en-US" altLang="ko-KR"/>
+              <a:t>PC-20</a:t>
+            </a:r>
+            <a:endParaRPr lang="ko-KR" altLang="en-US"/>
+          </a:p>
+        </p:txBody>
+      </p:sp>
+      <p:sp>
+        <p:nvSpPr>
+          <p:cNvPr id="91" name="TextBox 90">
+            <a:extLst>
+              <a:ext uri="{FF2B5EF4-FFF2-40B4-BE49-F238E27FC236}">
+                <a16:creationId xmlns:a16="http://schemas.microsoft.com/office/drawing/2014/main" id="{ADED4754-4E09-7B91-FA36-89651B44265B}"/>
+              </a:ext>
+            </a:extLst>
+          </p:cNvPr>
+          <p:cNvSpPr txBox="1"/>
+          <p:nvPr/>
+        </p:nvSpPr>
+        <p:spPr>
+          <a:xfrm>
+            <a:off x="2623216" y="3625491"/>
+            <a:ext cx="1060247" cy="369332"/>
+          </a:xfrm>
+          <a:prstGeom prst="rect">
+            <a:avLst/>
+          </a:prstGeom>
+          <a:noFill/>
+        </p:spPr>
+        <p:txBody>
+          <a:bodyPr wrap="square" rtlCol="0">
+            <a:spAutoFit/>
+          </a:bodyPr>
+          <a:lstStyle/>
+          <a:p>
+            <a:r>
+              <a:rPr lang="en-US" altLang="ko-KR"/>
+              <a:t>PC-30</a:t>
+            </a:r>
+            <a:endParaRPr lang="ko-KR" altLang="en-US"/>
+          </a:p>
+        </p:txBody>
+      </p:sp>
+      <p:sp>
+        <p:nvSpPr>
+          <p:cNvPr id="92" name="TextBox 91">
+            <a:extLst>
+              <a:ext uri="{FF2B5EF4-FFF2-40B4-BE49-F238E27FC236}">
+                <a16:creationId xmlns:a16="http://schemas.microsoft.com/office/drawing/2014/main" id="{DB7F08AA-32AD-847B-CD05-E822CCF5CC81}"/>
+              </a:ext>
+            </a:extLst>
+          </p:cNvPr>
+          <p:cNvSpPr txBox="1"/>
+          <p:nvPr/>
+        </p:nvSpPr>
+        <p:spPr>
+          <a:xfrm>
+            <a:off x="4184950" y="3090325"/>
+            <a:ext cx="1696592" cy="369332"/>
+          </a:xfrm>
+          <a:prstGeom prst="rect">
+            <a:avLst/>
+          </a:prstGeom>
+          <a:noFill/>
+        </p:spPr>
+        <p:txBody>
+          <a:bodyPr wrap="square" rtlCol="0">
+            <a:spAutoFit/>
+          </a:bodyPr>
+          <a:lstStyle/>
+          <a:p>
+            <a:r>
+              <a:rPr lang="ko-KR" altLang="en-US"/>
+              <a:t>입고</a:t>
+            </a:r>
+            <a:r>
+              <a:rPr lang="en-US" altLang="ko-KR"/>
+              <a:t>/</a:t>
+            </a:r>
+            <a:r>
+              <a:rPr lang="ko-KR" altLang="en-US"/>
+              <a:t>수입검사</a:t>
+            </a:r>
+          </a:p>
+        </p:txBody>
+      </p:sp>
+      <p:sp>
+        <p:nvSpPr>
+          <p:cNvPr id="93" name="TextBox 92">
+            <a:extLst>
+              <a:ext uri="{FF2B5EF4-FFF2-40B4-BE49-F238E27FC236}">
+                <a16:creationId xmlns:a16="http://schemas.microsoft.com/office/drawing/2014/main" id="{A5AEC127-9F31-23AA-9110-95B168BEC3F8}"/>
+              </a:ext>
+            </a:extLst>
+          </p:cNvPr>
+          <p:cNvSpPr txBox="1"/>
+          <p:nvPr/>
+        </p:nvSpPr>
+        <p:spPr>
+          <a:xfrm>
+            <a:off x="4416491" y="3381273"/>
+            <a:ext cx="1060247" cy="369332"/>
+          </a:xfrm>
+          <a:prstGeom prst="rect">
+            <a:avLst/>
+          </a:prstGeom>
+          <a:noFill/>
+        </p:spPr>
+        <p:txBody>
+          <a:bodyPr wrap="square" rtlCol="0">
+            <a:spAutoFit/>
+          </a:bodyPr>
+          <a:lstStyle/>
+          <a:p>
+            <a:r>
+              <a:rPr lang="ko-KR" altLang="en-US"/>
+              <a:t>탈지</a:t>
+            </a:r>
+            <a:r>
+              <a:rPr lang="en-US" altLang="ko-KR"/>
+              <a:t>1</a:t>
+            </a:r>
+            <a:endParaRPr lang="ko-KR" altLang="en-US"/>
+          </a:p>
+        </p:txBody>
+      </p:sp>
+      <p:sp>
+        <p:nvSpPr>
+          <p:cNvPr id="94" name="TextBox 93">
+            <a:extLst>
+              <a:ext uri="{FF2B5EF4-FFF2-40B4-BE49-F238E27FC236}">
+                <a16:creationId xmlns:a16="http://schemas.microsoft.com/office/drawing/2014/main" id="{2ACE8D9B-DD71-0A72-BF4A-5B3F6CB8FCC4}"/>
+              </a:ext>
+            </a:extLst>
+          </p:cNvPr>
+          <p:cNvSpPr txBox="1"/>
+          <p:nvPr/>
+        </p:nvSpPr>
+        <p:spPr>
+          <a:xfrm>
+            <a:off x="4419324" y="3658426"/>
+            <a:ext cx="1060247" cy="369332"/>
+          </a:xfrm>
+          <a:prstGeom prst="rect">
+            <a:avLst/>
+          </a:prstGeom>
+          <a:noFill/>
+        </p:spPr>
+        <p:txBody>
+          <a:bodyPr wrap="square" rtlCol="0">
+            <a:spAutoFit/>
+          </a:bodyPr>
+          <a:lstStyle/>
+          <a:p>
+            <a:r>
+              <a:rPr lang="ko-KR" altLang="en-US"/>
+              <a:t>탈지</a:t>
+            </a:r>
+            <a:r>
+              <a:rPr lang="en-US" altLang="ko-KR"/>
+              <a:t>2</a:t>
+            </a:r>
+            <a:endParaRPr lang="ko-KR" altLang="en-US"/>
+          </a:p>
+        </p:txBody>
+      </p:sp>
+      <p:sp>
+        <p:nvSpPr>
+          <p:cNvPr id="95" name="TextBox 94">
+            <a:extLst>
+              <a:ext uri="{FF2B5EF4-FFF2-40B4-BE49-F238E27FC236}">
+                <a16:creationId xmlns:a16="http://schemas.microsoft.com/office/drawing/2014/main" id="{A9EE733F-5F38-5E75-F7DF-D32AF90304EE}"/>
+              </a:ext>
+            </a:extLst>
+          </p:cNvPr>
+          <p:cNvSpPr txBox="1"/>
+          <p:nvPr/>
+        </p:nvSpPr>
+        <p:spPr>
+          <a:xfrm>
+            <a:off x="6731088" y="3098866"/>
+            <a:ext cx="1060247" cy="369332"/>
+          </a:xfrm>
+          <a:prstGeom prst="rect">
+            <a:avLst/>
+          </a:prstGeom>
+          <a:noFill/>
+        </p:spPr>
+        <p:txBody>
+          <a:bodyPr wrap="square" rtlCol="0">
+            <a:spAutoFit/>
+          </a:bodyPr>
+          <a:lstStyle/>
+          <a:p>
+            <a:r>
+              <a:rPr lang="en-US" altLang="ko-KR"/>
+              <a:t>0.5h</a:t>
+            </a:r>
+            <a:endParaRPr lang="ko-KR" altLang="en-US"/>
+          </a:p>
+        </p:txBody>
+      </p:sp>
+      <p:sp>
+        <p:nvSpPr>
+          <p:cNvPr id="96" name="TextBox 95">
+            <a:extLst>
+              <a:ext uri="{FF2B5EF4-FFF2-40B4-BE49-F238E27FC236}">
+                <a16:creationId xmlns:a16="http://schemas.microsoft.com/office/drawing/2014/main" id="{CB8DED12-8CA8-40CC-E780-45BAE07A2108}"/>
+              </a:ext>
+            </a:extLst>
+          </p:cNvPr>
+          <p:cNvSpPr txBox="1"/>
+          <p:nvPr/>
+        </p:nvSpPr>
+        <p:spPr>
+          <a:xfrm>
+            <a:off x="6731087" y="3353482"/>
+            <a:ext cx="1060247" cy="646331"/>
+          </a:xfrm>
+          <a:prstGeom prst="rect">
+            <a:avLst/>
+          </a:prstGeom>
+          <a:noFill/>
+        </p:spPr>
+        <p:txBody>
+          <a:bodyPr wrap="square" rtlCol="0">
+            <a:spAutoFit/>
+          </a:bodyPr>
+          <a:lstStyle/>
+          <a:p>
+            <a:r>
+              <a:rPr lang="en-US" altLang="ko-KR"/>
+              <a:t>0.5h</a:t>
+            </a:r>
+            <a:endParaRPr lang="ko-KR" altLang="en-US"/>
+          </a:p>
+          <a:p>
+            <a:endParaRPr lang="ko-KR" altLang="en-US"/>
+          </a:p>
+        </p:txBody>
+      </p:sp>
+      <p:sp>
+        <p:nvSpPr>
+          <p:cNvPr id="97" name="TextBox 96">
+            <a:extLst>
+              <a:ext uri="{FF2B5EF4-FFF2-40B4-BE49-F238E27FC236}">
+                <a16:creationId xmlns:a16="http://schemas.microsoft.com/office/drawing/2014/main" id="{BDADDE80-C646-E747-5C97-9CC28BE1F36E}"/>
+              </a:ext>
+            </a:extLst>
+          </p:cNvPr>
+          <p:cNvSpPr txBox="1"/>
+          <p:nvPr/>
+        </p:nvSpPr>
+        <p:spPr>
+          <a:xfrm>
+            <a:off x="6727878" y="3641974"/>
+            <a:ext cx="1060247" cy="646331"/>
+          </a:xfrm>
+          <a:prstGeom prst="rect">
+            <a:avLst/>
+          </a:prstGeom>
+          <a:noFill/>
+        </p:spPr>
+        <p:txBody>
+          <a:bodyPr wrap="square" rtlCol="0">
+            <a:spAutoFit/>
+          </a:bodyPr>
+          <a:lstStyle/>
+          <a:p>
+            <a:r>
+              <a:rPr lang="en-US" altLang="ko-KR"/>
+              <a:t>0.5h</a:t>
+            </a:r>
+            <a:endParaRPr lang="ko-KR" altLang="en-US"/>
+          </a:p>
+          <a:p>
+            <a:endParaRPr lang="ko-KR" altLang="en-US"/>
+          </a:p>
+        </p:txBody>
+      </p:sp>
+      <p:sp>
+        <p:nvSpPr>
+          <p:cNvPr id="98" name="TextBox 97">
+            <a:extLst>
+              <a:ext uri="{FF2B5EF4-FFF2-40B4-BE49-F238E27FC236}">
+                <a16:creationId xmlns:a16="http://schemas.microsoft.com/office/drawing/2014/main" id="{6013B062-3F03-D652-BA57-85C8C4F1944D}"/>
+              </a:ext>
+            </a:extLst>
+          </p:cNvPr>
+          <p:cNvSpPr txBox="1"/>
+          <p:nvPr/>
+        </p:nvSpPr>
+        <p:spPr>
+          <a:xfrm>
+            <a:off x="8384599" y="3073916"/>
+            <a:ext cx="2285704" cy="646331"/>
+          </a:xfrm>
+          <a:prstGeom prst="rect">
+            <a:avLst/>
+          </a:prstGeom>
+          <a:noFill/>
+        </p:spPr>
+        <p:txBody>
+          <a:bodyPr wrap="square" rtlCol="0">
+            <a:spAutoFit/>
+          </a:bodyPr>
+          <a:lstStyle/>
+          <a:p>
+            <a:r>
+              <a:rPr lang="ko-KR" altLang="en-US"/>
+              <a:t>외관 검사</a:t>
+            </a:r>
+            <a:r>
+              <a:rPr lang="en-US" altLang="ko-KR"/>
+              <a:t>, LOT </a:t>
+            </a:r>
+            <a:r>
+              <a:rPr lang="ko-KR" altLang="en-US"/>
+              <a:t>부여</a:t>
+            </a:r>
+          </a:p>
+          <a:p>
+            <a:endParaRPr lang="ko-KR" altLang="en-US"/>
+          </a:p>
+        </p:txBody>
+      </p:sp>
+      <p:sp>
+        <p:nvSpPr>
+          <p:cNvPr id="99" name="TextBox 98">
+            <a:extLst>
+              <a:ext uri="{FF2B5EF4-FFF2-40B4-BE49-F238E27FC236}">
+                <a16:creationId xmlns:a16="http://schemas.microsoft.com/office/drawing/2014/main" id="{0FEE818D-9521-D76C-CA28-70AC021B060A}"/>
+              </a:ext>
+            </a:extLst>
+          </p:cNvPr>
+          <p:cNvSpPr txBox="1"/>
+          <p:nvPr/>
+        </p:nvSpPr>
+        <p:spPr>
+          <a:xfrm>
+            <a:off x="8912379" y="3364119"/>
+            <a:ext cx="1245355" cy="369332"/>
+          </a:xfrm>
+          <a:prstGeom prst="rect">
+            <a:avLst/>
+          </a:prstGeom>
+          <a:noFill/>
+        </p:spPr>
+        <p:txBody>
+          <a:bodyPr wrap="square" rtlCol="0">
+            <a:spAutoFit/>
+          </a:bodyPr>
+          <a:lstStyle/>
+          <a:p>
+            <a:r>
+              <a:rPr lang="ko-KR" altLang="en-US"/>
+              <a:t>유분 제거</a:t>
+            </a:r>
+          </a:p>
+        </p:txBody>
+      </p:sp>
+      <p:sp>
+        <p:nvSpPr>
+          <p:cNvPr id="100" name="TextBox 99">
+            <a:extLst>
+              <a:ext uri="{FF2B5EF4-FFF2-40B4-BE49-F238E27FC236}">
+                <a16:creationId xmlns:a16="http://schemas.microsoft.com/office/drawing/2014/main" id="{960F67E9-1B0B-92F6-4A82-F17F10A3421B}"/>
+              </a:ext>
+            </a:extLst>
+          </p:cNvPr>
+          <p:cNvSpPr txBox="1"/>
+          <p:nvPr/>
+        </p:nvSpPr>
+        <p:spPr>
+          <a:xfrm>
+            <a:off x="8912379" y="3664847"/>
+            <a:ext cx="1180641" cy="369332"/>
+          </a:xfrm>
+          <a:prstGeom prst="rect">
+            <a:avLst/>
+          </a:prstGeom>
+          <a:noFill/>
+        </p:spPr>
+        <p:txBody>
+          <a:bodyPr wrap="square" rtlCol="0">
+            <a:spAutoFit/>
+          </a:bodyPr>
+          <a:lstStyle/>
+          <a:p>
+            <a:r>
+              <a:rPr lang="ko-KR" altLang="en-US"/>
+              <a:t>이물 제거</a:t>
+            </a:r>
+          </a:p>
+        </p:txBody>
+      </p:sp>
+      <p:sp>
+        <p:nvSpPr>
+          <p:cNvPr id="106" name="TextBox 105">
+            <a:extLst>
+              <a:ext uri="{FF2B5EF4-FFF2-40B4-BE49-F238E27FC236}">
+                <a16:creationId xmlns:a16="http://schemas.microsoft.com/office/drawing/2014/main" id="{62E83359-7D1D-93F9-588A-069F5376E350}"/>
+              </a:ext>
+            </a:extLst>
+          </p:cNvPr>
+          <p:cNvSpPr txBox="1"/>
+          <p:nvPr/>
+        </p:nvSpPr>
+        <p:spPr>
+          <a:xfrm>
+            <a:off x="1735016" y="2790884"/>
+            <a:ext cx="6096982" cy="369332"/>
+          </a:xfrm>
+          <a:prstGeom prst="rect">
+            <a:avLst/>
+          </a:prstGeom>
+          <a:noFill/>
+        </p:spPr>
+        <p:txBody>
+          <a:bodyPr wrap="square">
+            <a:spAutoFit/>
+          </a:bodyPr>
+          <a:lstStyle/>
+          <a:p>
+            <a:r>
+              <a:rPr lang="ko-KR" altLang="en-US"/>
+              <a:t>번호</a:t>
+            </a:r>
+          </a:p>
+        </p:txBody>
+      </p:sp>
+      <p:sp>
+        <p:nvSpPr>
+          <p:cNvPr id="107" name="TextBox 106">
+            <a:extLst>
+              <a:ext uri="{FF2B5EF4-FFF2-40B4-BE49-F238E27FC236}">
+                <a16:creationId xmlns:a16="http://schemas.microsoft.com/office/drawing/2014/main" id="{C6647461-CB6E-E651-80FF-96EA4F0E871B}"/>
+              </a:ext>
+            </a:extLst>
+          </p:cNvPr>
+          <p:cNvSpPr txBox="1"/>
+          <p:nvPr/>
+        </p:nvSpPr>
+        <p:spPr>
+          <a:xfrm>
+            <a:off x="1905729" y="3090411"/>
+            <a:ext cx="319442" cy="369332"/>
+          </a:xfrm>
+          <a:prstGeom prst="rect">
+            <a:avLst/>
+          </a:prstGeom>
+          <a:noFill/>
+        </p:spPr>
+        <p:txBody>
+          <a:bodyPr wrap="square">
+            <a:spAutoFit/>
+          </a:bodyPr>
+          <a:lstStyle/>
+          <a:p>
+            <a:r>
+              <a:rPr lang="en-US" altLang="ko-KR"/>
+              <a:t>1</a:t>
+            </a:r>
+            <a:endParaRPr lang="ko-KR" altLang="en-US"/>
+          </a:p>
+        </p:txBody>
+      </p:sp>
+      <p:sp>
+        <p:nvSpPr>
+          <p:cNvPr id="110" name="TextBox 109">
+            <a:extLst>
+              <a:ext uri="{FF2B5EF4-FFF2-40B4-BE49-F238E27FC236}">
+                <a16:creationId xmlns:a16="http://schemas.microsoft.com/office/drawing/2014/main" id="{48A5B772-4FCD-281B-7E59-E782E058E1D2}"/>
+              </a:ext>
+            </a:extLst>
+          </p:cNvPr>
+          <p:cNvSpPr txBox="1"/>
+          <p:nvPr/>
+        </p:nvSpPr>
+        <p:spPr>
+          <a:xfrm>
+            <a:off x="1908562" y="3349776"/>
+            <a:ext cx="319442" cy="369332"/>
+          </a:xfrm>
+          <a:prstGeom prst="rect">
+            <a:avLst/>
+          </a:prstGeom>
+          <a:noFill/>
+        </p:spPr>
+        <p:txBody>
+          <a:bodyPr wrap="square">
+            <a:spAutoFit/>
+          </a:bodyPr>
+          <a:lstStyle/>
+          <a:p>
+            <a:r>
+              <a:rPr lang="en-US" altLang="ko-KR"/>
+              <a:t>2</a:t>
+            </a:r>
+            <a:endParaRPr lang="ko-KR" altLang="en-US"/>
+          </a:p>
+        </p:txBody>
+      </p:sp>
+      <p:sp>
+        <p:nvSpPr>
+          <p:cNvPr id="111" name="TextBox 110">
+            <a:extLst>
+              <a:ext uri="{FF2B5EF4-FFF2-40B4-BE49-F238E27FC236}">
+                <a16:creationId xmlns:a16="http://schemas.microsoft.com/office/drawing/2014/main" id="{B0F7719D-33FB-C9F8-0F16-E5966120131F}"/>
+              </a:ext>
+            </a:extLst>
+          </p:cNvPr>
+          <p:cNvSpPr txBox="1"/>
+          <p:nvPr/>
+        </p:nvSpPr>
+        <p:spPr>
+          <a:xfrm>
+            <a:off x="1896127" y="3631212"/>
+            <a:ext cx="319442" cy="369332"/>
+          </a:xfrm>
+          <a:prstGeom prst="rect">
+            <a:avLst/>
+          </a:prstGeom>
+          <a:noFill/>
+        </p:spPr>
+        <p:txBody>
+          <a:bodyPr wrap="square">
+            <a:spAutoFit/>
+          </a:bodyPr>
+          <a:lstStyle/>
+          <a:p>
+            <a:r>
+              <a:rPr lang="en-US" altLang="ko-KR"/>
+              <a:t>3</a:t>
+            </a:r>
+            <a:endParaRPr lang="ko-KR" altLang="en-US"/>
+          </a:p>
+        </p:txBody>
+      </p:sp>
+      <p:cxnSp>
+        <p:nvCxnSpPr>
+          <p:cNvPr id="115" name="직선 연결선 114">
+            <a:extLst>
+              <a:ext uri="{FF2B5EF4-FFF2-40B4-BE49-F238E27FC236}">
+                <a16:creationId xmlns:a16="http://schemas.microsoft.com/office/drawing/2014/main" id="{6CFA13A2-4A91-488F-F753-E9A3476348E3}"/>
+              </a:ext>
+            </a:extLst>
+          </p:cNvPr>
+          <p:cNvCxnSpPr>
+            <a:cxnSpLocks/>
+          </p:cNvCxnSpPr>
+          <p:nvPr/>
+        </p:nvCxnSpPr>
+        <p:spPr>
+          <a:xfrm>
+            <a:off x="1735016" y="2830276"/>
+            <a:ext cx="0" cy="1129503"/>
+          </a:xfrm>
+          <a:prstGeom prst="line">
+            <a:avLst/>
+          </a:prstGeom>
+        </p:spPr>
+        <p:style>
+          <a:lnRef idx="1">
+            <a:schemeClr val="dk1"/>
+          </a:lnRef>
+          <a:fillRef idx="0">
+            <a:schemeClr val="dk1"/>
+          </a:fillRef>
+          <a:effectRef idx="0">
+            <a:schemeClr val="dk1"/>
+          </a:effectRef>
+          <a:fontRef idx="minor">
+            <a:schemeClr val="tx1"/>
+          </a:fontRef>
+        </p:style>
+      </p:cxnSp>
+      <p:sp>
+        <p:nvSpPr>
+          <p:cNvPr id="121" name="직사각형 120">
+            <a:extLst>
+              <a:ext uri="{FF2B5EF4-FFF2-40B4-BE49-F238E27FC236}">
+                <a16:creationId xmlns:a16="http://schemas.microsoft.com/office/drawing/2014/main" id="{1F0F7157-F41A-7D6E-350F-59F7173E528B}"/>
+              </a:ext>
+            </a:extLst>
+          </p:cNvPr>
+          <p:cNvSpPr/>
+          <p:nvPr/>
+        </p:nvSpPr>
+        <p:spPr>
+          <a:xfrm>
+            <a:off x="1568401" y="3175640"/>
+            <a:ext cx="120626" cy="127166"/>
+          </a:xfrm>
+          <a:prstGeom prst="rect">
+            <a:avLst/>
+          </a:prstGeom>
+        </p:spPr>
+        <p:style>
+          <a:lnRef idx="2">
+            <a:schemeClr val="dk1"/>
+          </a:lnRef>
+          <a:fillRef idx="1">
+            <a:schemeClr val="lt1"/>
+          </a:fillRef>
+          <a:effectRef idx="0">
+            <a:schemeClr val="dk1"/>
+          </a:effectRef>
+          <a:fontRef idx="minor">
+            <a:schemeClr val="dk1"/>
+          </a:fontRef>
+        </p:style>
+        <p:txBody>
+          <a:bodyPr rtlCol="0" anchor="ctr"/>
+          <a:lstStyle/>
+          <a:p>
+            <a:pPr algn="ctr"/>
+            <a:endParaRPr lang="ko-KR" altLang="en-US"/>
+          </a:p>
+        </p:txBody>
+      </p:sp>
+      <p:sp>
+        <p:nvSpPr>
+          <p:cNvPr id="122" name="직사각형 121">
+            <a:extLst>
+              <a:ext uri="{FF2B5EF4-FFF2-40B4-BE49-F238E27FC236}">
+                <a16:creationId xmlns:a16="http://schemas.microsoft.com/office/drawing/2014/main" id="{10305519-A14A-7EF4-0C22-D822E37E5EB5}"/>
+              </a:ext>
+            </a:extLst>
+          </p:cNvPr>
+          <p:cNvSpPr/>
+          <p:nvPr/>
+        </p:nvSpPr>
+        <p:spPr>
+          <a:xfrm>
+            <a:off x="1567175" y="3451625"/>
+            <a:ext cx="120626" cy="127166"/>
+          </a:xfrm>
+          <a:prstGeom prst="rect">
+            <a:avLst/>
+          </a:prstGeom>
+        </p:spPr>
+        <p:style>
+          <a:lnRef idx="2">
+            <a:schemeClr val="dk1"/>
+          </a:lnRef>
+          <a:fillRef idx="1">
+            <a:schemeClr val="lt1"/>
+          </a:fillRef>
+          <a:effectRef idx="0">
+            <a:schemeClr val="dk1"/>
+          </a:effectRef>
+          <a:fontRef idx="minor">
+            <a:schemeClr val="dk1"/>
+          </a:fontRef>
+        </p:style>
+        <p:txBody>
+          <a:bodyPr rtlCol="0" anchor="ctr"/>
+          <a:lstStyle/>
+          <a:p>
+            <a:pPr algn="ctr"/>
+            <a:endParaRPr lang="ko-KR" altLang="en-US"/>
+          </a:p>
+        </p:txBody>
+      </p:sp>
+      <p:sp>
+        <p:nvSpPr>
+          <p:cNvPr id="123" name="직사각형 122">
+            <a:extLst>
+              <a:ext uri="{FF2B5EF4-FFF2-40B4-BE49-F238E27FC236}">
+                <a16:creationId xmlns:a16="http://schemas.microsoft.com/office/drawing/2014/main" id="{9BC6F25F-A36E-4AA5-0B13-43462EDDF040}"/>
+              </a:ext>
+            </a:extLst>
+          </p:cNvPr>
+          <p:cNvSpPr/>
+          <p:nvPr/>
+        </p:nvSpPr>
+        <p:spPr>
+          <a:xfrm>
+            <a:off x="1566499" y="3739140"/>
+            <a:ext cx="120626" cy="127166"/>
+          </a:xfrm>
+          <a:prstGeom prst="rect">
+            <a:avLst/>
+          </a:prstGeom>
+        </p:spPr>
+        <p:style>
+          <a:lnRef idx="2">
+            <a:schemeClr val="dk1"/>
+          </a:lnRef>
+          <a:fillRef idx="1">
+            <a:schemeClr val="lt1"/>
+          </a:fillRef>
+          <a:effectRef idx="0">
+            <a:schemeClr val="dk1"/>
+          </a:effectRef>
+          <a:fontRef idx="minor">
+            <a:schemeClr val="dk1"/>
+          </a:fontRef>
+        </p:style>
+        <p:txBody>
+          <a:bodyPr rtlCol="0" anchor="ctr"/>
+          <a:lstStyle/>
+          <a:p>
+            <a:pPr algn="ctr"/>
+            <a:endParaRPr lang="ko-KR" altLang="en-US"/>
+          </a:p>
+        </p:txBody>
+      </p:sp>
+      <p:pic>
+        <p:nvPicPr>
+          <p:cNvPr id="102" name="그래픽 101" descr="확인 표시">
+            <a:extLst>
+              <a:ext uri="{FF2B5EF4-FFF2-40B4-BE49-F238E27FC236}">
+                <a16:creationId xmlns:a16="http://schemas.microsoft.com/office/drawing/2014/main" id="{14999244-F2FD-2C43-43A9-8E53CA51D7E5}"/>
+              </a:ext>
+            </a:extLst>
+          </p:cNvPr>
+          <p:cNvPicPr>
+            <a:picLocks noChangeAspect="1"/>
+          </p:cNvPicPr>
+          <p:nvPr/>
+        </p:nvPicPr>
+        <p:blipFill>
+          <a:blip r:embed="rId4">
+            <a:extLst>
+              <a:ext uri="{96DAC541-7B7A-43D3-8B79-37D633B846F1}">
+                <asvg:svgBlip xmlns:asvg="http://schemas.microsoft.com/office/drawing/2016/SVG/main" r:embed="rId5"/>
+              </a:ext>
+            </a:extLst>
+          </a:blip>
+          <a:stretch>
+            <a:fillRect/>
+          </a:stretch>
+        </p:blipFill>
+        <p:spPr>
+          <a:xfrm>
+            <a:off x="1539656" y="3037818"/>
+            <a:ext cx="219310" cy="296750"/>
+          </a:xfrm>
+          <a:prstGeom prst="rect">
+            <a:avLst/>
+          </a:prstGeom>
+        </p:spPr>
+      </p:pic>
+      <p:sp>
+        <p:nvSpPr>
+          <p:cNvPr id="134" name="사각형: 둥근 모서리 133">
+            <a:extLst>
+              <a:ext uri="{FF2B5EF4-FFF2-40B4-BE49-F238E27FC236}">
+                <a16:creationId xmlns:a16="http://schemas.microsoft.com/office/drawing/2014/main" id="{C0D49EE0-CC8C-2A2F-7E5E-CCB44C8BAA78}"/>
+              </a:ext>
+            </a:extLst>
+          </p:cNvPr>
+          <p:cNvSpPr/>
+          <p:nvPr/>
+        </p:nvSpPr>
+        <p:spPr>
+          <a:xfrm>
+            <a:off x="1358079" y="4142652"/>
+            <a:ext cx="1336814" cy="375385"/>
+          </a:xfrm>
+          <a:prstGeom prst="roundRect">
+            <a:avLst/>
+          </a:prstGeom>
+          <a:noFill/>
+          <a:ln>
+            <a:noFill/>
+          </a:ln>
+        </p:spPr>
+        <p:style>
+          <a:lnRef idx="0">
+            <a:scrgbClr r="0" g="0" b="0"/>
+          </a:lnRef>
+          <a:fillRef idx="0">
+            <a:scrgbClr r="0" g="0" b="0"/>
+          </a:fillRef>
+          <a:effectRef idx="0">
+            <a:scrgbClr r="0" g="0" b="0"/>
+          </a:effectRef>
+          <a:fontRef idx="minor">
+            <a:schemeClr val="dk1"/>
+          </a:fontRef>
+        </p:style>
+        <p:txBody>
+          <a:bodyPr rtlCol="0" anchor="ctr"/>
+          <a:lstStyle/>
+          <a:p>
+            <a:pPr algn="ctr"/>
+            <a:r>
+              <a:rPr lang="ko-KR" altLang="en-US" sz="1200"/>
+              <a:t>선택 라우팅</a:t>
+            </a:r>
+          </a:p>
+        </p:txBody>
+      </p:sp>
+      <p:cxnSp>
+        <p:nvCxnSpPr>
+          <p:cNvPr id="137" name="직선 연결선 136">
+            <a:extLst>
+              <a:ext uri="{FF2B5EF4-FFF2-40B4-BE49-F238E27FC236}">
+                <a16:creationId xmlns:a16="http://schemas.microsoft.com/office/drawing/2014/main" id="{01C893CA-839D-8AEF-C503-F8D7820183ED}"/>
+              </a:ext>
+            </a:extLst>
+          </p:cNvPr>
+          <p:cNvCxnSpPr>
+            <a:cxnSpLocks/>
+          </p:cNvCxnSpPr>
+          <p:nvPr/>
+        </p:nvCxnSpPr>
+        <p:spPr>
+          <a:xfrm>
+            <a:off x="3889967" y="4433427"/>
+            <a:ext cx="0" cy="791716"/>
+          </a:xfrm>
+          <a:prstGeom prst="line">
+            <a:avLst/>
+          </a:prstGeom>
+        </p:spPr>
+        <p:style>
+          <a:lnRef idx="1">
+            <a:schemeClr val="dk1"/>
+          </a:lnRef>
+          <a:fillRef idx="0">
+            <a:schemeClr val="dk1"/>
+          </a:fillRef>
+          <a:effectRef idx="0">
+            <a:schemeClr val="dk1"/>
+          </a:effectRef>
+          <a:fontRef idx="minor">
+            <a:schemeClr val="tx1"/>
+          </a:fontRef>
+        </p:style>
+      </p:cxnSp>
+      <p:cxnSp>
+        <p:nvCxnSpPr>
+          <p:cNvPr id="138" name="직선 연결선 137">
+            <a:extLst>
+              <a:ext uri="{FF2B5EF4-FFF2-40B4-BE49-F238E27FC236}">
+                <a16:creationId xmlns:a16="http://schemas.microsoft.com/office/drawing/2014/main" id="{6A3D73DF-5795-1A64-982C-36E0575D4F13}"/>
+              </a:ext>
+            </a:extLst>
+          </p:cNvPr>
+          <p:cNvCxnSpPr>
+            <a:cxnSpLocks/>
+            <a:stCxn id="135" idx="0"/>
+            <a:endCxn id="135" idx="2"/>
+          </p:cNvCxnSpPr>
+          <p:nvPr/>
+        </p:nvCxnSpPr>
+        <p:spPr>
+          <a:xfrm>
+            <a:off x="6088959" y="4417437"/>
+            <a:ext cx="0" cy="791716"/>
+          </a:xfrm>
+          <a:prstGeom prst="line">
+            <a:avLst/>
+          </a:prstGeom>
+        </p:spPr>
+        <p:style>
+          <a:lnRef idx="1">
+            <a:schemeClr val="dk1"/>
+          </a:lnRef>
+          <a:fillRef idx="0">
+            <a:schemeClr val="dk1"/>
+          </a:fillRef>
+          <a:effectRef idx="0">
+            <a:schemeClr val="dk1"/>
+          </a:effectRef>
+          <a:fontRef idx="minor">
+            <a:schemeClr val="tx1"/>
+          </a:fontRef>
+        </p:style>
+      </p:cxnSp>
+      <p:sp>
+        <p:nvSpPr>
+          <p:cNvPr id="140" name="TextBox 139">
+            <a:extLst>
+              <a:ext uri="{FF2B5EF4-FFF2-40B4-BE49-F238E27FC236}">
+                <a16:creationId xmlns:a16="http://schemas.microsoft.com/office/drawing/2014/main" id="{F80DD440-DEAB-41C0-16EB-31B5BC0AC2C2}"/>
+              </a:ext>
+            </a:extLst>
+          </p:cNvPr>
+          <p:cNvSpPr txBox="1"/>
+          <p:nvPr/>
+        </p:nvSpPr>
+        <p:spPr>
+          <a:xfrm>
+            <a:off x="2522690" y="4459953"/>
+            <a:ext cx="1435156" cy="369332"/>
+          </a:xfrm>
+          <a:prstGeom prst="rect">
+            <a:avLst/>
+          </a:prstGeom>
+          <a:noFill/>
+        </p:spPr>
+        <p:txBody>
+          <a:bodyPr wrap="square" rtlCol="0">
+            <a:spAutoFit/>
+          </a:bodyPr>
+          <a:lstStyle/>
+          <a:p>
+            <a:r>
+              <a:rPr lang="ko-KR" altLang="en-US"/>
+              <a:t>공정 코드</a:t>
+            </a:r>
+          </a:p>
+        </p:txBody>
+      </p:sp>
+      <p:sp>
+        <p:nvSpPr>
+          <p:cNvPr id="141" name="TextBox 140">
+            <a:extLst>
+              <a:ext uri="{FF2B5EF4-FFF2-40B4-BE49-F238E27FC236}">
+                <a16:creationId xmlns:a16="http://schemas.microsoft.com/office/drawing/2014/main" id="{4C895CF8-77E7-E7BC-04AA-0A39648038A3}"/>
+              </a:ext>
+            </a:extLst>
+          </p:cNvPr>
+          <p:cNvSpPr txBox="1"/>
+          <p:nvPr/>
+        </p:nvSpPr>
+        <p:spPr>
+          <a:xfrm>
+            <a:off x="4325536" y="4433427"/>
+            <a:ext cx="1435156" cy="369332"/>
+          </a:xfrm>
+          <a:prstGeom prst="rect">
+            <a:avLst/>
+          </a:prstGeom>
+          <a:noFill/>
+        </p:spPr>
+        <p:txBody>
+          <a:bodyPr wrap="square" rtlCol="0">
+            <a:spAutoFit/>
+          </a:bodyPr>
+          <a:lstStyle/>
+          <a:p>
+            <a:r>
+              <a:rPr lang="ko-KR" altLang="en-US"/>
+              <a:t>공정 명</a:t>
+            </a:r>
+          </a:p>
+        </p:txBody>
+      </p:sp>
+      <p:sp>
+        <p:nvSpPr>
+          <p:cNvPr id="142" name="TextBox 141">
+            <a:extLst>
+              <a:ext uri="{FF2B5EF4-FFF2-40B4-BE49-F238E27FC236}">
+                <a16:creationId xmlns:a16="http://schemas.microsoft.com/office/drawing/2014/main" id="{168836E7-9F8E-2C17-5F77-AE2532D2EBD8}"/>
+              </a:ext>
+            </a:extLst>
+          </p:cNvPr>
+          <p:cNvSpPr txBox="1"/>
+          <p:nvPr/>
+        </p:nvSpPr>
+        <p:spPr>
+          <a:xfrm>
+            <a:off x="6515958" y="4499011"/>
+            <a:ext cx="1435156" cy="369332"/>
+          </a:xfrm>
+          <a:prstGeom prst="rect">
+            <a:avLst/>
+          </a:prstGeom>
+          <a:noFill/>
+        </p:spPr>
+        <p:txBody>
+          <a:bodyPr wrap="square" rtlCol="0">
+            <a:spAutoFit/>
+          </a:bodyPr>
+          <a:lstStyle/>
+          <a:p>
+            <a:r>
+              <a:rPr lang="ko-KR" altLang="en-US"/>
+              <a:t>공정 시간</a:t>
+            </a:r>
+          </a:p>
+        </p:txBody>
+      </p:sp>
+      <p:sp>
+        <p:nvSpPr>
+          <p:cNvPr id="143" name="TextBox 142">
+            <a:extLst>
+              <a:ext uri="{FF2B5EF4-FFF2-40B4-BE49-F238E27FC236}">
+                <a16:creationId xmlns:a16="http://schemas.microsoft.com/office/drawing/2014/main" id="{6C9B27DF-551B-7237-1FA5-D57921F9B25E}"/>
+              </a:ext>
+            </a:extLst>
+          </p:cNvPr>
+          <p:cNvSpPr txBox="1"/>
+          <p:nvPr/>
+        </p:nvSpPr>
+        <p:spPr>
+          <a:xfrm>
+            <a:off x="9111345" y="4446631"/>
+            <a:ext cx="1435156" cy="369332"/>
+          </a:xfrm>
+          <a:prstGeom prst="rect">
+            <a:avLst/>
+          </a:prstGeom>
+          <a:noFill/>
+        </p:spPr>
+        <p:txBody>
+          <a:bodyPr wrap="square" rtlCol="0">
+            <a:spAutoFit/>
+          </a:bodyPr>
+          <a:lstStyle/>
+          <a:p>
+            <a:r>
+              <a:rPr lang="ko-KR" altLang="en-US"/>
+              <a:t>비고</a:t>
+            </a:r>
+          </a:p>
+        </p:txBody>
+      </p:sp>
+      <p:cxnSp>
+        <p:nvCxnSpPr>
+          <p:cNvPr id="144" name="직선 연결선 143">
+            <a:extLst>
+              <a:ext uri="{FF2B5EF4-FFF2-40B4-BE49-F238E27FC236}">
+                <a16:creationId xmlns:a16="http://schemas.microsoft.com/office/drawing/2014/main" id="{9E49D1B5-3EE0-9212-B9A8-A3D66183D574}"/>
+              </a:ext>
+            </a:extLst>
+          </p:cNvPr>
+          <p:cNvCxnSpPr>
+            <a:cxnSpLocks/>
+            <a:stCxn id="135" idx="1"/>
+            <a:endCxn id="135" idx="3"/>
+          </p:cNvCxnSpPr>
+          <p:nvPr/>
+        </p:nvCxnSpPr>
+        <p:spPr>
+          <a:xfrm>
+            <a:off x="1521742" y="4813295"/>
+            <a:ext cx="9134434" cy="0"/>
+          </a:xfrm>
+          <a:prstGeom prst="line">
+            <a:avLst/>
+          </a:prstGeom>
+        </p:spPr>
+        <p:style>
+          <a:lnRef idx="1">
+            <a:schemeClr val="dk1"/>
+          </a:lnRef>
+          <a:fillRef idx="0">
+            <a:schemeClr val="dk1"/>
+          </a:fillRef>
+          <a:effectRef idx="0">
+            <a:schemeClr val="dk1"/>
+          </a:effectRef>
+          <a:fontRef idx="minor">
+            <a:schemeClr val="tx1"/>
+          </a:fontRef>
+        </p:style>
+      </p:cxnSp>
+      <p:cxnSp>
+        <p:nvCxnSpPr>
+          <p:cNvPr id="146" name="직선 연결선 145">
+            <a:extLst>
+              <a:ext uri="{FF2B5EF4-FFF2-40B4-BE49-F238E27FC236}">
+                <a16:creationId xmlns:a16="http://schemas.microsoft.com/office/drawing/2014/main" id="{CFC67936-8BAC-794E-E84C-30E820592658}"/>
+              </a:ext>
+            </a:extLst>
+          </p:cNvPr>
+          <p:cNvCxnSpPr>
+            <a:cxnSpLocks/>
+          </p:cNvCxnSpPr>
+          <p:nvPr/>
+        </p:nvCxnSpPr>
+        <p:spPr>
+          <a:xfrm>
+            <a:off x="2391309" y="4433427"/>
+            <a:ext cx="0" cy="791716"/>
+          </a:xfrm>
+          <a:prstGeom prst="line">
+            <a:avLst/>
+          </a:prstGeom>
+        </p:spPr>
+        <p:style>
+          <a:lnRef idx="1">
+            <a:schemeClr val="dk1"/>
+          </a:lnRef>
+          <a:fillRef idx="0">
+            <a:schemeClr val="dk1"/>
+          </a:fillRef>
+          <a:effectRef idx="0">
+            <a:schemeClr val="dk1"/>
+          </a:effectRef>
+          <a:fontRef idx="minor">
+            <a:schemeClr val="tx1"/>
+          </a:fontRef>
+        </p:style>
+      </p:cxnSp>
+      <p:sp>
+        <p:nvSpPr>
+          <p:cNvPr id="147" name="TextBox 146">
+            <a:extLst>
+              <a:ext uri="{FF2B5EF4-FFF2-40B4-BE49-F238E27FC236}">
+                <a16:creationId xmlns:a16="http://schemas.microsoft.com/office/drawing/2014/main" id="{6D44D66D-B4B4-5D11-F1AF-392295E0BD97}"/>
+              </a:ext>
+            </a:extLst>
+          </p:cNvPr>
+          <p:cNvSpPr txBox="1"/>
+          <p:nvPr/>
+        </p:nvSpPr>
+        <p:spPr>
+          <a:xfrm>
+            <a:off x="2694893" y="4830701"/>
+            <a:ext cx="1060247" cy="369332"/>
+          </a:xfrm>
+          <a:prstGeom prst="rect">
+            <a:avLst/>
+          </a:prstGeom>
+          <a:noFill/>
+        </p:spPr>
+        <p:txBody>
+          <a:bodyPr wrap="square" rtlCol="0">
+            <a:spAutoFit/>
+          </a:bodyPr>
+          <a:lstStyle/>
+          <a:p>
+            <a:r>
+              <a:rPr lang="en-US" altLang="ko-KR"/>
+              <a:t>PC-10</a:t>
+            </a:r>
+            <a:endParaRPr lang="ko-KR" altLang="en-US"/>
+          </a:p>
+        </p:txBody>
+      </p:sp>
+      <p:sp>
+        <p:nvSpPr>
+          <p:cNvPr id="150" name="TextBox 149">
+            <a:extLst>
+              <a:ext uri="{FF2B5EF4-FFF2-40B4-BE49-F238E27FC236}">
+                <a16:creationId xmlns:a16="http://schemas.microsoft.com/office/drawing/2014/main" id="{4CC6136F-FBC3-226B-904C-2222D196596E}"/>
+              </a:ext>
+            </a:extLst>
+          </p:cNvPr>
+          <p:cNvSpPr txBox="1"/>
+          <p:nvPr/>
+        </p:nvSpPr>
+        <p:spPr>
+          <a:xfrm>
+            <a:off x="4184950" y="4829285"/>
+            <a:ext cx="1696592" cy="369332"/>
+          </a:xfrm>
+          <a:prstGeom prst="rect">
+            <a:avLst/>
+          </a:prstGeom>
+          <a:noFill/>
+        </p:spPr>
+        <p:txBody>
+          <a:bodyPr wrap="square" rtlCol="0">
+            <a:spAutoFit/>
+          </a:bodyPr>
+          <a:lstStyle/>
+          <a:p>
+            <a:r>
+              <a:rPr lang="ko-KR" altLang="en-US"/>
+              <a:t>입고</a:t>
+            </a:r>
+            <a:r>
+              <a:rPr lang="en-US" altLang="ko-KR"/>
+              <a:t>/</a:t>
+            </a:r>
+            <a:r>
+              <a:rPr lang="ko-KR" altLang="en-US"/>
+              <a:t>수입검사</a:t>
+            </a:r>
+          </a:p>
+        </p:txBody>
+      </p:sp>
+      <p:sp>
+        <p:nvSpPr>
+          <p:cNvPr id="153" name="TextBox 152">
+            <a:extLst>
+              <a:ext uri="{FF2B5EF4-FFF2-40B4-BE49-F238E27FC236}">
+                <a16:creationId xmlns:a16="http://schemas.microsoft.com/office/drawing/2014/main" id="{7FD095C1-2D35-521B-E823-DA7A64838E3C}"/>
+              </a:ext>
+            </a:extLst>
+          </p:cNvPr>
+          <p:cNvSpPr txBox="1"/>
+          <p:nvPr/>
+        </p:nvSpPr>
+        <p:spPr>
+          <a:xfrm>
+            <a:off x="6771751" y="4847816"/>
+            <a:ext cx="1060247" cy="369332"/>
+          </a:xfrm>
+          <a:prstGeom prst="rect">
+            <a:avLst/>
+          </a:prstGeom>
+          <a:noFill/>
+        </p:spPr>
+        <p:txBody>
+          <a:bodyPr wrap="square" rtlCol="0">
+            <a:spAutoFit/>
+          </a:bodyPr>
+          <a:lstStyle/>
+          <a:p>
+            <a:r>
+              <a:rPr lang="en-US" altLang="ko-KR"/>
+              <a:t>0.5h</a:t>
+            </a:r>
+            <a:endParaRPr lang="ko-KR" altLang="en-US"/>
+          </a:p>
+        </p:txBody>
+      </p:sp>
+      <p:sp>
+        <p:nvSpPr>
+          <p:cNvPr id="155" name="TextBox 154">
+            <a:extLst>
+              <a:ext uri="{FF2B5EF4-FFF2-40B4-BE49-F238E27FC236}">
+                <a16:creationId xmlns:a16="http://schemas.microsoft.com/office/drawing/2014/main" id="{BFCDC428-FB83-ED9F-DF89-888FFAEB8640}"/>
+              </a:ext>
+            </a:extLst>
+          </p:cNvPr>
+          <p:cNvSpPr txBox="1"/>
+          <p:nvPr/>
+        </p:nvSpPr>
+        <p:spPr>
+          <a:xfrm>
+            <a:off x="8442768" y="4837607"/>
+            <a:ext cx="2285704" cy="646331"/>
+          </a:xfrm>
+          <a:prstGeom prst="rect">
+            <a:avLst/>
+          </a:prstGeom>
+          <a:noFill/>
+        </p:spPr>
+        <p:txBody>
+          <a:bodyPr wrap="square" rtlCol="0">
+            <a:spAutoFit/>
+          </a:bodyPr>
+          <a:lstStyle/>
+          <a:p>
+            <a:r>
+              <a:rPr lang="ko-KR" altLang="en-US"/>
+              <a:t>외관 검사</a:t>
+            </a:r>
+            <a:r>
+              <a:rPr lang="en-US" altLang="ko-KR"/>
+              <a:t>, LOT </a:t>
+            </a:r>
+            <a:r>
+              <a:rPr lang="ko-KR" altLang="en-US"/>
+              <a:t>부여</a:t>
+            </a:r>
+          </a:p>
+          <a:p>
+            <a:endParaRPr lang="ko-KR" altLang="en-US"/>
+          </a:p>
+        </p:txBody>
+      </p:sp>
+      <p:sp>
+        <p:nvSpPr>
+          <p:cNvPr id="158" name="TextBox 157">
+            <a:extLst>
+              <a:ext uri="{FF2B5EF4-FFF2-40B4-BE49-F238E27FC236}">
+                <a16:creationId xmlns:a16="http://schemas.microsoft.com/office/drawing/2014/main" id="{C086C53D-9B61-07F7-21FC-AAA714751355}"/>
+              </a:ext>
+            </a:extLst>
+          </p:cNvPr>
+          <p:cNvSpPr txBox="1"/>
+          <p:nvPr/>
+        </p:nvSpPr>
+        <p:spPr>
+          <a:xfrm>
+            <a:off x="1683424" y="4472949"/>
+            <a:ext cx="646821" cy="369332"/>
+          </a:xfrm>
+          <a:prstGeom prst="rect">
+            <a:avLst/>
+          </a:prstGeom>
+          <a:noFill/>
+        </p:spPr>
+        <p:txBody>
+          <a:bodyPr wrap="square">
+            <a:spAutoFit/>
+          </a:bodyPr>
+          <a:lstStyle/>
+          <a:p>
+            <a:r>
+              <a:rPr lang="ko-KR" altLang="en-US"/>
+              <a:t>순서</a:t>
+            </a:r>
+          </a:p>
+        </p:txBody>
+      </p:sp>
+      <p:sp>
+        <p:nvSpPr>
+          <p:cNvPr id="159" name="TextBox 158">
+            <a:extLst>
+              <a:ext uri="{FF2B5EF4-FFF2-40B4-BE49-F238E27FC236}">
+                <a16:creationId xmlns:a16="http://schemas.microsoft.com/office/drawing/2014/main" id="{F05E4936-474D-1201-CE5A-8F62EF3049CE}"/>
+              </a:ext>
+            </a:extLst>
+          </p:cNvPr>
+          <p:cNvSpPr txBox="1"/>
+          <p:nvPr/>
+        </p:nvSpPr>
+        <p:spPr>
+          <a:xfrm>
+            <a:off x="1866765" y="4822545"/>
+            <a:ext cx="319442" cy="369332"/>
+          </a:xfrm>
+          <a:prstGeom prst="rect">
+            <a:avLst/>
+          </a:prstGeom>
+          <a:noFill/>
+        </p:spPr>
+        <p:txBody>
+          <a:bodyPr wrap="square">
+            <a:spAutoFit/>
+          </a:bodyPr>
+          <a:lstStyle/>
+          <a:p>
+            <a:r>
+              <a:rPr lang="en-US" altLang="ko-KR"/>
+              <a:t>1</a:t>
+            </a:r>
+            <a:endParaRPr lang="ko-KR" altLang="en-US"/>
+          </a:p>
+        </p:txBody>
+      </p:sp>
+      <p:sp>
+        <p:nvSpPr>
+          <p:cNvPr id="185" name="순서도: 연결자 184">
+            <a:extLst>
+              <a:ext uri="{FF2B5EF4-FFF2-40B4-BE49-F238E27FC236}">
+                <a16:creationId xmlns:a16="http://schemas.microsoft.com/office/drawing/2014/main" id="{B95B35BC-4DD4-E268-34C0-DBFCA9FBBCF8}"/>
+              </a:ext>
+            </a:extLst>
+          </p:cNvPr>
+          <p:cNvSpPr/>
+          <p:nvPr/>
+        </p:nvSpPr>
+        <p:spPr>
+          <a:xfrm>
+            <a:off x="8914854" y="6297097"/>
+            <a:ext cx="231278" cy="228685"/>
+          </a:xfrm>
+          <a:prstGeom prst="flowChartConnector">
+            <a:avLst/>
+          </a:prstGeom>
+          <a:solidFill>
+            <a:srgbClr val="FFFF00"/>
+          </a:solidFill>
+          <a:ln>
+            <a:solidFill>
+              <a:schemeClr val="tx1"/>
+            </a:solidFill>
+          </a:ln>
+        </p:spPr>
+        <p:style>
+          <a:lnRef idx="1">
+            <a:schemeClr val="accent4"/>
+          </a:lnRef>
+          <a:fillRef idx="2">
+            <a:schemeClr val="accent4"/>
+          </a:fillRef>
+          <a:effectRef idx="1">
+            <a:schemeClr val="accent4"/>
+          </a:effectRef>
+          <a:fontRef idx="minor">
+            <a:schemeClr val="dk1"/>
+          </a:fontRef>
+        </p:style>
+        <p:txBody>
+          <a:bodyPr rtlCol="0" anchor="ctr"/>
+          <a:lstStyle/>
+          <a:p>
+            <a:pPr algn="ctr"/>
+            <a:endParaRPr lang="ko-KR" altLang="en-US" sz="1300"/>
+          </a:p>
+        </p:txBody>
+      </p:sp>
+      <p:sp>
+        <p:nvSpPr>
+          <p:cNvPr id="186" name="TextBox 185">
+            <a:extLst>
+              <a:ext uri="{FF2B5EF4-FFF2-40B4-BE49-F238E27FC236}">
+                <a16:creationId xmlns:a16="http://schemas.microsoft.com/office/drawing/2014/main" id="{B63FD9C3-EEA7-4E85-4739-3C93E1476302}"/>
+              </a:ext>
+            </a:extLst>
+          </p:cNvPr>
+          <p:cNvSpPr txBox="1"/>
+          <p:nvPr/>
+        </p:nvSpPr>
+        <p:spPr>
+          <a:xfrm>
+            <a:off x="8871559" y="6283890"/>
+            <a:ext cx="663497" cy="215444"/>
+          </a:xfrm>
+          <a:prstGeom prst="rect">
+            <a:avLst/>
+          </a:prstGeom>
+          <a:noFill/>
+        </p:spPr>
+        <p:txBody>
+          <a:bodyPr wrap="square" rtlCol="0">
+            <a:spAutoFit/>
+          </a:bodyPr>
+          <a:lstStyle/>
+          <a:p>
+            <a:r>
+              <a:rPr lang="en-US" altLang="ko-KR" sz="800"/>
+              <a:t>11</a:t>
+            </a:r>
+            <a:endParaRPr lang="ko-KR" altLang="en-US" sz="800"/>
+          </a:p>
+        </p:txBody>
+      </p:sp>
+      <p:cxnSp>
+        <p:nvCxnSpPr>
+          <p:cNvPr id="191" name="직선 연결선 190">
+            <a:extLst>
+              <a:ext uri="{FF2B5EF4-FFF2-40B4-BE49-F238E27FC236}">
+                <a16:creationId xmlns:a16="http://schemas.microsoft.com/office/drawing/2014/main" id="{EDC61C27-D217-C081-41F8-65F30C4C42D6}"/>
+              </a:ext>
+            </a:extLst>
+          </p:cNvPr>
+          <p:cNvCxnSpPr>
+            <a:cxnSpLocks/>
+          </p:cNvCxnSpPr>
+          <p:nvPr/>
+        </p:nvCxnSpPr>
+        <p:spPr>
+          <a:xfrm>
+            <a:off x="8450730" y="4417437"/>
+            <a:ext cx="0" cy="791716"/>
+          </a:xfrm>
+          <a:prstGeom prst="line">
+            <a:avLst/>
+          </a:prstGeom>
+        </p:spPr>
+        <p:style>
+          <a:lnRef idx="1">
+            <a:schemeClr val="dk1"/>
+          </a:lnRef>
+          <a:fillRef idx="0">
+            <a:schemeClr val="dk1"/>
+          </a:fillRef>
+          <a:effectRef idx="0">
+            <a:schemeClr val="dk1"/>
+          </a:effectRef>
+          <a:fontRef idx="minor">
+            <a:schemeClr val="tx1"/>
+          </a:fontRef>
+        </p:style>
+      </p:cxnSp>
+    </p:spTree>
+    <p:extLst>
+      <p:ext uri="{BB962C8B-B14F-4D97-AF65-F5344CB8AC3E}">
+        <p14:creationId xmlns:p14="http://schemas.microsoft.com/office/powerpoint/2010/main" val="341631477"/>
+      </p:ext>
+    </p:extLst>
+  </p:cSld>
+  <p:clrMapOvr>
+    <a:masterClrMapping/>
+  </p:clrMapOvr>
+</p:sld>
+</file>
+
+<file path=ppt/slides/slide3.xml><?xml version="1.0" encoding="utf-8"?>
 <p:sld xmlns:a="http://schemas.openxmlformats.org/drawingml/2006/main" xmlns:r="http://schemas.openxmlformats.org/officeDocument/2006/relationships" xmlns:p="http://schemas.openxmlformats.org/presentationml/2006/main">
   <p:cSld>
     <p:spTree>
